--- a/Drafts & Material/IDM Models.pptx
+++ b/Drafts & Material/IDM Models.pptx
@@ -6,8 +6,9 @@
   </p:sldMasterIdLst>
   <p:sldIdLst>
     <p:sldId id="256" r:id="rId2"/>
-    <p:sldId id="257" r:id="rId3"/>
-    <p:sldId id="258" r:id="rId4"/>
+    <p:sldId id="259" r:id="rId3"/>
+    <p:sldId id="257" r:id="rId4"/>
+    <p:sldId id="258" r:id="rId5"/>
   </p:sldIdLst>
   <p:sldSz cx="12192000" cy="6858000"/>
   <p:notesSz cx="6858000" cy="9144000"/>
@@ -245,7 +246,7 @@
           <a:p>
             <a:fld id="{DB81182E-7B69-4EFE-B25E-B8DB71FFD0A7}" type="datetimeFigureOut">
               <a:rPr lang="en-US" smtClean="0"/>
-              <a:t>4/10/2016</a:t>
+              <a:t>4/12/2016</a:t>
             </a:fld>
             <a:endParaRPr lang="en-US"/>
           </a:p>
@@ -415,7 +416,7 @@
           <a:p>
             <a:fld id="{DB81182E-7B69-4EFE-B25E-B8DB71FFD0A7}" type="datetimeFigureOut">
               <a:rPr lang="en-US" smtClean="0"/>
-              <a:t>4/10/2016</a:t>
+              <a:t>4/12/2016</a:t>
             </a:fld>
             <a:endParaRPr lang="en-US"/>
           </a:p>
@@ -595,7 +596,7 @@
           <a:p>
             <a:fld id="{DB81182E-7B69-4EFE-B25E-B8DB71FFD0A7}" type="datetimeFigureOut">
               <a:rPr lang="en-US" smtClean="0"/>
-              <a:t>4/10/2016</a:t>
+              <a:t>4/12/2016</a:t>
             </a:fld>
             <a:endParaRPr lang="en-US"/>
           </a:p>
@@ -765,7 +766,7 @@
           <a:p>
             <a:fld id="{DB81182E-7B69-4EFE-B25E-B8DB71FFD0A7}" type="datetimeFigureOut">
               <a:rPr lang="en-US" smtClean="0"/>
-              <a:t>4/10/2016</a:t>
+              <a:t>4/12/2016</a:t>
             </a:fld>
             <a:endParaRPr lang="en-US"/>
           </a:p>
@@ -1011,7 +1012,7 @@
           <a:p>
             <a:fld id="{DB81182E-7B69-4EFE-B25E-B8DB71FFD0A7}" type="datetimeFigureOut">
               <a:rPr lang="en-US" smtClean="0"/>
-              <a:t>4/10/2016</a:t>
+              <a:t>4/12/2016</a:t>
             </a:fld>
             <a:endParaRPr lang="en-US"/>
           </a:p>
@@ -1243,7 +1244,7 @@
           <a:p>
             <a:fld id="{DB81182E-7B69-4EFE-B25E-B8DB71FFD0A7}" type="datetimeFigureOut">
               <a:rPr lang="en-US" smtClean="0"/>
-              <a:t>4/10/2016</a:t>
+              <a:t>4/12/2016</a:t>
             </a:fld>
             <a:endParaRPr lang="en-US"/>
           </a:p>
@@ -1610,7 +1611,7 @@
           <a:p>
             <a:fld id="{DB81182E-7B69-4EFE-B25E-B8DB71FFD0A7}" type="datetimeFigureOut">
               <a:rPr lang="en-US" smtClean="0"/>
-              <a:t>4/10/2016</a:t>
+              <a:t>4/12/2016</a:t>
             </a:fld>
             <a:endParaRPr lang="en-US"/>
           </a:p>
@@ -1728,7 +1729,7 @@
           <a:p>
             <a:fld id="{DB81182E-7B69-4EFE-B25E-B8DB71FFD0A7}" type="datetimeFigureOut">
               <a:rPr lang="en-US" smtClean="0"/>
-              <a:t>4/10/2016</a:t>
+              <a:t>4/12/2016</a:t>
             </a:fld>
             <a:endParaRPr lang="en-US"/>
           </a:p>
@@ -1823,7 +1824,7 @@
           <a:p>
             <a:fld id="{DB81182E-7B69-4EFE-B25E-B8DB71FFD0A7}" type="datetimeFigureOut">
               <a:rPr lang="en-US" smtClean="0"/>
-              <a:t>4/10/2016</a:t>
+              <a:t>4/12/2016</a:t>
             </a:fld>
             <a:endParaRPr lang="en-US"/>
           </a:p>
@@ -2100,7 +2101,7 @@
           <a:p>
             <a:fld id="{DB81182E-7B69-4EFE-B25E-B8DB71FFD0A7}" type="datetimeFigureOut">
               <a:rPr lang="en-US" smtClean="0"/>
-              <a:t>4/10/2016</a:t>
+              <a:t>4/12/2016</a:t>
             </a:fld>
             <a:endParaRPr lang="en-US"/>
           </a:p>
@@ -2353,7 +2354,7 @@
           <a:p>
             <a:fld id="{DB81182E-7B69-4EFE-B25E-B8DB71FFD0A7}" type="datetimeFigureOut">
               <a:rPr lang="en-US" smtClean="0"/>
-              <a:t>4/10/2016</a:t>
+              <a:t>4/12/2016</a:t>
             </a:fld>
             <a:endParaRPr lang="en-US"/>
           </a:p>
@@ -2566,7 +2567,7 @@
           <a:p>
             <a:fld id="{DB81182E-7B69-4EFE-B25E-B8DB71FFD0A7}" type="datetimeFigureOut">
               <a:rPr lang="en-US" smtClean="0"/>
-              <a:t>4/10/2016</a:t>
+              <a:t>4/12/2016</a:t>
             </a:fld>
             <a:endParaRPr lang="en-US"/>
           </a:p>
@@ -3015,7 +3016,13 @@
           <a:lstStyle/>
           <a:p>
             <a:pPr algn="ctr"/>
-            <a:endParaRPr lang="en-US"/>
+            <a:endParaRPr lang="en-US">
+              <a:ln>
+                <a:solidFill>
+                  <a:schemeClr val="tx1"/>
+                </a:solidFill>
+              </a:ln>
+            </a:endParaRPr>
           </a:p>
         </p:txBody>
       </p:sp>
@@ -3227,7 +3234,13 @@
           <a:lstStyle/>
           <a:p>
             <a:pPr algn="ctr"/>
-            <a:endParaRPr lang="en-US"/>
+            <a:endParaRPr lang="en-US">
+              <a:ln>
+                <a:solidFill>
+                  <a:schemeClr val="tx1"/>
+                </a:solidFill>
+              </a:ln>
+            </a:endParaRPr>
           </a:p>
         </p:txBody>
       </p:sp>
@@ -3593,6 +3606,2882 @@
 </file>
 
 <file path=ppt/slides/slide2.xml><?xml version="1.0" encoding="utf-8"?>
+<p:sld xmlns:a="http://schemas.openxmlformats.org/drawingml/2006/main" xmlns:r="http://schemas.openxmlformats.org/officeDocument/2006/relationships" xmlns:p="http://schemas.openxmlformats.org/presentationml/2006/main">
+  <p:cSld>
+    <p:spTree>
+      <p:nvGrpSpPr>
+        <p:cNvPr id="1" name=""/>
+        <p:cNvGrpSpPr/>
+        <p:nvPr/>
+      </p:nvGrpSpPr>
+      <p:grpSpPr>
+        <a:xfrm>
+          <a:off x="0" y="0"/>
+          <a:ext cx="0" cy="0"/>
+          <a:chOff x="0" y="0"/>
+          <a:chExt cx="0" cy="0"/>
+        </a:xfrm>
+      </p:grpSpPr>
+      <p:sp>
+        <p:nvSpPr>
+          <p:cNvPr id="4" name="Rettangolo arrotondato 3"/>
+          <p:cNvSpPr/>
+          <p:nvPr/>
+        </p:nvSpPr>
+        <p:spPr>
+          <a:xfrm rot="10800000" flipV="1">
+            <a:off x="9742978" y="4939386"/>
+            <a:ext cx="1445623" cy="924169"/>
+          </a:xfrm>
+          <a:prstGeom prst="roundRect">
+            <a:avLst/>
+          </a:prstGeom>
+          <a:solidFill>
+            <a:schemeClr val="bg1"/>
+          </a:solidFill>
+          <a:ln w="28575">
+            <a:solidFill>
+              <a:srgbClr val="7030A0"/>
+            </a:solidFill>
+          </a:ln>
+        </p:spPr>
+        <p:style>
+          <a:lnRef idx="2">
+            <a:schemeClr val="accent1">
+              <a:shade val="50000"/>
+            </a:schemeClr>
+          </a:lnRef>
+          <a:fillRef idx="1">
+            <a:schemeClr val="accent1"/>
+          </a:fillRef>
+          <a:effectRef idx="0">
+            <a:schemeClr val="accent1"/>
+          </a:effectRef>
+          <a:fontRef idx="minor">
+            <a:schemeClr val="lt1"/>
+          </a:fontRef>
+        </p:style>
+        <p:txBody>
+          <a:bodyPr rtlCol="0" anchor="ctr"/>
+          <a:lstStyle/>
+          <a:p>
+            <a:pPr algn="ctr"/>
+            <a:r>
+              <a:rPr lang="en-US" dirty="0" smtClean="0">
+                <a:solidFill>
+                  <a:schemeClr val="tx1"/>
+                </a:solidFill>
+              </a:rPr>
+              <a:t>Who we are</a:t>
+            </a:r>
+            <a:endParaRPr lang="en-US" dirty="0">
+              <a:solidFill>
+                <a:schemeClr val="tx1"/>
+              </a:solidFill>
+            </a:endParaRPr>
+          </a:p>
+        </p:txBody>
+      </p:sp>
+      <p:sp>
+        <p:nvSpPr>
+          <p:cNvPr id="6" name="Rettangolo arrotondato 5"/>
+          <p:cNvSpPr/>
+          <p:nvPr/>
+        </p:nvSpPr>
+        <p:spPr>
+          <a:xfrm>
+            <a:off x="9742981" y="3588437"/>
+            <a:ext cx="1445623" cy="984069"/>
+          </a:xfrm>
+          <a:prstGeom prst="roundRect">
+            <a:avLst/>
+          </a:prstGeom>
+          <a:solidFill>
+            <a:schemeClr val="bg1"/>
+          </a:solidFill>
+          <a:ln w="28575">
+            <a:solidFill>
+              <a:srgbClr val="7030A0"/>
+            </a:solidFill>
+          </a:ln>
+        </p:spPr>
+        <p:style>
+          <a:lnRef idx="2">
+            <a:schemeClr val="accent1">
+              <a:shade val="50000"/>
+            </a:schemeClr>
+          </a:lnRef>
+          <a:fillRef idx="1">
+            <a:schemeClr val="accent1"/>
+          </a:fillRef>
+          <a:effectRef idx="0">
+            <a:schemeClr val="accent1"/>
+          </a:effectRef>
+          <a:fontRef idx="minor">
+            <a:schemeClr val="lt1"/>
+          </a:fontRef>
+        </p:style>
+        <p:txBody>
+          <a:bodyPr rtlCol="0" anchor="ctr"/>
+          <a:lstStyle/>
+          <a:p>
+            <a:pPr algn="ctr"/>
+            <a:r>
+              <a:rPr lang="en-US" dirty="0" smtClean="0">
+                <a:solidFill>
+                  <a:schemeClr val="tx1"/>
+                </a:solidFill>
+              </a:rPr>
+              <a:t>The group</a:t>
+            </a:r>
+            <a:endParaRPr lang="en-US" dirty="0">
+              <a:solidFill>
+                <a:schemeClr val="tx1"/>
+              </a:solidFill>
+            </a:endParaRPr>
+          </a:p>
+        </p:txBody>
+      </p:sp>
+      <p:sp>
+        <p:nvSpPr>
+          <p:cNvPr id="7" name="Figura a mano libera 6"/>
+          <p:cNvSpPr/>
+          <p:nvPr/>
+        </p:nvSpPr>
+        <p:spPr>
+          <a:xfrm>
+            <a:off x="2554383" y="2649780"/>
+            <a:ext cx="1445623" cy="984069"/>
+          </a:xfrm>
+          <a:custGeom>
+            <a:avLst/>
+            <a:gdLst>
+              <a:gd name="connsiteX0" fmla="*/ 199920 w 1445623"/>
+              <a:gd name="connsiteY0" fmla="*/ 41686 h 984069"/>
+              <a:gd name="connsiteX1" fmla="*/ 49801 w 1445623"/>
+              <a:gd name="connsiteY1" fmla="*/ 191805 h 984069"/>
+              <a:gd name="connsiteX2" fmla="*/ 49801 w 1445623"/>
+              <a:gd name="connsiteY2" fmla="*/ 792262 h 984069"/>
+              <a:gd name="connsiteX3" fmla="*/ 199920 w 1445623"/>
+              <a:gd name="connsiteY3" fmla="*/ 942381 h 984069"/>
+              <a:gd name="connsiteX4" fmla="*/ 1245701 w 1445623"/>
+              <a:gd name="connsiteY4" fmla="*/ 942381 h 984069"/>
+              <a:gd name="connsiteX5" fmla="*/ 1395820 w 1445623"/>
+              <a:gd name="connsiteY5" fmla="*/ 792262 h 984069"/>
+              <a:gd name="connsiteX6" fmla="*/ 1395820 w 1445623"/>
+              <a:gd name="connsiteY6" fmla="*/ 191805 h 984069"/>
+              <a:gd name="connsiteX7" fmla="*/ 1245701 w 1445623"/>
+              <a:gd name="connsiteY7" fmla="*/ 41686 h 984069"/>
+              <a:gd name="connsiteX8" fmla="*/ 164015 w 1445623"/>
+              <a:gd name="connsiteY8" fmla="*/ 0 h 984069"/>
+              <a:gd name="connsiteX9" fmla="*/ 1281608 w 1445623"/>
+              <a:gd name="connsiteY9" fmla="*/ 0 h 984069"/>
+              <a:gd name="connsiteX10" fmla="*/ 1445623 w 1445623"/>
+              <a:gd name="connsiteY10" fmla="*/ 164015 h 984069"/>
+              <a:gd name="connsiteX11" fmla="*/ 1445623 w 1445623"/>
+              <a:gd name="connsiteY11" fmla="*/ 820054 h 984069"/>
+              <a:gd name="connsiteX12" fmla="*/ 1281608 w 1445623"/>
+              <a:gd name="connsiteY12" fmla="*/ 984069 h 984069"/>
+              <a:gd name="connsiteX13" fmla="*/ 164015 w 1445623"/>
+              <a:gd name="connsiteY13" fmla="*/ 984069 h 984069"/>
+              <a:gd name="connsiteX14" fmla="*/ 0 w 1445623"/>
+              <a:gd name="connsiteY14" fmla="*/ 820054 h 984069"/>
+              <a:gd name="connsiteX15" fmla="*/ 0 w 1445623"/>
+              <a:gd name="connsiteY15" fmla="*/ 164015 h 984069"/>
+              <a:gd name="connsiteX16" fmla="*/ 164015 w 1445623"/>
+              <a:gd name="connsiteY16" fmla="*/ 0 h 984069"/>
+            </a:gdLst>
+            <a:ahLst/>
+            <a:cxnLst>
+              <a:cxn ang="0">
+                <a:pos x="connsiteX0" y="connsiteY0"/>
+              </a:cxn>
+              <a:cxn ang="0">
+                <a:pos x="connsiteX1" y="connsiteY1"/>
+              </a:cxn>
+              <a:cxn ang="0">
+                <a:pos x="connsiteX2" y="connsiteY2"/>
+              </a:cxn>
+              <a:cxn ang="0">
+                <a:pos x="connsiteX3" y="connsiteY3"/>
+              </a:cxn>
+              <a:cxn ang="0">
+                <a:pos x="connsiteX4" y="connsiteY4"/>
+              </a:cxn>
+              <a:cxn ang="0">
+                <a:pos x="connsiteX5" y="connsiteY5"/>
+              </a:cxn>
+              <a:cxn ang="0">
+                <a:pos x="connsiteX6" y="connsiteY6"/>
+              </a:cxn>
+              <a:cxn ang="0">
+                <a:pos x="connsiteX7" y="connsiteY7"/>
+              </a:cxn>
+              <a:cxn ang="0">
+                <a:pos x="connsiteX8" y="connsiteY8"/>
+              </a:cxn>
+              <a:cxn ang="0">
+                <a:pos x="connsiteX9" y="connsiteY9"/>
+              </a:cxn>
+              <a:cxn ang="0">
+                <a:pos x="connsiteX10" y="connsiteY10"/>
+              </a:cxn>
+              <a:cxn ang="0">
+                <a:pos x="connsiteX11" y="connsiteY11"/>
+              </a:cxn>
+              <a:cxn ang="0">
+                <a:pos x="connsiteX12" y="connsiteY12"/>
+              </a:cxn>
+              <a:cxn ang="0">
+                <a:pos x="connsiteX13" y="connsiteY13"/>
+              </a:cxn>
+              <a:cxn ang="0">
+                <a:pos x="connsiteX14" y="connsiteY14"/>
+              </a:cxn>
+              <a:cxn ang="0">
+                <a:pos x="connsiteX15" y="connsiteY15"/>
+              </a:cxn>
+              <a:cxn ang="0">
+                <a:pos x="connsiteX16" y="connsiteY16"/>
+              </a:cxn>
+            </a:cxnLst>
+            <a:rect l="l" t="t" r="r" b="b"/>
+            <a:pathLst>
+              <a:path w="1445623" h="984069">
+                <a:moveTo>
+                  <a:pt x="199920" y="41686"/>
+                </a:moveTo>
+                <a:cubicBezTo>
+                  <a:pt x="117012" y="41686"/>
+                  <a:pt x="49801" y="108897"/>
+                  <a:pt x="49801" y="191805"/>
+                </a:cubicBezTo>
+                <a:lnTo>
+                  <a:pt x="49801" y="792262"/>
+                </a:lnTo>
+                <a:cubicBezTo>
+                  <a:pt x="49801" y="875170"/>
+                  <a:pt x="117012" y="942381"/>
+                  <a:pt x="199920" y="942381"/>
+                </a:cubicBezTo>
+                <a:lnTo>
+                  <a:pt x="1245701" y="942381"/>
+                </a:lnTo>
+                <a:cubicBezTo>
+                  <a:pt x="1328609" y="942381"/>
+                  <a:pt x="1395820" y="875170"/>
+                  <a:pt x="1395820" y="792262"/>
+                </a:cubicBezTo>
+                <a:lnTo>
+                  <a:pt x="1395820" y="191805"/>
+                </a:lnTo>
+                <a:cubicBezTo>
+                  <a:pt x="1395820" y="108897"/>
+                  <a:pt x="1328609" y="41686"/>
+                  <a:pt x="1245701" y="41686"/>
+                </a:cubicBezTo>
+                <a:close/>
+                <a:moveTo>
+                  <a:pt x="164015" y="0"/>
+                </a:moveTo>
+                <a:lnTo>
+                  <a:pt x="1281608" y="0"/>
+                </a:lnTo>
+                <a:cubicBezTo>
+                  <a:pt x="1372191" y="0"/>
+                  <a:pt x="1445623" y="73432"/>
+                  <a:pt x="1445623" y="164015"/>
+                </a:cubicBezTo>
+                <a:lnTo>
+                  <a:pt x="1445623" y="820054"/>
+                </a:lnTo>
+                <a:cubicBezTo>
+                  <a:pt x="1445623" y="910637"/>
+                  <a:pt x="1372191" y="984069"/>
+                  <a:pt x="1281608" y="984069"/>
+                </a:cubicBezTo>
+                <a:lnTo>
+                  <a:pt x="164015" y="984069"/>
+                </a:lnTo>
+                <a:cubicBezTo>
+                  <a:pt x="73432" y="984069"/>
+                  <a:pt x="0" y="910637"/>
+                  <a:pt x="0" y="820054"/>
+                </a:cubicBezTo>
+                <a:lnTo>
+                  <a:pt x="0" y="164015"/>
+                </a:lnTo>
+                <a:cubicBezTo>
+                  <a:pt x="0" y="73432"/>
+                  <a:pt x="73432" y="0"/>
+                  <a:pt x="164015" y="0"/>
+                </a:cubicBezTo>
+                <a:close/>
+              </a:path>
+            </a:pathLst>
+          </a:custGeom>
+          <a:solidFill>
+            <a:schemeClr val="bg1"/>
+          </a:solidFill>
+          <a:ln w="28575">
+            <a:solidFill>
+              <a:srgbClr val="7030A0"/>
+            </a:solidFill>
+          </a:ln>
+        </p:spPr>
+        <p:style>
+          <a:lnRef idx="2">
+            <a:schemeClr val="accent1">
+              <a:shade val="50000"/>
+            </a:schemeClr>
+          </a:lnRef>
+          <a:fillRef idx="1">
+            <a:schemeClr val="accent1"/>
+          </a:fillRef>
+          <a:effectRef idx="0">
+            <a:schemeClr val="accent1"/>
+          </a:effectRef>
+          <a:fontRef idx="minor">
+            <a:schemeClr val="lt1"/>
+          </a:fontRef>
+        </p:style>
+        <p:txBody>
+          <a:bodyPr rtlCol="0" anchor="ctr"/>
+          <a:lstStyle/>
+          <a:p>
+            <a:pPr algn="ctr"/>
+            <a:r>
+              <a:rPr lang="en-US" dirty="0" smtClean="0">
+                <a:ln w="0"/>
+                <a:solidFill>
+                  <a:schemeClr val="tx1"/>
+                </a:solidFill>
+                <a:effectLst>
+                  <a:outerShdw blurRad="38100" dist="19050" dir="2700000" algn="tl" rotWithShape="0">
+                    <a:schemeClr val="dk1">
+                      <a:alpha val="40000"/>
+                    </a:schemeClr>
+                  </a:outerShdw>
+                </a:effectLst>
+              </a:rPr>
+              <a:t>Device</a:t>
+            </a:r>
+            <a:endParaRPr lang="en-US" dirty="0">
+              <a:ln w="0"/>
+              <a:solidFill>
+                <a:schemeClr val="tx1"/>
+              </a:solidFill>
+              <a:effectLst>
+                <a:outerShdw blurRad="38100" dist="19050" dir="2700000" algn="tl" rotWithShape="0">
+                  <a:schemeClr val="dk1">
+                    <a:alpha val="40000"/>
+                  </a:schemeClr>
+                </a:outerShdw>
+              </a:effectLst>
+            </a:endParaRPr>
+          </a:p>
+        </p:txBody>
+      </p:sp>
+      <p:sp>
+        <p:nvSpPr>
+          <p:cNvPr id="8" name="Figura a mano libera 7"/>
+          <p:cNvSpPr/>
+          <p:nvPr/>
+        </p:nvSpPr>
+        <p:spPr>
+          <a:xfrm>
+            <a:off x="5756069" y="2649779"/>
+            <a:ext cx="1445623" cy="984069"/>
+          </a:xfrm>
+          <a:custGeom>
+            <a:avLst/>
+            <a:gdLst>
+              <a:gd name="connsiteX0" fmla="*/ 199920 w 1445623"/>
+              <a:gd name="connsiteY0" fmla="*/ 41686 h 984069"/>
+              <a:gd name="connsiteX1" fmla="*/ 49801 w 1445623"/>
+              <a:gd name="connsiteY1" fmla="*/ 191805 h 984069"/>
+              <a:gd name="connsiteX2" fmla="*/ 49801 w 1445623"/>
+              <a:gd name="connsiteY2" fmla="*/ 792262 h 984069"/>
+              <a:gd name="connsiteX3" fmla="*/ 199920 w 1445623"/>
+              <a:gd name="connsiteY3" fmla="*/ 942381 h 984069"/>
+              <a:gd name="connsiteX4" fmla="*/ 1245701 w 1445623"/>
+              <a:gd name="connsiteY4" fmla="*/ 942381 h 984069"/>
+              <a:gd name="connsiteX5" fmla="*/ 1395820 w 1445623"/>
+              <a:gd name="connsiteY5" fmla="*/ 792262 h 984069"/>
+              <a:gd name="connsiteX6" fmla="*/ 1395820 w 1445623"/>
+              <a:gd name="connsiteY6" fmla="*/ 191805 h 984069"/>
+              <a:gd name="connsiteX7" fmla="*/ 1245701 w 1445623"/>
+              <a:gd name="connsiteY7" fmla="*/ 41686 h 984069"/>
+              <a:gd name="connsiteX8" fmla="*/ 164015 w 1445623"/>
+              <a:gd name="connsiteY8" fmla="*/ 0 h 984069"/>
+              <a:gd name="connsiteX9" fmla="*/ 1281608 w 1445623"/>
+              <a:gd name="connsiteY9" fmla="*/ 0 h 984069"/>
+              <a:gd name="connsiteX10" fmla="*/ 1445623 w 1445623"/>
+              <a:gd name="connsiteY10" fmla="*/ 164015 h 984069"/>
+              <a:gd name="connsiteX11" fmla="*/ 1445623 w 1445623"/>
+              <a:gd name="connsiteY11" fmla="*/ 820054 h 984069"/>
+              <a:gd name="connsiteX12" fmla="*/ 1281608 w 1445623"/>
+              <a:gd name="connsiteY12" fmla="*/ 984069 h 984069"/>
+              <a:gd name="connsiteX13" fmla="*/ 164015 w 1445623"/>
+              <a:gd name="connsiteY13" fmla="*/ 984069 h 984069"/>
+              <a:gd name="connsiteX14" fmla="*/ 0 w 1445623"/>
+              <a:gd name="connsiteY14" fmla="*/ 820054 h 984069"/>
+              <a:gd name="connsiteX15" fmla="*/ 0 w 1445623"/>
+              <a:gd name="connsiteY15" fmla="*/ 164015 h 984069"/>
+              <a:gd name="connsiteX16" fmla="*/ 164015 w 1445623"/>
+              <a:gd name="connsiteY16" fmla="*/ 0 h 984069"/>
+            </a:gdLst>
+            <a:ahLst/>
+            <a:cxnLst>
+              <a:cxn ang="0">
+                <a:pos x="connsiteX0" y="connsiteY0"/>
+              </a:cxn>
+              <a:cxn ang="0">
+                <a:pos x="connsiteX1" y="connsiteY1"/>
+              </a:cxn>
+              <a:cxn ang="0">
+                <a:pos x="connsiteX2" y="connsiteY2"/>
+              </a:cxn>
+              <a:cxn ang="0">
+                <a:pos x="connsiteX3" y="connsiteY3"/>
+              </a:cxn>
+              <a:cxn ang="0">
+                <a:pos x="connsiteX4" y="connsiteY4"/>
+              </a:cxn>
+              <a:cxn ang="0">
+                <a:pos x="connsiteX5" y="connsiteY5"/>
+              </a:cxn>
+              <a:cxn ang="0">
+                <a:pos x="connsiteX6" y="connsiteY6"/>
+              </a:cxn>
+              <a:cxn ang="0">
+                <a:pos x="connsiteX7" y="connsiteY7"/>
+              </a:cxn>
+              <a:cxn ang="0">
+                <a:pos x="connsiteX8" y="connsiteY8"/>
+              </a:cxn>
+              <a:cxn ang="0">
+                <a:pos x="connsiteX9" y="connsiteY9"/>
+              </a:cxn>
+              <a:cxn ang="0">
+                <a:pos x="connsiteX10" y="connsiteY10"/>
+              </a:cxn>
+              <a:cxn ang="0">
+                <a:pos x="connsiteX11" y="connsiteY11"/>
+              </a:cxn>
+              <a:cxn ang="0">
+                <a:pos x="connsiteX12" y="connsiteY12"/>
+              </a:cxn>
+              <a:cxn ang="0">
+                <a:pos x="connsiteX13" y="connsiteY13"/>
+              </a:cxn>
+              <a:cxn ang="0">
+                <a:pos x="connsiteX14" y="connsiteY14"/>
+              </a:cxn>
+              <a:cxn ang="0">
+                <a:pos x="connsiteX15" y="connsiteY15"/>
+              </a:cxn>
+              <a:cxn ang="0">
+                <a:pos x="connsiteX16" y="connsiteY16"/>
+              </a:cxn>
+            </a:cxnLst>
+            <a:rect l="l" t="t" r="r" b="b"/>
+            <a:pathLst>
+              <a:path w="1445623" h="984069">
+                <a:moveTo>
+                  <a:pt x="199920" y="41686"/>
+                </a:moveTo>
+                <a:cubicBezTo>
+                  <a:pt x="117012" y="41686"/>
+                  <a:pt x="49801" y="108897"/>
+                  <a:pt x="49801" y="191805"/>
+                </a:cubicBezTo>
+                <a:lnTo>
+                  <a:pt x="49801" y="792262"/>
+                </a:lnTo>
+                <a:cubicBezTo>
+                  <a:pt x="49801" y="875170"/>
+                  <a:pt x="117012" y="942381"/>
+                  <a:pt x="199920" y="942381"/>
+                </a:cubicBezTo>
+                <a:lnTo>
+                  <a:pt x="1245701" y="942381"/>
+                </a:lnTo>
+                <a:cubicBezTo>
+                  <a:pt x="1328609" y="942381"/>
+                  <a:pt x="1395820" y="875170"/>
+                  <a:pt x="1395820" y="792262"/>
+                </a:cubicBezTo>
+                <a:lnTo>
+                  <a:pt x="1395820" y="191805"/>
+                </a:lnTo>
+                <a:cubicBezTo>
+                  <a:pt x="1395820" y="108897"/>
+                  <a:pt x="1328609" y="41686"/>
+                  <a:pt x="1245701" y="41686"/>
+                </a:cubicBezTo>
+                <a:close/>
+                <a:moveTo>
+                  <a:pt x="164015" y="0"/>
+                </a:moveTo>
+                <a:lnTo>
+                  <a:pt x="1281608" y="0"/>
+                </a:lnTo>
+                <a:cubicBezTo>
+                  <a:pt x="1372191" y="0"/>
+                  <a:pt x="1445623" y="73432"/>
+                  <a:pt x="1445623" y="164015"/>
+                </a:cubicBezTo>
+                <a:lnTo>
+                  <a:pt x="1445623" y="820054"/>
+                </a:lnTo>
+                <a:cubicBezTo>
+                  <a:pt x="1445623" y="910637"/>
+                  <a:pt x="1372191" y="984069"/>
+                  <a:pt x="1281608" y="984069"/>
+                </a:cubicBezTo>
+                <a:lnTo>
+                  <a:pt x="164015" y="984069"/>
+                </a:lnTo>
+                <a:cubicBezTo>
+                  <a:pt x="73432" y="984069"/>
+                  <a:pt x="0" y="910637"/>
+                  <a:pt x="0" y="820054"/>
+                </a:cubicBezTo>
+                <a:lnTo>
+                  <a:pt x="0" y="164015"/>
+                </a:lnTo>
+                <a:cubicBezTo>
+                  <a:pt x="0" y="73432"/>
+                  <a:pt x="73432" y="0"/>
+                  <a:pt x="164015" y="0"/>
+                </a:cubicBezTo>
+                <a:close/>
+              </a:path>
+            </a:pathLst>
+          </a:custGeom>
+          <a:solidFill>
+            <a:schemeClr val="bg1"/>
+          </a:solidFill>
+          <a:ln w="28575">
+            <a:solidFill>
+              <a:srgbClr val="7030A0"/>
+            </a:solidFill>
+          </a:ln>
+        </p:spPr>
+        <p:style>
+          <a:lnRef idx="2">
+            <a:schemeClr val="accent1">
+              <a:shade val="50000"/>
+            </a:schemeClr>
+          </a:lnRef>
+          <a:fillRef idx="1">
+            <a:schemeClr val="accent1"/>
+          </a:fillRef>
+          <a:effectRef idx="0">
+            <a:schemeClr val="accent1"/>
+          </a:effectRef>
+          <a:fontRef idx="minor">
+            <a:schemeClr val="lt1"/>
+          </a:fontRef>
+        </p:style>
+        <p:txBody>
+          <a:bodyPr rtlCol="0" anchor="ctr"/>
+          <a:lstStyle/>
+          <a:p>
+            <a:pPr algn="ctr"/>
+            <a:r>
+              <a:rPr lang="en-US" dirty="0" smtClean="0">
+                <a:ln w="0"/>
+                <a:solidFill>
+                  <a:schemeClr val="tx1"/>
+                </a:solidFill>
+                <a:effectLst>
+                  <a:outerShdw blurRad="38100" dist="19050" dir="2700000" algn="tl" rotWithShape="0">
+                    <a:schemeClr val="dk1">
+                      <a:alpha val="40000"/>
+                    </a:schemeClr>
+                  </a:outerShdw>
+                </a:effectLst>
+              </a:rPr>
+              <a:t>Smart Life</a:t>
+            </a:r>
+          </a:p>
+        </p:txBody>
+      </p:sp>
+      <p:sp>
+        <p:nvSpPr>
+          <p:cNvPr id="9" name="Figura a mano libera 8"/>
+          <p:cNvSpPr/>
+          <p:nvPr/>
+        </p:nvSpPr>
+        <p:spPr>
+          <a:xfrm>
+            <a:off x="2554383" y="4857750"/>
+            <a:ext cx="1445623" cy="1012495"/>
+          </a:xfrm>
+          <a:custGeom>
+            <a:avLst/>
+            <a:gdLst>
+              <a:gd name="connsiteX0" fmla="*/ 199920 w 1445623"/>
+              <a:gd name="connsiteY0" fmla="*/ 41686 h 984069"/>
+              <a:gd name="connsiteX1" fmla="*/ 49801 w 1445623"/>
+              <a:gd name="connsiteY1" fmla="*/ 191805 h 984069"/>
+              <a:gd name="connsiteX2" fmla="*/ 49801 w 1445623"/>
+              <a:gd name="connsiteY2" fmla="*/ 792262 h 984069"/>
+              <a:gd name="connsiteX3" fmla="*/ 199920 w 1445623"/>
+              <a:gd name="connsiteY3" fmla="*/ 942381 h 984069"/>
+              <a:gd name="connsiteX4" fmla="*/ 1245701 w 1445623"/>
+              <a:gd name="connsiteY4" fmla="*/ 942381 h 984069"/>
+              <a:gd name="connsiteX5" fmla="*/ 1395820 w 1445623"/>
+              <a:gd name="connsiteY5" fmla="*/ 792262 h 984069"/>
+              <a:gd name="connsiteX6" fmla="*/ 1395820 w 1445623"/>
+              <a:gd name="connsiteY6" fmla="*/ 191805 h 984069"/>
+              <a:gd name="connsiteX7" fmla="*/ 1245701 w 1445623"/>
+              <a:gd name="connsiteY7" fmla="*/ 41686 h 984069"/>
+              <a:gd name="connsiteX8" fmla="*/ 164015 w 1445623"/>
+              <a:gd name="connsiteY8" fmla="*/ 0 h 984069"/>
+              <a:gd name="connsiteX9" fmla="*/ 1281608 w 1445623"/>
+              <a:gd name="connsiteY9" fmla="*/ 0 h 984069"/>
+              <a:gd name="connsiteX10" fmla="*/ 1445623 w 1445623"/>
+              <a:gd name="connsiteY10" fmla="*/ 164015 h 984069"/>
+              <a:gd name="connsiteX11" fmla="*/ 1445623 w 1445623"/>
+              <a:gd name="connsiteY11" fmla="*/ 820054 h 984069"/>
+              <a:gd name="connsiteX12" fmla="*/ 1281608 w 1445623"/>
+              <a:gd name="connsiteY12" fmla="*/ 984069 h 984069"/>
+              <a:gd name="connsiteX13" fmla="*/ 164015 w 1445623"/>
+              <a:gd name="connsiteY13" fmla="*/ 984069 h 984069"/>
+              <a:gd name="connsiteX14" fmla="*/ 0 w 1445623"/>
+              <a:gd name="connsiteY14" fmla="*/ 820054 h 984069"/>
+              <a:gd name="connsiteX15" fmla="*/ 0 w 1445623"/>
+              <a:gd name="connsiteY15" fmla="*/ 164015 h 984069"/>
+              <a:gd name="connsiteX16" fmla="*/ 164015 w 1445623"/>
+              <a:gd name="connsiteY16" fmla="*/ 0 h 984069"/>
+            </a:gdLst>
+            <a:ahLst/>
+            <a:cxnLst>
+              <a:cxn ang="0">
+                <a:pos x="connsiteX0" y="connsiteY0"/>
+              </a:cxn>
+              <a:cxn ang="0">
+                <a:pos x="connsiteX1" y="connsiteY1"/>
+              </a:cxn>
+              <a:cxn ang="0">
+                <a:pos x="connsiteX2" y="connsiteY2"/>
+              </a:cxn>
+              <a:cxn ang="0">
+                <a:pos x="connsiteX3" y="connsiteY3"/>
+              </a:cxn>
+              <a:cxn ang="0">
+                <a:pos x="connsiteX4" y="connsiteY4"/>
+              </a:cxn>
+              <a:cxn ang="0">
+                <a:pos x="connsiteX5" y="connsiteY5"/>
+              </a:cxn>
+              <a:cxn ang="0">
+                <a:pos x="connsiteX6" y="connsiteY6"/>
+              </a:cxn>
+              <a:cxn ang="0">
+                <a:pos x="connsiteX7" y="connsiteY7"/>
+              </a:cxn>
+              <a:cxn ang="0">
+                <a:pos x="connsiteX8" y="connsiteY8"/>
+              </a:cxn>
+              <a:cxn ang="0">
+                <a:pos x="connsiteX9" y="connsiteY9"/>
+              </a:cxn>
+              <a:cxn ang="0">
+                <a:pos x="connsiteX10" y="connsiteY10"/>
+              </a:cxn>
+              <a:cxn ang="0">
+                <a:pos x="connsiteX11" y="connsiteY11"/>
+              </a:cxn>
+              <a:cxn ang="0">
+                <a:pos x="connsiteX12" y="connsiteY12"/>
+              </a:cxn>
+              <a:cxn ang="0">
+                <a:pos x="connsiteX13" y="connsiteY13"/>
+              </a:cxn>
+              <a:cxn ang="0">
+                <a:pos x="connsiteX14" y="connsiteY14"/>
+              </a:cxn>
+              <a:cxn ang="0">
+                <a:pos x="connsiteX15" y="connsiteY15"/>
+              </a:cxn>
+              <a:cxn ang="0">
+                <a:pos x="connsiteX16" y="connsiteY16"/>
+              </a:cxn>
+            </a:cxnLst>
+            <a:rect l="l" t="t" r="r" b="b"/>
+            <a:pathLst>
+              <a:path w="1445623" h="984069">
+                <a:moveTo>
+                  <a:pt x="199920" y="41686"/>
+                </a:moveTo>
+                <a:cubicBezTo>
+                  <a:pt x="117012" y="41686"/>
+                  <a:pt x="49801" y="108897"/>
+                  <a:pt x="49801" y="191805"/>
+                </a:cubicBezTo>
+                <a:lnTo>
+                  <a:pt x="49801" y="792262"/>
+                </a:lnTo>
+                <a:cubicBezTo>
+                  <a:pt x="49801" y="875170"/>
+                  <a:pt x="117012" y="942381"/>
+                  <a:pt x="199920" y="942381"/>
+                </a:cubicBezTo>
+                <a:lnTo>
+                  <a:pt x="1245701" y="942381"/>
+                </a:lnTo>
+                <a:cubicBezTo>
+                  <a:pt x="1328609" y="942381"/>
+                  <a:pt x="1395820" y="875170"/>
+                  <a:pt x="1395820" y="792262"/>
+                </a:cubicBezTo>
+                <a:lnTo>
+                  <a:pt x="1395820" y="191805"/>
+                </a:lnTo>
+                <a:cubicBezTo>
+                  <a:pt x="1395820" y="108897"/>
+                  <a:pt x="1328609" y="41686"/>
+                  <a:pt x="1245701" y="41686"/>
+                </a:cubicBezTo>
+                <a:close/>
+                <a:moveTo>
+                  <a:pt x="164015" y="0"/>
+                </a:moveTo>
+                <a:lnTo>
+                  <a:pt x="1281608" y="0"/>
+                </a:lnTo>
+                <a:cubicBezTo>
+                  <a:pt x="1372191" y="0"/>
+                  <a:pt x="1445623" y="73432"/>
+                  <a:pt x="1445623" y="164015"/>
+                </a:cubicBezTo>
+                <a:lnTo>
+                  <a:pt x="1445623" y="820054"/>
+                </a:lnTo>
+                <a:cubicBezTo>
+                  <a:pt x="1445623" y="910637"/>
+                  <a:pt x="1372191" y="984069"/>
+                  <a:pt x="1281608" y="984069"/>
+                </a:cubicBezTo>
+                <a:lnTo>
+                  <a:pt x="164015" y="984069"/>
+                </a:lnTo>
+                <a:cubicBezTo>
+                  <a:pt x="73432" y="984069"/>
+                  <a:pt x="0" y="910637"/>
+                  <a:pt x="0" y="820054"/>
+                </a:cubicBezTo>
+                <a:lnTo>
+                  <a:pt x="0" y="164015"/>
+                </a:lnTo>
+                <a:cubicBezTo>
+                  <a:pt x="0" y="73432"/>
+                  <a:pt x="73432" y="0"/>
+                  <a:pt x="164015" y="0"/>
+                </a:cubicBezTo>
+                <a:close/>
+              </a:path>
+            </a:pathLst>
+          </a:custGeom>
+          <a:solidFill>
+            <a:schemeClr val="bg1"/>
+          </a:solidFill>
+          <a:ln w="28575">
+            <a:solidFill>
+              <a:srgbClr val="7030A0"/>
+            </a:solidFill>
+          </a:ln>
+        </p:spPr>
+        <p:style>
+          <a:lnRef idx="2">
+            <a:schemeClr val="accent1">
+              <a:shade val="50000"/>
+            </a:schemeClr>
+          </a:lnRef>
+          <a:fillRef idx="1">
+            <a:schemeClr val="accent1"/>
+          </a:fillRef>
+          <a:effectRef idx="0">
+            <a:schemeClr val="accent1"/>
+          </a:effectRef>
+          <a:fontRef idx="minor">
+            <a:schemeClr val="lt1"/>
+          </a:fontRef>
+        </p:style>
+        <p:txBody>
+          <a:bodyPr rtlCol="0" anchor="ctr"/>
+          <a:lstStyle/>
+          <a:p>
+            <a:pPr algn="ctr"/>
+            <a:r>
+              <a:rPr lang="en-US" dirty="0" smtClean="0">
+                <a:ln w="0"/>
+                <a:solidFill>
+                  <a:schemeClr val="tx1"/>
+                </a:solidFill>
+                <a:effectLst>
+                  <a:outerShdw blurRad="38100" dist="19050" dir="2700000" algn="tl" rotWithShape="0">
+                    <a:schemeClr val="dk1">
+                      <a:alpha val="40000"/>
+                    </a:schemeClr>
+                  </a:outerShdw>
+                </a:effectLst>
+              </a:rPr>
+              <a:t>Assistance Service</a:t>
+            </a:r>
+          </a:p>
+        </p:txBody>
+      </p:sp>
+      <p:cxnSp>
+        <p:nvCxnSpPr>
+          <p:cNvPr id="11" name="Connettore 2 10"/>
+          <p:cNvCxnSpPr>
+            <a:stCxn id="7" idx="11"/>
+            <a:endCxn id="8" idx="14"/>
+          </p:cNvCxnSpPr>
+          <p:nvPr/>
+        </p:nvCxnSpPr>
+        <p:spPr>
+          <a:xfrm flipV="1">
+            <a:off x="4000006" y="3469833"/>
+            <a:ext cx="1756063" cy="1"/>
+          </a:xfrm>
+          <a:prstGeom prst="straightConnector1">
+            <a:avLst/>
+          </a:prstGeom>
+          <a:ln>
+            <a:solidFill>
+              <a:srgbClr val="7030A0"/>
+            </a:solidFill>
+            <a:tailEnd type="triangle"/>
+          </a:ln>
+        </p:spPr>
+        <p:style>
+          <a:lnRef idx="1">
+            <a:schemeClr val="accent1"/>
+          </a:lnRef>
+          <a:fillRef idx="0">
+            <a:schemeClr val="accent1"/>
+          </a:fillRef>
+          <a:effectRef idx="0">
+            <a:schemeClr val="accent1"/>
+          </a:effectRef>
+          <a:fontRef idx="minor">
+            <a:schemeClr val="tx1"/>
+          </a:fontRef>
+        </p:style>
+      </p:cxnSp>
+      <p:cxnSp>
+        <p:nvCxnSpPr>
+          <p:cNvPr id="20" name="Connettore 2 19"/>
+          <p:cNvCxnSpPr>
+            <a:stCxn id="8" idx="15"/>
+            <a:endCxn id="7" idx="10"/>
+          </p:cNvCxnSpPr>
+          <p:nvPr/>
+        </p:nvCxnSpPr>
+        <p:spPr>
+          <a:xfrm flipH="1">
+            <a:off x="4000006" y="2813794"/>
+            <a:ext cx="1756063" cy="1"/>
+          </a:xfrm>
+          <a:prstGeom prst="straightConnector1">
+            <a:avLst/>
+          </a:prstGeom>
+          <a:ln>
+            <a:solidFill>
+              <a:srgbClr val="7030A0"/>
+            </a:solidFill>
+            <a:tailEnd type="triangle"/>
+          </a:ln>
+        </p:spPr>
+        <p:style>
+          <a:lnRef idx="1">
+            <a:schemeClr val="accent1"/>
+          </a:lnRef>
+          <a:fillRef idx="0">
+            <a:schemeClr val="accent1"/>
+          </a:fillRef>
+          <a:effectRef idx="0">
+            <a:schemeClr val="accent1"/>
+          </a:effectRef>
+          <a:fontRef idx="minor">
+            <a:schemeClr val="tx1"/>
+          </a:fontRef>
+        </p:style>
+      </p:cxnSp>
+      <p:sp>
+        <p:nvSpPr>
+          <p:cNvPr id="23" name="CasellaDiTesto 22"/>
+          <p:cNvSpPr txBox="1"/>
+          <p:nvPr/>
+        </p:nvSpPr>
+        <p:spPr>
+          <a:xfrm>
+            <a:off x="4310446" y="3225474"/>
+            <a:ext cx="1024576" cy="492443"/>
+          </a:xfrm>
+          <a:prstGeom prst="rect">
+            <a:avLst/>
+          </a:prstGeom>
+          <a:noFill/>
+        </p:spPr>
+        <p:txBody>
+          <a:bodyPr wrap="none" rtlCol="0">
+            <a:spAutoFit/>
+          </a:bodyPr>
+          <a:lstStyle/>
+          <a:p>
+            <a:r>
+              <a:rPr lang="it-IT" sz="1300" dirty="0" err="1" smtClean="0"/>
+              <a:t>Available</a:t>
+            </a:r>
+            <a:r>
+              <a:rPr lang="it-IT" sz="1300" dirty="0" smtClean="0"/>
+              <a:t> SL </a:t>
+            </a:r>
+          </a:p>
+          <a:p>
+            <a:r>
+              <a:rPr lang="it-IT" sz="1300" dirty="0" smtClean="0"/>
+              <a:t>Service [1,5]</a:t>
+            </a:r>
+            <a:endParaRPr lang="it-IT" sz="1300" dirty="0"/>
+          </a:p>
+        </p:txBody>
+      </p:sp>
+      <p:sp>
+        <p:nvSpPr>
+          <p:cNvPr id="24" name="CasellaDiTesto 23"/>
+          <p:cNvSpPr txBox="1"/>
+          <p:nvPr/>
+        </p:nvSpPr>
+        <p:spPr>
+          <a:xfrm>
+            <a:off x="4207661" y="2571750"/>
+            <a:ext cx="1237968" cy="492443"/>
+          </a:xfrm>
+          <a:prstGeom prst="rect">
+            <a:avLst/>
+          </a:prstGeom>
+          <a:noFill/>
+        </p:spPr>
+        <p:txBody>
+          <a:bodyPr wrap="square" rtlCol="0">
+            <a:spAutoFit/>
+          </a:bodyPr>
+          <a:lstStyle/>
+          <a:p>
+            <a:r>
+              <a:rPr lang="it-IT" sz="1300" dirty="0" smtClean="0"/>
+              <a:t>For Device(s)_1 [1,30]</a:t>
+            </a:r>
+            <a:endParaRPr lang="it-IT" sz="1300" dirty="0"/>
+          </a:p>
+        </p:txBody>
+      </p:sp>
+      <p:cxnSp>
+        <p:nvCxnSpPr>
+          <p:cNvPr id="25" name="Connettore 2 24"/>
+          <p:cNvCxnSpPr>
+            <a:stCxn id="7" idx="12"/>
+            <a:endCxn id="9" idx="7"/>
+          </p:cNvCxnSpPr>
+          <p:nvPr/>
+        </p:nvCxnSpPr>
+        <p:spPr>
+          <a:xfrm flipH="1">
+            <a:off x="3800084" y="3633849"/>
+            <a:ext cx="35907" cy="1266791"/>
+          </a:xfrm>
+          <a:prstGeom prst="straightConnector1">
+            <a:avLst/>
+          </a:prstGeom>
+          <a:ln>
+            <a:solidFill>
+              <a:srgbClr val="7030A0"/>
+            </a:solidFill>
+            <a:tailEnd type="triangle"/>
+          </a:ln>
+        </p:spPr>
+        <p:style>
+          <a:lnRef idx="1">
+            <a:schemeClr val="accent1"/>
+          </a:lnRef>
+          <a:fillRef idx="0">
+            <a:schemeClr val="accent1"/>
+          </a:fillRef>
+          <a:effectRef idx="0">
+            <a:schemeClr val="accent1"/>
+          </a:effectRef>
+          <a:fontRef idx="minor">
+            <a:schemeClr val="tx1"/>
+          </a:fontRef>
+        </p:style>
+      </p:cxnSp>
+      <p:cxnSp>
+        <p:nvCxnSpPr>
+          <p:cNvPr id="29" name="Connettore 2 28"/>
+          <p:cNvCxnSpPr>
+            <a:stCxn id="9" idx="8"/>
+            <a:endCxn id="7" idx="3"/>
+          </p:cNvCxnSpPr>
+          <p:nvPr/>
+        </p:nvCxnSpPr>
+        <p:spPr>
+          <a:xfrm flipV="1">
+            <a:off x="2718398" y="3592161"/>
+            <a:ext cx="35905" cy="1265589"/>
+          </a:xfrm>
+          <a:prstGeom prst="straightConnector1">
+            <a:avLst/>
+          </a:prstGeom>
+          <a:ln>
+            <a:solidFill>
+              <a:srgbClr val="7030A0"/>
+            </a:solidFill>
+            <a:tailEnd type="triangle"/>
+          </a:ln>
+        </p:spPr>
+        <p:style>
+          <a:lnRef idx="1">
+            <a:schemeClr val="accent1"/>
+          </a:lnRef>
+          <a:fillRef idx="0">
+            <a:schemeClr val="accent1"/>
+          </a:fillRef>
+          <a:effectRef idx="0">
+            <a:schemeClr val="accent1"/>
+          </a:effectRef>
+          <a:fontRef idx="minor">
+            <a:schemeClr val="tx1"/>
+          </a:fontRef>
+        </p:style>
+      </p:cxnSp>
+      <p:sp>
+        <p:nvSpPr>
+          <p:cNvPr id="38" name="CasellaDiTesto 37"/>
+          <p:cNvSpPr txBox="1"/>
+          <p:nvPr/>
+        </p:nvSpPr>
+        <p:spPr>
+          <a:xfrm>
+            <a:off x="3825764" y="3903458"/>
+            <a:ext cx="1237968" cy="492443"/>
+          </a:xfrm>
+          <a:prstGeom prst="rect">
+            <a:avLst/>
+          </a:prstGeom>
+          <a:noFill/>
+        </p:spPr>
+        <p:txBody>
+          <a:bodyPr wrap="square" rtlCol="0">
+            <a:spAutoFit/>
+          </a:bodyPr>
+          <a:lstStyle/>
+          <a:p>
+            <a:r>
+              <a:rPr lang="it-IT" sz="1300" dirty="0" smtClean="0"/>
+              <a:t>Assistance For</a:t>
+            </a:r>
+          </a:p>
+          <a:p>
+            <a:r>
+              <a:rPr lang="it-IT" sz="1300" dirty="0" smtClean="0"/>
+              <a:t>[1,10]</a:t>
+            </a:r>
+            <a:endParaRPr lang="it-IT" sz="1300" dirty="0"/>
+          </a:p>
+        </p:txBody>
+      </p:sp>
+      <p:sp>
+        <p:nvSpPr>
+          <p:cNvPr id="39" name="CasellaDiTesto 38"/>
+          <p:cNvSpPr txBox="1"/>
+          <p:nvPr/>
+        </p:nvSpPr>
+        <p:spPr>
+          <a:xfrm>
+            <a:off x="1529077" y="4041872"/>
+            <a:ext cx="1237968" cy="492443"/>
+          </a:xfrm>
+          <a:prstGeom prst="rect">
+            <a:avLst/>
+          </a:prstGeom>
+          <a:noFill/>
+        </p:spPr>
+        <p:txBody>
+          <a:bodyPr wrap="square" rtlCol="0">
+            <a:spAutoFit/>
+          </a:bodyPr>
+          <a:lstStyle/>
+          <a:p>
+            <a:r>
+              <a:rPr lang="it-IT" sz="1300" dirty="0" smtClean="0"/>
+              <a:t>For Device(s)_2</a:t>
+            </a:r>
+          </a:p>
+          <a:p>
+            <a:r>
+              <a:rPr lang="it-IT" sz="1300" dirty="0" smtClean="0"/>
+              <a:t>[1:10]</a:t>
+            </a:r>
+            <a:endParaRPr lang="it-IT" sz="1300" dirty="0"/>
+          </a:p>
+        </p:txBody>
+      </p:sp>
+      <p:sp>
+        <p:nvSpPr>
+          <p:cNvPr id="41" name="Figura a mano libera 40"/>
+          <p:cNvSpPr/>
+          <p:nvPr/>
+        </p:nvSpPr>
+        <p:spPr>
+          <a:xfrm>
+            <a:off x="7768589" y="2649779"/>
+            <a:ext cx="409706" cy="469712"/>
+          </a:xfrm>
+          <a:custGeom>
+            <a:avLst/>
+            <a:gdLst>
+              <a:gd name="connsiteX0" fmla="*/ 360203 w 720406"/>
+              <a:gd name="connsiteY0" fmla="*/ 83910 h 942884"/>
+              <a:gd name="connsiteX1" fmla="*/ 64111 w 720406"/>
+              <a:gd name="connsiteY1" fmla="*/ 471442 h 942884"/>
+              <a:gd name="connsiteX2" fmla="*/ 360203 w 720406"/>
+              <a:gd name="connsiteY2" fmla="*/ 858973 h 942884"/>
+              <a:gd name="connsiteX3" fmla="*/ 656294 w 720406"/>
+              <a:gd name="connsiteY3" fmla="*/ 471442 h 942884"/>
+              <a:gd name="connsiteX4" fmla="*/ 360203 w 720406"/>
+              <a:gd name="connsiteY4" fmla="*/ 0 h 942884"/>
+              <a:gd name="connsiteX5" fmla="*/ 720406 w 720406"/>
+              <a:gd name="connsiteY5" fmla="*/ 471442 h 942884"/>
+              <a:gd name="connsiteX6" fmla="*/ 360203 w 720406"/>
+              <a:gd name="connsiteY6" fmla="*/ 942884 h 942884"/>
+              <a:gd name="connsiteX7" fmla="*/ 0 w 720406"/>
+              <a:gd name="connsiteY7" fmla="*/ 471442 h 942884"/>
+            </a:gdLst>
+            <a:ahLst/>
+            <a:cxnLst>
+              <a:cxn ang="0">
+                <a:pos x="connsiteX0" y="connsiteY0"/>
+              </a:cxn>
+              <a:cxn ang="0">
+                <a:pos x="connsiteX1" y="connsiteY1"/>
+              </a:cxn>
+              <a:cxn ang="0">
+                <a:pos x="connsiteX2" y="connsiteY2"/>
+              </a:cxn>
+              <a:cxn ang="0">
+                <a:pos x="connsiteX3" y="connsiteY3"/>
+              </a:cxn>
+              <a:cxn ang="0">
+                <a:pos x="connsiteX4" y="connsiteY4"/>
+              </a:cxn>
+              <a:cxn ang="0">
+                <a:pos x="connsiteX5" y="connsiteY5"/>
+              </a:cxn>
+              <a:cxn ang="0">
+                <a:pos x="connsiteX6" y="connsiteY6"/>
+              </a:cxn>
+              <a:cxn ang="0">
+                <a:pos x="connsiteX7" y="connsiteY7"/>
+              </a:cxn>
+            </a:cxnLst>
+            <a:rect l="l" t="t" r="r" b="b"/>
+            <a:pathLst>
+              <a:path w="720406" h="942884">
+                <a:moveTo>
+                  <a:pt x="360203" y="83910"/>
+                </a:moveTo>
+                <a:lnTo>
+                  <a:pt x="64111" y="471442"/>
+                </a:lnTo>
+                <a:lnTo>
+                  <a:pt x="360203" y="858973"/>
+                </a:lnTo>
+                <a:lnTo>
+                  <a:pt x="656294" y="471442"/>
+                </a:lnTo>
+                <a:close/>
+                <a:moveTo>
+                  <a:pt x="360203" y="0"/>
+                </a:moveTo>
+                <a:lnTo>
+                  <a:pt x="720406" y="471442"/>
+                </a:lnTo>
+                <a:lnTo>
+                  <a:pt x="360203" y="942884"/>
+                </a:lnTo>
+                <a:lnTo>
+                  <a:pt x="0" y="471442"/>
+                </a:lnTo>
+                <a:close/>
+              </a:path>
+            </a:pathLst>
+          </a:custGeom>
+          <a:solidFill>
+            <a:schemeClr val="bg1"/>
+          </a:solidFill>
+          <a:ln w="28575">
+            <a:solidFill>
+              <a:srgbClr val="7030A0"/>
+            </a:solidFill>
+          </a:ln>
+        </p:spPr>
+        <p:style>
+          <a:lnRef idx="2">
+            <a:schemeClr val="accent1">
+              <a:shade val="50000"/>
+            </a:schemeClr>
+          </a:lnRef>
+          <a:fillRef idx="1">
+            <a:schemeClr val="accent1"/>
+          </a:fillRef>
+          <a:effectRef idx="0">
+            <a:schemeClr val="accent1"/>
+          </a:effectRef>
+          <a:fontRef idx="minor">
+            <a:schemeClr val="lt1"/>
+          </a:fontRef>
+        </p:style>
+        <p:txBody>
+          <a:bodyPr rtlCol="0" anchor="ctr"/>
+          <a:lstStyle/>
+          <a:p>
+            <a:pPr algn="ctr"/>
+            <a:endParaRPr lang="en-US"/>
+          </a:p>
+        </p:txBody>
+      </p:sp>
+      <p:sp>
+        <p:nvSpPr>
+          <p:cNvPr id="42" name="Figura a mano libera 41"/>
+          <p:cNvSpPr/>
+          <p:nvPr/>
+        </p:nvSpPr>
+        <p:spPr>
+          <a:xfrm>
+            <a:off x="1459445" y="2641378"/>
+            <a:ext cx="417034" cy="478113"/>
+          </a:xfrm>
+          <a:custGeom>
+            <a:avLst/>
+            <a:gdLst>
+              <a:gd name="connsiteX0" fmla="*/ 360203 w 720406"/>
+              <a:gd name="connsiteY0" fmla="*/ 83910 h 942884"/>
+              <a:gd name="connsiteX1" fmla="*/ 64111 w 720406"/>
+              <a:gd name="connsiteY1" fmla="*/ 471442 h 942884"/>
+              <a:gd name="connsiteX2" fmla="*/ 360203 w 720406"/>
+              <a:gd name="connsiteY2" fmla="*/ 858973 h 942884"/>
+              <a:gd name="connsiteX3" fmla="*/ 656294 w 720406"/>
+              <a:gd name="connsiteY3" fmla="*/ 471442 h 942884"/>
+              <a:gd name="connsiteX4" fmla="*/ 360203 w 720406"/>
+              <a:gd name="connsiteY4" fmla="*/ 0 h 942884"/>
+              <a:gd name="connsiteX5" fmla="*/ 720406 w 720406"/>
+              <a:gd name="connsiteY5" fmla="*/ 471442 h 942884"/>
+              <a:gd name="connsiteX6" fmla="*/ 360203 w 720406"/>
+              <a:gd name="connsiteY6" fmla="*/ 942884 h 942884"/>
+              <a:gd name="connsiteX7" fmla="*/ 0 w 720406"/>
+              <a:gd name="connsiteY7" fmla="*/ 471442 h 942884"/>
+            </a:gdLst>
+            <a:ahLst/>
+            <a:cxnLst>
+              <a:cxn ang="0">
+                <a:pos x="connsiteX0" y="connsiteY0"/>
+              </a:cxn>
+              <a:cxn ang="0">
+                <a:pos x="connsiteX1" y="connsiteY1"/>
+              </a:cxn>
+              <a:cxn ang="0">
+                <a:pos x="connsiteX2" y="connsiteY2"/>
+              </a:cxn>
+              <a:cxn ang="0">
+                <a:pos x="connsiteX3" y="connsiteY3"/>
+              </a:cxn>
+              <a:cxn ang="0">
+                <a:pos x="connsiteX4" y="connsiteY4"/>
+              </a:cxn>
+              <a:cxn ang="0">
+                <a:pos x="connsiteX5" y="connsiteY5"/>
+              </a:cxn>
+              <a:cxn ang="0">
+                <a:pos x="connsiteX6" y="connsiteY6"/>
+              </a:cxn>
+              <a:cxn ang="0">
+                <a:pos x="connsiteX7" y="connsiteY7"/>
+              </a:cxn>
+            </a:cxnLst>
+            <a:rect l="l" t="t" r="r" b="b"/>
+            <a:pathLst>
+              <a:path w="720406" h="942884">
+                <a:moveTo>
+                  <a:pt x="360203" y="83910"/>
+                </a:moveTo>
+                <a:lnTo>
+                  <a:pt x="64111" y="471442"/>
+                </a:lnTo>
+                <a:lnTo>
+                  <a:pt x="360203" y="858973"/>
+                </a:lnTo>
+                <a:lnTo>
+                  <a:pt x="656294" y="471442"/>
+                </a:lnTo>
+                <a:close/>
+                <a:moveTo>
+                  <a:pt x="360203" y="0"/>
+                </a:moveTo>
+                <a:lnTo>
+                  <a:pt x="720406" y="471442"/>
+                </a:lnTo>
+                <a:lnTo>
+                  <a:pt x="360203" y="942884"/>
+                </a:lnTo>
+                <a:lnTo>
+                  <a:pt x="0" y="471442"/>
+                </a:lnTo>
+                <a:close/>
+              </a:path>
+            </a:pathLst>
+          </a:custGeom>
+          <a:solidFill>
+            <a:schemeClr val="bg1"/>
+          </a:solidFill>
+          <a:ln w="28575">
+            <a:solidFill>
+              <a:srgbClr val="7030A0"/>
+            </a:solidFill>
+          </a:ln>
+        </p:spPr>
+        <p:style>
+          <a:lnRef idx="2">
+            <a:schemeClr val="accent1">
+              <a:shade val="50000"/>
+            </a:schemeClr>
+          </a:lnRef>
+          <a:fillRef idx="1">
+            <a:schemeClr val="accent1"/>
+          </a:fillRef>
+          <a:effectRef idx="0">
+            <a:schemeClr val="accent1"/>
+          </a:effectRef>
+          <a:fontRef idx="minor">
+            <a:schemeClr val="lt1"/>
+          </a:fontRef>
+        </p:style>
+        <p:txBody>
+          <a:bodyPr rtlCol="0" anchor="ctr"/>
+          <a:lstStyle/>
+          <a:p>
+            <a:pPr algn="ctr"/>
+            <a:endParaRPr lang="en-US"/>
+          </a:p>
+        </p:txBody>
+      </p:sp>
+      <p:sp>
+        <p:nvSpPr>
+          <p:cNvPr id="43" name="Figura a mano libera 42"/>
+          <p:cNvSpPr/>
+          <p:nvPr/>
+        </p:nvSpPr>
+        <p:spPr>
+          <a:xfrm>
+            <a:off x="4596314" y="4857750"/>
+            <a:ext cx="409706" cy="469712"/>
+          </a:xfrm>
+          <a:custGeom>
+            <a:avLst/>
+            <a:gdLst>
+              <a:gd name="connsiteX0" fmla="*/ 360203 w 720406"/>
+              <a:gd name="connsiteY0" fmla="*/ 83910 h 942884"/>
+              <a:gd name="connsiteX1" fmla="*/ 64111 w 720406"/>
+              <a:gd name="connsiteY1" fmla="*/ 471442 h 942884"/>
+              <a:gd name="connsiteX2" fmla="*/ 360203 w 720406"/>
+              <a:gd name="connsiteY2" fmla="*/ 858973 h 942884"/>
+              <a:gd name="connsiteX3" fmla="*/ 656294 w 720406"/>
+              <a:gd name="connsiteY3" fmla="*/ 471442 h 942884"/>
+              <a:gd name="connsiteX4" fmla="*/ 360203 w 720406"/>
+              <a:gd name="connsiteY4" fmla="*/ 0 h 942884"/>
+              <a:gd name="connsiteX5" fmla="*/ 720406 w 720406"/>
+              <a:gd name="connsiteY5" fmla="*/ 471442 h 942884"/>
+              <a:gd name="connsiteX6" fmla="*/ 360203 w 720406"/>
+              <a:gd name="connsiteY6" fmla="*/ 942884 h 942884"/>
+              <a:gd name="connsiteX7" fmla="*/ 0 w 720406"/>
+              <a:gd name="connsiteY7" fmla="*/ 471442 h 942884"/>
+            </a:gdLst>
+            <a:ahLst/>
+            <a:cxnLst>
+              <a:cxn ang="0">
+                <a:pos x="connsiteX0" y="connsiteY0"/>
+              </a:cxn>
+              <a:cxn ang="0">
+                <a:pos x="connsiteX1" y="connsiteY1"/>
+              </a:cxn>
+              <a:cxn ang="0">
+                <a:pos x="connsiteX2" y="connsiteY2"/>
+              </a:cxn>
+              <a:cxn ang="0">
+                <a:pos x="connsiteX3" y="connsiteY3"/>
+              </a:cxn>
+              <a:cxn ang="0">
+                <a:pos x="connsiteX4" y="connsiteY4"/>
+              </a:cxn>
+              <a:cxn ang="0">
+                <a:pos x="connsiteX5" y="connsiteY5"/>
+              </a:cxn>
+              <a:cxn ang="0">
+                <a:pos x="connsiteX6" y="connsiteY6"/>
+              </a:cxn>
+              <a:cxn ang="0">
+                <a:pos x="connsiteX7" y="connsiteY7"/>
+              </a:cxn>
+            </a:cxnLst>
+            <a:rect l="l" t="t" r="r" b="b"/>
+            <a:pathLst>
+              <a:path w="720406" h="942884">
+                <a:moveTo>
+                  <a:pt x="360203" y="83910"/>
+                </a:moveTo>
+                <a:lnTo>
+                  <a:pt x="64111" y="471442"/>
+                </a:lnTo>
+                <a:lnTo>
+                  <a:pt x="360203" y="858973"/>
+                </a:lnTo>
+                <a:lnTo>
+                  <a:pt x="656294" y="471442"/>
+                </a:lnTo>
+                <a:close/>
+                <a:moveTo>
+                  <a:pt x="360203" y="0"/>
+                </a:moveTo>
+                <a:lnTo>
+                  <a:pt x="720406" y="471442"/>
+                </a:lnTo>
+                <a:lnTo>
+                  <a:pt x="360203" y="942884"/>
+                </a:lnTo>
+                <a:lnTo>
+                  <a:pt x="0" y="471442"/>
+                </a:lnTo>
+                <a:close/>
+              </a:path>
+            </a:pathLst>
+          </a:custGeom>
+          <a:solidFill>
+            <a:schemeClr val="bg1"/>
+          </a:solidFill>
+          <a:ln w="28575">
+            <a:solidFill>
+              <a:srgbClr val="7030A0"/>
+            </a:solidFill>
+          </a:ln>
+        </p:spPr>
+        <p:style>
+          <a:lnRef idx="2">
+            <a:schemeClr val="accent1">
+              <a:shade val="50000"/>
+            </a:schemeClr>
+          </a:lnRef>
+          <a:fillRef idx="1">
+            <a:schemeClr val="accent1"/>
+          </a:fillRef>
+          <a:effectRef idx="0">
+            <a:schemeClr val="accent1"/>
+          </a:effectRef>
+          <a:fontRef idx="minor">
+            <a:schemeClr val="lt1"/>
+          </a:fontRef>
+        </p:style>
+        <p:txBody>
+          <a:bodyPr rtlCol="0" anchor="ctr"/>
+          <a:lstStyle/>
+          <a:p>
+            <a:pPr algn="ctr"/>
+            <a:endParaRPr lang="en-US"/>
+          </a:p>
+        </p:txBody>
+      </p:sp>
+      <p:sp>
+        <p:nvSpPr>
+          <p:cNvPr id="44" name="Freccia a destra 43"/>
+          <p:cNvSpPr/>
+          <p:nvPr/>
+        </p:nvSpPr>
+        <p:spPr>
+          <a:xfrm rot="2365133">
+            <a:off x="4794664" y="1945046"/>
+            <a:ext cx="1440535" cy="307361"/>
+          </a:xfrm>
+          <a:prstGeom prst="rightArrow">
+            <a:avLst/>
+          </a:prstGeom>
+          <a:solidFill>
+            <a:schemeClr val="bg1"/>
+          </a:solidFill>
+          <a:ln w="28575">
+            <a:solidFill>
+              <a:srgbClr val="7030A0"/>
+            </a:solidFill>
+          </a:ln>
+        </p:spPr>
+        <p:style>
+          <a:lnRef idx="2">
+            <a:schemeClr val="accent1">
+              <a:shade val="50000"/>
+            </a:schemeClr>
+          </a:lnRef>
+          <a:fillRef idx="1">
+            <a:schemeClr val="accent1"/>
+          </a:fillRef>
+          <a:effectRef idx="0">
+            <a:schemeClr val="accent1"/>
+          </a:effectRef>
+          <a:fontRef idx="minor">
+            <a:schemeClr val="lt1"/>
+          </a:fontRef>
+        </p:style>
+        <p:txBody>
+          <a:bodyPr rtlCol="0" anchor="ctr"/>
+          <a:lstStyle/>
+          <a:p>
+            <a:pPr algn="ctr"/>
+            <a:endParaRPr lang="en-US"/>
+          </a:p>
+        </p:txBody>
+      </p:sp>
+      <p:sp>
+        <p:nvSpPr>
+          <p:cNvPr id="45" name="Freccia a destra 44"/>
+          <p:cNvSpPr/>
+          <p:nvPr/>
+        </p:nvSpPr>
+        <p:spPr>
+          <a:xfrm>
+            <a:off x="1945196" y="2744585"/>
+            <a:ext cx="570411" cy="274897"/>
+          </a:xfrm>
+          <a:prstGeom prst="rightArrow">
+            <a:avLst/>
+          </a:prstGeom>
+          <a:solidFill>
+            <a:schemeClr val="bg1"/>
+          </a:solidFill>
+          <a:ln w="28575">
+            <a:solidFill>
+              <a:srgbClr val="7030A0"/>
+            </a:solidFill>
+          </a:ln>
+        </p:spPr>
+        <p:style>
+          <a:lnRef idx="2">
+            <a:schemeClr val="accent1">
+              <a:shade val="50000"/>
+            </a:schemeClr>
+          </a:lnRef>
+          <a:fillRef idx="1">
+            <a:schemeClr val="accent1"/>
+          </a:fillRef>
+          <a:effectRef idx="0">
+            <a:schemeClr val="accent1"/>
+          </a:effectRef>
+          <a:fontRef idx="minor">
+            <a:schemeClr val="lt1"/>
+          </a:fontRef>
+        </p:style>
+        <p:txBody>
+          <a:bodyPr rtlCol="0" anchor="ctr"/>
+          <a:lstStyle/>
+          <a:p>
+            <a:pPr algn="ctr"/>
+            <a:endParaRPr lang="en-US"/>
+          </a:p>
+        </p:txBody>
+      </p:sp>
+      <p:sp>
+        <p:nvSpPr>
+          <p:cNvPr id="46" name="Freccia a destra 45"/>
+          <p:cNvSpPr/>
+          <p:nvPr/>
+        </p:nvSpPr>
+        <p:spPr>
+          <a:xfrm rot="19061827" flipH="1">
+            <a:off x="3163998" y="1949812"/>
+            <a:ext cx="1323533" cy="291438"/>
+          </a:xfrm>
+          <a:prstGeom prst="rightArrow">
+            <a:avLst/>
+          </a:prstGeom>
+          <a:solidFill>
+            <a:schemeClr val="bg1"/>
+          </a:solidFill>
+          <a:ln w="28575">
+            <a:solidFill>
+              <a:srgbClr val="7030A0"/>
+            </a:solidFill>
+          </a:ln>
+        </p:spPr>
+        <p:style>
+          <a:lnRef idx="2">
+            <a:schemeClr val="accent1">
+              <a:shade val="50000"/>
+            </a:schemeClr>
+          </a:lnRef>
+          <a:fillRef idx="1">
+            <a:schemeClr val="accent1"/>
+          </a:fillRef>
+          <a:effectRef idx="0">
+            <a:schemeClr val="accent1"/>
+          </a:effectRef>
+          <a:fontRef idx="minor">
+            <a:schemeClr val="lt1"/>
+          </a:fontRef>
+        </p:style>
+        <p:txBody>
+          <a:bodyPr rtlCol="0" anchor="ctr"/>
+          <a:lstStyle/>
+          <a:p>
+            <a:pPr algn="ctr"/>
+            <a:endParaRPr lang="en-US"/>
+          </a:p>
+        </p:txBody>
+      </p:sp>
+      <p:sp>
+        <p:nvSpPr>
+          <p:cNvPr id="47" name="Freccia a destra 46"/>
+          <p:cNvSpPr/>
+          <p:nvPr/>
+        </p:nvSpPr>
+        <p:spPr>
+          <a:xfrm flipH="1">
+            <a:off x="4053843" y="4939386"/>
+            <a:ext cx="507242" cy="333933"/>
+          </a:xfrm>
+          <a:prstGeom prst="rightArrow">
+            <a:avLst/>
+          </a:prstGeom>
+          <a:solidFill>
+            <a:schemeClr val="bg1"/>
+          </a:solidFill>
+          <a:ln w="28575">
+            <a:solidFill>
+              <a:srgbClr val="7030A0"/>
+            </a:solidFill>
+          </a:ln>
+        </p:spPr>
+        <p:style>
+          <a:lnRef idx="2">
+            <a:schemeClr val="accent1">
+              <a:shade val="50000"/>
+            </a:schemeClr>
+          </a:lnRef>
+          <a:fillRef idx="1">
+            <a:schemeClr val="accent1"/>
+          </a:fillRef>
+          <a:effectRef idx="0">
+            <a:schemeClr val="accent1"/>
+          </a:effectRef>
+          <a:fontRef idx="minor">
+            <a:schemeClr val="lt1"/>
+          </a:fontRef>
+        </p:style>
+        <p:txBody>
+          <a:bodyPr rtlCol="0" anchor="ctr"/>
+          <a:lstStyle/>
+          <a:p>
+            <a:pPr algn="ctr"/>
+            <a:endParaRPr lang="en-US"/>
+          </a:p>
+        </p:txBody>
+      </p:sp>
+      <p:sp>
+        <p:nvSpPr>
+          <p:cNvPr id="48" name="Freccia a destra 47"/>
+          <p:cNvSpPr/>
+          <p:nvPr/>
+        </p:nvSpPr>
+        <p:spPr>
+          <a:xfrm flipH="1">
+            <a:off x="7231519" y="2730260"/>
+            <a:ext cx="499382" cy="333933"/>
+          </a:xfrm>
+          <a:prstGeom prst="rightArrow">
+            <a:avLst/>
+          </a:prstGeom>
+          <a:solidFill>
+            <a:schemeClr val="bg1"/>
+          </a:solidFill>
+          <a:ln w="28575">
+            <a:solidFill>
+              <a:srgbClr val="7030A0"/>
+            </a:solidFill>
+          </a:ln>
+        </p:spPr>
+        <p:style>
+          <a:lnRef idx="2">
+            <a:schemeClr val="accent1">
+              <a:shade val="50000"/>
+            </a:schemeClr>
+          </a:lnRef>
+          <a:fillRef idx="1">
+            <a:schemeClr val="accent1"/>
+          </a:fillRef>
+          <a:effectRef idx="0">
+            <a:schemeClr val="accent1"/>
+          </a:effectRef>
+          <a:fontRef idx="minor">
+            <a:schemeClr val="lt1"/>
+          </a:fontRef>
+        </p:style>
+        <p:txBody>
+          <a:bodyPr rtlCol="0" anchor="ctr"/>
+          <a:lstStyle/>
+          <a:p>
+            <a:pPr algn="ctr"/>
+            <a:endParaRPr lang="en-US"/>
+          </a:p>
+        </p:txBody>
+      </p:sp>
+      <p:sp>
+        <p:nvSpPr>
+          <p:cNvPr id="49" name="Freccia a destra 48"/>
+          <p:cNvSpPr/>
+          <p:nvPr/>
+        </p:nvSpPr>
+        <p:spPr>
+          <a:xfrm>
+            <a:off x="1987486" y="3308673"/>
+            <a:ext cx="507664" cy="244359"/>
+          </a:xfrm>
+          <a:prstGeom prst="rightArrow">
+            <a:avLst/>
+          </a:prstGeom>
+          <a:solidFill>
+            <a:schemeClr val="bg1"/>
+          </a:solidFill>
+          <a:ln w="28575">
+            <a:solidFill>
+              <a:srgbClr val="7030A0"/>
+            </a:solidFill>
+          </a:ln>
+        </p:spPr>
+        <p:style>
+          <a:lnRef idx="2">
+            <a:schemeClr val="accent1">
+              <a:shade val="50000"/>
+            </a:schemeClr>
+          </a:lnRef>
+          <a:fillRef idx="1">
+            <a:schemeClr val="accent1"/>
+          </a:fillRef>
+          <a:effectRef idx="0">
+            <a:schemeClr val="accent1"/>
+          </a:effectRef>
+          <a:fontRef idx="minor">
+            <a:schemeClr val="lt1"/>
+          </a:fontRef>
+        </p:style>
+        <p:txBody>
+          <a:bodyPr rtlCol="0" anchor="ctr"/>
+          <a:lstStyle/>
+          <a:p>
+            <a:pPr algn="ctr"/>
+            <a:endParaRPr lang="en-US"/>
+          </a:p>
+        </p:txBody>
+      </p:sp>
+      <p:sp>
+        <p:nvSpPr>
+          <p:cNvPr id="50" name="Freccia a destra 49"/>
+          <p:cNvSpPr/>
+          <p:nvPr/>
+        </p:nvSpPr>
+        <p:spPr>
+          <a:xfrm>
+            <a:off x="906822" y="2746211"/>
+            <a:ext cx="459822" cy="274897"/>
+          </a:xfrm>
+          <a:prstGeom prst="rightArrow">
+            <a:avLst/>
+          </a:prstGeom>
+          <a:solidFill>
+            <a:schemeClr val="bg1"/>
+          </a:solidFill>
+          <a:ln w="28575">
+            <a:solidFill>
+              <a:srgbClr val="7030A0"/>
+            </a:solidFill>
+          </a:ln>
+        </p:spPr>
+        <p:style>
+          <a:lnRef idx="2">
+            <a:schemeClr val="accent1">
+              <a:shade val="50000"/>
+            </a:schemeClr>
+          </a:lnRef>
+          <a:fillRef idx="1">
+            <a:schemeClr val="accent1"/>
+          </a:fillRef>
+          <a:effectRef idx="0">
+            <a:schemeClr val="accent1"/>
+          </a:effectRef>
+          <a:fontRef idx="minor">
+            <a:schemeClr val="lt1"/>
+          </a:fontRef>
+        </p:style>
+        <p:txBody>
+          <a:bodyPr rtlCol="0" anchor="ctr"/>
+          <a:lstStyle/>
+          <a:p>
+            <a:pPr algn="ctr"/>
+            <a:endParaRPr lang="en-US"/>
+          </a:p>
+        </p:txBody>
+      </p:sp>
+      <p:sp>
+        <p:nvSpPr>
+          <p:cNvPr id="51" name="Rombo 50"/>
+          <p:cNvSpPr/>
+          <p:nvPr/>
+        </p:nvSpPr>
+        <p:spPr>
+          <a:xfrm>
+            <a:off x="1526379" y="3240723"/>
+            <a:ext cx="350100" cy="458219"/>
+          </a:xfrm>
+          <a:prstGeom prst="diamond">
+            <a:avLst/>
+          </a:prstGeom>
+          <a:solidFill>
+            <a:schemeClr val="bg1"/>
+          </a:solidFill>
+          <a:ln w="28575">
+            <a:solidFill>
+              <a:srgbClr val="7030A0"/>
+            </a:solidFill>
+          </a:ln>
+        </p:spPr>
+        <p:style>
+          <a:lnRef idx="2">
+            <a:schemeClr val="accent1">
+              <a:shade val="50000"/>
+            </a:schemeClr>
+          </a:lnRef>
+          <a:fillRef idx="1">
+            <a:schemeClr val="accent1"/>
+          </a:fillRef>
+          <a:effectRef idx="0">
+            <a:schemeClr val="accent1"/>
+          </a:effectRef>
+          <a:fontRef idx="minor">
+            <a:schemeClr val="lt1"/>
+          </a:fontRef>
+        </p:style>
+        <p:txBody>
+          <a:bodyPr rtlCol="0" anchor="ctr"/>
+          <a:lstStyle/>
+          <a:p>
+            <a:pPr algn="ctr"/>
+            <a:endParaRPr lang="en-US"/>
+          </a:p>
+        </p:txBody>
+      </p:sp>
+      <p:sp>
+        <p:nvSpPr>
+          <p:cNvPr id="52" name="Rombo 51"/>
+          <p:cNvSpPr/>
+          <p:nvPr/>
+        </p:nvSpPr>
+        <p:spPr>
+          <a:xfrm>
+            <a:off x="465752" y="2641378"/>
+            <a:ext cx="350100" cy="458219"/>
+          </a:xfrm>
+          <a:prstGeom prst="diamond">
+            <a:avLst/>
+          </a:prstGeom>
+          <a:solidFill>
+            <a:schemeClr val="bg1"/>
+          </a:solidFill>
+          <a:ln w="28575">
+            <a:solidFill>
+              <a:srgbClr val="7030A0"/>
+            </a:solidFill>
+          </a:ln>
+        </p:spPr>
+        <p:style>
+          <a:lnRef idx="2">
+            <a:schemeClr val="accent1">
+              <a:shade val="50000"/>
+            </a:schemeClr>
+          </a:lnRef>
+          <a:fillRef idx="1">
+            <a:schemeClr val="accent1"/>
+          </a:fillRef>
+          <a:effectRef idx="0">
+            <a:schemeClr val="accent1"/>
+          </a:effectRef>
+          <a:fontRef idx="minor">
+            <a:schemeClr val="lt1"/>
+          </a:fontRef>
+        </p:style>
+        <p:txBody>
+          <a:bodyPr rtlCol="0" anchor="ctr"/>
+          <a:lstStyle/>
+          <a:p>
+            <a:pPr algn="ctr"/>
+            <a:endParaRPr lang="en-US"/>
+          </a:p>
+        </p:txBody>
+      </p:sp>
+      <p:sp>
+        <p:nvSpPr>
+          <p:cNvPr id="53" name="CasellaDiTesto 52"/>
+          <p:cNvSpPr txBox="1"/>
+          <p:nvPr/>
+        </p:nvSpPr>
+        <p:spPr>
+          <a:xfrm>
+            <a:off x="240644" y="2155542"/>
+            <a:ext cx="1237968" cy="492443"/>
+          </a:xfrm>
+          <a:prstGeom prst="rect">
+            <a:avLst/>
+          </a:prstGeom>
+          <a:noFill/>
+        </p:spPr>
+        <p:txBody>
+          <a:bodyPr wrap="square" rtlCol="0">
+            <a:spAutoFit/>
+          </a:bodyPr>
+          <a:lstStyle/>
+          <a:p>
+            <a:r>
+              <a:rPr lang="it-IT" sz="1300" dirty="0" err="1" smtClean="0"/>
+              <a:t>All</a:t>
+            </a:r>
+            <a:r>
+              <a:rPr lang="it-IT" sz="1300" dirty="0" smtClean="0"/>
+              <a:t> </a:t>
+            </a:r>
+            <a:r>
+              <a:rPr lang="it-IT" sz="1300" dirty="0" err="1" smtClean="0"/>
+              <a:t>devices</a:t>
+            </a:r>
+            <a:r>
+              <a:rPr lang="it-IT" sz="1300" dirty="0" smtClean="0"/>
+              <a:t> </a:t>
+            </a:r>
+            <a:r>
+              <a:rPr lang="it-IT" sz="1300" dirty="0" err="1" smtClean="0"/>
+              <a:t>categories</a:t>
+            </a:r>
+            <a:endParaRPr lang="it-IT" sz="1300" dirty="0"/>
+          </a:p>
+        </p:txBody>
+      </p:sp>
+      <p:sp>
+        <p:nvSpPr>
+          <p:cNvPr id="54" name="CasellaDiTesto 53"/>
+          <p:cNvSpPr txBox="1"/>
+          <p:nvPr/>
+        </p:nvSpPr>
+        <p:spPr>
+          <a:xfrm>
+            <a:off x="640802" y="3296049"/>
+            <a:ext cx="1237968" cy="292388"/>
+          </a:xfrm>
+          <a:prstGeom prst="rect">
+            <a:avLst/>
+          </a:prstGeom>
+          <a:noFill/>
+        </p:spPr>
+        <p:txBody>
+          <a:bodyPr wrap="square" rtlCol="0">
+            <a:spAutoFit/>
+          </a:bodyPr>
+          <a:lstStyle/>
+          <a:p>
+            <a:r>
+              <a:rPr lang="it-IT" sz="1300" dirty="0" err="1" smtClean="0"/>
+              <a:t>All</a:t>
+            </a:r>
+            <a:r>
+              <a:rPr lang="it-IT" sz="1300" dirty="0" smtClean="0"/>
+              <a:t> </a:t>
+            </a:r>
+            <a:r>
+              <a:rPr lang="it-IT" sz="1300" dirty="0" err="1" smtClean="0"/>
+              <a:t>devices</a:t>
+            </a:r>
+            <a:endParaRPr lang="it-IT" sz="1300" dirty="0"/>
+          </a:p>
+        </p:txBody>
+      </p:sp>
+      <p:sp>
+        <p:nvSpPr>
+          <p:cNvPr id="55" name="CasellaDiTesto 54"/>
+          <p:cNvSpPr txBox="1"/>
+          <p:nvPr/>
+        </p:nvSpPr>
+        <p:spPr>
+          <a:xfrm>
+            <a:off x="1368502" y="2141637"/>
+            <a:ext cx="1237968" cy="492443"/>
+          </a:xfrm>
+          <a:prstGeom prst="rect">
+            <a:avLst/>
+          </a:prstGeom>
+          <a:noFill/>
+        </p:spPr>
+        <p:txBody>
+          <a:bodyPr wrap="square" rtlCol="0">
+            <a:spAutoFit/>
+          </a:bodyPr>
+          <a:lstStyle/>
+          <a:p>
+            <a:r>
+              <a:rPr lang="it-IT" sz="1300" dirty="0" smtClean="0"/>
+              <a:t>Device by </a:t>
+            </a:r>
+            <a:r>
+              <a:rPr lang="it-IT" sz="1300" dirty="0" err="1" smtClean="0"/>
+              <a:t>category</a:t>
+            </a:r>
+            <a:endParaRPr lang="it-IT" sz="1300" dirty="0"/>
+          </a:p>
+        </p:txBody>
+      </p:sp>
+      <p:sp>
+        <p:nvSpPr>
+          <p:cNvPr id="56" name="Rombo 55"/>
+          <p:cNvSpPr/>
+          <p:nvPr/>
+        </p:nvSpPr>
+        <p:spPr>
+          <a:xfrm>
+            <a:off x="7768589" y="3213133"/>
+            <a:ext cx="394205" cy="458219"/>
+          </a:xfrm>
+          <a:prstGeom prst="diamond">
+            <a:avLst/>
+          </a:prstGeom>
+          <a:solidFill>
+            <a:schemeClr val="bg1"/>
+          </a:solidFill>
+          <a:ln w="28575">
+            <a:solidFill>
+              <a:srgbClr val="7030A0"/>
+            </a:solidFill>
+          </a:ln>
+        </p:spPr>
+        <p:style>
+          <a:lnRef idx="2">
+            <a:schemeClr val="accent1">
+              <a:shade val="50000"/>
+            </a:schemeClr>
+          </a:lnRef>
+          <a:fillRef idx="1">
+            <a:schemeClr val="accent1"/>
+          </a:fillRef>
+          <a:effectRef idx="0">
+            <a:schemeClr val="accent1"/>
+          </a:effectRef>
+          <a:fontRef idx="minor">
+            <a:schemeClr val="lt1"/>
+          </a:fontRef>
+        </p:style>
+        <p:txBody>
+          <a:bodyPr rtlCol="0" anchor="ctr"/>
+          <a:lstStyle/>
+          <a:p>
+            <a:pPr algn="ctr"/>
+            <a:endParaRPr lang="en-US"/>
+          </a:p>
+        </p:txBody>
+      </p:sp>
+      <p:sp>
+        <p:nvSpPr>
+          <p:cNvPr id="57" name="Freccia a destra 56"/>
+          <p:cNvSpPr/>
+          <p:nvPr/>
+        </p:nvSpPr>
+        <p:spPr>
+          <a:xfrm flipH="1">
+            <a:off x="7223645" y="3256678"/>
+            <a:ext cx="507256" cy="348343"/>
+          </a:xfrm>
+          <a:prstGeom prst="rightArrow">
+            <a:avLst/>
+          </a:prstGeom>
+          <a:solidFill>
+            <a:schemeClr val="bg1"/>
+          </a:solidFill>
+          <a:ln w="28575">
+            <a:solidFill>
+              <a:srgbClr val="7030A0"/>
+            </a:solidFill>
+          </a:ln>
+        </p:spPr>
+        <p:style>
+          <a:lnRef idx="2">
+            <a:schemeClr val="accent1">
+              <a:shade val="50000"/>
+            </a:schemeClr>
+          </a:lnRef>
+          <a:fillRef idx="1">
+            <a:schemeClr val="accent1"/>
+          </a:fillRef>
+          <a:effectRef idx="0">
+            <a:schemeClr val="accent1"/>
+          </a:effectRef>
+          <a:fontRef idx="minor">
+            <a:schemeClr val="lt1"/>
+          </a:fontRef>
+        </p:style>
+        <p:txBody>
+          <a:bodyPr rtlCol="0" anchor="ctr"/>
+          <a:lstStyle/>
+          <a:p>
+            <a:pPr algn="ctr"/>
+            <a:endParaRPr lang="en-US"/>
+          </a:p>
+        </p:txBody>
+      </p:sp>
+      <p:sp>
+        <p:nvSpPr>
+          <p:cNvPr id="58" name="Rombo 57"/>
+          <p:cNvSpPr/>
+          <p:nvPr/>
+        </p:nvSpPr>
+        <p:spPr>
+          <a:xfrm>
+            <a:off x="4596314" y="5363997"/>
+            <a:ext cx="394205" cy="458219"/>
+          </a:xfrm>
+          <a:prstGeom prst="diamond">
+            <a:avLst/>
+          </a:prstGeom>
+          <a:solidFill>
+            <a:schemeClr val="bg1"/>
+          </a:solidFill>
+          <a:ln w="28575">
+            <a:solidFill>
+              <a:srgbClr val="7030A0"/>
+            </a:solidFill>
+          </a:ln>
+        </p:spPr>
+        <p:style>
+          <a:lnRef idx="2">
+            <a:schemeClr val="accent1">
+              <a:shade val="50000"/>
+            </a:schemeClr>
+          </a:lnRef>
+          <a:fillRef idx="1">
+            <a:schemeClr val="accent1"/>
+          </a:fillRef>
+          <a:effectRef idx="0">
+            <a:schemeClr val="accent1"/>
+          </a:effectRef>
+          <a:fontRef idx="minor">
+            <a:schemeClr val="lt1"/>
+          </a:fontRef>
+        </p:style>
+        <p:txBody>
+          <a:bodyPr rtlCol="0" anchor="ctr"/>
+          <a:lstStyle/>
+          <a:p>
+            <a:pPr algn="ctr"/>
+            <a:endParaRPr lang="en-US"/>
+          </a:p>
+        </p:txBody>
+      </p:sp>
+      <p:sp>
+        <p:nvSpPr>
+          <p:cNvPr id="59" name="Freccia a destra 58"/>
+          <p:cNvSpPr/>
+          <p:nvPr/>
+        </p:nvSpPr>
+        <p:spPr>
+          <a:xfrm flipH="1">
+            <a:off x="4035235" y="5386079"/>
+            <a:ext cx="525850" cy="348343"/>
+          </a:xfrm>
+          <a:prstGeom prst="rightArrow">
+            <a:avLst/>
+          </a:prstGeom>
+          <a:solidFill>
+            <a:schemeClr val="bg1"/>
+          </a:solidFill>
+          <a:ln w="28575">
+            <a:solidFill>
+              <a:srgbClr val="7030A0"/>
+            </a:solidFill>
+          </a:ln>
+        </p:spPr>
+        <p:style>
+          <a:lnRef idx="2">
+            <a:schemeClr val="accent1">
+              <a:shade val="50000"/>
+            </a:schemeClr>
+          </a:lnRef>
+          <a:fillRef idx="1">
+            <a:schemeClr val="accent1"/>
+          </a:fillRef>
+          <a:effectRef idx="0">
+            <a:schemeClr val="accent1"/>
+          </a:effectRef>
+          <a:fontRef idx="minor">
+            <a:schemeClr val="lt1"/>
+          </a:fontRef>
+        </p:style>
+        <p:txBody>
+          <a:bodyPr rtlCol="0" anchor="ctr"/>
+          <a:lstStyle/>
+          <a:p>
+            <a:pPr algn="ctr"/>
+            <a:endParaRPr lang="en-US"/>
+          </a:p>
+        </p:txBody>
+      </p:sp>
+      <p:sp>
+        <p:nvSpPr>
+          <p:cNvPr id="60" name="Rombo 59"/>
+          <p:cNvSpPr/>
+          <p:nvPr/>
+        </p:nvSpPr>
+        <p:spPr>
+          <a:xfrm>
+            <a:off x="5694121" y="4900640"/>
+            <a:ext cx="394205" cy="458219"/>
+          </a:xfrm>
+          <a:prstGeom prst="diamond">
+            <a:avLst/>
+          </a:prstGeom>
+          <a:solidFill>
+            <a:schemeClr val="bg1"/>
+          </a:solidFill>
+          <a:ln w="28575">
+            <a:solidFill>
+              <a:srgbClr val="7030A0"/>
+            </a:solidFill>
+          </a:ln>
+        </p:spPr>
+        <p:style>
+          <a:lnRef idx="2">
+            <a:schemeClr val="accent1">
+              <a:shade val="50000"/>
+            </a:schemeClr>
+          </a:lnRef>
+          <a:fillRef idx="1">
+            <a:schemeClr val="accent1"/>
+          </a:fillRef>
+          <a:effectRef idx="0">
+            <a:schemeClr val="accent1"/>
+          </a:effectRef>
+          <a:fontRef idx="minor">
+            <a:schemeClr val="lt1"/>
+          </a:fontRef>
+        </p:style>
+        <p:txBody>
+          <a:bodyPr rtlCol="0" anchor="ctr"/>
+          <a:lstStyle/>
+          <a:p>
+            <a:pPr algn="ctr"/>
+            <a:endParaRPr lang="en-US"/>
+          </a:p>
+        </p:txBody>
+      </p:sp>
+      <p:sp>
+        <p:nvSpPr>
+          <p:cNvPr id="61" name="Rombo 60"/>
+          <p:cNvSpPr/>
+          <p:nvPr/>
+        </p:nvSpPr>
+        <p:spPr>
+          <a:xfrm>
+            <a:off x="8858386" y="2660911"/>
+            <a:ext cx="394205" cy="458219"/>
+          </a:xfrm>
+          <a:prstGeom prst="diamond">
+            <a:avLst/>
+          </a:prstGeom>
+          <a:solidFill>
+            <a:schemeClr val="bg1"/>
+          </a:solidFill>
+          <a:ln w="28575">
+            <a:solidFill>
+              <a:srgbClr val="7030A0"/>
+            </a:solidFill>
+          </a:ln>
+        </p:spPr>
+        <p:style>
+          <a:lnRef idx="2">
+            <a:schemeClr val="accent1">
+              <a:shade val="50000"/>
+            </a:schemeClr>
+          </a:lnRef>
+          <a:fillRef idx="1">
+            <a:schemeClr val="accent1"/>
+          </a:fillRef>
+          <a:effectRef idx="0">
+            <a:schemeClr val="accent1"/>
+          </a:effectRef>
+          <a:fontRef idx="minor">
+            <a:schemeClr val="lt1"/>
+          </a:fontRef>
+        </p:style>
+        <p:txBody>
+          <a:bodyPr rtlCol="0" anchor="ctr"/>
+          <a:lstStyle/>
+          <a:p>
+            <a:pPr algn="ctr"/>
+            <a:endParaRPr lang="en-US"/>
+          </a:p>
+        </p:txBody>
+      </p:sp>
+      <p:sp>
+        <p:nvSpPr>
+          <p:cNvPr id="62" name="Freccia a destra 61"/>
+          <p:cNvSpPr/>
+          <p:nvPr/>
+        </p:nvSpPr>
+        <p:spPr>
+          <a:xfrm flipH="1">
+            <a:off x="8215983" y="2744585"/>
+            <a:ext cx="547710" cy="303632"/>
+          </a:xfrm>
+          <a:prstGeom prst="rightArrow">
+            <a:avLst/>
+          </a:prstGeom>
+          <a:solidFill>
+            <a:schemeClr val="bg1"/>
+          </a:solidFill>
+          <a:ln w="28575">
+            <a:solidFill>
+              <a:srgbClr val="7030A0"/>
+            </a:solidFill>
+          </a:ln>
+        </p:spPr>
+        <p:style>
+          <a:lnRef idx="2">
+            <a:schemeClr val="accent1">
+              <a:shade val="50000"/>
+            </a:schemeClr>
+          </a:lnRef>
+          <a:fillRef idx="1">
+            <a:schemeClr val="accent1"/>
+          </a:fillRef>
+          <a:effectRef idx="0">
+            <a:schemeClr val="accent1"/>
+          </a:effectRef>
+          <a:fontRef idx="minor">
+            <a:schemeClr val="lt1"/>
+          </a:fontRef>
+        </p:style>
+        <p:txBody>
+          <a:bodyPr rtlCol="0" anchor="ctr"/>
+          <a:lstStyle/>
+          <a:p>
+            <a:pPr algn="ctr"/>
+            <a:endParaRPr lang="en-US"/>
+          </a:p>
+        </p:txBody>
+      </p:sp>
+      <p:sp>
+        <p:nvSpPr>
+          <p:cNvPr id="63" name="Freccia a destra 62"/>
+          <p:cNvSpPr/>
+          <p:nvPr/>
+        </p:nvSpPr>
+        <p:spPr>
+          <a:xfrm flipH="1">
+            <a:off x="5041249" y="4940338"/>
+            <a:ext cx="601281" cy="348343"/>
+          </a:xfrm>
+          <a:prstGeom prst="rightArrow">
+            <a:avLst/>
+          </a:prstGeom>
+          <a:solidFill>
+            <a:schemeClr val="bg1"/>
+          </a:solidFill>
+          <a:ln w="28575">
+            <a:solidFill>
+              <a:srgbClr val="7030A0"/>
+            </a:solidFill>
+          </a:ln>
+        </p:spPr>
+        <p:style>
+          <a:lnRef idx="2">
+            <a:schemeClr val="accent1">
+              <a:shade val="50000"/>
+            </a:schemeClr>
+          </a:lnRef>
+          <a:fillRef idx="1">
+            <a:schemeClr val="accent1"/>
+          </a:fillRef>
+          <a:effectRef idx="0">
+            <a:schemeClr val="accent1"/>
+          </a:effectRef>
+          <a:fontRef idx="minor">
+            <a:schemeClr val="lt1"/>
+          </a:fontRef>
+        </p:style>
+        <p:txBody>
+          <a:bodyPr rtlCol="0" anchor="ctr"/>
+          <a:lstStyle/>
+          <a:p>
+            <a:pPr algn="ctr"/>
+            <a:endParaRPr lang="en-US"/>
+          </a:p>
+        </p:txBody>
+      </p:sp>
+      <p:sp>
+        <p:nvSpPr>
+          <p:cNvPr id="66" name="Rombo 65"/>
+          <p:cNvSpPr/>
+          <p:nvPr/>
+        </p:nvSpPr>
+        <p:spPr>
+          <a:xfrm>
+            <a:off x="4423561" y="1232370"/>
+            <a:ext cx="394205" cy="458219"/>
+          </a:xfrm>
+          <a:prstGeom prst="diamond">
+            <a:avLst/>
+          </a:prstGeom>
+          <a:solidFill>
+            <a:schemeClr val="bg1"/>
+          </a:solidFill>
+          <a:ln w="28575">
+            <a:solidFill>
+              <a:srgbClr val="7030A0"/>
+            </a:solidFill>
+          </a:ln>
+        </p:spPr>
+        <p:style>
+          <a:lnRef idx="2">
+            <a:schemeClr val="accent1">
+              <a:shade val="50000"/>
+            </a:schemeClr>
+          </a:lnRef>
+          <a:fillRef idx="1">
+            <a:schemeClr val="accent1"/>
+          </a:fillRef>
+          <a:effectRef idx="0">
+            <a:schemeClr val="accent1"/>
+          </a:effectRef>
+          <a:fontRef idx="minor">
+            <a:schemeClr val="lt1"/>
+          </a:fontRef>
+        </p:style>
+        <p:txBody>
+          <a:bodyPr rtlCol="0" anchor="ctr"/>
+          <a:lstStyle/>
+          <a:p>
+            <a:pPr algn="ctr"/>
+            <a:endParaRPr lang="en-US"/>
+          </a:p>
+        </p:txBody>
+      </p:sp>
+      <p:sp>
+        <p:nvSpPr>
+          <p:cNvPr id="67" name="CasellaDiTesto 66"/>
+          <p:cNvSpPr txBox="1"/>
+          <p:nvPr/>
+        </p:nvSpPr>
+        <p:spPr>
+          <a:xfrm>
+            <a:off x="6098677" y="4878202"/>
+            <a:ext cx="1237968" cy="492443"/>
+          </a:xfrm>
+          <a:prstGeom prst="rect">
+            <a:avLst/>
+          </a:prstGeom>
+          <a:noFill/>
+        </p:spPr>
+        <p:txBody>
+          <a:bodyPr wrap="square" rtlCol="0">
+            <a:spAutoFit/>
+          </a:bodyPr>
+          <a:lstStyle/>
+          <a:p>
+            <a:r>
+              <a:rPr lang="it-IT" sz="1300" dirty="0" err="1" smtClean="0"/>
+              <a:t>All</a:t>
+            </a:r>
+            <a:r>
+              <a:rPr lang="it-IT" sz="1300" dirty="0" smtClean="0"/>
+              <a:t> </a:t>
+            </a:r>
+            <a:r>
+              <a:rPr lang="it-IT" sz="1300" dirty="0" err="1" smtClean="0"/>
+              <a:t>assistance</a:t>
+            </a:r>
+            <a:r>
+              <a:rPr lang="it-IT" sz="1300" dirty="0" smtClean="0"/>
+              <a:t> </a:t>
+            </a:r>
+            <a:r>
+              <a:rPr lang="it-IT" sz="1300" dirty="0" err="1" smtClean="0"/>
+              <a:t>categories</a:t>
+            </a:r>
+            <a:endParaRPr lang="it-IT" sz="1300" dirty="0"/>
+          </a:p>
+        </p:txBody>
+      </p:sp>
+      <p:sp>
+        <p:nvSpPr>
+          <p:cNvPr id="68" name="CasellaDiTesto 67"/>
+          <p:cNvSpPr txBox="1"/>
+          <p:nvPr/>
+        </p:nvSpPr>
+        <p:spPr>
+          <a:xfrm>
+            <a:off x="4422265" y="4395901"/>
+            <a:ext cx="1237968" cy="492443"/>
+          </a:xfrm>
+          <a:prstGeom prst="rect">
+            <a:avLst/>
+          </a:prstGeom>
+          <a:noFill/>
+        </p:spPr>
+        <p:txBody>
+          <a:bodyPr wrap="square" rtlCol="0">
+            <a:spAutoFit/>
+          </a:bodyPr>
+          <a:lstStyle/>
+          <a:p>
+            <a:r>
+              <a:rPr lang="it-IT" sz="1300" dirty="0" smtClean="0"/>
+              <a:t>Assistance by </a:t>
+            </a:r>
+            <a:r>
+              <a:rPr lang="it-IT" sz="1300" dirty="0" err="1" smtClean="0"/>
+              <a:t>category</a:t>
+            </a:r>
+            <a:endParaRPr lang="it-IT" sz="1300" dirty="0"/>
+          </a:p>
+        </p:txBody>
+      </p:sp>
+      <p:sp>
+        <p:nvSpPr>
+          <p:cNvPr id="70" name="CasellaDiTesto 69"/>
+          <p:cNvSpPr txBox="1"/>
+          <p:nvPr/>
+        </p:nvSpPr>
+        <p:spPr>
+          <a:xfrm>
+            <a:off x="4182183" y="921089"/>
+            <a:ext cx="1237968" cy="292388"/>
+          </a:xfrm>
+          <a:prstGeom prst="rect">
+            <a:avLst/>
+          </a:prstGeom>
+          <a:noFill/>
+        </p:spPr>
+        <p:txBody>
+          <a:bodyPr wrap="square" rtlCol="0">
+            <a:spAutoFit/>
+          </a:bodyPr>
+          <a:lstStyle/>
+          <a:p>
+            <a:r>
+              <a:rPr lang="it-IT" sz="1300" dirty="0" err="1" smtClean="0"/>
+              <a:t>Promotions</a:t>
+            </a:r>
+            <a:endParaRPr lang="it-IT" sz="1300" dirty="0"/>
+          </a:p>
+        </p:txBody>
+      </p:sp>
+      <p:sp>
+        <p:nvSpPr>
+          <p:cNvPr id="72" name="CasellaDiTesto 71"/>
+          <p:cNvSpPr txBox="1"/>
+          <p:nvPr/>
+        </p:nvSpPr>
+        <p:spPr>
+          <a:xfrm>
+            <a:off x="588650" y="5111753"/>
+            <a:ext cx="1237968" cy="292388"/>
+          </a:xfrm>
+          <a:prstGeom prst="rect">
+            <a:avLst/>
+          </a:prstGeom>
+          <a:noFill/>
+        </p:spPr>
+        <p:txBody>
+          <a:bodyPr wrap="square" rtlCol="0">
+            <a:spAutoFit/>
+          </a:bodyPr>
+          <a:lstStyle/>
+          <a:p>
+            <a:r>
+              <a:rPr lang="it-IT" sz="1300" dirty="0" err="1" smtClean="0"/>
+              <a:t>Highlights</a:t>
+            </a:r>
+            <a:endParaRPr lang="it-IT" sz="1300" dirty="0"/>
+          </a:p>
+        </p:txBody>
+      </p:sp>
+      <p:sp>
+        <p:nvSpPr>
+          <p:cNvPr id="73" name="Rombo 72"/>
+          <p:cNvSpPr/>
+          <p:nvPr/>
+        </p:nvSpPr>
+        <p:spPr>
+          <a:xfrm flipH="1">
+            <a:off x="1415830" y="5044194"/>
+            <a:ext cx="394205" cy="458219"/>
+          </a:xfrm>
+          <a:prstGeom prst="diamond">
+            <a:avLst/>
+          </a:prstGeom>
+          <a:solidFill>
+            <a:schemeClr val="bg1"/>
+          </a:solidFill>
+          <a:ln w="28575">
+            <a:solidFill>
+              <a:srgbClr val="7030A0"/>
+            </a:solidFill>
+          </a:ln>
+        </p:spPr>
+        <p:style>
+          <a:lnRef idx="2">
+            <a:schemeClr val="accent1">
+              <a:shade val="50000"/>
+            </a:schemeClr>
+          </a:lnRef>
+          <a:fillRef idx="1">
+            <a:schemeClr val="accent1"/>
+          </a:fillRef>
+          <a:effectRef idx="0">
+            <a:schemeClr val="accent1"/>
+          </a:effectRef>
+          <a:fontRef idx="minor">
+            <a:schemeClr val="lt1"/>
+          </a:fontRef>
+        </p:style>
+        <p:txBody>
+          <a:bodyPr rtlCol="0" anchor="ctr"/>
+          <a:lstStyle/>
+          <a:p>
+            <a:pPr algn="ctr"/>
+            <a:endParaRPr lang="en-US"/>
+          </a:p>
+        </p:txBody>
+      </p:sp>
+      <p:sp>
+        <p:nvSpPr>
+          <p:cNvPr id="74" name="Freccia a destra 73"/>
+          <p:cNvSpPr/>
+          <p:nvPr/>
+        </p:nvSpPr>
+        <p:spPr>
+          <a:xfrm>
+            <a:off x="1914576" y="5099133"/>
+            <a:ext cx="525850" cy="348343"/>
+          </a:xfrm>
+          <a:prstGeom prst="rightArrow">
+            <a:avLst/>
+          </a:prstGeom>
+          <a:solidFill>
+            <a:schemeClr val="bg1"/>
+          </a:solidFill>
+          <a:ln w="28575">
+            <a:solidFill>
+              <a:srgbClr val="7030A0"/>
+            </a:solidFill>
+          </a:ln>
+        </p:spPr>
+        <p:style>
+          <a:lnRef idx="2">
+            <a:schemeClr val="accent1">
+              <a:shade val="50000"/>
+            </a:schemeClr>
+          </a:lnRef>
+          <a:fillRef idx="1">
+            <a:schemeClr val="accent1"/>
+          </a:fillRef>
+          <a:effectRef idx="0">
+            <a:schemeClr val="accent1"/>
+          </a:effectRef>
+          <a:fontRef idx="minor">
+            <a:schemeClr val="lt1"/>
+          </a:fontRef>
+        </p:style>
+        <p:txBody>
+          <a:bodyPr rtlCol="0" anchor="ctr"/>
+          <a:lstStyle/>
+          <a:p>
+            <a:pPr algn="ctr"/>
+            <a:endParaRPr lang="en-US"/>
+          </a:p>
+        </p:txBody>
+      </p:sp>
+      <p:sp>
+        <p:nvSpPr>
+          <p:cNvPr id="75" name="CasellaDiTesto 74"/>
+          <p:cNvSpPr txBox="1"/>
+          <p:nvPr/>
+        </p:nvSpPr>
+        <p:spPr>
+          <a:xfrm>
+            <a:off x="4967843" y="5404141"/>
+            <a:ext cx="1237968" cy="492443"/>
+          </a:xfrm>
+          <a:prstGeom prst="rect">
+            <a:avLst/>
+          </a:prstGeom>
+          <a:noFill/>
+        </p:spPr>
+        <p:txBody>
+          <a:bodyPr wrap="square" rtlCol="0">
+            <a:spAutoFit/>
+          </a:bodyPr>
+          <a:lstStyle/>
+          <a:p>
+            <a:r>
+              <a:rPr lang="it-IT" sz="1300" dirty="0" err="1" smtClean="0"/>
+              <a:t>All</a:t>
+            </a:r>
+            <a:r>
+              <a:rPr lang="it-IT" sz="1300" dirty="0" smtClean="0"/>
+              <a:t> Assistance </a:t>
+            </a:r>
+            <a:r>
+              <a:rPr lang="it-IT" sz="1300" dirty="0" err="1" smtClean="0"/>
+              <a:t>services</a:t>
+            </a:r>
+            <a:endParaRPr lang="it-IT" sz="1300" dirty="0"/>
+          </a:p>
+        </p:txBody>
+      </p:sp>
+      <p:sp>
+        <p:nvSpPr>
+          <p:cNvPr id="76" name="CasellaDiTesto 75"/>
+          <p:cNvSpPr txBox="1"/>
+          <p:nvPr/>
+        </p:nvSpPr>
+        <p:spPr>
+          <a:xfrm>
+            <a:off x="8173340" y="3284655"/>
+            <a:ext cx="1237968" cy="292388"/>
+          </a:xfrm>
+          <a:prstGeom prst="rect">
+            <a:avLst/>
+          </a:prstGeom>
+          <a:noFill/>
+        </p:spPr>
+        <p:txBody>
+          <a:bodyPr wrap="square" rtlCol="0">
+            <a:spAutoFit/>
+          </a:bodyPr>
+          <a:lstStyle/>
+          <a:p>
+            <a:r>
+              <a:rPr lang="it-IT" sz="1300" dirty="0" err="1" smtClean="0"/>
+              <a:t>All</a:t>
+            </a:r>
+            <a:r>
+              <a:rPr lang="it-IT" sz="1300" dirty="0" smtClean="0"/>
+              <a:t> Smart Life</a:t>
+            </a:r>
+            <a:endParaRPr lang="it-IT" sz="1300" dirty="0"/>
+          </a:p>
+        </p:txBody>
+      </p:sp>
+      <p:sp>
+        <p:nvSpPr>
+          <p:cNvPr id="77" name="CasellaDiTesto 76"/>
+          <p:cNvSpPr txBox="1"/>
+          <p:nvPr/>
+        </p:nvSpPr>
+        <p:spPr>
+          <a:xfrm>
+            <a:off x="7554356" y="2168468"/>
+            <a:ext cx="1237968" cy="492443"/>
+          </a:xfrm>
+          <a:prstGeom prst="rect">
+            <a:avLst/>
+          </a:prstGeom>
+          <a:noFill/>
+        </p:spPr>
+        <p:txBody>
+          <a:bodyPr wrap="square" rtlCol="0">
+            <a:spAutoFit/>
+          </a:bodyPr>
+          <a:lstStyle/>
+          <a:p>
+            <a:r>
+              <a:rPr lang="it-IT" sz="1300" dirty="0" smtClean="0"/>
+              <a:t>Smart Life by </a:t>
+            </a:r>
+            <a:r>
+              <a:rPr lang="it-IT" sz="1300" dirty="0" err="1" smtClean="0"/>
+              <a:t>categories</a:t>
+            </a:r>
+            <a:endParaRPr lang="it-IT" sz="1300" dirty="0"/>
+          </a:p>
+        </p:txBody>
+      </p:sp>
+      <p:sp>
+        <p:nvSpPr>
+          <p:cNvPr id="78" name="CasellaDiTesto 77"/>
+          <p:cNvSpPr txBox="1"/>
+          <p:nvPr/>
+        </p:nvSpPr>
+        <p:spPr>
+          <a:xfrm>
+            <a:off x="9252591" y="2647985"/>
+            <a:ext cx="1237968" cy="492443"/>
+          </a:xfrm>
+          <a:prstGeom prst="rect">
+            <a:avLst/>
+          </a:prstGeom>
+          <a:noFill/>
+        </p:spPr>
+        <p:txBody>
+          <a:bodyPr wrap="square" rtlCol="0">
+            <a:spAutoFit/>
+          </a:bodyPr>
+          <a:lstStyle/>
+          <a:p>
+            <a:r>
+              <a:rPr lang="it-IT" sz="1300" dirty="0" err="1" smtClean="0"/>
+              <a:t>All</a:t>
+            </a:r>
+            <a:r>
+              <a:rPr lang="it-IT" sz="1300" dirty="0" smtClean="0"/>
+              <a:t> Smart Life </a:t>
+            </a:r>
+            <a:r>
+              <a:rPr lang="it-IT" sz="1300" dirty="0" err="1" smtClean="0"/>
+              <a:t>categories</a:t>
+            </a:r>
+            <a:endParaRPr lang="it-IT" sz="1300" dirty="0"/>
+          </a:p>
+        </p:txBody>
+      </p:sp>
+    </p:spTree>
+    <p:extLst>
+      <p:ext uri="{BB962C8B-B14F-4D97-AF65-F5344CB8AC3E}">
+        <p14:creationId xmlns:p14="http://schemas.microsoft.com/office/powerpoint/2010/main" val="2044044707"/>
+      </p:ext>
+    </p:extLst>
+  </p:cSld>
+  <p:clrMapOvr>
+    <a:masterClrMapping/>
+  </p:clrMapOvr>
+</p:sld>
+</file>
+
+<file path=ppt/slides/slide3.xml><?xml version="1.0" encoding="utf-8"?>
 <p:sld xmlns:a="http://schemas.openxmlformats.org/drawingml/2006/main" xmlns:r="http://schemas.openxmlformats.org/officeDocument/2006/relationships" xmlns:p="http://schemas.openxmlformats.org/presentationml/2006/main">
   <p:cSld>
     <p:spTree>
@@ -4759,7 +7648,7 @@
 </p:sld>
 </file>
 
-<file path=ppt/slides/slide3.xml><?xml version="1.0" encoding="utf-8"?>
+<file path=ppt/slides/slide4.xml><?xml version="1.0" encoding="utf-8"?>
 <p:sld xmlns:a="http://schemas.openxmlformats.org/drawingml/2006/main" xmlns:r="http://schemas.openxmlformats.org/officeDocument/2006/relationships" xmlns:p="http://schemas.openxmlformats.org/presentationml/2006/main">
   <p:cSld>
     <p:spTree>

--- a/Drafts & Material/IDM Models.pptx
+++ b/Drafts & Material/IDM Models.pptx
@@ -8,7 +8,8 @@
     <p:sldId id="256" r:id="rId2"/>
     <p:sldId id="259" r:id="rId3"/>
     <p:sldId id="257" r:id="rId4"/>
-    <p:sldId id="258" r:id="rId5"/>
+    <p:sldId id="260" r:id="rId5"/>
+    <p:sldId id="258" r:id="rId6"/>
   </p:sldIdLst>
   <p:sldSz cx="12192000" cy="6858000"/>
   <p:notesSz cx="6858000" cy="9144000"/>
@@ -7649,6 +7650,6481 @@
 </file>
 
 <file path=ppt/slides/slide4.xml><?xml version="1.0" encoding="utf-8"?>
+<p:sld xmlns:a="http://schemas.openxmlformats.org/drawingml/2006/main" xmlns:r="http://schemas.openxmlformats.org/officeDocument/2006/relationships" xmlns:p="http://schemas.openxmlformats.org/presentationml/2006/main">
+  <p:cSld>
+    <p:spTree>
+      <p:nvGrpSpPr>
+        <p:cNvPr id="1" name=""/>
+        <p:cNvGrpSpPr/>
+        <p:nvPr/>
+      </p:nvGrpSpPr>
+      <p:grpSpPr>
+        <a:xfrm>
+          <a:off x="0" y="0"/>
+          <a:ext cx="0" cy="0"/>
+          <a:chOff x="0" y="0"/>
+          <a:chExt cx="0" cy="0"/>
+        </a:xfrm>
+      </p:grpSpPr>
+      <p:sp>
+        <p:nvSpPr>
+          <p:cNvPr id="4" name="Figura a mano libera 3"/>
+          <p:cNvSpPr/>
+          <p:nvPr/>
+        </p:nvSpPr>
+        <p:spPr>
+          <a:xfrm>
+            <a:off x="2378892" y="2056674"/>
+            <a:ext cx="2180408" cy="1258026"/>
+          </a:xfrm>
+          <a:custGeom>
+            <a:avLst/>
+            <a:gdLst>
+              <a:gd name="connsiteX0" fmla="*/ 199920 w 1445623"/>
+              <a:gd name="connsiteY0" fmla="*/ 41686 h 984069"/>
+              <a:gd name="connsiteX1" fmla="*/ 49801 w 1445623"/>
+              <a:gd name="connsiteY1" fmla="*/ 191805 h 984069"/>
+              <a:gd name="connsiteX2" fmla="*/ 49801 w 1445623"/>
+              <a:gd name="connsiteY2" fmla="*/ 792262 h 984069"/>
+              <a:gd name="connsiteX3" fmla="*/ 199920 w 1445623"/>
+              <a:gd name="connsiteY3" fmla="*/ 942381 h 984069"/>
+              <a:gd name="connsiteX4" fmla="*/ 1245701 w 1445623"/>
+              <a:gd name="connsiteY4" fmla="*/ 942381 h 984069"/>
+              <a:gd name="connsiteX5" fmla="*/ 1395820 w 1445623"/>
+              <a:gd name="connsiteY5" fmla="*/ 792262 h 984069"/>
+              <a:gd name="connsiteX6" fmla="*/ 1395820 w 1445623"/>
+              <a:gd name="connsiteY6" fmla="*/ 191805 h 984069"/>
+              <a:gd name="connsiteX7" fmla="*/ 1245701 w 1445623"/>
+              <a:gd name="connsiteY7" fmla="*/ 41686 h 984069"/>
+              <a:gd name="connsiteX8" fmla="*/ 164015 w 1445623"/>
+              <a:gd name="connsiteY8" fmla="*/ 0 h 984069"/>
+              <a:gd name="connsiteX9" fmla="*/ 1281608 w 1445623"/>
+              <a:gd name="connsiteY9" fmla="*/ 0 h 984069"/>
+              <a:gd name="connsiteX10" fmla="*/ 1445623 w 1445623"/>
+              <a:gd name="connsiteY10" fmla="*/ 164015 h 984069"/>
+              <a:gd name="connsiteX11" fmla="*/ 1445623 w 1445623"/>
+              <a:gd name="connsiteY11" fmla="*/ 820054 h 984069"/>
+              <a:gd name="connsiteX12" fmla="*/ 1281608 w 1445623"/>
+              <a:gd name="connsiteY12" fmla="*/ 984069 h 984069"/>
+              <a:gd name="connsiteX13" fmla="*/ 164015 w 1445623"/>
+              <a:gd name="connsiteY13" fmla="*/ 984069 h 984069"/>
+              <a:gd name="connsiteX14" fmla="*/ 0 w 1445623"/>
+              <a:gd name="connsiteY14" fmla="*/ 820054 h 984069"/>
+              <a:gd name="connsiteX15" fmla="*/ 0 w 1445623"/>
+              <a:gd name="connsiteY15" fmla="*/ 164015 h 984069"/>
+              <a:gd name="connsiteX16" fmla="*/ 164015 w 1445623"/>
+              <a:gd name="connsiteY16" fmla="*/ 0 h 984069"/>
+            </a:gdLst>
+            <a:ahLst/>
+            <a:cxnLst>
+              <a:cxn ang="0">
+                <a:pos x="connsiteX0" y="connsiteY0"/>
+              </a:cxn>
+              <a:cxn ang="0">
+                <a:pos x="connsiteX1" y="connsiteY1"/>
+              </a:cxn>
+              <a:cxn ang="0">
+                <a:pos x="connsiteX2" y="connsiteY2"/>
+              </a:cxn>
+              <a:cxn ang="0">
+                <a:pos x="connsiteX3" y="connsiteY3"/>
+              </a:cxn>
+              <a:cxn ang="0">
+                <a:pos x="connsiteX4" y="connsiteY4"/>
+              </a:cxn>
+              <a:cxn ang="0">
+                <a:pos x="connsiteX5" y="connsiteY5"/>
+              </a:cxn>
+              <a:cxn ang="0">
+                <a:pos x="connsiteX6" y="connsiteY6"/>
+              </a:cxn>
+              <a:cxn ang="0">
+                <a:pos x="connsiteX7" y="connsiteY7"/>
+              </a:cxn>
+              <a:cxn ang="0">
+                <a:pos x="connsiteX8" y="connsiteY8"/>
+              </a:cxn>
+              <a:cxn ang="0">
+                <a:pos x="connsiteX9" y="connsiteY9"/>
+              </a:cxn>
+              <a:cxn ang="0">
+                <a:pos x="connsiteX10" y="connsiteY10"/>
+              </a:cxn>
+              <a:cxn ang="0">
+                <a:pos x="connsiteX11" y="connsiteY11"/>
+              </a:cxn>
+              <a:cxn ang="0">
+                <a:pos x="connsiteX12" y="connsiteY12"/>
+              </a:cxn>
+              <a:cxn ang="0">
+                <a:pos x="connsiteX13" y="connsiteY13"/>
+              </a:cxn>
+              <a:cxn ang="0">
+                <a:pos x="connsiteX14" y="connsiteY14"/>
+              </a:cxn>
+              <a:cxn ang="0">
+                <a:pos x="connsiteX15" y="connsiteY15"/>
+              </a:cxn>
+              <a:cxn ang="0">
+                <a:pos x="connsiteX16" y="connsiteY16"/>
+              </a:cxn>
+            </a:cxnLst>
+            <a:rect l="l" t="t" r="r" b="b"/>
+            <a:pathLst>
+              <a:path w="1445623" h="984069">
+                <a:moveTo>
+                  <a:pt x="199920" y="41686"/>
+                </a:moveTo>
+                <a:cubicBezTo>
+                  <a:pt x="117012" y="41686"/>
+                  <a:pt x="49801" y="108897"/>
+                  <a:pt x="49801" y="191805"/>
+                </a:cubicBezTo>
+                <a:lnTo>
+                  <a:pt x="49801" y="792262"/>
+                </a:lnTo>
+                <a:cubicBezTo>
+                  <a:pt x="49801" y="875170"/>
+                  <a:pt x="117012" y="942381"/>
+                  <a:pt x="199920" y="942381"/>
+                </a:cubicBezTo>
+                <a:lnTo>
+                  <a:pt x="1245701" y="942381"/>
+                </a:lnTo>
+                <a:cubicBezTo>
+                  <a:pt x="1328609" y="942381"/>
+                  <a:pt x="1395820" y="875170"/>
+                  <a:pt x="1395820" y="792262"/>
+                </a:cubicBezTo>
+                <a:lnTo>
+                  <a:pt x="1395820" y="191805"/>
+                </a:lnTo>
+                <a:cubicBezTo>
+                  <a:pt x="1395820" y="108897"/>
+                  <a:pt x="1328609" y="41686"/>
+                  <a:pt x="1245701" y="41686"/>
+                </a:cubicBezTo>
+                <a:close/>
+                <a:moveTo>
+                  <a:pt x="164015" y="0"/>
+                </a:moveTo>
+                <a:lnTo>
+                  <a:pt x="1281608" y="0"/>
+                </a:lnTo>
+                <a:cubicBezTo>
+                  <a:pt x="1372191" y="0"/>
+                  <a:pt x="1445623" y="73432"/>
+                  <a:pt x="1445623" y="164015"/>
+                </a:cubicBezTo>
+                <a:lnTo>
+                  <a:pt x="1445623" y="820054"/>
+                </a:lnTo>
+                <a:cubicBezTo>
+                  <a:pt x="1445623" y="910637"/>
+                  <a:pt x="1372191" y="984069"/>
+                  <a:pt x="1281608" y="984069"/>
+                </a:cubicBezTo>
+                <a:lnTo>
+                  <a:pt x="164015" y="984069"/>
+                </a:lnTo>
+                <a:cubicBezTo>
+                  <a:pt x="73432" y="984069"/>
+                  <a:pt x="0" y="910637"/>
+                  <a:pt x="0" y="820054"/>
+                </a:cubicBezTo>
+                <a:lnTo>
+                  <a:pt x="0" y="164015"/>
+                </a:lnTo>
+                <a:cubicBezTo>
+                  <a:pt x="0" y="73432"/>
+                  <a:pt x="73432" y="0"/>
+                  <a:pt x="164015" y="0"/>
+                </a:cubicBezTo>
+                <a:close/>
+              </a:path>
+            </a:pathLst>
+          </a:custGeom>
+          <a:solidFill>
+            <a:schemeClr val="bg1"/>
+          </a:solidFill>
+          <a:ln w="28575">
+            <a:solidFill>
+              <a:srgbClr val="7030A0"/>
+            </a:solidFill>
+          </a:ln>
+        </p:spPr>
+        <p:style>
+          <a:lnRef idx="2">
+            <a:schemeClr val="accent1">
+              <a:shade val="50000"/>
+            </a:schemeClr>
+          </a:lnRef>
+          <a:fillRef idx="1">
+            <a:schemeClr val="accent1"/>
+          </a:fillRef>
+          <a:effectRef idx="0">
+            <a:schemeClr val="accent1"/>
+          </a:effectRef>
+          <a:fontRef idx="minor">
+            <a:schemeClr val="lt1"/>
+          </a:fontRef>
+        </p:style>
+        <p:txBody>
+          <a:bodyPr rtlCol="0" anchor="ctr"/>
+          <a:lstStyle/>
+          <a:p>
+            <a:r>
+              <a:rPr lang="en-US" dirty="0" smtClean="0">
+                <a:solidFill>
+                  <a:schemeClr val="tx1"/>
+                </a:solidFill>
+              </a:rPr>
+              <a:t>    Characteristics </a:t>
+            </a:r>
+          </a:p>
+          <a:p>
+            <a:r>
+              <a:rPr lang="en-US" dirty="0">
+                <a:solidFill>
+                  <a:schemeClr val="tx1"/>
+                </a:solidFill>
+              </a:rPr>
+              <a:t> </a:t>
+            </a:r>
+            <a:r>
+              <a:rPr lang="en-US" dirty="0" smtClean="0">
+                <a:solidFill>
+                  <a:schemeClr val="tx1"/>
+                </a:solidFill>
+              </a:rPr>
+              <a:t>   Technical features</a:t>
+            </a:r>
+            <a:endParaRPr lang="en-US" dirty="0">
+              <a:solidFill>
+                <a:schemeClr val="tx1"/>
+              </a:solidFill>
+            </a:endParaRPr>
+          </a:p>
+        </p:txBody>
+      </p:sp>
+      <p:sp>
+        <p:nvSpPr>
+          <p:cNvPr id="5" name="Figura a mano libera 4"/>
+          <p:cNvSpPr/>
+          <p:nvPr/>
+        </p:nvSpPr>
+        <p:spPr>
+          <a:xfrm>
+            <a:off x="5766823" y="2056674"/>
+            <a:ext cx="1720668" cy="1258026"/>
+          </a:xfrm>
+          <a:custGeom>
+            <a:avLst/>
+            <a:gdLst>
+              <a:gd name="connsiteX0" fmla="*/ 199920 w 1445623"/>
+              <a:gd name="connsiteY0" fmla="*/ 41686 h 984069"/>
+              <a:gd name="connsiteX1" fmla="*/ 49801 w 1445623"/>
+              <a:gd name="connsiteY1" fmla="*/ 191805 h 984069"/>
+              <a:gd name="connsiteX2" fmla="*/ 49801 w 1445623"/>
+              <a:gd name="connsiteY2" fmla="*/ 792262 h 984069"/>
+              <a:gd name="connsiteX3" fmla="*/ 199920 w 1445623"/>
+              <a:gd name="connsiteY3" fmla="*/ 942381 h 984069"/>
+              <a:gd name="connsiteX4" fmla="*/ 1245701 w 1445623"/>
+              <a:gd name="connsiteY4" fmla="*/ 942381 h 984069"/>
+              <a:gd name="connsiteX5" fmla="*/ 1395820 w 1445623"/>
+              <a:gd name="connsiteY5" fmla="*/ 792262 h 984069"/>
+              <a:gd name="connsiteX6" fmla="*/ 1395820 w 1445623"/>
+              <a:gd name="connsiteY6" fmla="*/ 191805 h 984069"/>
+              <a:gd name="connsiteX7" fmla="*/ 1245701 w 1445623"/>
+              <a:gd name="connsiteY7" fmla="*/ 41686 h 984069"/>
+              <a:gd name="connsiteX8" fmla="*/ 164015 w 1445623"/>
+              <a:gd name="connsiteY8" fmla="*/ 0 h 984069"/>
+              <a:gd name="connsiteX9" fmla="*/ 1281608 w 1445623"/>
+              <a:gd name="connsiteY9" fmla="*/ 0 h 984069"/>
+              <a:gd name="connsiteX10" fmla="*/ 1445623 w 1445623"/>
+              <a:gd name="connsiteY10" fmla="*/ 164015 h 984069"/>
+              <a:gd name="connsiteX11" fmla="*/ 1445623 w 1445623"/>
+              <a:gd name="connsiteY11" fmla="*/ 820054 h 984069"/>
+              <a:gd name="connsiteX12" fmla="*/ 1281608 w 1445623"/>
+              <a:gd name="connsiteY12" fmla="*/ 984069 h 984069"/>
+              <a:gd name="connsiteX13" fmla="*/ 164015 w 1445623"/>
+              <a:gd name="connsiteY13" fmla="*/ 984069 h 984069"/>
+              <a:gd name="connsiteX14" fmla="*/ 0 w 1445623"/>
+              <a:gd name="connsiteY14" fmla="*/ 820054 h 984069"/>
+              <a:gd name="connsiteX15" fmla="*/ 0 w 1445623"/>
+              <a:gd name="connsiteY15" fmla="*/ 164015 h 984069"/>
+              <a:gd name="connsiteX16" fmla="*/ 164015 w 1445623"/>
+              <a:gd name="connsiteY16" fmla="*/ 0 h 984069"/>
+            </a:gdLst>
+            <a:ahLst/>
+            <a:cxnLst>
+              <a:cxn ang="0">
+                <a:pos x="connsiteX0" y="connsiteY0"/>
+              </a:cxn>
+              <a:cxn ang="0">
+                <a:pos x="connsiteX1" y="connsiteY1"/>
+              </a:cxn>
+              <a:cxn ang="0">
+                <a:pos x="connsiteX2" y="connsiteY2"/>
+              </a:cxn>
+              <a:cxn ang="0">
+                <a:pos x="connsiteX3" y="connsiteY3"/>
+              </a:cxn>
+              <a:cxn ang="0">
+                <a:pos x="connsiteX4" y="connsiteY4"/>
+              </a:cxn>
+              <a:cxn ang="0">
+                <a:pos x="connsiteX5" y="connsiteY5"/>
+              </a:cxn>
+              <a:cxn ang="0">
+                <a:pos x="connsiteX6" y="connsiteY6"/>
+              </a:cxn>
+              <a:cxn ang="0">
+                <a:pos x="connsiteX7" y="connsiteY7"/>
+              </a:cxn>
+              <a:cxn ang="0">
+                <a:pos x="connsiteX8" y="connsiteY8"/>
+              </a:cxn>
+              <a:cxn ang="0">
+                <a:pos x="connsiteX9" y="connsiteY9"/>
+              </a:cxn>
+              <a:cxn ang="0">
+                <a:pos x="connsiteX10" y="connsiteY10"/>
+              </a:cxn>
+              <a:cxn ang="0">
+                <a:pos x="connsiteX11" y="connsiteY11"/>
+              </a:cxn>
+              <a:cxn ang="0">
+                <a:pos x="connsiteX12" y="connsiteY12"/>
+              </a:cxn>
+              <a:cxn ang="0">
+                <a:pos x="connsiteX13" y="connsiteY13"/>
+              </a:cxn>
+              <a:cxn ang="0">
+                <a:pos x="connsiteX14" y="connsiteY14"/>
+              </a:cxn>
+              <a:cxn ang="0">
+                <a:pos x="connsiteX15" y="connsiteY15"/>
+              </a:cxn>
+              <a:cxn ang="0">
+                <a:pos x="connsiteX16" y="connsiteY16"/>
+              </a:cxn>
+            </a:cxnLst>
+            <a:rect l="l" t="t" r="r" b="b"/>
+            <a:pathLst>
+              <a:path w="1445623" h="984069">
+                <a:moveTo>
+                  <a:pt x="199920" y="41686"/>
+                </a:moveTo>
+                <a:cubicBezTo>
+                  <a:pt x="117012" y="41686"/>
+                  <a:pt x="49801" y="108897"/>
+                  <a:pt x="49801" y="191805"/>
+                </a:cubicBezTo>
+                <a:lnTo>
+                  <a:pt x="49801" y="792262"/>
+                </a:lnTo>
+                <a:cubicBezTo>
+                  <a:pt x="49801" y="875170"/>
+                  <a:pt x="117012" y="942381"/>
+                  <a:pt x="199920" y="942381"/>
+                </a:cubicBezTo>
+                <a:lnTo>
+                  <a:pt x="1245701" y="942381"/>
+                </a:lnTo>
+                <a:cubicBezTo>
+                  <a:pt x="1328609" y="942381"/>
+                  <a:pt x="1395820" y="875170"/>
+                  <a:pt x="1395820" y="792262"/>
+                </a:cubicBezTo>
+                <a:lnTo>
+                  <a:pt x="1395820" y="191805"/>
+                </a:lnTo>
+                <a:cubicBezTo>
+                  <a:pt x="1395820" y="108897"/>
+                  <a:pt x="1328609" y="41686"/>
+                  <a:pt x="1245701" y="41686"/>
+                </a:cubicBezTo>
+                <a:close/>
+                <a:moveTo>
+                  <a:pt x="164015" y="0"/>
+                </a:moveTo>
+                <a:lnTo>
+                  <a:pt x="1281608" y="0"/>
+                </a:lnTo>
+                <a:cubicBezTo>
+                  <a:pt x="1372191" y="0"/>
+                  <a:pt x="1445623" y="73432"/>
+                  <a:pt x="1445623" y="164015"/>
+                </a:cubicBezTo>
+                <a:lnTo>
+                  <a:pt x="1445623" y="820054"/>
+                </a:lnTo>
+                <a:cubicBezTo>
+                  <a:pt x="1445623" y="910637"/>
+                  <a:pt x="1372191" y="984069"/>
+                  <a:pt x="1281608" y="984069"/>
+                </a:cubicBezTo>
+                <a:lnTo>
+                  <a:pt x="164015" y="984069"/>
+                </a:lnTo>
+                <a:cubicBezTo>
+                  <a:pt x="73432" y="984069"/>
+                  <a:pt x="0" y="910637"/>
+                  <a:pt x="0" y="820054"/>
+                </a:cubicBezTo>
+                <a:lnTo>
+                  <a:pt x="0" y="164015"/>
+                </a:lnTo>
+                <a:cubicBezTo>
+                  <a:pt x="0" y="73432"/>
+                  <a:pt x="73432" y="0"/>
+                  <a:pt x="164015" y="0"/>
+                </a:cubicBezTo>
+                <a:close/>
+              </a:path>
+            </a:pathLst>
+          </a:custGeom>
+          <a:solidFill>
+            <a:schemeClr val="bg1"/>
+          </a:solidFill>
+          <a:ln w="28575">
+            <a:solidFill>
+              <a:srgbClr val="7030A0"/>
+            </a:solidFill>
+          </a:ln>
+        </p:spPr>
+        <p:style>
+          <a:lnRef idx="2">
+            <a:schemeClr val="accent1">
+              <a:shade val="50000"/>
+            </a:schemeClr>
+          </a:lnRef>
+          <a:fillRef idx="1">
+            <a:schemeClr val="accent1"/>
+          </a:fillRef>
+          <a:effectRef idx="0">
+            <a:schemeClr val="accent1"/>
+          </a:effectRef>
+          <a:fontRef idx="minor">
+            <a:schemeClr val="lt1"/>
+          </a:fontRef>
+        </p:style>
+        <p:txBody>
+          <a:bodyPr rtlCol="0" anchor="ctr"/>
+          <a:lstStyle/>
+          <a:p>
+            <a:r>
+              <a:rPr lang="en-US" dirty="0" smtClean="0">
+                <a:solidFill>
+                  <a:schemeClr val="tx1"/>
+                </a:solidFill>
+              </a:rPr>
+              <a:t>     Description</a:t>
+            </a:r>
+          </a:p>
+          <a:p>
+            <a:r>
+              <a:rPr lang="en-US" dirty="0" smtClean="0">
+                <a:solidFill>
+                  <a:schemeClr val="tx1"/>
+                </a:solidFill>
+              </a:rPr>
+              <a:t>     Benefits</a:t>
+            </a:r>
+          </a:p>
+          <a:p>
+            <a:r>
+              <a:rPr lang="en-US" dirty="0" smtClean="0">
+                <a:solidFill>
+                  <a:schemeClr val="tx1"/>
+                </a:solidFill>
+              </a:rPr>
+              <a:t>     How to</a:t>
+            </a:r>
+          </a:p>
+          <a:p>
+            <a:r>
+              <a:rPr lang="en-US" dirty="0" smtClean="0">
+                <a:solidFill>
+                  <a:schemeClr val="tx1"/>
+                </a:solidFill>
+              </a:rPr>
+              <a:t>     FAQs</a:t>
+            </a:r>
+            <a:endParaRPr lang="en-US" dirty="0" smtClean="0">
+              <a:solidFill>
+                <a:schemeClr val="tx1"/>
+              </a:solidFill>
+            </a:endParaRPr>
+          </a:p>
+        </p:txBody>
+      </p:sp>
+      <p:sp>
+        <p:nvSpPr>
+          <p:cNvPr id="6" name="Figura a mano libera 5"/>
+          <p:cNvSpPr/>
+          <p:nvPr/>
+        </p:nvSpPr>
+        <p:spPr>
+          <a:xfrm>
+            <a:off x="2392723" y="4557475"/>
+            <a:ext cx="1445623" cy="984069"/>
+          </a:xfrm>
+          <a:custGeom>
+            <a:avLst/>
+            <a:gdLst>
+              <a:gd name="connsiteX0" fmla="*/ 199920 w 1445623"/>
+              <a:gd name="connsiteY0" fmla="*/ 41686 h 984069"/>
+              <a:gd name="connsiteX1" fmla="*/ 49801 w 1445623"/>
+              <a:gd name="connsiteY1" fmla="*/ 191805 h 984069"/>
+              <a:gd name="connsiteX2" fmla="*/ 49801 w 1445623"/>
+              <a:gd name="connsiteY2" fmla="*/ 792262 h 984069"/>
+              <a:gd name="connsiteX3" fmla="*/ 199920 w 1445623"/>
+              <a:gd name="connsiteY3" fmla="*/ 942381 h 984069"/>
+              <a:gd name="connsiteX4" fmla="*/ 1245701 w 1445623"/>
+              <a:gd name="connsiteY4" fmla="*/ 942381 h 984069"/>
+              <a:gd name="connsiteX5" fmla="*/ 1395820 w 1445623"/>
+              <a:gd name="connsiteY5" fmla="*/ 792262 h 984069"/>
+              <a:gd name="connsiteX6" fmla="*/ 1395820 w 1445623"/>
+              <a:gd name="connsiteY6" fmla="*/ 191805 h 984069"/>
+              <a:gd name="connsiteX7" fmla="*/ 1245701 w 1445623"/>
+              <a:gd name="connsiteY7" fmla="*/ 41686 h 984069"/>
+              <a:gd name="connsiteX8" fmla="*/ 164015 w 1445623"/>
+              <a:gd name="connsiteY8" fmla="*/ 0 h 984069"/>
+              <a:gd name="connsiteX9" fmla="*/ 1281608 w 1445623"/>
+              <a:gd name="connsiteY9" fmla="*/ 0 h 984069"/>
+              <a:gd name="connsiteX10" fmla="*/ 1445623 w 1445623"/>
+              <a:gd name="connsiteY10" fmla="*/ 164015 h 984069"/>
+              <a:gd name="connsiteX11" fmla="*/ 1445623 w 1445623"/>
+              <a:gd name="connsiteY11" fmla="*/ 820054 h 984069"/>
+              <a:gd name="connsiteX12" fmla="*/ 1281608 w 1445623"/>
+              <a:gd name="connsiteY12" fmla="*/ 984069 h 984069"/>
+              <a:gd name="connsiteX13" fmla="*/ 164015 w 1445623"/>
+              <a:gd name="connsiteY13" fmla="*/ 984069 h 984069"/>
+              <a:gd name="connsiteX14" fmla="*/ 0 w 1445623"/>
+              <a:gd name="connsiteY14" fmla="*/ 820054 h 984069"/>
+              <a:gd name="connsiteX15" fmla="*/ 0 w 1445623"/>
+              <a:gd name="connsiteY15" fmla="*/ 164015 h 984069"/>
+              <a:gd name="connsiteX16" fmla="*/ 164015 w 1445623"/>
+              <a:gd name="connsiteY16" fmla="*/ 0 h 984069"/>
+            </a:gdLst>
+            <a:ahLst/>
+            <a:cxnLst>
+              <a:cxn ang="0">
+                <a:pos x="connsiteX0" y="connsiteY0"/>
+              </a:cxn>
+              <a:cxn ang="0">
+                <a:pos x="connsiteX1" y="connsiteY1"/>
+              </a:cxn>
+              <a:cxn ang="0">
+                <a:pos x="connsiteX2" y="connsiteY2"/>
+              </a:cxn>
+              <a:cxn ang="0">
+                <a:pos x="connsiteX3" y="connsiteY3"/>
+              </a:cxn>
+              <a:cxn ang="0">
+                <a:pos x="connsiteX4" y="connsiteY4"/>
+              </a:cxn>
+              <a:cxn ang="0">
+                <a:pos x="connsiteX5" y="connsiteY5"/>
+              </a:cxn>
+              <a:cxn ang="0">
+                <a:pos x="connsiteX6" y="connsiteY6"/>
+              </a:cxn>
+              <a:cxn ang="0">
+                <a:pos x="connsiteX7" y="connsiteY7"/>
+              </a:cxn>
+              <a:cxn ang="0">
+                <a:pos x="connsiteX8" y="connsiteY8"/>
+              </a:cxn>
+              <a:cxn ang="0">
+                <a:pos x="connsiteX9" y="connsiteY9"/>
+              </a:cxn>
+              <a:cxn ang="0">
+                <a:pos x="connsiteX10" y="connsiteY10"/>
+              </a:cxn>
+              <a:cxn ang="0">
+                <a:pos x="connsiteX11" y="connsiteY11"/>
+              </a:cxn>
+              <a:cxn ang="0">
+                <a:pos x="connsiteX12" y="connsiteY12"/>
+              </a:cxn>
+              <a:cxn ang="0">
+                <a:pos x="connsiteX13" y="connsiteY13"/>
+              </a:cxn>
+              <a:cxn ang="0">
+                <a:pos x="connsiteX14" y="connsiteY14"/>
+              </a:cxn>
+              <a:cxn ang="0">
+                <a:pos x="connsiteX15" y="connsiteY15"/>
+              </a:cxn>
+              <a:cxn ang="0">
+                <a:pos x="connsiteX16" y="connsiteY16"/>
+              </a:cxn>
+            </a:cxnLst>
+            <a:rect l="l" t="t" r="r" b="b"/>
+            <a:pathLst>
+              <a:path w="1445623" h="984069">
+                <a:moveTo>
+                  <a:pt x="199920" y="41686"/>
+                </a:moveTo>
+                <a:cubicBezTo>
+                  <a:pt x="117012" y="41686"/>
+                  <a:pt x="49801" y="108897"/>
+                  <a:pt x="49801" y="191805"/>
+                </a:cubicBezTo>
+                <a:lnTo>
+                  <a:pt x="49801" y="792262"/>
+                </a:lnTo>
+                <a:cubicBezTo>
+                  <a:pt x="49801" y="875170"/>
+                  <a:pt x="117012" y="942381"/>
+                  <a:pt x="199920" y="942381"/>
+                </a:cubicBezTo>
+                <a:lnTo>
+                  <a:pt x="1245701" y="942381"/>
+                </a:lnTo>
+                <a:cubicBezTo>
+                  <a:pt x="1328609" y="942381"/>
+                  <a:pt x="1395820" y="875170"/>
+                  <a:pt x="1395820" y="792262"/>
+                </a:cubicBezTo>
+                <a:lnTo>
+                  <a:pt x="1395820" y="191805"/>
+                </a:lnTo>
+                <a:cubicBezTo>
+                  <a:pt x="1395820" y="108897"/>
+                  <a:pt x="1328609" y="41686"/>
+                  <a:pt x="1245701" y="41686"/>
+                </a:cubicBezTo>
+                <a:close/>
+                <a:moveTo>
+                  <a:pt x="164015" y="0"/>
+                </a:moveTo>
+                <a:lnTo>
+                  <a:pt x="1281608" y="0"/>
+                </a:lnTo>
+                <a:cubicBezTo>
+                  <a:pt x="1372191" y="0"/>
+                  <a:pt x="1445623" y="73432"/>
+                  <a:pt x="1445623" y="164015"/>
+                </a:cubicBezTo>
+                <a:lnTo>
+                  <a:pt x="1445623" y="820054"/>
+                </a:lnTo>
+                <a:cubicBezTo>
+                  <a:pt x="1445623" y="910637"/>
+                  <a:pt x="1372191" y="984069"/>
+                  <a:pt x="1281608" y="984069"/>
+                </a:cubicBezTo>
+                <a:lnTo>
+                  <a:pt x="164015" y="984069"/>
+                </a:lnTo>
+                <a:cubicBezTo>
+                  <a:pt x="73432" y="984069"/>
+                  <a:pt x="0" y="910637"/>
+                  <a:pt x="0" y="820054"/>
+                </a:cubicBezTo>
+                <a:lnTo>
+                  <a:pt x="0" y="164015"/>
+                </a:lnTo>
+                <a:cubicBezTo>
+                  <a:pt x="0" y="73432"/>
+                  <a:pt x="73432" y="0"/>
+                  <a:pt x="164015" y="0"/>
+                </a:cubicBezTo>
+                <a:close/>
+              </a:path>
+            </a:pathLst>
+          </a:custGeom>
+          <a:solidFill>
+            <a:schemeClr val="bg1"/>
+          </a:solidFill>
+          <a:ln w="28575">
+            <a:solidFill>
+              <a:srgbClr val="7030A0"/>
+            </a:solidFill>
+          </a:ln>
+        </p:spPr>
+        <p:style>
+          <a:lnRef idx="2">
+            <a:schemeClr val="accent1">
+              <a:shade val="50000"/>
+            </a:schemeClr>
+          </a:lnRef>
+          <a:fillRef idx="1">
+            <a:schemeClr val="accent1"/>
+          </a:fillRef>
+          <a:effectRef idx="0">
+            <a:schemeClr val="accent1"/>
+          </a:effectRef>
+          <a:fontRef idx="minor">
+            <a:schemeClr val="lt1"/>
+          </a:fontRef>
+        </p:style>
+        <p:txBody>
+          <a:bodyPr rtlCol="0" anchor="ctr"/>
+          <a:lstStyle/>
+          <a:p>
+            <a:r>
+              <a:rPr lang="en-US" dirty="0" smtClean="0">
+                <a:solidFill>
+                  <a:schemeClr val="tx1"/>
+                </a:solidFill>
+              </a:rPr>
+              <a:t>   Description</a:t>
+            </a:r>
+            <a:endParaRPr lang="en-US" dirty="0">
+              <a:solidFill>
+                <a:schemeClr val="tx1"/>
+              </a:solidFill>
+            </a:endParaRPr>
+          </a:p>
+        </p:txBody>
+      </p:sp>
+      <p:sp>
+        <p:nvSpPr>
+          <p:cNvPr id="7" name="Rettangolo arrotondato 6"/>
+          <p:cNvSpPr/>
+          <p:nvPr/>
+        </p:nvSpPr>
+        <p:spPr>
+          <a:xfrm>
+            <a:off x="6615612" y="4507775"/>
+            <a:ext cx="1445623" cy="984069"/>
+          </a:xfrm>
+          <a:prstGeom prst="roundRect">
+            <a:avLst/>
+          </a:prstGeom>
+          <a:solidFill>
+            <a:schemeClr val="bg1"/>
+          </a:solidFill>
+          <a:ln w="28575">
+            <a:solidFill>
+              <a:srgbClr val="7030A0"/>
+            </a:solidFill>
+          </a:ln>
+        </p:spPr>
+        <p:style>
+          <a:lnRef idx="2">
+            <a:schemeClr val="accent1">
+              <a:shade val="50000"/>
+            </a:schemeClr>
+          </a:lnRef>
+          <a:fillRef idx="1">
+            <a:schemeClr val="accent1"/>
+          </a:fillRef>
+          <a:effectRef idx="0">
+            <a:schemeClr val="accent1"/>
+          </a:effectRef>
+          <a:fontRef idx="minor">
+            <a:schemeClr val="lt1"/>
+          </a:fontRef>
+        </p:style>
+        <p:txBody>
+          <a:bodyPr rtlCol="0" anchor="ctr"/>
+          <a:lstStyle/>
+          <a:p>
+            <a:r>
+              <a:rPr lang="en-US" sz="1500" dirty="0" smtClean="0">
+                <a:solidFill>
+                  <a:schemeClr val="tx1"/>
+                </a:solidFill>
+              </a:rPr>
+              <a:t>   Testimonials</a:t>
+            </a:r>
+          </a:p>
+          <a:p>
+            <a:r>
+              <a:rPr lang="en-US" sz="1500" dirty="0" smtClean="0">
+                <a:solidFill>
+                  <a:schemeClr val="tx1"/>
+                </a:solidFill>
+              </a:rPr>
+              <a:t>   Innovations</a:t>
+            </a:r>
+          </a:p>
+          <a:p>
+            <a:r>
+              <a:rPr lang="en-US" sz="1500" dirty="0" smtClean="0">
+                <a:solidFill>
+                  <a:schemeClr val="tx1"/>
+                </a:solidFill>
+              </a:rPr>
+              <a:t>   Projects</a:t>
+            </a:r>
+            <a:endParaRPr lang="en-US" sz="1500" dirty="0">
+              <a:solidFill>
+                <a:schemeClr val="tx1"/>
+              </a:solidFill>
+            </a:endParaRPr>
+          </a:p>
+        </p:txBody>
+      </p:sp>
+      <p:sp>
+        <p:nvSpPr>
+          <p:cNvPr id="9" name="Ovale 8"/>
+          <p:cNvSpPr/>
+          <p:nvPr/>
+        </p:nvSpPr>
+        <p:spPr>
+          <a:xfrm>
+            <a:off x="6722927" y="4718049"/>
+            <a:ext cx="125911" cy="125911"/>
+          </a:xfrm>
+          <a:prstGeom prst="ellipse">
+            <a:avLst/>
+          </a:prstGeom>
+          <a:solidFill>
+            <a:srgbClr val="8C3FC5"/>
+          </a:solidFill>
+          <a:ln>
+            <a:solidFill>
+              <a:srgbClr val="7030A0"/>
+            </a:solidFill>
+          </a:ln>
+          <a:effectLst>
+            <a:innerShdw blurRad="165100" dist="50800" dir="16200000">
+              <a:prstClr val="black">
+                <a:alpha val="86000"/>
+              </a:prstClr>
+            </a:innerShdw>
+          </a:effectLst>
+        </p:spPr>
+        <p:style>
+          <a:lnRef idx="2">
+            <a:schemeClr val="accent1">
+              <a:shade val="50000"/>
+            </a:schemeClr>
+          </a:lnRef>
+          <a:fillRef idx="1">
+            <a:schemeClr val="accent1"/>
+          </a:fillRef>
+          <a:effectRef idx="0">
+            <a:schemeClr val="accent1"/>
+          </a:effectRef>
+          <a:fontRef idx="minor">
+            <a:schemeClr val="lt1"/>
+          </a:fontRef>
+        </p:style>
+        <p:txBody>
+          <a:bodyPr rtlCol="0" anchor="ctr"/>
+          <a:lstStyle/>
+          <a:p>
+            <a:pPr algn="ctr"/>
+            <a:endParaRPr lang="en-US" dirty="0"/>
+          </a:p>
+        </p:txBody>
+      </p:sp>
+      <p:sp>
+        <p:nvSpPr>
+          <p:cNvPr id="10" name="Ovale 9"/>
+          <p:cNvSpPr/>
+          <p:nvPr/>
+        </p:nvSpPr>
+        <p:spPr>
+          <a:xfrm>
+            <a:off x="6722927" y="4939757"/>
+            <a:ext cx="125911" cy="125911"/>
+          </a:xfrm>
+          <a:prstGeom prst="ellipse">
+            <a:avLst/>
+          </a:prstGeom>
+          <a:solidFill>
+            <a:srgbClr val="8C3FC5"/>
+          </a:solidFill>
+          <a:ln>
+            <a:solidFill>
+              <a:srgbClr val="7030A0"/>
+            </a:solidFill>
+          </a:ln>
+          <a:effectLst>
+            <a:innerShdw blurRad="165100" dist="50800" dir="16200000">
+              <a:prstClr val="black">
+                <a:alpha val="86000"/>
+              </a:prstClr>
+            </a:innerShdw>
+          </a:effectLst>
+        </p:spPr>
+        <p:style>
+          <a:lnRef idx="2">
+            <a:schemeClr val="accent1">
+              <a:shade val="50000"/>
+            </a:schemeClr>
+          </a:lnRef>
+          <a:fillRef idx="1">
+            <a:schemeClr val="accent1"/>
+          </a:fillRef>
+          <a:effectRef idx="0">
+            <a:schemeClr val="accent1"/>
+          </a:effectRef>
+          <a:fontRef idx="minor">
+            <a:schemeClr val="lt1"/>
+          </a:fontRef>
+        </p:style>
+        <p:txBody>
+          <a:bodyPr rtlCol="0" anchor="ctr"/>
+          <a:lstStyle/>
+          <a:p>
+            <a:pPr algn="ctr"/>
+            <a:endParaRPr lang="en-US" dirty="0"/>
+          </a:p>
+        </p:txBody>
+      </p:sp>
+      <p:sp>
+        <p:nvSpPr>
+          <p:cNvPr id="11" name="Ovale 10"/>
+          <p:cNvSpPr/>
+          <p:nvPr/>
+        </p:nvSpPr>
+        <p:spPr>
+          <a:xfrm>
+            <a:off x="6710499" y="5152844"/>
+            <a:ext cx="125911" cy="125911"/>
+          </a:xfrm>
+          <a:prstGeom prst="ellipse">
+            <a:avLst/>
+          </a:prstGeom>
+          <a:solidFill>
+            <a:srgbClr val="8C3FC5"/>
+          </a:solidFill>
+          <a:ln>
+            <a:solidFill>
+              <a:srgbClr val="7030A0"/>
+            </a:solidFill>
+          </a:ln>
+          <a:effectLst>
+            <a:innerShdw blurRad="165100" dist="50800" dir="16200000">
+              <a:prstClr val="black">
+                <a:alpha val="86000"/>
+              </a:prstClr>
+            </a:innerShdw>
+          </a:effectLst>
+        </p:spPr>
+        <p:style>
+          <a:lnRef idx="2">
+            <a:schemeClr val="accent1">
+              <a:shade val="50000"/>
+            </a:schemeClr>
+          </a:lnRef>
+          <a:fillRef idx="1">
+            <a:schemeClr val="accent1"/>
+          </a:fillRef>
+          <a:effectRef idx="0">
+            <a:schemeClr val="accent1"/>
+          </a:effectRef>
+          <a:fontRef idx="minor">
+            <a:schemeClr val="lt1"/>
+          </a:fontRef>
+        </p:style>
+        <p:txBody>
+          <a:bodyPr rtlCol="0" anchor="ctr"/>
+          <a:lstStyle/>
+          <a:p>
+            <a:pPr algn="ctr"/>
+            <a:endParaRPr lang="en-US" dirty="0"/>
+          </a:p>
+        </p:txBody>
+      </p:sp>
+      <p:sp>
+        <p:nvSpPr>
+          <p:cNvPr id="12" name="CasellaDiTesto 11"/>
+          <p:cNvSpPr txBox="1"/>
+          <p:nvPr/>
+        </p:nvSpPr>
+        <p:spPr>
+          <a:xfrm>
+            <a:off x="6677953" y="4158008"/>
+            <a:ext cx="1320939" cy="369332"/>
+          </a:xfrm>
+          <a:prstGeom prst="rect">
+            <a:avLst/>
+          </a:prstGeom>
+          <a:noFill/>
+        </p:spPr>
+        <p:txBody>
+          <a:bodyPr wrap="none" rtlCol="0">
+            <a:spAutoFit/>
+          </a:bodyPr>
+          <a:lstStyle/>
+          <a:p>
+            <a:r>
+              <a:rPr lang="it-IT" dirty="0" err="1" smtClean="0"/>
+              <a:t>Who</a:t>
+            </a:r>
+            <a:r>
+              <a:rPr lang="it-IT" dirty="0" smtClean="0"/>
+              <a:t> </a:t>
+            </a:r>
+            <a:r>
+              <a:rPr lang="it-IT" dirty="0" err="1" smtClean="0"/>
+              <a:t>we</a:t>
+            </a:r>
+            <a:r>
+              <a:rPr lang="it-IT" dirty="0" smtClean="0"/>
+              <a:t> are</a:t>
+            </a:r>
+            <a:endParaRPr lang="it-IT" dirty="0"/>
+          </a:p>
+        </p:txBody>
+      </p:sp>
+      <p:grpSp>
+        <p:nvGrpSpPr>
+          <p:cNvPr id="22" name="Gruppo 21"/>
+          <p:cNvGrpSpPr/>
+          <p:nvPr/>
+        </p:nvGrpSpPr>
+        <p:grpSpPr>
+          <a:xfrm>
+            <a:off x="8234971" y="5491844"/>
+            <a:ext cx="700833" cy="921419"/>
+            <a:chOff x="5228875" y="4138443"/>
+            <a:chExt cx="700833" cy="921419"/>
+          </a:xfrm>
+        </p:grpSpPr>
+        <p:sp>
+          <p:nvSpPr>
+            <p:cNvPr id="13" name="Rettangolo arrotondato 12"/>
+            <p:cNvSpPr/>
+            <p:nvPr/>
+          </p:nvSpPr>
+          <p:spPr>
+            <a:xfrm>
+              <a:off x="5242821" y="4507775"/>
+              <a:ext cx="686887" cy="552087"/>
+            </a:xfrm>
+            <a:prstGeom prst="roundRect">
+              <a:avLst/>
+            </a:prstGeom>
+            <a:solidFill>
+              <a:schemeClr val="bg1"/>
+            </a:solidFill>
+            <a:ln w="28575">
+              <a:solidFill>
+                <a:srgbClr val="7030A0"/>
+              </a:solidFill>
+            </a:ln>
+          </p:spPr>
+          <p:style>
+            <a:lnRef idx="2">
+              <a:schemeClr val="accent1">
+                <a:shade val="50000"/>
+              </a:schemeClr>
+            </a:lnRef>
+            <a:fillRef idx="1">
+              <a:schemeClr val="accent1"/>
+            </a:fillRef>
+            <a:effectRef idx="0">
+              <a:schemeClr val="accent1"/>
+            </a:effectRef>
+            <a:fontRef idx="minor">
+              <a:schemeClr val="lt1"/>
+            </a:fontRef>
+          </p:style>
+          <p:txBody>
+            <a:bodyPr rtlCol="0" anchor="ctr"/>
+            <a:lstStyle/>
+            <a:p>
+              <a:endParaRPr lang="en-US" sz="1500" dirty="0" smtClean="0">
+                <a:solidFill>
+                  <a:schemeClr val="tx1"/>
+                </a:solidFill>
+              </a:endParaRPr>
+            </a:p>
+          </p:txBody>
+        </p:sp>
+        <p:sp>
+          <p:nvSpPr>
+            <p:cNvPr id="8" name="Ovale 7"/>
+            <p:cNvSpPr/>
+            <p:nvPr/>
+          </p:nvSpPr>
+          <p:spPr>
+            <a:xfrm>
+              <a:off x="5523308" y="4716415"/>
+              <a:ext cx="125911" cy="125911"/>
+            </a:xfrm>
+            <a:prstGeom prst="ellipse">
+              <a:avLst/>
+            </a:prstGeom>
+            <a:solidFill>
+              <a:srgbClr val="8C3FC5"/>
+            </a:solidFill>
+            <a:ln>
+              <a:solidFill>
+                <a:srgbClr val="7030A0"/>
+              </a:solidFill>
+            </a:ln>
+            <a:effectLst>
+              <a:innerShdw blurRad="165100" dist="50800" dir="16200000">
+                <a:prstClr val="black">
+                  <a:alpha val="86000"/>
+                </a:prstClr>
+              </a:innerShdw>
+            </a:effectLst>
+          </p:spPr>
+          <p:style>
+            <a:lnRef idx="2">
+              <a:schemeClr val="accent1">
+                <a:shade val="50000"/>
+              </a:schemeClr>
+            </a:lnRef>
+            <a:fillRef idx="1">
+              <a:schemeClr val="accent1"/>
+            </a:fillRef>
+            <a:effectRef idx="0">
+              <a:schemeClr val="accent1"/>
+            </a:effectRef>
+            <a:fontRef idx="minor">
+              <a:schemeClr val="lt1"/>
+            </a:fontRef>
+          </p:style>
+          <p:txBody>
+            <a:bodyPr rtlCol="0" anchor="ctr"/>
+            <a:lstStyle/>
+            <a:p>
+              <a:pPr algn="ctr"/>
+              <a:endParaRPr lang="en-US" dirty="0"/>
+            </a:p>
+          </p:txBody>
+        </p:sp>
+        <p:sp>
+          <p:nvSpPr>
+            <p:cNvPr id="14" name="CasellaDiTesto 13"/>
+            <p:cNvSpPr txBox="1"/>
+            <p:nvPr/>
+          </p:nvSpPr>
+          <p:spPr>
+            <a:xfrm>
+              <a:off x="5228875" y="4138443"/>
+              <a:ext cx="700833" cy="369332"/>
+            </a:xfrm>
+            <a:prstGeom prst="rect">
+              <a:avLst/>
+            </a:prstGeom>
+            <a:noFill/>
+          </p:spPr>
+          <p:txBody>
+            <a:bodyPr wrap="none" rtlCol="0">
+              <a:spAutoFit/>
+            </a:bodyPr>
+            <a:lstStyle/>
+            <a:p>
+              <a:r>
+                <a:rPr lang="it-IT" dirty="0" smtClean="0"/>
+                <a:t>News</a:t>
+              </a:r>
+              <a:endParaRPr lang="it-IT" dirty="0"/>
+            </a:p>
+          </p:txBody>
+        </p:sp>
+      </p:grpSp>
+      <p:sp>
+        <p:nvSpPr>
+          <p:cNvPr id="15" name="Rettangolo arrotondato 14"/>
+          <p:cNvSpPr/>
+          <p:nvPr/>
+        </p:nvSpPr>
+        <p:spPr>
+          <a:xfrm>
+            <a:off x="10202427" y="4527340"/>
+            <a:ext cx="1365042" cy="799403"/>
+          </a:xfrm>
+          <a:prstGeom prst="roundRect">
+            <a:avLst/>
+          </a:prstGeom>
+          <a:solidFill>
+            <a:schemeClr val="bg1"/>
+          </a:solidFill>
+          <a:ln w="28575">
+            <a:solidFill>
+              <a:srgbClr val="7030A0"/>
+            </a:solidFill>
+          </a:ln>
+        </p:spPr>
+        <p:style>
+          <a:lnRef idx="2">
+            <a:schemeClr val="accent1">
+              <a:shade val="50000"/>
+            </a:schemeClr>
+          </a:lnRef>
+          <a:fillRef idx="1">
+            <a:schemeClr val="accent1"/>
+          </a:fillRef>
+          <a:effectRef idx="0">
+            <a:schemeClr val="accent1"/>
+          </a:effectRef>
+          <a:fontRef idx="minor">
+            <a:schemeClr val="lt1"/>
+          </a:fontRef>
+        </p:style>
+        <p:txBody>
+          <a:bodyPr rtlCol="0" anchor="ctr"/>
+          <a:lstStyle/>
+          <a:p>
+            <a:r>
+              <a:rPr lang="en-US" sz="1500" dirty="0">
+                <a:solidFill>
+                  <a:schemeClr val="tx1"/>
+                </a:solidFill>
+              </a:rPr>
+              <a:t> </a:t>
+            </a:r>
+            <a:r>
+              <a:rPr lang="en-US" sz="1500" dirty="0" smtClean="0">
+                <a:solidFill>
+                  <a:schemeClr val="tx1"/>
+                </a:solidFill>
+              </a:rPr>
+              <a:t>  Description</a:t>
+            </a:r>
+          </a:p>
+          <a:p>
+            <a:r>
+              <a:rPr lang="en-US" sz="1500" dirty="0" smtClean="0">
+                <a:solidFill>
+                  <a:schemeClr val="tx1"/>
+                </a:solidFill>
+              </a:rPr>
+              <a:t>   Governance</a:t>
+            </a:r>
+          </a:p>
+        </p:txBody>
+      </p:sp>
+      <p:sp>
+        <p:nvSpPr>
+          <p:cNvPr id="16" name="CasellaDiTesto 15"/>
+          <p:cNvSpPr txBox="1"/>
+          <p:nvPr/>
+        </p:nvSpPr>
+        <p:spPr>
+          <a:xfrm>
+            <a:off x="10188481" y="4138443"/>
+            <a:ext cx="1316322" cy="369332"/>
+          </a:xfrm>
+          <a:prstGeom prst="rect">
+            <a:avLst/>
+          </a:prstGeom>
+          <a:noFill/>
+        </p:spPr>
+        <p:txBody>
+          <a:bodyPr wrap="none" rtlCol="0">
+            <a:spAutoFit/>
+          </a:bodyPr>
+          <a:lstStyle/>
+          <a:p>
+            <a:r>
+              <a:rPr lang="it-IT" dirty="0" err="1" smtClean="0"/>
+              <a:t>Governance</a:t>
+            </a:r>
+            <a:endParaRPr lang="it-IT" dirty="0"/>
+          </a:p>
+        </p:txBody>
+      </p:sp>
+      <p:sp>
+        <p:nvSpPr>
+          <p:cNvPr id="17" name="Ovale 16"/>
+          <p:cNvSpPr/>
+          <p:nvPr/>
+        </p:nvSpPr>
+        <p:spPr>
+          <a:xfrm>
+            <a:off x="10310238" y="4753600"/>
+            <a:ext cx="125911" cy="125911"/>
+          </a:xfrm>
+          <a:prstGeom prst="ellipse">
+            <a:avLst/>
+          </a:prstGeom>
+          <a:solidFill>
+            <a:srgbClr val="8C3FC5"/>
+          </a:solidFill>
+          <a:ln>
+            <a:solidFill>
+              <a:srgbClr val="7030A0"/>
+            </a:solidFill>
+          </a:ln>
+          <a:effectLst>
+            <a:innerShdw blurRad="165100" dist="50800" dir="16200000">
+              <a:prstClr val="black">
+                <a:alpha val="86000"/>
+              </a:prstClr>
+            </a:innerShdw>
+          </a:effectLst>
+        </p:spPr>
+        <p:style>
+          <a:lnRef idx="2">
+            <a:schemeClr val="accent1">
+              <a:shade val="50000"/>
+            </a:schemeClr>
+          </a:lnRef>
+          <a:fillRef idx="1">
+            <a:schemeClr val="accent1"/>
+          </a:fillRef>
+          <a:effectRef idx="0">
+            <a:schemeClr val="accent1"/>
+          </a:effectRef>
+          <a:fontRef idx="minor">
+            <a:schemeClr val="lt1"/>
+          </a:fontRef>
+        </p:style>
+        <p:txBody>
+          <a:bodyPr rtlCol="0" anchor="ctr"/>
+          <a:lstStyle/>
+          <a:p>
+            <a:pPr algn="ctr"/>
+            <a:endParaRPr lang="en-US" dirty="0"/>
+          </a:p>
+        </p:txBody>
+      </p:sp>
+      <p:sp>
+        <p:nvSpPr>
+          <p:cNvPr id="18" name="Ovale 17"/>
+          <p:cNvSpPr/>
+          <p:nvPr/>
+        </p:nvSpPr>
+        <p:spPr>
+          <a:xfrm>
+            <a:off x="10320217" y="4980936"/>
+            <a:ext cx="125911" cy="125911"/>
+          </a:xfrm>
+          <a:prstGeom prst="ellipse">
+            <a:avLst/>
+          </a:prstGeom>
+          <a:solidFill>
+            <a:srgbClr val="8C3FC5"/>
+          </a:solidFill>
+          <a:ln>
+            <a:solidFill>
+              <a:srgbClr val="7030A0"/>
+            </a:solidFill>
+          </a:ln>
+          <a:effectLst>
+            <a:innerShdw blurRad="165100" dist="50800" dir="16200000">
+              <a:prstClr val="black">
+                <a:alpha val="86000"/>
+              </a:prstClr>
+            </a:innerShdw>
+          </a:effectLst>
+        </p:spPr>
+        <p:style>
+          <a:lnRef idx="2">
+            <a:schemeClr val="accent1">
+              <a:shade val="50000"/>
+            </a:schemeClr>
+          </a:lnRef>
+          <a:fillRef idx="1">
+            <a:schemeClr val="accent1"/>
+          </a:fillRef>
+          <a:effectRef idx="0">
+            <a:schemeClr val="accent1"/>
+          </a:effectRef>
+          <a:fontRef idx="minor">
+            <a:schemeClr val="lt1"/>
+          </a:fontRef>
+        </p:style>
+        <p:txBody>
+          <a:bodyPr rtlCol="0" anchor="ctr"/>
+          <a:lstStyle/>
+          <a:p>
+            <a:pPr algn="ctr"/>
+            <a:endParaRPr lang="en-US" dirty="0"/>
+          </a:p>
+        </p:txBody>
+      </p:sp>
+      <p:sp>
+        <p:nvSpPr>
+          <p:cNvPr id="19" name="Rettangolo arrotondato 18"/>
+          <p:cNvSpPr/>
+          <p:nvPr/>
+        </p:nvSpPr>
+        <p:spPr>
+          <a:xfrm>
+            <a:off x="8277700" y="4527340"/>
+            <a:ext cx="1590200" cy="799403"/>
+          </a:xfrm>
+          <a:prstGeom prst="roundRect">
+            <a:avLst/>
+          </a:prstGeom>
+          <a:solidFill>
+            <a:schemeClr val="bg1"/>
+          </a:solidFill>
+          <a:ln w="28575">
+            <a:solidFill>
+              <a:srgbClr val="7030A0"/>
+            </a:solidFill>
+          </a:ln>
+        </p:spPr>
+        <p:style>
+          <a:lnRef idx="2">
+            <a:schemeClr val="accent1">
+              <a:shade val="50000"/>
+            </a:schemeClr>
+          </a:lnRef>
+          <a:fillRef idx="1">
+            <a:schemeClr val="accent1"/>
+          </a:fillRef>
+          <a:effectRef idx="0">
+            <a:schemeClr val="accent1"/>
+          </a:effectRef>
+          <a:fontRef idx="minor">
+            <a:schemeClr val="lt1"/>
+          </a:fontRef>
+        </p:style>
+        <p:txBody>
+          <a:bodyPr rtlCol="0" anchor="ctr"/>
+          <a:lstStyle/>
+          <a:p>
+            <a:r>
+              <a:rPr lang="en-US" sz="1500" dirty="0" smtClean="0">
+                <a:solidFill>
+                  <a:schemeClr val="tx1"/>
+                </a:solidFill>
+              </a:rPr>
+              <a:t>   Market aspects</a:t>
+            </a:r>
+          </a:p>
+          <a:p>
+            <a:r>
+              <a:rPr lang="en-US" sz="1500" dirty="0">
+                <a:solidFill>
+                  <a:schemeClr val="tx1"/>
+                </a:solidFill>
+              </a:rPr>
+              <a:t> </a:t>
+            </a:r>
+            <a:r>
+              <a:rPr lang="en-US" sz="1500" dirty="0" smtClean="0">
+                <a:solidFill>
+                  <a:schemeClr val="tx1"/>
+                </a:solidFill>
+              </a:rPr>
+              <a:t>  For investors</a:t>
+            </a:r>
+          </a:p>
+        </p:txBody>
+      </p:sp>
+      <p:sp>
+        <p:nvSpPr>
+          <p:cNvPr id="21" name="CasellaDiTesto 20"/>
+          <p:cNvSpPr txBox="1"/>
+          <p:nvPr/>
+        </p:nvSpPr>
+        <p:spPr>
+          <a:xfrm>
+            <a:off x="8440316" y="4158008"/>
+            <a:ext cx="990977" cy="369332"/>
+          </a:xfrm>
+          <a:prstGeom prst="rect">
+            <a:avLst/>
+          </a:prstGeom>
+          <a:noFill/>
+        </p:spPr>
+        <p:txBody>
+          <a:bodyPr wrap="none" rtlCol="0">
+            <a:spAutoFit/>
+          </a:bodyPr>
+          <a:lstStyle/>
+          <a:p>
+            <a:r>
+              <a:rPr lang="it-IT" dirty="0" smtClean="0"/>
+              <a:t>Business</a:t>
+            </a:r>
+            <a:endParaRPr lang="it-IT" dirty="0"/>
+          </a:p>
+        </p:txBody>
+      </p:sp>
+      <p:sp>
+        <p:nvSpPr>
+          <p:cNvPr id="23" name="Ovale 22"/>
+          <p:cNvSpPr/>
+          <p:nvPr/>
+        </p:nvSpPr>
+        <p:spPr>
+          <a:xfrm>
+            <a:off x="8377360" y="4759582"/>
+            <a:ext cx="125911" cy="125911"/>
+          </a:xfrm>
+          <a:prstGeom prst="ellipse">
+            <a:avLst/>
+          </a:prstGeom>
+          <a:solidFill>
+            <a:srgbClr val="8C3FC5"/>
+          </a:solidFill>
+          <a:ln>
+            <a:solidFill>
+              <a:srgbClr val="7030A0"/>
+            </a:solidFill>
+          </a:ln>
+          <a:effectLst>
+            <a:innerShdw blurRad="165100" dist="50800" dir="16200000">
+              <a:prstClr val="black">
+                <a:alpha val="86000"/>
+              </a:prstClr>
+            </a:innerShdw>
+          </a:effectLst>
+        </p:spPr>
+        <p:style>
+          <a:lnRef idx="2">
+            <a:schemeClr val="accent1">
+              <a:shade val="50000"/>
+            </a:schemeClr>
+          </a:lnRef>
+          <a:fillRef idx="1">
+            <a:schemeClr val="accent1"/>
+          </a:fillRef>
+          <a:effectRef idx="0">
+            <a:schemeClr val="accent1"/>
+          </a:effectRef>
+          <a:fontRef idx="minor">
+            <a:schemeClr val="lt1"/>
+          </a:fontRef>
+        </p:style>
+        <p:txBody>
+          <a:bodyPr rtlCol="0" anchor="ctr"/>
+          <a:lstStyle/>
+          <a:p>
+            <a:pPr algn="ctr"/>
+            <a:endParaRPr lang="en-US" dirty="0"/>
+          </a:p>
+        </p:txBody>
+      </p:sp>
+      <p:sp>
+        <p:nvSpPr>
+          <p:cNvPr id="24" name="Ovale 23"/>
+          <p:cNvSpPr/>
+          <p:nvPr/>
+        </p:nvSpPr>
+        <p:spPr>
+          <a:xfrm>
+            <a:off x="2508885" y="2485752"/>
+            <a:ext cx="125911" cy="125911"/>
+          </a:xfrm>
+          <a:prstGeom prst="ellipse">
+            <a:avLst/>
+          </a:prstGeom>
+          <a:solidFill>
+            <a:srgbClr val="8C3FC5"/>
+          </a:solidFill>
+          <a:ln>
+            <a:solidFill>
+              <a:srgbClr val="7030A0"/>
+            </a:solidFill>
+          </a:ln>
+          <a:effectLst>
+            <a:innerShdw blurRad="165100" dist="50800" dir="16200000">
+              <a:prstClr val="black">
+                <a:alpha val="86000"/>
+              </a:prstClr>
+            </a:innerShdw>
+          </a:effectLst>
+        </p:spPr>
+        <p:style>
+          <a:lnRef idx="2">
+            <a:schemeClr val="accent1">
+              <a:shade val="50000"/>
+            </a:schemeClr>
+          </a:lnRef>
+          <a:fillRef idx="1">
+            <a:schemeClr val="accent1"/>
+          </a:fillRef>
+          <a:effectRef idx="0">
+            <a:schemeClr val="accent1"/>
+          </a:effectRef>
+          <a:fontRef idx="minor">
+            <a:schemeClr val="lt1"/>
+          </a:fontRef>
+        </p:style>
+        <p:txBody>
+          <a:bodyPr rtlCol="0" anchor="ctr"/>
+          <a:lstStyle/>
+          <a:p>
+            <a:pPr algn="ctr"/>
+            <a:endParaRPr lang="en-US" dirty="0"/>
+          </a:p>
+        </p:txBody>
+      </p:sp>
+      <p:sp>
+        <p:nvSpPr>
+          <p:cNvPr id="25" name="Ovale 24"/>
+          <p:cNvSpPr/>
+          <p:nvPr/>
+        </p:nvSpPr>
+        <p:spPr>
+          <a:xfrm>
+            <a:off x="8377359" y="4991433"/>
+            <a:ext cx="125911" cy="125911"/>
+          </a:xfrm>
+          <a:prstGeom prst="ellipse">
+            <a:avLst/>
+          </a:prstGeom>
+          <a:solidFill>
+            <a:srgbClr val="8C3FC5"/>
+          </a:solidFill>
+          <a:ln>
+            <a:solidFill>
+              <a:srgbClr val="7030A0"/>
+            </a:solidFill>
+          </a:ln>
+          <a:effectLst>
+            <a:innerShdw blurRad="165100" dist="50800" dir="16200000">
+              <a:prstClr val="black">
+                <a:alpha val="86000"/>
+              </a:prstClr>
+            </a:innerShdw>
+          </a:effectLst>
+        </p:spPr>
+        <p:style>
+          <a:lnRef idx="2">
+            <a:schemeClr val="accent1">
+              <a:shade val="50000"/>
+            </a:schemeClr>
+          </a:lnRef>
+          <a:fillRef idx="1">
+            <a:schemeClr val="accent1"/>
+          </a:fillRef>
+          <a:effectRef idx="0">
+            <a:schemeClr val="accent1"/>
+          </a:effectRef>
+          <a:fontRef idx="minor">
+            <a:schemeClr val="lt1"/>
+          </a:fontRef>
+        </p:style>
+        <p:txBody>
+          <a:bodyPr rtlCol="0" anchor="ctr"/>
+          <a:lstStyle/>
+          <a:p>
+            <a:pPr algn="ctr"/>
+            <a:endParaRPr lang="en-US" dirty="0"/>
+          </a:p>
+        </p:txBody>
+      </p:sp>
+      <p:sp>
+        <p:nvSpPr>
+          <p:cNvPr id="26" name="CasellaDiTesto 25"/>
+          <p:cNvSpPr txBox="1"/>
+          <p:nvPr/>
+        </p:nvSpPr>
+        <p:spPr>
+          <a:xfrm>
+            <a:off x="1454439" y="4227742"/>
+            <a:ext cx="1157112" cy="646331"/>
+          </a:xfrm>
+          <a:prstGeom prst="rect">
+            <a:avLst/>
+          </a:prstGeom>
+          <a:noFill/>
+        </p:spPr>
+        <p:txBody>
+          <a:bodyPr wrap="none" rtlCol="0">
+            <a:spAutoFit/>
+          </a:bodyPr>
+          <a:lstStyle/>
+          <a:p>
+            <a:pPr algn="r"/>
+            <a:r>
+              <a:rPr lang="it-IT" dirty="0" smtClean="0"/>
+              <a:t>Assistance</a:t>
+            </a:r>
+          </a:p>
+          <a:p>
+            <a:r>
+              <a:rPr lang="it-IT" dirty="0" smtClean="0"/>
+              <a:t>service</a:t>
+            </a:r>
+            <a:endParaRPr lang="it-IT" dirty="0"/>
+          </a:p>
+        </p:txBody>
+      </p:sp>
+      <p:sp>
+        <p:nvSpPr>
+          <p:cNvPr id="27" name="CasellaDiTesto 26"/>
+          <p:cNvSpPr txBox="1"/>
+          <p:nvPr/>
+        </p:nvSpPr>
+        <p:spPr>
+          <a:xfrm>
+            <a:off x="2695756" y="1654656"/>
+            <a:ext cx="811889" cy="369332"/>
+          </a:xfrm>
+          <a:prstGeom prst="rect">
+            <a:avLst/>
+          </a:prstGeom>
+          <a:noFill/>
+        </p:spPr>
+        <p:txBody>
+          <a:bodyPr wrap="none" rtlCol="0">
+            <a:spAutoFit/>
+          </a:bodyPr>
+          <a:lstStyle/>
+          <a:p>
+            <a:r>
+              <a:rPr lang="it-IT" dirty="0" smtClean="0"/>
+              <a:t>Device</a:t>
+            </a:r>
+            <a:endParaRPr lang="it-IT" dirty="0"/>
+          </a:p>
+        </p:txBody>
+      </p:sp>
+      <p:sp>
+        <p:nvSpPr>
+          <p:cNvPr id="28" name="CasellaDiTesto 27"/>
+          <p:cNvSpPr txBox="1"/>
+          <p:nvPr/>
+        </p:nvSpPr>
+        <p:spPr>
+          <a:xfrm>
+            <a:off x="6026806" y="1616982"/>
+            <a:ext cx="1126270" cy="369332"/>
+          </a:xfrm>
+          <a:prstGeom prst="rect">
+            <a:avLst/>
+          </a:prstGeom>
+          <a:noFill/>
+        </p:spPr>
+        <p:txBody>
+          <a:bodyPr wrap="none" rtlCol="0">
+            <a:spAutoFit/>
+          </a:bodyPr>
+          <a:lstStyle/>
+          <a:p>
+            <a:r>
+              <a:rPr lang="it-IT" dirty="0" smtClean="0"/>
+              <a:t>Smart Life</a:t>
+            </a:r>
+            <a:endParaRPr lang="it-IT" dirty="0"/>
+          </a:p>
+        </p:txBody>
+      </p:sp>
+      <p:sp>
+        <p:nvSpPr>
+          <p:cNvPr id="29" name="Ovale 28"/>
+          <p:cNvSpPr/>
+          <p:nvPr/>
+        </p:nvSpPr>
+        <p:spPr>
+          <a:xfrm>
+            <a:off x="2508885" y="2776737"/>
+            <a:ext cx="125911" cy="125911"/>
+          </a:xfrm>
+          <a:prstGeom prst="ellipse">
+            <a:avLst/>
+          </a:prstGeom>
+          <a:solidFill>
+            <a:srgbClr val="8C3FC5"/>
+          </a:solidFill>
+          <a:ln>
+            <a:solidFill>
+              <a:srgbClr val="7030A0"/>
+            </a:solidFill>
+          </a:ln>
+          <a:effectLst>
+            <a:innerShdw blurRad="165100" dist="50800" dir="16200000">
+              <a:prstClr val="black">
+                <a:alpha val="86000"/>
+              </a:prstClr>
+            </a:innerShdw>
+          </a:effectLst>
+        </p:spPr>
+        <p:style>
+          <a:lnRef idx="2">
+            <a:schemeClr val="accent1">
+              <a:shade val="50000"/>
+            </a:schemeClr>
+          </a:lnRef>
+          <a:fillRef idx="1">
+            <a:schemeClr val="accent1"/>
+          </a:fillRef>
+          <a:effectRef idx="0">
+            <a:schemeClr val="accent1"/>
+          </a:effectRef>
+          <a:fontRef idx="minor">
+            <a:schemeClr val="lt1"/>
+          </a:fontRef>
+        </p:style>
+        <p:txBody>
+          <a:bodyPr rtlCol="0" anchor="ctr"/>
+          <a:lstStyle/>
+          <a:p>
+            <a:pPr algn="ctr"/>
+            <a:endParaRPr lang="en-US" dirty="0"/>
+          </a:p>
+        </p:txBody>
+      </p:sp>
+      <p:sp>
+        <p:nvSpPr>
+          <p:cNvPr id="30" name="Ovale 29"/>
+          <p:cNvSpPr/>
+          <p:nvPr/>
+        </p:nvSpPr>
+        <p:spPr>
+          <a:xfrm>
+            <a:off x="5939540" y="2218334"/>
+            <a:ext cx="125911" cy="125911"/>
+          </a:xfrm>
+          <a:prstGeom prst="ellipse">
+            <a:avLst/>
+          </a:prstGeom>
+          <a:solidFill>
+            <a:srgbClr val="8C3FC5"/>
+          </a:solidFill>
+          <a:ln>
+            <a:solidFill>
+              <a:srgbClr val="7030A0"/>
+            </a:solidFill>
+          </a:ln>
+          <a:effectLst>
+            <a:innerShdw blurRad="165100" dist="50800" dir="16200000">
+              <a:prstClr val="black">
+                <a:alpha val="86000"/>
+              </a:prstClr>
+            </a:innerShdw>
+          </a:effectLst>
+        </p:spPr>
+        <p:style>
+          <a:lnRef idx="2">
+            <a:schemeClr val="accent1">
+              <a:shade val="50000"/>
+            </a:schemeClr>
+          </a:lnRef>
+          <a:fillRef idx="1">
+            <a:schemeClr val="accent1"/>
+          </a:fillRef>
+          <a:effectRef idx="0">
+            <a:schemeClr val="accent1"/>
+          </a:effectRef>
+          <a:fontRef idx="minor">
+            <a:schemeClr val="lt1"/>
+          </a:fontRef>
+        </p:style>
+        <p:txBody>
+          <a:bodyPr rtlCol="0" anchor="ctr"/>
+          <a:lstStyle/>
+          <a:p>
+            <a:pPr algn="ctr"/>
+            <a:endParaRPr lang="en-US" dirty="0"/>
+          </a:p>
+        </p:txBody>
+      </p:sp>
+      <p:sp>
+        <p:nvSpPr>
+          <p:cNvPr id="31" name="Ovale 30"/>
+          <p:cNvSpPr/>
+          <p:nvPr/>
+        </p:nvSpPr>
+        <p:spPr>
+          <a:xfrm>
+            <a:off x="5939541" y="2486723"/>
+            <a:ext cx="125911" cy="125911"/>
+          </a:xfrm>
+          <a:prstGeom prst="ellipse">
+            <a:avLst/>
+          </a:prstGeom>
+          <a:solidFill>
+            <a:srgbClr val="8C3FC5"/>
+          </a:solidFill>
+          <a:ln>
+            <a:solidFill>
+              <a:srgbClr val="7030A0"/>
+            </a:solidFill>
+          </a:ln>
+          <a:effectLst>
+            <a:innerShdw blurRad="165100" dist="50800" dir="16200000">
+              <a:prstClr val="black">
+                <a:alpha val="86000"/>
+              </a:prstClr>
+            </a:innerShdw>
+          </a:effectLst>
+        </p:spPr>
+        <p:style>
+          <a:lnRef idx="2">
+            <a:schemeClr val="accent1">
+              <a:shade val="50000"/>
+            </a:schemeClr>
+          </a:lnRef>
+          <a:fillRef idx="1">
+            <a:schemeClr val="accent1"/>
+          </a:fillRef>
+          <a:effectRef idx="0">
+            <a:schemeClr val="accent1"/>
+          </a:effectRef>
+          <a:fontRef idx="minor">
+            <a:schemeClr val="lt1"/>
+          </a:fontRef>
+        </p:style>
+        <p:txBody>
+          <a:bodyPr rtlCol="0" anchor="ctr"/>
+          <a:lstStyle/>
+          <a:p>
+            <a:pPr algn="ctr"/>
+            <a:endParaRPr lang="en-US" dirty="0"/>
+          </a:p>
+        </p:txBody>
+      </p:sp>
+      <p:sp>
+        <p:nvSpPr>
+          <p:cNvPr id="32" name="Ovale 31"/>
+          <p:cNvSpPr/>
+          <p:nvPr/>
+        </p:nvSpPr>
+        <p:spPr>
+          <a:xfrm>
+            <a:off x="5939540" y="2757681"/>
+            <a:ext cx="125911" cy="125911"/>
+          </a:xfrm>
+          <a:prstGeom prst="ellipse">
+            <a:avLst/>
+          </a:prstGeom>
+          <a:solidFill>
+            <a:srgbClr val="8C3FC5"/>
+          </a:solidFill>
+          <a:ln>
+            <a:solidFill>
+              <a:srgbClr val="7030A0"/>
+            </a:solidFill>
+          </a:ln>
+          <a:effectLst>
+            <a:innerShdw blurRad="165100" dist="50800" dir="16200000">
+              <a:prstClr val="black">
+                <a:alpha val="86000"/>
+              </a:prstClr>
+            </a:innerShdw>
+          </a:effectLst>
+        </p:spPr>
+        <p:style>
+          <a:lnRef idx="2">
+            <a:schemeClr val="accent1">
+              <a:shade val="50000"/>
+            </a:schemeClr>
+          </a:lnRef>
+          <a:fillRef idx="1">
+            <a:schemeClr val="accent1"/>
+          </a:fillRef>
+          <a:effectRef idx="0">
+            <a:schemeClr val="accent1"/>
+          </a:effectRef>
+          <a:fontRef idx="minor">
+            <a:schemeClr val="lt1"/>
+          </a:fontRef>
+        </p:style>
+        <p:txBody>
+          <a:bodyPr rtlCol="0" anchor="ctr"/>
+          <a:lstStyle/>
+          <a:p>
+            <a:pPr algn="ctr"/>
+            <a:endParaRPr lang="en-US" dirty="0"/>
+          </a:p>
+        </p:txBody>
+      </p:sp>
+      <p:sp>
+        <p:nvSpPr>
+          <p:cNvPr id="33" name="Ovale 32"/>
+          <p:cNvSpPr/>
+          <p:nvPr/>
+        </p:nvSpPr>
+        <p:spPr>
+          <a:xfrm>
+            <a:off x="5939539" y="3036190"/>
+            <a:ext cx="125911" cy="125911"/>
+          </a:xfrm>
+          <a:prstGeom prst="ellipse">
+            <a:avLst/>
+          </a:prstGeom>
+          <a:solidFill>
+            <a:srgbClr val="8C3FC5"/>
+          </a:solidFill>
+          <a:ln>
+            <a:solidFill>
+              <a:srgbClr val="7030A0"/>
+            </a:solidFill>
+          </a:ln>
+          <a:effectLst>
+            <a:innerShdw blurRad="165100" dist="50800" dir="16200000">
+              <a:prstClr val="black">
+                <a:alpha val="86000"/>
+              </a:prstClr>
+            </a:innerShdw>
+          </a:effectLst>
+        </p:spPr>
+        <p:style>
+          <a:lnRef idx="2">
+            <a:schemeClr val="accent1">
+              <a:shade val="50000"/>
+            </a:schemeClr>
+          </a:lnRef>
+          <a:fillRef idx="1">
+            <a:schemeClr val="accent1"/>
+          </a:fillRef>
+          <a:effectRef idx="0">
+            <a:schemeClr val="accent1"/>
+          </a:effectRef>
+          <a:fontRef idx="minor">
+            <a:schemeClr val="lt1"/>
+          </a:fontRef>
+        </p:style>
+        <p:txBody>
+          <a:bodyPr rtlCol="0" anchor="ctr"/>
+          <a:lstStyle/>
+          <a:p>
+            <a:pPr algn="ctr"/>
+            <a:endParaRPr lang="en-US" dirty="0"/>
+          </a:p>
+        </p:txBody>
+      </p:sp>
+      <p:sp>
+        <p:nvSpPr>
+          <p:cNvPr id="35" name="Ovale 34"/>
+          <p:cNvSpPr/>
+          <p:nvPr/>
+        </p:nvSpPr>
+        <p:spPr>
+          <a:xfrm>
+            <a:off x="2494231" y="4995805"/>
+            <a:ext cx="125911" cy="125911"/>
+          </a:xfrm>
+          <a:prstGeom prst="ellipse">
+            <a:avLst/>
+          </a:prstGeom>
+          <a:solidFill>
+            <a:srgbClr val="8C3FC5"/>
+          </a:solidFill>
+          <a:ln>
+            <a:solidFill>
+              <a:srgbClr val="7030A0"/>
+            </a:solidFill>
+          </a:ln>
+          <a:effectLst>
+            <a:innerShdw blurRad="165100" dist="50800" dir="16200000">
+              <a:prstClr val="black">
+                <a:alpha val="86000"/>
+              </a:prstClr>
+            </a:innerShdw>
+          </a:effectLst>
+        </p:spPr>
+        <p:style>
+          <a:lnRef idx="2">
+            <a:schemeClr val="accent1">
+              <a:shade val="50000"/>
+            </a:schemeClr>
+          </a:lnRef>
+          <a:fillRef idx="1">
+            <a:schemeClr val="accent1"/>
+          </a:fillRef>
+          <a:effectRef idx="0">
+            <a:schemeClr val="accent1"/>
+          </a:effectRef>
+          <a:fontRef idx="minor">
+            <a:schemeClr val="lt1"/>
+          </a:fontRef>
+        </p:style>
+        <p:txBody>
+          <a:bodyPr rtlCol="0" anchor="ctr"/>
+          <a:lstStyle/>
+          <a:p>
+            <a:pPr algn="ctr"/>
+            <a:endParaRPr lang="en-US" dirty="0"/>
+          </a:p>
+        </p:txBody>
+      </p:sp>
+      <p:cxnSp>
+        <p:nvCxnSpPr>
+          <p:cNvPr id="37" name="Connettore 2 36"/>
+          <p:cNvCxnSpPr>
+            <a:stCxn id="4" idx="13"/>
+            <a:endCxn id="6" idx="0"/>
+          </p:cNvCxnSpPr>
+          <p:nvPr/>
+        </p:nvCxnSpPr>
+        <p:spPr>
+          <a:xfrm flipH="1">
+            <a:off x="2592643" y="3314700"/>
+            <a:ext cx="33630" cy="1284461"/>
+          </a:xfrm>
+          <a:prstGeom prst="straightConnector1">
+            <a:avLst/>
+          </a:prstGeom>
+          <a:ln w="19050">
+            <a:solidFill>
+              <a:srgbClr val="7030A0"/>
+            </a:solidFill>
+            <a:prstDash val="dash"/>
+            <a:tailEnd type="triangle"/>
+          </a:ln>
+        </p:spPr>
+        <p:style>
+          <a:lnRef idx="1">
+            <a:schemeClr val="accent1"/>
+          </a:lnRef>
+          <a:fillRef idx="0">
+            <a:schemeClr val="accent1"/>
+          </a:fillRef>
+          <a:effectRef idx="0">
+            <a:schemeClr val="accent1"/>
+          </a:effectRef>
+          <a:fontRef idx="minor">
+            <a:schemeClr val="tx1"/>
+          </a:fontRef>
+        </p:style>
+      </p:cxnSp>
+      <p:cxnSp>
+        <p:nvCxnSpPr>
+          <p:cNvPr id="41" name="Connettore 2 40"/>
+          <p:cNvCxnSpPr>
+            <a:stCxn id="5" idx="15"/>
+            <a:endCxn id="4" idx="10"/>
+          </p:cNvCxnSpPr>
+          <p:nvPr/>
+        </p:nvCxnSpPr>
+        <p:spPr>
+          <a:xfrm flipH="1">
+            <a:off x="4559300" y="2266349"/>
+            <a:ext cx="1207523" cy="0"/>
+          </a:xfrm>
+          <a:prstGeom prst="straightConnector1">
+            <a:avLst/>
+          </a:prstGeom>
+          <a:ln w="19050">
+            <a:solidFill>
+              <a:srgbClr val="7030A0"/>
+            </a:solidFill>
+            <a:prstDash val="dash"/>
+            <a:tailEnd type="triangle"/>
+          </a:ln>
+        </p:spPr>
+        <p:style>
+          <a:lnRef idx="1">
+            <a:schemeClr val="accent1"/>
+          </a:lnRef>
+          <a:fillRef idx="0">
+            <a:schemeClr val="accent1"/>
+          </a:fillRef>
+          <a:effectRef idx="0">
+            <a:schemeClr val="accent1"/>
+          </a:effectRef>
+          <a:fontRef idx="minor">
+            <a:schemeClr val="tx1"/>
+          </a:fontRef>
+        </p:style>
+      </p:cxnSp>
+      <p:cxnSp>
+        <p:nvCxnSpPr>
+          <p:cNvPr id="42" name="Connettore 2 41"/>
+          <p:cNvCxnSpPr>
+            <a:stCxn id="4" idx="11"/>
+            <a:endCxn id="5" idx="14"/>
+          </p:cNvCxnSpPr>
+          <p:nvPr/>
+        </p:nvCxnSpPr>
+        <p:spPr>
+          <a:xfrm>
+            <a:off x="4559300" y="3105025"/>
+            <a:ext cx="1207523" cy="0"/>
+          </a:xfrm>
+          <a:prstGeom prst="straightConnector1">
+            <a:avLst/>
+          </a:prstGeom>
+          <a:ln w="19050">
+            <a:solidFill>
+              <a:srgbClr val="7030A0"/>
+            </a:solidFill>
+            <a:prstDash val="dash"/>
+            <a:tailEnd type="triangle"/>
+          </a:ln>
+        </p:spPr>
+        <p:style>
+          <a:lnRef idx="1">
+            <a:schemeClr val="accent1"/>
+          </a:lnRef>
+          <a:fillRef idx="0">
+            <a:schemeClr val="accent1"/>
+          </a:fillRef>
+          <a:effectRef idx="0">
+            <a:schemeClr val="accent1"/>
+          </a:effectRef>
+          <a:fontRef idx="minor">
+            <a:schemeClr val="tx1"/>
+          </a:fontRef>
+        </p:style>
+      </p:cxnSp>
+      <p:cxnSp>
+        <p:nvCxnSpPr>
+          <p:cNvPr id="43" name="Connettore 2 42"/>
+          <p:cNvCxnSpPr>
+            <a:stCxn id="4" idx="12"/>
+            <a:endCxn id="6" idx="7"/>
+          </p:cNvCxnSpPr>
+          <p:nvPr/>
+        </p:nvCxnSpPr>
+        <p:spPr>
+          <a:xfrm flipH="1">
+            <a:off x="3638424" y="3314700"/>
+            <a:ext cx="673495" cy="1284461"/>
+          </a:xfrm>
+          <a:prstGeom prst="straightConnector1">
+            <a:avLst/>
+          </a:prstGeom>
+          <a:ln w="19050">
+            <a:solidFill>
+              <a:srgbClr val="7030A0"/>
+            </a:solidFill>
+            <a:prstDash val="dash"/>
+            <a:tailEnd type="triangle"/>
+          </a:ln>
+        </p:spPr>
+        <p:style>
+          <a:lnRef idx="1">
+            <a:schemeClr val="accent1"/>
+          </a:lnRef>
+          <a:fillRef idx="0">
+            <a:schemeClr val="accent1"/>
+          </a:fillRef>
+          <a:effectRef idx="0">
+            <a:schemeClr val="accent1"/>
+          </a:effectRef>
+          <a:fontRef idx="minor">
+            <a:schemeClr val="tx1"/>
+          </a:fontRef>
+        </p:style>
+      </p:cxnSp>
+      <p:sp>
+        <p:nvSpPr>
+          <p:cNvPr id="46" name="CasellaDiTesto 45"/>
+          <p:cNvSpPr txBox="1"/>
+          <p:nvPr/>
+        </p:nvSpPr>
+        <p:spPr>
+          <a:xfrm>
+            <a:off x="1617242" y="3638712"/>
+            <a:ext cx="1090535" cy="532956"/>
+          </a:xfrm>
+          <a:prstGeom prst="rect">
+            <a:avLst/>
+          </a:prstGeom>
+          <a:noFill/>
+        </p:spPr>
+        <p:txBody>
+          <a:bodyPr wrap="square" rtlCol="0">
+            <a:spAutoFit/>
+          </a:bodyPr>
+          <a:lstStyle/>
+          <a:p>
+            <a:r>
+              <a:rPr lang="it-IT" sz="1400" dirty="0" smtClean="0"/>
+              <a:t>Assistance</a:t>
+            </a:r>
+          </a:p>
+          <a:p>
+            <a:r>
+              <a:rPr lang="it-IT" sz="1400" dirty="0" smtClean="0"/>
+              <a:t>For [1,10]</a:t>
+            </a:r>
+            <a:endParaRPr lang="it-IT" sz="1400" dirty="0"/>
+          </a:p>
+        </p:txBody>
+      </p:sp>
+      <p:sp>
+        <p:nvSpPr>
+          <p:cNvPr id="47" name="CasellaDiTesto 46"/>
+          <p:cNvSpPr txBox="1"/>
+          <p:nvPr/>
+        </p:nvSpPr>
+        <p:spPr>
+          <a:xfrm>
+            <a:off x="3165331" y="3635174"/>
+            <a:ext cx="1090535" cy="738664"/>
+          </a:xfrm>
+          <a:prstGeom prst="rect">
+            <a:avLst/>
+          </a:prstGeom>
+          <a:noFill/>
+        </p:spPr>
+        <p:txBody>
+          <a:bodyPr wrap="square" rtlCol="0">
+            <a:spAutoFit/>
+          </a:bodyPr>
+          <a:lstStyle/>
+          <a:p>
+            <a:r>
+              <a:rPr lang="it-IT" sz="1400" dirty="0" smtClean="0"/>
+              <a:t>For </a:t>
+            </a:r>
+            <a:r>
+              <a:rPr lang="it-IT" sz="1400" dirty="0" err="1" smtClean="0"/>
+              <a:t>device</a:t>
+            </a:r>
+            <a:r>
+              <a:rPr lang="it-IT" sz="1400" dirty="0" smtClean="0"/>
+              <a:t>(s)_2</a:t>
+            </a:r>
+          </a:p>
+          <a:p>
+            <a:r>
+              <a:rPr lang="it-IT" sz="1400" dirty="0" smtClean="0"/>
+              <a:t>[1,10]</a:t>
+            </a:r>
+          </a:p>
+        </p:txBody>
+      </p:sp>
+      <p:sp>
+        <p:nvSpPr>
+          <p:cNvPr id="58" name="CasellaDiTesto 57"/>
+          <p:cNvSpPr txBox="1"/>
+          <p:nvPr/>
+        </p:nvSpPr>
+        <p:spPr>
+          <a:xfrm>
+            <a:off x="4536729" y="1707988"/>
+            <a:ext cx="1334275" cy="523220"/>
+          </a:xfrm>
+          <a:prstGeom prst="rect">
+            <a:avLst/>
+          </a:prstGeom>
+          <a:noFill/>
+        </p:spPr>
+        <p:txBody>
+          <a:bodyPr wrap="square" rtlCol="0">
+            <a:spAutoFit/>
+          </a:bodyPr>
+          <a:lstStyle/>
+          <a:p>
+            <a:r>
+              <a:rPr lang="it-IT" sz="1400" dirty="0" smtClean="0"/>
+              <a:t>For </a:t>
+            </a:r>
+            <a:r>
+              <a:rPr lang="it-IT" sz="1400" dirty="0" err="1" smtClean="0"/>
+              <a:t>device</a:t>
+            </a:r>
+            <a:r>
+              <a:rPr lang="it-IT" sz="1400" dirty="0" smtClean="0"/>
+              <a:t>(s)_1</a:t>
+            </a:r>
+          </a:p>
+          <a:p>
+            <a:r>
+              <a:rPr lang="it-IT" sz="1400" dirty="0" smtClean="0"/>
+              <a:t>[1,30]</a:t>
+            </a:r>
+          </a:p>
+        </p:txBody>
+      </p:sp>
+      <p:sp>
+        <p:nvSpPr>
+          <p:cNvPr id="59" name="CasellaDiTesto 58"/>
+          <p:cNvSpPr txBox="1"/>
+          <p:nvPr/>
+        </p:nvSpPr>
+        <p:spPr>
+          <a:xfrm>
+            <a:off x="4613222" y="3203146"/>
+            <a:ext cx="1090535" cy="523220"/>
+          </a:xfrm>
+          <a:prstGeom prst="rect">
+            <a:avLst/>
+          </a:prstGeom>
+          <a:noFill/>
+        </p:spPr>
+        <p:txBody>
+          <a:bodyPr wrap="square" rtlCol="0">
+            <a:spAutoFit/>
+          </a:bodyPr>
+          <a:lstStyle/>
+          <a:p>
+            <a:r>
+              <a:rPr lang="it-IT" sz="1400" dirty="0" err="1" smtClean="0"/>
+              <a:t>Available</a:t>
+            </a:r>
+            <a:r>
+              <a:rPr lang="it-IT" sz="1400" dirty="0" smtClean="0"/>
+              <a:t> SL service [1,5]</a:t>
+            </a:r>
+          </a:p>
+        </p:txBody>
+      </p:sp>
+      <p:grpSp>
+        <p:nvGrpSpPr>
+          <p:cNvPr id="64" name="Gruppo 63"/>
+          <p:cNvGrpSpPr/>
+          <p:nvPr/>
+        </p:nvGrpSpPr>
+        <p:grpSpPr>
+          <a:xfrm>
+            <a:off x="5008221" y="2944234"/>
+            <a:ext cx="309822" cy="309822"/>
+            <a:chOff x="3647530" y="2818173"/>
+            <a:chExt cx="511901" cy="511901"/>
+          </a:xfrm>
+        </p:grpSpPr>
+        <p:sp>
+          <p:nvSpPr>
+            <p:cNvPr id="65" name="Ovale 64"/>
+            <p:cNvSpPr/>
+            <p:nvPr/>
+          </p:nvSpPr>
+          <p:spPr>
+            <a:xfrm>
+              <a:off x="3647530" y="2818173"/>
+              <a:ext cx="511901" cy="511901"/>
+            </a:xfrm>
+            <a:prstGeom prst="ellipse">
+              <a:avLst/>
+            </a:prstGeom>
+            <a:solidFill>
+              <a:schemeClr val="bg1"/>
+            </a:solidFill>
+            <a:ln w="19050">
+              <a:solidFill>
+                <a:srgbClr val="7030A0"/>
+              </a:solidFill>
+            </a:ln>
+          </p:spPr>
+          <p:style>
+            <a:lnRef idx="2">
+              <a:schemeClr val="accent1">
+                <a:shade val="50000"/>
+              </a:schemeClr>
+            </a:lnRef>
+            <a:fillRef idx="1">
+              <a:schemeClr val="accent1"/>
+            </a:fillRef>
+            <a:effectRef idx="0">
+              <a:schemeClr val="accent1"/>
+            </a:effectRef>
+            <a:fontRef idx="minor">
+              <a:schemeClr val="lt1"/>
+            </a:fontRef>
+          </p:style>
+          <p:txBody>
+            <a:bodyPr rtlCol="0" anchor="ctr"/>
+            <a:lstStyle/>
+            <a:p>
+              <a:pPr algn="ctr"/>
+              <a:endParaRPr lang="en-US">
+                <a:ln>
+                  <a:solidFill>
+                    <a:srgbClr val="7030A0"/>
+                  </a:solidFill>
+                </a:ln>
+                <a:solidFill>
+                  <a:schemeClr val="bg1"/>
+                </a:solidFill>
+              </a:endParaRPr>
+            </a:p>
+          </p:txBody>
+        </p:sp>
+        <p:cxnSp>
+          <p:nvCxnSpPr>
+            <p:cNvPr id="66" name="Connettore 1 15"/>
+            <p:cNvCxnSpPr/>
+            <p:nvPr/>
+          </p:nvCxnSpPr>
+          <p:spPr>
+            <a:xfrm>
+              <a:off x="3722495" y="2971721"/>
+              <a:ext cx="361969" cy="0"/>
+            </a:xfrm>
+            <a:prstGeom prst="line">
+              <a:avLst/>
+            </a:prstGeom>
+            <a:ln w="28575">
+              <a:solidFill>
+                <a:srgbClr val="7030A0"/>
+              </a:solidFill>
+            </a:ln>
+          </p:spPr>
+          <p:style>
+            <a:lnRef idx="1">
+              <a:schemeClr val="accent1"/>
+            </a:lnRef>
+            <a:fillRef idx="0">
+              <a:schemeClr val="accent1"/>
+            </a:fillRef>
+            <a:effectRef idx="0">
+              <a:schemeClr val="accent1"/>
+            </a:effectRef>
+            <a:fontRef idx="minor">
+              <a:schemeClr val="tx1"/>
+            </a:fontRef>
+          </p:style>
+        </p:cxnSp>
+        <p:cxnSp>
+          <p:nvCxnSpPr>
+            <p:cNvPr id="67" name="Connettore 1 16"/>
+            <p:cNvCxnSpPr/>
+            <p:nvPr/>
+          </p:nvCxnSpPr>
+          <p:spPr>
+            <a:xfrm>
+              <a:off x="3722494" y="3076425"/>
+              <a:ext cx="361969" cy="0"/>
+            </a:xfrm>
+            <a:prstGeom prst="line">
+              <a:avLst/>
+            </a:prstGeom>
+            <a:ln w="28575">
+              <a:solidFill>
+                <a:srgbClr val="7030A0"/>
+              </a:solidFill>
+            </a:ln>
+          </p:spPr>
+          <p:style>
+            <a:lnRef idx="1">
+              <a:schemeClr val="accent1"/>
+            </a:lnRef>
+            <a:fillRef idx="0">
+              <a:schemeClr val="accent1"/>
+            </a:fillRef>
+            <a:effectRef idx="0">
+              <a:schemeClr val="accent1"/>
+            </a:effectRef>
+            <a:fontRef idx="minor">
+              <a:schemeClr val="tx1"/>
+            </a:fontRef>
+          </p:style>
+        </p:cxnSp>
+        <p:cxnSp>
+          <p:nvCxnSpPr>
+            <p:cNvPr id="68" name="Connettore 1 17"/>
+            <p:cNvCxnSpPr/>
+            <p:nvPr/>
+          </p:nvCxnSpPr>
+          <p:spPr>
+            <a:xfrm>
+              <a:off x="3722494" y="3186033"/>
+              <a:ext cx="361969" cy="0"/>
+            </a:xfrm>
+            <a:prstGeom prst="line">
+              <a:avLst/>
+            </a:prstGeom>
+            <a:ln w="28575">
+              <a:solidFill>
+                <a:srgbClr val="7030A0"/>
+              </a:solidFill>
+            </a:ln>
+          </p:spPr>
+          <p:style>
+            <a:lnRef idx="1">
+              <a:schemeClr val="accent1"/>
+            </a:lnRef>
+            <a:fillRef idx="0">
+              <a:schemeClr val="accent1"/>
+            </a:fillRef>
+            <a:effectRef idx="0">
+              <a:schemeClr val="accent1"/>
+            </a:effectRef>
+            <a:fontRef idx="minor">
+              <a:schemeClr val="tx1"/>
+            </a:fontRef>
+          </p:style>
+        </p:cxnSp>
+      </p:grpSp>
+      <p:grpSp>
+        <p:nvGrpSpPr>
+          <p:cNvPr id="69" name="Gruppo 68"/>
+          <p:cNvGrpSpPr/>
+          <p:nvPr/>
+        </p:nvGrpSpPr>
+        <p:grpSpPr>
+          <a:xfrm>
+            <a:off x="5069296" y="2093868"/>
+            <a:ext cx="309822" cy="309822"/>
+            <a:chOff x="3647530" y="2818173"/>
+            <a:chExt cx="511901" cy="511901"/>
+          </a:xfrm>
+        </p:grpSpPr>
+        <p:sp>
+          <p:nvSpPr>
+            <p:cNvPr id="70" name="Ovale 69"/>
+            <p:cNvSpPr/>
+            <p:nvPr/>
+          </p:nvSpPr>
+          <p:spPr>
+            <a:xfrm>
+              <a:off x="3647530" y="2818173"/>
+              <a:ext cx="511901" cy="511901"/>
+            </a:xfrm>
+            <a:prstGeom prst="ellipse">
+              <a:avLst/>
+            </a:prstGeom>
+            <a:solidFill>
+              <a:schemeClr val="bg1"/>
+            </a:solidFill>
+            <a:ln w="19050">
+              <a:solidFill>
+                <a:srgbClr val="7030A0"/>
+              </a:solidFill>
+            </a:ln>
+          </p:spPr>
+          <p:style>
+            <a:lnRef idx="2">
+              <a:schemeClr val="accent1">
+                <a:shade val="50000"/>
+              </a:schemeClr>
+            </a:lnRef>
+            <a:fillRef idx="1">
+              <a:schemeClr val="accent1"/>
+            </a:fillRef>
+            <a:effectRef idx="0">
+              <a:schemeClr val="accent1"/>
+            </a:effectRef>
+            <a:fontRef idx="minor">
+              <a:schemeClr val="lt1"/>
+            </a:fontRef>
+          </p:style>
+          <p:txBody>
+            <a:bodyPr rtlCol="0" anchor="ctr"/>
+            <a:lstStyle/>
+            <a:p>
+              <a:pPr algn="ctr"/>
+              <a:endParaRPr lang="en-US">
+                <a:ln>
+                  <a:solidFill>
+                    <a:srgbClr val="7030A0"/>
+                  </a:solidFill>
+                </a:ln>
+                <a:solidFill>
+                  <a:schemeClr val="bg1"/>
+                </a:solidFill>
+              </a:endParaRPr>
+            </a:p>
+          </p:txBody>
+        </p:sp>
+        <p:cxnSp>
+          <p:nvCxnSpPr>
+            <p:cNvPr id="71" name="Connettore 1 15"/>
+            <p:cNvCxnSpPr/>
+            <p:nvPr/>
+          </p:nvCxnSpPr>
+          <p:spPr>
+            <a:xfrm>
+              <a:off x="3722495" y="2971721"/>
+              <a:ext cx="361969" cy="0"/>
+            </a:xfrm>
+            <a:prstGeom prst="line">
+              <a:avLst/>
+            </a:prstGeom>
+            <a:ln w="28575">
+              <a:solidFill>
+                <a:srgbClr val="7030A0"/>
+              </a:solidFill>
+            </a:ln>
+          </p:spPr>
+          <p:style>
+            <a:lnRef idx="1">
+              <a:schemeClr val="accent1"/>
+            </a:lnRef>
+            <a:fillRef idx="0">
+              <a:schemeClr val="accent1"/>
+            </a:fillRef>
+            <a:effectRef idx="0">
+              <a:schemeClr val="accent1"/>
+            </a:effectRef>
+            <a:fontRef idx="minor">
+              <a:schemeClr val="tx1"/>
+            </a:fontRef>
+          </p:style>
+        </p:cxnSp>
+        <p:cxnSp>
+          <p:nvCxnSpPr>
+            <p:cNvPr id="72" name="Connettore 1 16"/>
+            <p:cNvCxnSpPr/>
+            <p:nvPr/>
+          </p:nvCxnSpPr>
+          <p:spPr>
+            <a:xfrm>
+              <a:off x="3722494" y="3076425"/>
+              <a:ext cx="361969" cy="0"/>
+            </a:xfrm>
+            <a:prstGeom prst="line">
+              <a:avLst/>
+            </a:prstGeom>
+            <a:ln w="28575">
+              <a:solidFill>
+                <a:srgbClr val="7030A0"/>
+              </a:solidFill>
+            </a:ln>
+          </p:spPr>
+          <p:style>
+            <a:lnRef idx="1">
+              <a:schemeClr val="accent1"/>
+            </a:lnRef>
+            <a:fillRef idx="0">
+              <a:schemeClr val="accent1"/>
+            </a:fillRef>
+            <a:effectRef idx="0">
+              <a:schemeClr val="accent1"/>
+            </a:effectRef>
+            <a:fontRef idx="minor">
+              <a:schemeClr val="tx1"/>
+            </a:fontRef>
+          </p:style>
+        </p:cxnSp>
+        <p:cxnSp>
+          <p:nvCxnSpPr>
+            <p:cNvPr id="73" name="Connettore 1 17"/>
+            <p:cNvCxnSpPr/>
+            <p:nvPr/>
+          </p:nvCxnSpPr>
+          <p:spPr>
+            <a:xfrm>
+              <a:off x="3722494" y="3186033"/>
+              <a:ext cx="361969" cy="0"/>
+            </a:xfrm>
+            <a:prstGeom prst="line">
+              <a:avLst/>
+            </a:prstGeom>
+            <a:ln w="28575">
+              <a:solidFill>
+                <a:srgbClr val="7030A0"/>
+              </a:solidFill>
+            </a:ln>
+          </p:spPr>
+          <p:style>
+            <a:lnRef idx="1">
+              <a:schemeClr val="accent1"/>
+            </a:lnRef>
+            <a:fillRef idx="0">
+              <a:schemeClr val="accent1"/>
+            </a:fillRef>
+            <a:effectRef idx="0">
+              <a:schemeClr val="accent1"/>
+            </a:effectRef>
+            <a:fontRef idx="minor">
+              <a:schemeClr val="tx1"/>
+            </a:fontRef>
+          </p:style>
+        </p:cxnSp>
+      </p:grpSp>
+      <p:grpSp>
+        <p:nvGrpSpPr>
+          <p:cNvPr id="74" name="Gruppo 73"/>
+          <p:cNvGrpSpPr/>
+          <p:nvPr/>
+        </p:nvGrpSpPr>
+        <p:grpSpPr>
+          <a:xfrm>
+            <a:off x="3901744" y="3616310"/>
+            <a:ext cx="309822" cy="309822"/>
+            <a:chOff x="3647530" y="2818173"/>
+            <a:chExt cx="511901" cy="511901"/>
+          </a:xfrm>
+        </p:grpSpPr>
+        <p:sp>
+          <p:nvSpPr>
+            <p:cNvPr id="75" name="Ovale 74"/>
+            <p:cNvSpPr/>
+            <p:nvPr/>
+          </p:nvSpPr>
+          <p:spPr>
+            <a:xfrm>
+              <a:off x="3647530" y="2818173"/>
+              <a:ext cx="511901" cy="511901"/>
+            </a:xfrm>
+            <a:prstGeom prst="ellipse">
+              <a:avLst/>
+            </a:prstGeom>
+            <a:solidFill>
+              <a:schemeClr val="bg1"/>
+            </a:solidFill>
+            <a:ln w="19050">
+              <a:solidFill>
+                <a:srgbClr val="7030A0"/>
+              </a:solidFill>
+            </a:ln>
+          </p:spPr>
+          <p:style>
+            <a:lnRef idx="2">
+              <a:schemeClr val="accent1">
+                <a:shade val="50000"/>
+              </a:schemeClr>
+            </a:lnRef>
+            <a:fillRef idx="1">
+              <a:schemeClr val="accent1"/>
+            </a:fillRef>
+            <a:effectRef idx="0">
+              <a:schemeClr val="accent1"/>
+            </a:effectRef>
+            <a:fontRef idx="minor">
+              <a:schemeClr val="lt1"/>
+            </a:fontRef>
+          </p:style>
+          <p:txBody>
+            <a:bodyPr rtlCol="0" anchor="ctr"/>
+            <a:lstStyle/>
+            <a:p>
+              <a:pPr algn="ctr"/>
+              <a:endParaRPr lang="en-US">
+                <a:ln>
+                  <a:solidFill>
+                    <a:srgbClr val="7030A0"/>
+                  </a:solidFill>
+                </a:ln>
+                <a:solidFill>
+                  <a:schemeClr val="bg1"/>
+                </a:solidFill>
+              </a:endParaRPr>
+            </a:p>
+          </p:txBody>
+        </p:sp>
+        <p:cxnSp>
+          <p:nvCxnSpPr>
+            <p:cNvPr id="76" name="Connettore 1 15"/>
+            <p:cNvCxnSpPr/>
+            <p:nvPr/>
+          </p:nvCxnSpPr>
+          <p:spPr>
+            <a:xfrm>
+              <a:off x="3722495" y="2971721"/>
+              <a:ext cx="361969" cy="0"/>
+            </a:xfrm>
+            <a:prstGeom prst="line">
+              <a:avLst/>
+            </a:prstGeom>
+            <a:ln w="28575">
+              <a:solidFill>
+                <a:srgbClr val="7030A0"/>
+              </a:solidFill>
+            </a:ln>
+          </p:spPr>
+          <p:style>
+            <a:lnRef idx="1">
+              <a:schemeClr val="accent1"/>
+            </a:lnRef>
+            <a:fillRef idx="0">
+              <a:schemeClr val="accent1"/>
+            </a:fillRef>
+            <a:effectRef idx="0">
+              <a:schemeClr val="accent1"/>
+            </a:effectRef>
+            <a:fontRef idx="minor">
+              <a:schemeClr val="tx1"/>
+            </a:fontRef>
+          </p:style>
+        </p:cxnSp>
+        <p:cxnSp>
+          <p:nvCxnSpPr>
+            <p:cNvPr id="77" name="Connettore 1 16"/>
+            <p:cNvCxnSpPr/>
+            <p:nvPr/>
+          </p:nvCxnSpPr>
+          <p:spPr>
+            <a:xfrm>
+              <a:off x="3722494" y="3076425"/>
+              <a:ext cx="361969" cy="0"/>
+            </a:xfrm>
+            <a:prstGeom prst="line">
+              <a:avLst/>
+            </a:prstGeom>
+            <a:ln w="28575">
+              <a:solidFill>
+                <a:srgbClr val="7030A0"/>
+              </a:solidFill>
+            </a:ln>
+          </p:spPr>
+          <p:style>
+            <a:lnRef idx="1">
+              <a:schemeClr val="accent1"/>
+            </a:lnRef>
+            <a:fillRef idx="0">
+              <a:schemeClr val="accent1"/>
+            </a:fillRef>
+            <a:effectRef idx="0">
+              <a:schemeClr val="accent1"/>
+            </a:effectRef>
+            <a:fontRef idx="minor">
+              <a:schemeClr val="tx1"/>
+            </a:fontRef>
+          </p:style>
+        </p:cxnSp>
+        <p:cxnSp>
+          <p:nvCxnSpPr>
+            <p:cNvPr id="78" name="Connettore 1 17"/>
+            <p:cNvCxnSpPr/>
+            <p:nvPr/>
+          </p:nvCxnSpPr>
+          <p:spPr>
+            <a:xfrm>
+              <a:off x="3722494" y="3186033"/>
+              <a:ext cx="361969" cy="0"/>
+            </a:xfrm>
+            <a:prstGeom prst="line">
+              <a:avLst/>
+            </a:prstGeom>
+            <a:ln w="28575">
+              <a:solidFill>
+                <a:srgbClr val="7030A0"/>
+              </a:solidFill>
+            </a:ln>
+          </p:spPr>
+          <p:style>
+            <a:lnRef idx="1">
+              <a:schemeClr val="accent1"/>
+            </a:lnRef>
+            <a:fillRef idx="0">
+              <a:schemeClr val="accent1"/>
+            </a:fillRef>
+            <a:effectRef idx="0">
+              <a:schemeClr val="accent1"/>
+            </a:effectRef>
+            <a:fontRef idx="minor">
+              <a:schemeClr val="tx1"/>
+            </a:fontRef>
+          </p:style>
+        </p:cxnSp>
+      </p:grpSp>
+      <p:grpSp>
+        <p:nvGrpSpPr>
+          <p:cNvPr id="79" name="Gruppo 78"/>
+          <p:cNvGrpSpPr/>
+          <p:nvPr/>
+        </p:nvGrpSpPr>
+        <p:grpSpPr>
+          <a:xfrm>
+            <a:off x="2477112" y="3767099"/>
+            <a:ext cx="309822" cy="309822"/>
+            <a:chOff x="3647530" y="2818173"/>
+            <a:chExt cx="511901" cy="511901"/>
+          </a:xfrm>
+        </p:grpSpPr>
+        <p:sp>
+          <p:nvSpPr>
+            <p:cNvPr id="80" name="Ovale 79"/>
+            <p:cNvSpPr/>
+            <p:nvPr/>
+          </p:nvSpPr>
+          <p:spPr>
+            <a:xfrm>
+              <a:off x="3647530" y="2818173"/>
+              <a:ext cx="511901" cy="511901"/>
+            </a:xfrm>
+            <a:prstGeom prst="ellipse">
+              <a:avLst/>
+            </a:prstGeom>
+            <a:solidFill>
+              <a:schemeClr val="bg1"/>
+            </a:solidFill>
+            <a:ln w="19050">
+              <a:solidFill>
+                <a:srgbClr val="7030A0"/>
+              </a:solidFill>
+            </a:ln>
+          </p:spPr>
+          <p:style>
+            <a:lnRef idx="2">
+              <a:schemeClr val="accent1">
+                <a:shade val="50000"/>
+              </a:schemeClr>
+            </a:lnRef>
+            <a:fillRef idx="1">
+              <a:schemeClr val="accent1"/>
+            </a:fillRef>
+            <a:effectRef idx="0">
+              <a:schemeClr val="accent1"/>
+            </a:effectRef>
+            <a:fontRef idx="minor">
+              <a:schemeClr val="lt1"/>
+            </a:fontRef>
+          </p:style>
+          <p:txBody>
+            <a:bodyPr rtlCol="0" anchor="ctr"/>
+            <a:lstStyle/>
+            <a:p>
+              <a:pPr algn="ctr"/>
+              <a:endParaRPr lang="en-US">
+                <a:ln>
+                  <a:solidFill>
+                    <a:srgbClr val="7030A0"/>
+                  </a:solidFill>
+                </a:ln>
+                <a:solidFill>
+                  <a:schemeClr val="bg1"/>
+                </a:solidFill>
+              </a:endParaRPr>
+            </a:p>
+          </p:txBody>
+        </p:sp>
+        <p:cxnSp>
+          <p:nvCxnSpPr>
+            <p:cNvPr id="81" name="Connettore 1 15"/>
+            <p:cNvCxnSpPr/>
+            <p:nvPr/>
+          </p:nvCxnSpPr>
+          <p:spPr>
+            <a:xfrm>
+              <a:off x="3722495" y="2971721"/>
+              <a:ext cx="361969" cy="0"/>
+            </a:xfrm>
+            <a:prstGeom prst="line">
+              <a:avLst/>
+            </a:prstGeom>
+            <a:ln w="28575">
+              <a:solidFill>
+                <a:srgbClr val="7030A0"/>
+              </a:solidFill>
+            </a:ln>
+          </p:spPr>
+          <p:style>
+            <a:lnRef idx="1">
+              <a:schemeClr val="accent1"/>
+            </a:lnRef>
+            <a:fillRef idx="0">
+              <a:schemeClr val="accent1"/>
+            </a:fillRef>
+            <a:effectRef idx="0">
+              <a:schemeClr val="accent1"/>
+            </a:effectRef>
+            <a:fontRef idx="minor">
+              <a:schemeClr val="tx1"/>
+            </a:fontRef>
+          </p:style>
+        </p:cxnSp>
+        <p:cxnSp>
+          <p:nvCxnSpPr>
+            <p:cNvPr id="82" name="Connettore 1 16"/>
+            <p:cNvCxnSpPr/>
+            <p:nvPr/>
+          </p:nvCxnSpPr>
+          <p:spPr>
+            <a:xfrm>
+              <a:off x="3722494" y="3076425"/>
+              <a:ext cx="361969" cy="0"/>
+            </a:xfrm>
+            <a:prstGeom prst="line">
+              <a:avLst/>
+            </a:prstGeom>
+            <a:ln w="28575">
+              <a:solidFill>
+                <a:srgbClr val="7030A0"/>
+              </a:solidFill>
+            </a:ln>
+          </p:spPr>
+          <p:style>
+            <a:lnRef idx="1">
+              <a:schemeClr val="accent1"/>
+            </a:lnRef>
+            <a:fillRef idx="0">
+              <a:schemeClr val="accent1"/>
+            </a:fillRef>
+            <a:effectRef idx="0">
+              <a:schemeClr val="accent1"/>
+            </a:effectRef>
+            <a:fontRef idx="minor">
+              <a:schemeClr val="tx1"/>
+            </a:fontRef>
+          </p:style>
+        </p:cxnSp>
+        <p:cxnSp>
+          <p:nvCxnSpPr>
+            <p:cNvPr id="83" name="Connettore 1 17"/>
+            <p:cNvCxnSpPr/>
+            <p:nvPr/>
+          </p:nvCxnSpPr>
+          <p:spPr>
+            <a:xfrm>
+              <a:off x="3722494" y="3186033"/>
+              <a:ext cx="361969" cy="0"/>
+            </a:xfrm>
+            <a:prstGeom prst="line">
+              <a:avLst/>
+            </a:prstGeom>
+            <a:ln w="28575">
+              <a:solidFill>
+                <a:srgbClr val="7030A0"/>
+              </a:solidFill>
+            </a:ln>
+          </p:spPr>
+          <p:style>
+            <a:lnRef idx="1">
+              <a:schemeClr val="accent1"/>
+            </a:lnRef>
+            <a:fillRef idx="0">
+              <a:schemeClr val="accent1"/>
+            </a:fillRef>
+            <a:effectRef idx="0">
+              <a:schemeClr val="accent1"/>
+            </a:effectRef>
+            <a:fontRef idx="minor">
+              <a:schemeClr val="tx1"/>
+            </a:fontRef>
+          </p:style>
+        </p:cxnSp>
+      </p:grpSp>
+      <p:grpSp>
+        <p:nvGrpSpPr>
+          <p:cNvPr id="84" name="Gruppo 83"/>
+          <p:cNvGrpSpPr/>
+          <p:nvPr/>
+        </p:nvGrpSpPr>
+        <p:grpSpPr>
+          <a:xfrm>
+            <a:off x="4702847" y="546893"/>
+            <a:ext cx="446053" cy="446053"/>
+            <a:chOff x="5316567" y="2715285"/>
+            <a:chExt cx="325790" cy="325790"/>
+          </a:xfrm>
+        </p:grpSpPr>
+        <p:sp>
+          <p:nvSpPr>
+            <p:cNvPr id="85" name="Ovale 84"/>
+            <p:cNvSpPr/>
+            <p:nvPr/>
+          </p:nvSpPr>
+          <p:spPr>
+            <a:xfrm>
+              <a:off x="5316567" y="2715285"/>
+              <a:ext cx="325790" cy="325790"/>
+            </a:xfrm>
+            <a:prstGeom prst="ellipse">
+              <a:avLst/>
+            </a:prstGeom>
+            <a:gradFill flip="none" rotWithShape="1">
+              <a:gsLst>
+                <a:gs pos="26000">
+                  <a:srgbClr val="7030A0">
+                    <a:tint val="66000"/>
+                    <a:satMod val="160000"/>
+                  </a:srgbClr>
+                </a:gs>
+                <a:gs pos="24000">
+                  <a:srgbClr val="7030A0">
+                    <a:tint val="66000"/>
+                    <a:satMod val="160000"/>
+                    <a:lumMod val="56000"/>
+                  </a:srgbClr>
+                </a:gs>
+                <a:gs pos="27000">
+                  <a:srgbClr val="7030A0">
+                    <a:tint val="23500"/>
+                    <a:satMod val="160000"/>
+                    <a:alpha val="0"/>
+                    <a:lumMod val="100000"/>
+                  </a:srgbClr>
+                </a:gs>
+              </a:gsLst>
+              <a:lin ang="5400000" scaled="1"/>
+              <a:tileRect/>
+            </a:gradFill>
+            <a:ln w="19050">
+              <a:solidFill>
+                <a:srgbClr val="7030A0"/>
+              </a:solidFill>
+            </a:ln>
+          </p:spPr>
+          <p:style>
+            <a:lnRef idx="2">
+              <a:schemeClr val="accent1">
+                <a:shade val="50000"/>
+              </a:schemeClr>
+            </a:lnRef>
+            <a:fillRef idx="1">
+              <a:schemeClr val="accent1"/>
+            </a:fillRef>
+            <a:effectRef idx="0">
+              <a:schemeClr val="accent1"/>
+            </a:effectRef>
+            <a:fontRef idx="minor">
+              <a:schemeClr val="lt1"/>
+            </a:fontRef>
+          </p:style>
+          <p:txBody>
+            <a:bodyPr rtlCol="0" anchor="ctr"/>
+            <a:lstStyle/>
+            <a:p>
+              <a:pPr algn="ctr"/>
+              <a:endParaRPr lang="en-US">
+                <a:ln>
+                  <a:solidFill>
+                    <a:srgbClr val="7030A0"/>
+                  </a:solidFill>
+                </a:ln>
+                <a:solidFill>
+                  <a:srgbClr val="7030A0"/>
+                </a:solidFill>
+              </a:endParaRPr>
+            </a:p>
+          </p:txBody>
+        </p:sp>
+        <p:cxnSp>
+          <p:nvCxnSpPr>
+            <p:cNvPr id="86" name="Connettore 1 49"/>
+            <p:cNvCxnSpPr/>
+            <p:nvPr/>
+          </p:nvCxnSpPr>
+          <p:spPr>
+            <a:xfrm>
+              <a:off x="5366958" y="2832058"/>
+              <a:ext cx="230369" cy="0"/>
+            </a:xfrm>
+            <a:prstGeom prst="line">
+              <a:avLst/>
+            </a:prstGeom>
+            <a:ln w="19050">
+              <a:solidFill>
+                <a:srgbClr val="7030A0"/>
+              </a:solidFill>
+            </a:ln>
+          </p:spPr>
+          <p:style>
+            <a:lnRef idx="1">
+              <a:schemeClr val="accent1"/>
+            </a:lnRef>
+            <a:fillRef idx="0">
+              <a:schemeClr val="accent1"/>
+            </a:fillRef>
+            <a:effectRef idx="0">
+              <a:schemeClr val="accent1"/>
+            </a:effectRef>
+            <a:fontRef idx="minor">
+              <a:schemeClr val="tx1"/>
+            </a:fontRef>
+          </p:style>
+        </p:cxnSp>
+        <p:cxnSp>
+          <p:nvCxnSpPr>
+            <p:cNvPr id="87" name="Connettore 1 50"/>
+            <p:cNvCxnSpPr/>
+            <p:nvPr/>
+          </p:nvCxnSpPr>
+          <p:spPr>
+            <a:xfrm>
+              <a:off x="5364276" y="2886008"/>
+              <a:ext cx="230369" cy="0"/>
+            </a:xfrm>
+            <a:prstGeom prst="line">
+              <a:avLst/>
+            </a:prstGeom>
+            <a:ln w="19050">
+              <a:solidFill>
+                <a:srgbClr val="7030A0"/>
+              </a:solidFill>
+            </a:ln>
+          </p:spPr>
+          <p:style>
+            <a:lnRef idx="1">
+              <a:schemeClr val="accent1"/>
+            </a:lnRef>
+            <a:fillRef idx="0">
+              <a:schemeClr val="accent1"/>
+            </a:fillRef>
+            <a:effectRef idx="0">
+              <a:schemeClr val="accent1"/>
+            </a:effectRef>
+            <a:fontRef idx="minor">
+              <a:schemeClr val="tx1"/>
+            </a:fontRef>
+          </p:style>
+        </p:cxnSp>
+        <p:cxnSp>
+          <p:nvCxnSpPr>
+            <p:cNvPr id="88" name="Connettore 1 51"/>
+            <p:cNvCxnSpPr/>
+            <p:nvPr/>
+          </p:nvCxnSpPr>
+          <p:spPr>
+            <a:xfrm>
+              <a:off x="5364276" y="2943977"/>
+              <a:ext cx="230369" cy="0"/>
+            </a:xfrm>
+            <a:prstGeom prst="line">
+              <a:avLst/>
+            </a:prstGeom>
+            <a:ln w="19050">
+              <a:solidFill>
+                <a:srgbClr val="7030A0"/>
+              </a:solidFill>
+            </a:ln>
+          </p:spPr>
+          <p:style>
+            <a:lnRef idx="1">
+              <a:schemeClr val="accent1"/>
+            </a:lnRef>
+            <a:fillRef idx="0">
+              <a:schemeClr val="accent1"/>
+            </a:fillRef>
+            <a:effectRef idx="0">
+              <a:schemeClr val="accent1"/>
+            </a:effectRef>
+            <a:fontRef idx="minor">
+              <a:schemeClr val="tx1"/>
+            </a:fontRef>
+          </p:style>
+        </p:cxnSp>
+      </p:grpSp>
+      <p:grpSp>
+        <p:nvGrpSpPr>
+          <p:cNvPr id="95" name="Gruppo 94"/>
+          <p:cNvGrpSpPr/>
+          <p:nvPr/>
+        </p:nvGrpSpPr>
+        <p:grpSpPr>
+          <a:xfrm>
+            <a:off x="8189051" y="2182927"/>
+            <a:ext cx="427168" cy="427168"/>
+            <a:chOff x="4445500" y="3234900"/>
+            <a:chExt cx="427168" cy="427168"/>
+          </a:xfrm>
+        </p:grpSpPr>
+        <p:sp>
+          <p:nvSpPr>
+            <p:cNvPr id="96" name="Ovale 95"/>
+            <p:cNvSpPr/>
+            <p:nvPr/>
+          </p:nvSpPr>
+          <p:spPr>
+            <a:xfrm>
+              <a:off x="4445500" y="3234900"/>
+              <a:ext cx="427168" cy="427168"/>
+            </a:xfrm>
+            <a:prstGeom prst="ellipse">
+              <a:avLst/>
+            </a:prstGeom>
+            <a:solidFill>
+              <a:schemeClr val="bg1"/>
+            </a:solidFill>
+            <a:ln w="19050">
+              <a:solidFill>
+                <a:srgbClr val="7030A0"/>
+              </a:solidFill>
+            </a:ln>
+          </p:spPr>
+          <p:style>
+            <a:lnRef idx="2">
+              <a:schemeClr val="accent1">
+                <a:shade val="50000"/>
+              </a:schemeClr>
+            </a:lnRef>
+            <a:fillRef idx="1">
+              <a:schemeClr val="accent1"/>
+            </a:fillRef>
+            <a:effectRef idx="0">
+              <a:schemeClr val="accent1"/>
+            </a:effectRef>
+            <a:fontRef idx="minor">
+              <a:schemeClr val="lt1"/>
+            </a:fontRef>
+          </p:style>
+          <p:txBody>
+            <a:bodyPr rtlCol="0" anchor="ctr"/>
+            <a:lstStyle/>
+            <a:p>
+              <a:pPr algn="ctr"/>
+              <a:endParaRPr lang="en-US">
+                <a:ln>
+                  <a:solidFill>
+                    <a:srgbClr val="7030A0"/>
+                  </a:solidFill>
+                </a:ln>
+                <a:solidFill>
+                  <a:schemeClr val="bg1"/>
+                </a:solidFill>
+              </a:endParaRPr>
+            </a:p>
+          </p:txBody>
+        </p:sp>
+        <p:sp>
+          <p:nvSpPr>
+            <p:cNvPr id="97" name="Ovale 96"/>
+            <p:cNvSpPr/>
+            <p:nvPr/>
+          </p:nvSpPr>
+          <p:spPr>
+            <a:xfrm>
+              <a:off x="4476538" y="3265936"/>
+              <a:ext cx="365096" cy="365096"/>
+            </a:xfrm>
+            <a:prstGeom prst="ellipse">
+              <a:avLst/>
+            </a:prstGeom>
+            <a:gradFill flip="none" rotWithShape="1">
+              <a:gsLst>
+                <a:gs pos="26000">
+                  <a:srgbClr val="7030A0">
+                    <a:tint val="66000"/>
+                    <a:satMod val="160000"/>
+                  </a:srgbClr>
+                </a:gs>
+                <a:gs pos="24000">
+                  <a:srgbClr val="7030A0">
+                    <a:tint val="66000"/>
+                    <a:satMod val="160000"/>
+                    <a:lumMod val="56000"/>
+                  </a:srgbClr>
+                </a:gs>
+                <a:gs pos="27000">
+                  <a:srgbClr val="7030A0">
+                    <a:tint val="23500"/>
+                    <a:satMod val="160000"/>
+                    <a:alpha val="0"/>
+                    <a:lumMod val="100000"/>
+                  </a:srgbClr>
+                </a:gs>
+              </a:gsLst>
+              <a:lin ang="5400000" scaled="1"/>
+              <a:tileRect/>
+            </a:gradFill>
+            <a:ln w="19050">
+              <a:solidFill>
+                <a:srgbClr val="7030A0"/>
+              </a:solidFill>
+            </a:ln>
+          </p:spPr>
+          <p:style>
+            <a:lnRef idx="2">
+              <a:schemeClr val="accent1">
+                <a:shade val="50000"/>
+              </a:schemeClr>
+            </a:lnRef>
+            <a:fillRef idx="1">
+              <a:schemeClr val="accent1"/>
+            </a:fillRef>
+            <a:effectRef idx="0">
+              <a:schemeClr val="accent1"/>
+            </a:effectRef>
+            <a:fontRef idx="minor">
+              <a:schemeClr val="lt1"/>
+            </a:fontRef>
+          </p:style>
+          <p:txBody>
+            <a:bodyPr rtlCol="0" anchor="ctr"/>
+            <a:lstStyle/>
+            <a:p>
+              <a:pPr algn="ctr"/>
+              <a:endParaRPr lang="en-US">
+                <a:ln>
+                  <a:solidFill>
+                    <a:srgbClr val="7030A0"/>
+                  </a:solidFill>
+                </a:ln>
+                <a:solidFill>
+                  <a:srgbClr val="7030A0"/>
+                </a:solidFill>
+              </a:endParaRPr>
+            </a:p>
+          </p:txBody>
+        </p:sp>
+        <p:cxnSp>
+          <p:nvCxnSpPr>
+            <p:cNvPr id="98" name="Connettore 1 56"/>
+            <p:cNvCxnSpPr/>
+            <p:nvPr/>
+          </p:nvCxnSpPr>
+          <p:spPr>
+            <a:xfrm>
+              <a:off x="4533009" y="3396797"/>
+              <a:ext cx="258163" cy="0"/>
+            </a:xfrm>
+            <a:prstGeom prst="line">
+              <a:avLst/>
+            </a:prstGeom>
+            <a:ln w="19050">
+              <a:solidFill>
+                <a:srgbClr val="7030A0"/>
+              </a:solidFill>
+            </a:ln>
+          </p:spPr>
+          <p:style>
+            <a:lnRef idx="1">
+              <a:schemeClr val="accent1"/>
+            </a:lnRef>
+            <a:fillRef idx="0">
+              <a:schemeClr val="accent1"/>
+            </a:fillRef>
+            <a:effectRef idx="0">
+              <a:schemeClr val="accent1"/>
+            </a:effectRef>
+            <a:fontRef idx="minor">
+              <a:schemeClr val="tx1"/>
+            </a:fontRef>
+          </p:style>
+        </p:cxnSp>
+        <p:cxnSp>
+          <p:nvCxnSpPr>
+            <p:cNvPr id="99" name="Connettore 1 57"/>
+            <p:cNvCxnSpPr/>
+            <p:nvPr/>
+          </p:nvCxnSpPr>
+          <p:spPr>
+            <a:xfrm>
+              <a:off x="4530003" y="3457256"/>
+              <a:ext cx="258163" cy="0"/>
+            </a:xfrm>
+            <a:prstGeom prst="line">
+              <a:avLst/>
+            </a:prstGeom>
+            <a:ln w="19050">
+              <a:solidFill>
+                <a:srgbClr val="7030A0"/>
+              </a:solidFill>
+            </a:ln>
+          </p:spPr>
+          <p:style>
+            <a:lnRef idx="1">
+              <a:schemeClr val="accent1"/>
+            </a:lnRef>
+            <a:fillRef idx="0">
+              <a:schemeClr val="accent1"/>
+            </a:fillRef>
+            <a:effectRef idx="0">
+              <a:schemeClr val="accent1"/>
+            </a:effectRef>
+            <a:fontRef idx="minor">
+              <a:schemeClr val="tx1"/>
+            </a:fontRef>
+          </p:style>
+        </p:cxnSp>
+        <p:cxnSp>
+          <p:nvCxnSpPr>
+            <p:cNvPr id="100" name="Connettore 1 58"/>
+            <p:cNvCxnSpPr/>
+            <p:nvPr/>
+          </p:nvCxnSpPr>
+          <p:spPr>
+            <a:xfrm>
+              <a:off x="4530003" y="3522219"/>
+              <a:ext cx="258163" cy="0"/>
+            </a:xfrm>
+            <a:prstGeom prst="line">
+              <a:avLst/>
+            </a:prstGeom>
+            <a:ln w="19050">
+              <a:solidFill>
+                <a:srgbClr val="7030A0"/>
+              </a:solidFill>
+            </a:ln>
+          </p:spPr>
+          <p:style>
+            <a:lnRef idx="1">
+              <a:schemeClr val="accent1"/>
+            </a:lnRef>
+            <a:fillRef idx="0">
+              <a:schemeClr val="accent1"/>
+            </a:fillRef>
+            <a:effectRef idx="0">
+              <a:schemeClr val="accent1"/>
+            </a:effectRef>
+            <a:fontRef idx="minor">
+              <a:schemeClr val="tx1"/>
+            </a:fontRef>
+          </p:style>
+        </p:cxnSp>
+      </p:grpSp>
+      <p:grpSp>
+        <p:nvGrpSpPr>
+          <p:cNvPr id="101" name="Gruppo 100"/>
+          <p:cNvGrpSpPr/>
+          <p:nvPr/>
+        </p:nvGrpSpPr>
+        <p:grpSpPr>
+          <a:xfrm>
+            <a:off x="218868" y="2256299"/>
+            <a:ext cx="365096" cy="365096"/>
+            <a:chOff x="5316567" y="2715285"/>
+            <a:chExt cx="325790" cy="325790"/>
+          </a:xfrm>
+        </p:grpSpPr>
+        <p:sp>
+          <p:nvSpPr>
+            <p:cNvPr id="102" name="Ovale 101"/>
+            <p:cNvSpPr/>
+            <p:nvPr/>
+          </p:nvSpPr>
+          <p:spPr>
+            <a:xfrm>
+              <a:off x="5316567" y="2715285"/>
+              <a:ext cx="325790" cy="325790"/>
+            </a:xfrm>
+            <a:prstGeom prst="ellipse">
+              <a:avLst/>
+            </a:prstGeom>
+            <a:gradFill flip="none" rotWithShape="1">
+              <a:gsLst>
+                <a:gs pos="26000">
+                  <a:srgbClr val="7030A0">
+                    <a:tint val="66000"/>
+                    <a:satMod val="160000"/>
+                  </a:srgbClr>
+                </a:gs>
+                <a:gs pos="24000">
+                  <a:srgbClr val="7030A0">
+                    <a:tint val="66000"/>
+                    <a:satMod val="160000"/>
+                    <a:lumMod val="56000"/>
+                  </a:srgbClr>
+                </a:gs>
+                <a:gs pos="27000">
+                  <a:srgbClr val="7030A0">
+                    <a:tint val="23500"/>
+                    <a:satMod val="160000"/>
+                    <a:alpha val="0"/>
+                    <a:lumMod val="100000"/>
+                  </a:srgbClr>
+                </a:gs>
+              </a:gsLst>
+              <a:lin ang="5400000" scaled="1"/>
+              <a:tileRect/>
+            </a:gradFill>
+            <a:ln w="19050">
+              <a:solidFill>
+                <a:srgbClr val="7030A0"/>
+              </a:solidFill>
+            </a:ln>
+          </p:spPr>
+          <p:style>
+            <a:lnRef idx="2">
+              <a:schemeClr val="accent1">
+                <a:shade val="50000"/>
+              </a:schemeClr>
+            </a:lnRef>
+            <a:fillRef idx="1">
+              <a:schemeClr val="accent1"/>
+            </a:fillRef>
+            <a:effectRef idx="0">
+              <a:schemeClr val="accent1"/>
+            </a:effectRef>
+            <a:fontRef idx="minor">
+              <a:schemeClr val="lt1"/>
+            </a:fontRef>
+          </p:style>
+          <p:txBody>
+            <a:bodyPr rtlCol="0" anchor="ctr"/>
+            <a:lstStyle/>
+            <a:p>
+              <a:pPr algn="ctr"/>
+              <a:endParaRPr lang="en-US">
+                <a:ln>
+                  <a:solidFill>
+                    <a:srgbClr val="7030A0"/>
+                  </a:solidFill>
+                </a:ln>
+                <a:solidFill>
+                  <a:srgbClr val="7030A0"/>
+                </a:solidFill>
+              </a:endParaRPr>
+            </a:p>
+          </p:txBody>
+        </p:sp>
+        <p:cxnSp>
+          <p:nvCxnSpPr>
+            <p:cNvPr id="103" name="Connettore 1 49"/>
+            <p:cNvCxnSpPr/>
+            <p:nvPr/>
+          </p:nvCxnSpPr>
+          <p:spPr>
+            <a:xfrm>
+              <a:off x="5366958" y="2832058"/>
+              <a:ext cx="230369" cy="0"/>
+            </a:xfrm>
+            <a:prstGeom prst="line">
+              <a:avLst/>
+            </a:prstGeom>
+            <a:ln w="19050">
+              <a:solidFill>
+                <a:srgbClr val="7030A0"/>
+              </a:solidFill>
+            </a:ln>
+          </p:spPr>
+          <p:style>
+            <a:lnRef idx="1">
+              <a:schemeClr val="accent1"/>
+            </a:lnRef>
+            <a:fillRef idx="0">
+              <a:schemeClr val="accent1"/>
+            </a:fillRef>
+            <a:effectRef idx="0">
+              <a:schemeClr val="accent1"/>
+            </a:effectRef>
+            <a:fontRef idx="minor">
+              <a:schemeClr val="tx1"/>
+            </a:fontRef>
+          </p:style>
+        </p:cxnSp>
+        <p:cxnSp>
+          <p:nvCxnSpPr>
+            <p:cNvPr id="104" name="Connettore 1 50"/>
+            <p:cNvCxnSpPr/>
+            <p:nvPr/>
+          </p:nvCxnSpPr>
+          <p:spPr>
+            <a:xfrm>
+              <a:off x="5364276" y="2886008"/>
+              <a:ext cx="230369" cy="0"/>
+            </a:xfrm>
+            <a:prstGeom prst="line">
+              <a:avLst/>
+            </a:prstGeom>
+            <a:ln w="19050">
+              <a:solidFill>
+                <a:srgbClr val="7030A0"/>
+              </a:solidFill>
+            </a:ln>
+          </p:spPr>
+          <p:style>
+            <a:lnRef idx="1">
+              <a:schemeClr val="accent1"/>
+            </a:lnRef>
+            <a:fillRef idx="0">
+              <a:schemeClr val="accent1"/>
+            </a:fillRef>
+            <a:effectRef idx="0">
+              <a:schemeClr val="accent1"/>
+            </a:effectRef>
+            <a:fontRef idx="minor">
+              <a:schemeClr val="tx1"/>
+            </a:fontRef>
+          </p:style>
+        </p:cxnSp>
+        <p:cxnSp>
+          <p:nvCxnSpPr>
+            <p:cNvPr id="105" name="Connettore 1 51"/>
+            <p:cNvCxnSpPr/>
+            <p:nvPr/>
+          </p:nvCxnSpPr>
+          <p:spPr>
+            <a:xfrm>
+              <a:off x="5364276" y="2943977"/>
+              <a:ext cx="230369" cy="0"/>
+            </a:xfrm>
+            <a:prstGeom prst="line">
+              <a:avLst/>
+            </a:prstGeom>
+            <a:ln w="19050">
+              <a:solidFill>
+                <a:srgbClr val="7030A0"/>
+              </a:solidFill>
+            </a:ln>
+          </p:spPr>
+          <p:style>
+            <a:lnRef idx="1">
+              <a:schemeClr val="accent1"/>
+            </a:lnRef>
+            <a:fillRef idx="0">
+              <a:schemeClr val="accent1"/>
+            </a:fillRef>
+            <a:effectRef idx="0">
+              <a:schemeClr val="accent1"/>
+            </a:effectRef>
+            <a:fontRef idx="minor">
+              <a:schemeClr val="tx1"/>
+            </a:fontRef>
+          </p:style>
+        </p:cxnSp>
+      </p:grpSp>
+      <p:grpSp>
+        <p:nvGrpSpPr>
+          <p:cNvPr id="106" name="Gruppo 105"/>
+          <p:cNvGrpSpPr/>
+          <p:nvPr/>
+        </p:nvGrpSpPr>
+        <p:grpSpPr>
+          <a:xfrm>
+            <a:off x="9370523" y="2235617"/>
+            <a:ext cx="365096" cy="365096"/>
+            <a:chOff x="5316567" y="2715285"/>
+            <a:chExt cx="325790" cy="325790"/>
+          </a:xfrm>
+        </p:grpSpPr>
+        <p:sp>
+          <p:nvSpPr>
+            <p:cNvPr id="107" name="Ovale 106"/>
+            <p:cNvSpPr/>
+            <p:nvPr/>
+          </p:nvSpPr>
+          <p:spPr>
+            <a:xfrm>
+              <a:off x="5316567" y="2715285"/>
+              <a:ext cx="325790" cy="325790"/>
+            </a:xfrm>
+            <a:prstGeom prst="ellipse">
+              <a:avLst/>
+            </a:prstGeom>
+            <a:gradFill flip="none" rotWithShape="1">
+              <a:gsLst>
+                <a:gs pos="26000">
+                  <a:srgbClr val="7030A0">
+                    <a:tint val="66000"/>
+                    <a:satMod val="160000"/>
+                  </a:srgbClr>
+                </a:gs>
+                <a:gs pos="24000">
+                  <a:srgbClr val="7030A0">
+                    <a:tint val="66000"/>
+                    <a:satMod val="160000"/>
+                    <a:lumMod val="56000"/>
+                  </a:srgbClr>
+                </a:gs>
+                <a:gs pos="27000">
+                  <a:srgbClr val="7030A0">
+                    <a:tint val="23500"/>
+                    <a:satMod val="160000"/>
+                    <a:alpha val="0"/>
+                    <a:lumMod val="100000"/>
+                  </a:srgbClr>
+                </a:gs>
+              </a:gsLst>
+              <a:lin ang="5400000" scaled="1"/>
+              <a:tileRect/>
+            </a:gradFill>
+            <a:ln w="19050">
+              <a:solidFill>
+                <a:srgbClr val="7030A0"/>
+              </a:solidFill>
+            </a:ln>
+          </p:spPr>
+          <p:style>
+            <a:lnRef idx="2">
+              <a:schemeClr val="accent1">
+                <a:shade val="50000"/>
+              </a:schemeClr>
+            </a:lnRef>
+            <a:fillRef idx="1">
+              <a:schemeClr val="accent1"/>
+            </a:fillRef>
+            <a:effectRef idx="0">
+              <a:schemeClr val="accent1"/>
+            </a:effectRef>
+            <a:fontRef idx="minor">
+              <a:schemeClr val="lt1"/>
+            </a:fontRef>
+          </p:style>
+          <p:txBody>
+            <a:bodyPr rtlCol="0" anchor="ctr"/>
+            <a:lstStyle/>
+            <a:p>
+              <a:pPr algn="ctr"/>
+              <a:endParaRPr lang="en-US">
+                <a:ln>
+                  <a:solidFill>
+                    <a:srgbClr val="7030A0"/>
+                  </a:solidFill>
+                </a:ln>
+                <a:solidFill>
+                  <a:srgbClr val="7030A0"/>
+                </a:solidFill>
+              </a:endParaRPr>
+            </a:p>
+          </p:txBody>
+        </p:sp>
+        <p:cxnSp>
+          <p:nvCxnSpPr>
+            <p:cNvPr id="108" name="Connettore 1 49"/>
+            <p:cNvCxnSpPr/>
+            <p:nvPr/>
+          </p:nvCxnSpPr>
+          <p:spPr>
+            <a:xfrm>
+              <a:off x="5366958" y="2832058"/>
+              <a:ext cx="230369" cy="0"/>
+            </a:xfrm>
+            <a:prstGeom prst="line">
+              <a:avLst/>
+            </a:prstGeom>
+            <a:ln w="19050">
+              <a:solidFill>
+                <a:srgbClr val="7030A0"/>
+              </a:solidFill>
+            </a:ln>
+          </p:spPr>
+          <p:style>
+            <a:lnRef idx="1">
+              <a:schemeClr val="accent1"/>
+            </a:lnRef>
+            <a:fillRef idx="0">
+              <a:schemeClr val="accent1"/>
+            </a:fillRef>
+            <a:effectRef idx="0">
+              <a:schemeClr val="accent1"/>
+            </a:effectRef>
+            <a:fontRef idx="minor">
+              <a:schemeClr val="tx1"/>
+            </a:fontRef>
+          </p:style>
+        </p:cxnSp>
+        <p:cxnSp>
+          <p:nvCxnSpPr>
+            <p:cNvPr id="109" name="Connettore 1 50"/>
+            <p:cNvCxnSpPr/>
+            <p:nvPr/>
+          </p:nvCxnSpPr>
+          <p:spPr>
+            <a:xfrm>
+              <a:off x="5364276" y="2886008"/>
+              <a:ext cx="230369" cy="0"/>
+            </a:xfrm>
+            <a:prstGeom prst="line">
+              <a:avLst/>
+            </a:prstGeom>
+            <a:ln w="19050">
+              <a:solidFill>
+                <a:srgbClr val="7030A0"/>
+              </a:solidFill>
+            </a:ln>
+          </p:spPr>
+          <p:style>
+            <a:lnRef idx="1">
+              <a:schemeClr val="accent1"/>
+            </a:lnRef>
+            <a:fillRef idx="0">
+              <a:schemeClr val="accent1"/>
+            </a:fillRef>
+            <a:effectRef idx="0">
+              <a:schemeClr val="accent1"/>
+            </a:effectRef>
+            <a:fontRef idx="minor">
+              <a:schemeClr val="tx1"/>
+            </a:fontRef>
+          </p:style>
+        </p:cxnSp>
+        <p:cxnSp>
+          <p:nvCxnSpPr>
+            <p:cNvPr id="110" name="Connettore 1 51"/>
+            <p:cNvCxnSpPr/>
+            <p:nvPr/>
+          </p:nvCxnSpPr>
+          <p:spPr>
+            <a:xfrm>
+              <a:off x="5364276" y="2943977"/>
+              <a:ext cx="230369" cy="0"/>
+            </a:xfrm>
+            <a:prstGeom prst="line">
+              <a:avLst/>
+            </a:prstGeom>
+            <a:ln w="19050">
+              <a:solidFill>
+                <a:srgbClr val="7030A0"/>
+              </a:solidFill>
+            </a:ln>
+          </p:spPr>
+          <p:style>
+            <a:lnRef idx="1">
+              <a:schemeClr val="accent1"/>
+            </a:lnRef>
+            <a:fillRef idx="0">
+              <a:schemeClr val="accent1"/>
+            </a:fillRef>
+            <a:effectRef idx="0">
+              <a:schemeClr val="accent1"/>
+            </a:effectRef>
+            <a:fontRef idx="minor">
+              <a:schemeClr val="tx1"/>
+            </a:fontRef>
+          </p:style>
+        </p:cxnSp>
+      </p:grpSp>
+      <p:grpSp>
+        <p:nvGrpSpPr>
+          <p:cNvPr id="111" name="Gruppo 110"/>
+          <p:cNvGrpSpPr/>
+          <p:nvPr/>
+        </p:nvGrpSpPr>
+        <p:grpSpPr>
+          <a:xfrm>
+            <a:off x="8195666" y="2743818"/>
+            <a:ext cx="365096" cy="365096"/>
+            <a:chOff x="5316567" y="2715285"/>
+            <a:chExt cx="325790" cy="325790"/>
+          </a:xfrm>
+        </p:grpSpPr>
+        <p:sp>
+          <p:nvSpPr>
+            <p:cNvPr id="112" name="Ovale 111"/>
+            <p:cNvSpPr/>
+            <p:nvPr/>
+          </p:nvSpPr>
+          <p:spPr>
+            <a:xfrm>
+              <a:off x="5316567" y="2715285"/>
+              <a:ext cx="325790" cy="325790"/>
+            </a:xfrm>
+            <a:prstGeom prst="ellipse">
+              <a:avLst/>
+            </a:prstGeom>
+            <a:gradFill flip="none" rotWithShape="1">
+              <a:gsLst>
+                <a:gs pos="26000">
+                  <a:srgbClr val="7030A0">
+                    <a:tint val="66000"/>
+                    <a:satMod val="160000"/>
+                  </a:srgbClr>
+                </a:gs>
+                <a:gs pos="24000">
+                  <a:srgbClr val="7030A0">
+                    <a:tint val="66000"/>
+                    <a:satMod val="160000"/>
+                    <a:lumMod val="56000"/>
+                  </a:srgbClr>
+                </a:gs>
+                <a:gs pos="27000">
+                  <a:srgbClr val="7030A0">
+                    <a:tint val="23500"/>
+                    <a:satMod val="160000"/>
+                    <a:alpha val="0"/>
+                    <a:lumMod val="100000"/>
+                  </a:srgbClr>
+                </a:gs>
+              </a:gsLst>
+              <a:lin ang="5400000" scaled="1"/>
+              <a:tileRect/>
+            </a:gradFill>
+            <a:ln w="19050">
+              <a:solidFill>
+                <a:srgbClr val="7030A0"/>
+              </a:solidFill>
+            </a:ln>
+          </p:spPr>
+          <p:style>
+            <a:lnRef idx="2">
+              <a:schemeClr val="accent1">
+                <a:shade val="50000"/>
+              </a:schemeClr>
+            </a:lnRef>
+            <a:fillRef idx="1">
+              <a:schemeClr val="accent1"/>
+            </a:fillRef>
+            <a:effectRef idx="0">
+              <a:schemeClr val="accent1"/>
+            </a:effectRef>
+            <a:fontRef idx="minor">
+              <a:schemeClr val="lt1"/>
+            </a:fontRef>
+          </p:style>
+          <p:txBody>
+            <a:bodyPr rtlCol="0" anchor="ctr"/>
+            <a:lstStyle/>
+            <a:p>
+              <a:pPr algn="ctr"/>
+              <a:endParaRPr lang="en-US">
+                <a:ln>
+                  <a:solidFill>
+                    <a:srgbClr val="7030A0"/>
+                  </a:solidFill>
+                </a:ln>
+                <a:solidFill>
+                  <a:srgbClr val="7030A0"/>
+                </a:solidFill>
+              </a:endParaRPr>
+            </a:p>
+          </p:txBody>
+        </p:sp>
+        <p:cxnSp>
+          <p:nvCxnSpPr>
+            <p:cNvPr id="113" name="Connettore 1 49"/>
+            <p:cNvCxnSpPr/>
+            <p:nvPr/>
+          </p:nvCxnSpPr>
+          <p:spPr>
+            <a:xfrm>
+              <a:off x="5366958" y="2832058"/>
+              <a:ext cx="230369" cy="0"/>
+            </a:xfrm>
+            <a:prstGeom prst="line">
+              <a:avLst/>
+            </a:prstGeom>
+            <a:ln w="19050">
+              <a:solidFill>
+                <a:srgbClr val="7030A0"/>
+              </a:solidFill>
+            </a:ln>
+          </p:spPr>
+          <p:style>
+            <a:lnRef idx="1">
+              <a:schemeClr val="accent1"/>
+            </a:lnRef>
+            <a:fillRef idx="0">
+              <a:schemeClr val="accent1"/>
+            </a:fillRef>
+            <a:effectRef idx="0">
+              <a:schemeClr val="accent1"/>
+            </a:effectRef>
+            <a:fontRef idx="minor">
+              <a:schemeClr val="tx1"/>
+            </a:fontRef>
+          </p:style>
+        </p:cxnSp>
+        <p:cxnSp>
+          <p:nvCxnSpPr>
+            <p:cNvPr id="114" name="Connettore 1 50"/>
+            <p:cNvCxnSpPr/>
+            <p:nvPr/>
+          </p:nvCxnSpPr>
+          <p:spPr>
+            <a:xfrm>
+              <a:off x="5364276" y="2886008"/>
+              <a:ext cx="230369" cy="0"/>
+            </a:xfrm>
+            <a:prstGeom prst="line">
+              <a:avLst/>
+            </a:prstGeom>
+            <a:ln w="19050">
+              <a:solidFill>
+                <a:srgbClr val="7030A0"/>
+              </a:solidFill>
+            </a:ln>
+          </p:spPr>
+          <p:style>
+            <a:lnRef idx="1">
+              <a:schemeClr val="accent1"/>
+            </a:lnRef>
+            <a:fillRef idx="0">
+              <a:schemeClr val="accent1"/>
+            </a:fillRef>
+            <a:effectRef idx="0">
+              <a:schemeClr val="accent1"/>
+            </a:effectRef>
+            <a:fontRef idx="minor">
+              <a:schemeClr val="tx1"/>
+            </a:fontRef>
+          </p:style>
+        </p:cxnSp>
+        <p:cxnSp>
+          <p:nvCxnSpPr>
+            <p:cNvPr id="115" name="Connettore 1 51"/>
+            <p:cNvCxnSpPr/>
+            <p:nvPr/>
+          </p:nvCxnSpPr>
+          <p:spPr>
+            <a:xfrm>
+              <a:off x="5364276" y="2943977"/>
+              <a:ext cx="230369" cy="0"/>
+            </a:xfrm>
+            <a:prstGeom prst="line">
+              <a:avLst/>
+            </a:prstGeom>
+            <a:ln w="19050">
+              <a:solidFill>
+                <a:srgbClr val="7030A0"/>
+              </a:solidFill>
+            </a:ln>
+          </p:spPr>
+          <p:style>
+            <a:lnRef idx="1">
+              <a:schemeClr val="accent1"/>
+            </a:lnRef>
+            <a:fillRef idx="0">
+              <a:schemeClr val="accent1"/>
+            </a:fillRef>
+            <a:effectRef idx="0">
+              <a:schemeClr val="accent1"/>
+            </a:effectRef>
+            <a:fontRef idx="minor">
+              <a:schemeClr val="tx1"/>
+            </a:fontRef>
+          </p:style>
+        </p:cxnSp>
+      </p:grpSp>
+      <p:grpSp>
+        <p:nvGrpSpPr>
+          <p:cNvPr id="128" name="Gruppo 127"/>
+          <p:cNvGrpSpPr/>
+          <p:nvPr/>
+        </p:nvGrpSpPr>
+        <p:grpSpPr>
+          <a:xfrm>
+            <a:off x="4455491" y="4638500"/>
+            <a:ext cx="427168" cy="427168"/>
+            <a:chOff x="4445500" y="3234900"/>
+            <a:chExt cx="427168" cy="427168"/>
+          </a:xfrm>
+        </p:grpSpPr>
+        <p:sp>
+          <p:nvSpPr>
+            <p:cNvPr id="129" name="Ovale 128"/>
+            <p:cNvSpPr/>
+            <p:nvPr/>
+          </p:nvSpPr>
+          <p:spPr>
+            <a:xfrm>
+              <a:off x="4445500" y="3234900"/>
+              <a:ext cx="427168" cy="427168"/>
+            </a:xfrm>
+            <a:prstGeom prst="ellipse">
+              <a:avLst/>
+            </a:prstGeom>
+            <a:solidFill>
+              <a:schemeClr val="bg1"/>
+            </a:solidFill>
+            <a:ln w="19050">
+              <a:solidFill>
+                <a:srgbClr val="7030A0"/>
+              </a:solidFill>
+            </a:ln>
+          </p:spPr>
+          <p:style>
+            <a:lnRef idx="2">
+              <a:schemeClr val="accent1">
+                <a:shade val="50000"/>
+              </a:schemeClr>
+            </a:lnRef>
+            <a:fillRef idx="1">
+              <a:schemeClr val="accent1"/>
+            </a:fillRef>
+            <a:effectRef idx="0">
+              <a:schemeClr val="accent1"/>
+            </a:effectRef>
+            <a:fontRef idx="minor">
+              <a:schemeClr val="lt1"/>
+            </a:fontRef>
+          </p:style>
+          <p:txBody>
+            <a:bodyPr rtlCol="0" anchor="ctr"/>
+            <a:lstStyle/>
+            <a:p>
+              <a:pPr algn="ctr"/>
+              <a:endParaRPr lang="en-US">
+                <a:ln>
+                  <a:solidFill>
+                    <a:srgbClr val="7030A0"/>
+                  </a:solidFill>
+                </a:ln>
+                <a:solidFill>
+                  <a:schemeClr val="bg1"/>
+                </a:solidFill>
+              </a:endParaRPr>
+            </a:p>
+          </p:txBody>
+        </p:sp>
+        <p:sp>
+          <p:nvSpPr>
+            <p:cNvPr id="130" name="Ovale 129"/>
+            <p:cNvSpPr/>
+            <p:nvPr/>
+          </p:nvSpPr>
+          <p:spPr>
+            <a:xfrm>
+              <a:off x="4476538" y="3265936"/>
+              <a:ext cx="365096" cy="365096"/>
+            </a:xfrm>
+            <a:prstGeom prst="ellipse">
+              <a:avLst/>
+            </a:prstGeom>
+            <a:gradFill flip="none" rotWithShape="1">
+              <a:gsLst>
+                <a:gs pos="26000">
+                  <a:srgbClr val="7030A0">
+                    <a:tint val="66000"/>
+                    <a:satMod val="160000"/>
+                  </a:srgbClr>
+                </a:gs>
+                <a:gs pos="24000">
+                  <a:srgbClr val="7030A0">
+                    <a:tint val="66000"/>
+                    <a:satMod val="160000"/>
+                    <a:lumMod val="56000"/>
+                  </a:srgbClr>
+                </a:gs>
+                <a:gs pos="27000">
+                  <a:srgbClr val="7030A0">
+                    <a:tint val="23500"/>
+                    <a:satMod val="160000"/>
+                    <a:alpha val="0"/>
+                    <a:lumMod val="100000"/>
+                  </a:srgbClr>
+                </a:gs>
+              </a:gsLst>
+              <a:lin ang="5400000" scaled="1"/>
+              <a:tileRect/>
+            </a:gradFill>
+            <a:ln w="19050">
+              <a:solidFill>
+                <a:srgbClr val="7030A0"/>
+              </a:solidFill>
+            </a:ln>
+          </p:spPr>
+          <p:style>
+            <a:lnRef idx="2">
+              <a:schemeClr val="accent1">
+                <a:shade val="50000"/>
+              </a:schemeClr>
+            </a:lnRef>
+            <a:fillRef idx="1">
+              <a:schemeClr val="accent1"/>
+            </a:fillRef>
+            <a:effectRef idx="0">
+              <a:schemeClr val="accent1"/>
+            </a:effectRef>
+            <a:fontRef idx="minor">
+              <a:schemeClr val="lt1"/>
+            </a:fontRef>
+          </p:style>
+          <p:txBody>
+            <a:bodyPr rtlCol="0" anchor="ctr"/>
+            <a:lstStyle/>
+            <a:p>
+              <a:pPr algn="ctr"/>
+              <a:endParaRPr lang="en-US">
+                <a:ln>
+                  <a:solidFill>
+                    <a:srgbClr val="7030A0"/>
+                  </a:solidFill>
+                </a:ln>
+                <a:solidFill>
+                  <a:srgbClr val="7030A0"/>
+                </a:solidFill>
+              </a:endParaRPr>
+            </a:p>
+          </p:txBody>
+        </p:sp>
+        <p:cxnSp>
+          <p:nvCxnSpPr>
+            <p:cNvPr id="131" name="Connettore 1 56"/>
+            <p:cNvCxnSpPr/>
+            <p:nvPr/>
+          </p:nvCxnSpPr>
+          <p:spPr>
+            <a:xfrm>
+              <a:off x="4533009" y="3396797"/>
+              <a:ext cx="258163" cy="0"/>
+            </a:xfrm>
+            <a:prstGeom prst="line">
+              <a:avLst/>
+            </a:prstGeom>
+            <a:ln w="19050">
+              <a:solidFill>
+                <a:srgbClr val="7030A0"/>
+              </a:solidFill>
+            </a:ln>
+          </p:spPr>
+          <p:style>
+            <a:lnRef idx="1">
+              <a:schemeClr val="accent1"/>
+            </a:lnRef>
+            <a:fillRef idx="0">
+              <a:schemeClr val="accent1"/>
+            </a:fillRef>
+            <a:effectRef idx="0">
+              <a:schemeClr val="accent1"/>
+            </a:effectRef>
+            <a:fontRef idx="minor">
+              <a:schemeClr val="tx1"/>
+            </a:fontRef>
+          </p:style>
+        </p:cxnSp>
+        <p:cxnSp>
+          <p:nvCxnSpPr>
+            <p:cNvPr id="132" name="Connettore 1 57"/>
+            <p:cNvCxnSpPr/>
+            <p:nvPr/>
+          </p:nvCxnSpPr>
+          <p:spPr>
+            <a:xfrm>
+              <a:off x="4530003" y="3457256"/>
+              <a:ext cx="258163" cy="0"/>
+            </a:xfrm>
+            <a:prstGeom prst="line">
+              <a:avLst/>
+            </a:prstGeom>
+            <a:ln w="19050">
+              <a:solidFill>
+                <a:srgbClr val="7030A0"/>
+              </a:solidFill>
+            </a:ln>
+          </p:spPr>
+          <p:style>
+            <a:lnRef idx="1">
+              <a:schemeClr val="accent1"/>
+            </a:lnRef>
+            <a:fillRef idx="0">
+              <a:schemeClr val="accent1"/>
+            </a:fillRef>
+            <a:effectRef idx="0">
+              <a:schemeClr val="accent1"/>
+            </a:effectRef>
+            <a:fontRef idx="minor">
+              <a:schemeClr val="tx1"/>
+            </a:fontRef>
+          </p:style>
+        </p:cxnSp>
+        <p:cxnSp>
+          <p:nvCxnSpPr>
+            <p:cNvPr id="133" name="Connettore 1 58"/>
+            <p:cNvCxnSpPr/>
+            <p:nvPr/>
+          </p:nvCxnSpPr>
+          <p:spPr>
+            <a:xfrm>
+              <a:off x="4530003" y="3522219"/>
+              <a:ext cx="258163" cy="0"/>
+            </a:xfrm>
+            <a:prstGeom prst="line">
+              <a:avLst/>
+            </a:prstGeom>
+            <a:ln w="19050">
+              <a:solidFill>
+                <a:srgbClr val="7030A0"/>
+              </a:solidFill>
+            </a:ln>
+          </p:spPr>
+          <p:style>
+            <a:lnRef idx="1">
+              <a:schemeClr val="accent1"/>
+            </a:lnRef>
+            <a:fillRef idx="0">
+              <a:schemeClr val="accent1"/>
+            </a:fillRef>
+            <a:effectRef idx="0">
+              <a:schemeClr val="accent1"/>
+            </a:effectRef>
+            <a:fontRef idx="minor">
+              <a:schemeClr val="tx1"/>
+            </a:fontRef>
+          </p:style>
+        </p:cxnSp>
+      </p:grpSp>
+      <p:grpSp>
+        <p:nvGrpSpPr>
+          <p:cNvPr id="134" name="Gruppo 133"/>
+          <p:cNvGrpSpPr/>
+          <p:nvPr/>
+        </p:nvGrpSpPr>
+        <p:grpSpPr>
+          <a:xfrm>
+            <a:off x="1191777" y="2235617"/>
+            <a:ext cx="427168" cy="427168"/>
+            <a:chOff x="4445500" y="3234900"/>
+            <a:chExt cx="427168" cy="427168"/>
+          </a:xfrm>
+        </p:grpSpPr>
+        <p:sp>
+          <p:nvSpPr>
+            <p:cNvPr id="135" name="Ovale 134"/>
+            <p:cNvSpPr/>
+            <p:nvPr/>
+          </p:nvSpPr>
+          <p:spPr>
+            <a:xfrm>
+              <a:off x="4445500" y="3234900"/>
+              <a:ext cx="427168" cy="427168"/>
+            </a:xfrm>
+            <a:prstGeom prst="ellipse">
+              <a:avLst/>
+            </a:prstGeom>
+            <a:solidFill>
+              <a:schemeClr val="bg1"/>
+            </a:solidFill>
+            <a:ln w="19050">
+              <a:solidFill>
+                <a:srgbClr val="7030A0"/>
+              </a:solidFill>
+            </a:ln>
+          </p:spPr>
+          <p:style>
+            <a:lnRef idx="2">
+              <a:schemeClr val="accent1">
+                <a:shade val="50000"/>
+              </a:schemeClr>
+            </a:lnRef>
+            <a:fillRef idx="1">
+              <a:schemeClr val="accent1"/>
+            </a:fillRef>
+            <a:effectRef idx="0">
+              <a:schemeClr val="accent1"/>
+            </a:effectRef>
+            <a:fontRef idx="minor">
+              <a:schemeClr val="lt1"/>
+            </a:fontRef>
+          </p:style>
+          <p:txBody>
+            <a:bodyPr rtlCol="0" anchor="ctr"/>
+            <a:lstStyle/>
+            <a:p>
+              <a:pPr algn="ctr"/>
+              <a:endParaRPr lang="en-US">
+                <a:ln>
+                  <a:solidFill>
+                    <a:srgbClr val="7030A0"/>
+                  </a:solidFill>
+                </a:ln>
+                <a:solidFill>
+                  <a:schemeClr val="bg1"/>
+                </a:solidFill>
+              </a:endParaRPr>
+            </a:p>
+          </p:txBody>
+        </p:sp>
+        <p:sp>
+          <p:nvSpPr>
+            <p:cNvPr id="136" name="Ovale 135"/>
+            <p:cNvSpPr/>
+            <p:nvPr/>
+          </p:nvSpPr>
+          <p:spPr>
+            <a:xfrm>
+              <a:off x="4476538" y="3265936"/>
+              <a:ext cx="365096" cy="365096"/>
+            </a:xfrm>
+            <a:prstGeom prst="ellipse">
+              <a:avLst/>
+            </a:prstGeom>
+            <a:gradFill flip="none" rotWithShape="1">
+              <a:gsLst>
+                <a:gs pos="26000">
+                  <a:srgbClr val="7030A0">
+                    <a:tint val="66000"/>
+                    <a:satMod val="160000"/>
+                  </a:srgbClr>
+                </a:gs>
+                <a:gs pos="24000">
+                  <a:srgbClr val="7030A0">
+                    <a:tint val="66000"/>
+                    <a:satMod val="160000"/>
+                    <a:lumMod val="56000"/>
+                  </a:srgbClr>
+                </a:gs>
+                <a:gs pos="27000">
+                  <a:srgbClr val="7030A0">
+                    <a:tint val="23500"/>
+                    <a:satMod val="160000"/>
+                    <a:alpha val="0"/>
+                    <a:lumMod val="100000"/>
+                  </a:srgbClr>
+                </a:gs>
+              </a:gsLst>
+              <a:lin ang="5400000" scaled="1"/>
+              <a:tileRect/>
+            </a:gradFill>
+            <a:ln w="19050">
+              <a:solidFill>
+                <a:srgbClr val="7030A0"/>
+              </a:solidFill>
+            </a:ln>
+          </p:spPr>
+          <p:style>
+            <a:lnRef idx="2">
+              <a:schemeClr val="accent1">
+                <a:shade val="50000"/>
+              </a:schemeClr>
+            </a:lnRef>
+            <a:fillRef idx="1">
+              <a:schemeClr val="accent1"/>
+            </a:fillRef>
+            <a:effectRef idx="0">
+              <a:schemeClr val="accent1"/>
+            </a:effectRef>
+            <a:fontRef idx="minor">
+              <a:schemeClr val="lt1"/>
+            </a:fontRef>
+          </p:style>
+          <p:txBody>
+            <a:bodyPr rtlCol="0" anchor="ctr"/>
+            <a:lstStyle/>
+            <a:p>
+              <a:pPr algn="ctr"/>
+              <a:endParaRPr lang="en-US">
+                <a:ln>
+                  <a:solidFill>
+                    <a:srgbClr val="7030A0"/>
+                  </a:solidFill>
+                </a:ln>
+                <a:solidFill>
+                  <a:srgbClr val="7030A0"/>
+                </a:solidFill>
+              </a:endParaRPr>
+            </a:p>
+          </p:txBody>
+        </p:sp>
+        <p:cxnSp>
+          <p:nvCxnSpPr>
+            <p:cNvPr id="137" name="Connettore 1 56"/>
+            <p:cNvCxnSpPr/>
+            <p:nvPr/>
+          </p:nvCxnSpPr>
+          <p:spPr>
+            <a:xfrm>
+              <a:off x="4533009" y="3396797"/>
+              <a:ext cx="258163" cy="0"/>
+            </a:xfrm>
+            <a:prstGeom prst="line">
+              <a:avLst/>
+            </a:prstGeom>
+            <a:ln w="19050">
+              <a:solidFill>
+                <a:srgbClr val="7030A0"/>
+              </a:solidFill>
+            </a:ln>
+          </p:spPr>
+          <p:style>
+            <a:lnRef idx="1">
+              <a:schemeClr val="accent1"/>
+            </a:lnRef>
+            <a:fillRef idx="0">
+              <a:schemeClr val="accent1"/>
+            </a:fillRef>
+            <a:effectRef idx="0">
+              <a:schemeClr val="accent1"/>
+            </a:effectRef>
+            <a:fontRef idx="minor">
+              <a:schemeClr val="tx1"/>
+            </a:fontRef>
+          </p:style>
+        </p:cxnSp>
+        <p:cxnSp>
+          <p:nvCxnSpPr>
+            <p:cNvPr id="138" name="Connettore 1 57"/>
+            <p:cNvCxnSpPr/>
+            <p:nvPr/>
+          </p:nvCxnSpPr>
+          <p:spPr>
+            <a:xfrm>
+              <a:off x="4530003" y="3457256"/>
+              <a:ext cx="258163" cy="0"/>
+            </a:xfrm>
+            <a:prstGeom prst="line">
+              <a:avLst/>
+            </a:prstGeom>
+            <a:ln w="19050">
+              <a:solidFill>
+                <a:srgbClr val="7030A0"/>
+              </a:solidFill>
+            </a:ln>
+          </p:spPr>
+          <p:style>
+            <a:lnRef idx="1">
+              <a:schemeClr val="accent1"/>
+            </a:lnRef>
+            <a:fillRef idx="0">
+              <a:schemeClr val="accent1"/>
+            </a:fillRef>
+            <a:effectRef idx="0">
+              <a:schemeClr val="accent1"/>
+            </a:effectRef>
+            <a:fontRef idx="minor">
+              <a:schemeClr val="tx1"/>
+            </a:fontRef>
+          </p:style>
+        </p:cxnSp>
+        <p:cxnSp>
+          <p:nvCxnSpPr>
+            <p:cNvPr id="139" name="Connettore 1 58"/>
+            <p:cNvCxnSpPr/>
+            <p:nvPr/>
+          </p:nvCxnSpPr>
+          <p:spPr>
+            <a:xfrm>
+              <a:off x="4530003" y="3522219"/>
+              <a:ext cx="258163" cy="0"/>
+            </a:xfrm>
+            <a:prstGeom prst="line">
+              <a:avLst/>
+            </a:prstGeom>
+            <a:ln w="19050">
+              <a:solidFill>
+                <a:srgbClr val="7030A0"/>
+              </a:solidFill>
+            </a:ln>
+          </p:spPr>
+          <p:style>
+            <a:lnRef idx="1">
+              <a:schemeClr val="accent1"/>
+            </a:lnRef>
+            <a:fillRef idx="0">
+              <a:schemeClr val="accent1"/>
+            </a:fillRef>
+            <a:effectRef idx="0">
+              <a:schemeClr val="accent1"/>
+            </a:effectRef>
+            <a:fontRef idx="minor">
+              <a:schemeClr val="tx1"/>
+            </a:fontRef>
+          </p:style>
+        </p:cxnSp>
+      </p:grpSp>
+      <p:sp>
+        <p:nvSpPr>
+          <p:cNvPr id="140" name="Freccia a destra 139"/>
+          <p:cNvSpPr/>
+          <p:nvPr/>
+        </p:nvSpPr>
+        <p:spPr>
+          <a:xfrm flipH="1">
+            <a:off x="7586372" y="2225777"/>
+            <a:ext cx="499382" cy="333933"/>
+          </a:xfrm>
+          <a:prstGeom prst="rightArrow">
+            <a:avLst/>
+          </a:prstGeom>
+          <a:solidFill>
+            <a:schemeClr val="bg1"/>
+          </a:solidFill>
+          <a:ln w="28575">
+            <a:solidFill>
+              <a:srgbClr val="7030A0"/>
+            </a:solidFill>
+          </a:ln>
+        </p:spPr>
+        <p:style>
+          <a:lnRef idx="2">
+            <a:schemeClr val="accent1">
+              <a:shade val="50000"/>
+            </a:schemeClr>
+          </a:lnRef>
+          <a:fillRef idx="1">
+            <a:schemeClr val="accent1"/>
+          </a:fillRef>
+          <a:effectRef idx="0">
+            <a:schemeClr val="accent1"/>
+          </a:effectRef>
+          <a:fontRef idx="minor">
+            <a:schemeClr val="lt1"/>
+          </a:fontRef>
+        </p:style>
+        <p:txBody>
+          <a:bodyPr rtlCol="0" anchor="ctr"/>
+          <a:lstStyle/>
+          <a:p>
+            <a:pPr algn="ctr"/>
+            <a:endParaRPr lang="en-US"/>
+          </a:p>
+        </p:txBody>
+      </p:sp>
+      <p:sp>
+        <p:nvSpPr>
+          <p:cNvPr id="141" name="Freccia a destra 140"/>
+          <p:cNvSpPr/>
+          <p:nvPr/>
+        </p:nvSpPr>
+        <p:spPr>
+          <a:xfrm flipH="1">
+            <a:off x="7578498" y="2752195"/>
+            <a:ext cx="507256" cy="348343"/>
+          </a:xfrm>
+          <a:prstGeom prst="rightArrow">
+            <a:avLst/>
+          </a:prstGeom>
+          <a:solidFill>
+            <a:schemeClr val="bg1"/>
+          </a:solidFill>
+          <a:ln w="28575">
+            <a:solidFill>
+              <a:srgbClr val="7030A0"/>
+            </a:solidFill>
+          </a:ln>
+        </p:spPr>
+        <p:style>
+          <a:lnRef idx="2">
+            <a:schemeClr val="accent1">
+              <a:shade val="50000"/>
+            </a:schemeClr>
+          </a:lnRef>
+          <a:fillRef idx="1">
+            <a:schemeClr val="accent1"/>
+          </a:fillRef>
+          <a:effectRef idx="0">
+            <a:schemeClr val="accent1"/>
+          </a:effectRef>
+          <a:fontRef idx="minor">
+            <a:schemeClr val="lt1"/>
+          </a:fontRef>
+        </p:style>
+        <p:txBody>
+          <a:bodyPr rtlCol="0" anchor="ctr"/>
+          <a:lstStyle/>
+          <a:p>
+            <a:pPr algn="ctr"/>
+            <a:endParaRPr lang="en-US"/>
+          </a:p>
+        </p:txBody>
+      </p:sp>
+      <p:sp>
+        <p:nvSpPr>
+          <p:cNvPr id="142" name="Freccia a destra 141"/>
+          <p:cNvSpPr/>
+          <p:nvPr/>
+        </p:nvSpPr>
+        <p:spPr>
+          <a:xfrm flipH="1">
+            <a:off x="8719516" y="2266349"/>
+            <a:ext cx="547710" cy="303632"/>
+          </a:xfrm>
+          <a:prstGeom prst="rightArrow">
+            <a:avLst/>
+          </a:prstGeom>
+          <a:solidFill>
+            <a:schemeClr val="bg1"/>
+          </a:solidFill>
+          <a:ln w="28575">
+            <a:solidFill>
+              <a:srgbClr val="7030A0"/>
+            </a:solidFill>
+          </a:ln>
+        </p:spPr>
+        <p:style>
+          <a:lnRef idx="2">
+            <a:schemeClr val="accent1">
+              <a:shade val="50000"/>
+            </a:schemeClr>
+          </a:lnRef>
+          <a:fillRef idx="1">
+            <a:schemeClr val="accent1"/>
+          </a:fillRef>
+          <a:effectRef idx="0">
+            <a:schemeClr val="accent1"/>
+          </a:effectRef>
+          <a:fontRef idx="minor">
+            <a:schemeClr val="lt1"/>
+          </a:fontRef>
+        </p:style>
+        <p:txBody>
+          <a:bodyPr rtlCol="0" anchor="ctr"/>
+          <a:lstStyle/>
+          <a:p>
+            <a:pPr algn="ctr"/>
+            <a:endParaRPr lang="en-US"/>
+          </a:p>
+        </p:txBody>
+      </p:sp>
+      <p:sp>
+        <p:nvSpPr>
+          <p:cNvPr id="143" name="Freccia a destra 142"/>
+          <p:cNvSpPr/>
+          <p:nvPr/>
+        </p:nvSpPr>
+        <p:spPr>
+          <a:xfrm>
+            <a:off x="1695065" y="2291853"/>
+            <a:ext cx="570411" cy="324354"/>
+          </a:xfrm>
+          <a:prstGeom prst="rightArrow">
+            <a:avLst/>
+          </a:prstGeom>
+          <a:solidFill>
+            <a:schemeClr val="bg1"/>
+          </a:solidFill>
+          <a:ln w="28575">
+            <a:solidFill>
+              <a:srgbClr val="7030A0"/>
+            </a:solidFill>
+          </a:ln>
+        </p:spPr>
+        <p:style>
+          <a:lnRef idx="2">
+            <a:schemeClr val="accent1">
+              <a:shade val="50000"/>
+            </a:schemeClr>
+          </a:lnRef>
+          <a:fillRef idx="1">
+            <a:schemeClr val="accent1"/>
+          </a:fillRef>
+          <a:effectRef idx="0">
+            <a:schemeClr val="accent1"/>
+          </a:effectRef>
+          <a:fontRef idx="minor">
+            <a:schemeClr val="lt1"/>
+          </a:fontRef>
+        </p:style>
+        <p:txBody>
+          <a:bodyPr rtlCol="0" anchor="ctr"/>
+          <a:lstStyle/>
+          <a:p>
+            <a:pPr algn="ctr"/>
+            <a:endParaRPr lang="en-US"/>
+          </a:p>
+        </p:txBody>
+      </p:sp>
+      <p:sp>
+        <p:nvSpPr>
+          <p:cNvPr id="144" name="Freccia a destra 143"/>
+          <p:cNvSpPr/>
+          <p:nvPr/>
+        </p:nvSpPr>
+        <p:spPr>
+          <a:xfrm>
+            <a:off x="1677332" y="2874680"/>
+            <a:ext cx="567687" cy="269582"/>
+          </a:xfrm>
+          <a:prstGeom prst="rightArrow">
+            <a:avLst/>
+          </a:prstGeom>
+          <a:solidFill>
+            <a:schemeClr val="bg1"/>
+          </a:solidFill>
+          <a:ln w="28575">
+            <a:solidFill>
+              <a:srgbClr val="7030A0"/>
+            </a:solidFill>
+          </a:ln>
+        </p:spPr>
+        <p:style>
+          <a:lnRef idx="2">
+            <a:schemeClr val="accent1">
+              <a:shade val="50000"/>
+            </a:schemeClr>
+          </a:lnRef>
+          <a:fillRef idx="1">
+            <a:schemeClr val="accent1"/>
+          </a:fillRef>
+          <a:effectRef idx="0">
+            <a:schemeClr val="accent1"/>
+          </a:effectRef>
+          <a:fontRef idx="minor">
+            <a:schemeClr val="lt1"/>
+          </a:fontRef>
+        </p:style>
+        <p:txBody>
+          <a:bodyPr rtlCol="0" anchor="ctr"/>
+          <a:lstStyle/>
+          <a:p>
+            <a:pPr algn="ctr"/>
+            <a:endParaRPr lang="en-US"/>
+          </a:p>
+        </p:txBody>
+      </p:sp>
+      <p:sp>
+        <p:nvSpPr>
+          <p:cNvPr id="145" name="Freccia a destra 144"/>
+          <p:cNvSpPr/>
+          <p:nvPr/>
+        </p:nvSpPr>
+        <p:spPr>
+          <a:xfrm>
+            <a:off x="656691" y="2293479"/>
+            <a:ext cx="459822" cy="324354"/>
+          </a:xfrm>
+          <a:prstGeom prst="rightArrow">
+            <a:avLst/>
+          </a:prstGeom>
+          <a:solidFill>
+            <a:schemeClr val="bg1"/>
+          </a:solidFill>
+          <a:ln w="28575">
+            <a:solidFill>
+              <a:srgbClr val="7030A0"/>
+            </a:solidFill>
+          </a:ln>
+        </p:spPr>
+        <p:style>
+          <a:lnRef idx="2">
+            <a:schemeClr val="accent1">
+              <a:shade val="50000"/>
+            </a:schemeClr>
+          </a:lnRef>
+          <a:fillRef idx="1">
+            <a:schemeClr val="accent1"/>
+          </a:fillRef>
+          <a:effectRef idx="0">
+            <a:schemeClr val="accent1"/>
+          </a:effectRef>
+          <a:fontRef idx="minor">
+            <a:schemeClr val="lt1"/>
+          </a:fontRef>
+        </p:style>
+        <p:txBody>
+          <a:bodyPr rtlCol="0" anchor="ctr"/>
+          <a:lstStyle/>
+          <a:p>
+            <a:pPr algn="ctr"/>
+            <a:endParaRPr lang="en-US"/>
+          </a:p>
+        </p:txBody>
+      </p:sp>
+      <p:grpSp>
+        <p:nvGrpSpPr>
+          <p:cNvPr id="146" name="Gruppo 145"/>
+          <p:cNvGrpSpPr/>
+          <p:nvPr/>
+        </p:nvGrpSpPr>
+        <p:grpSpPr>
+          <a:xfrm>
+            <a:off x="1333593" y="4991433"/>
+            <a:ext cx="365096" cy="365096"/>
+            <a:chOff x="5316567" y="2715285"/>
+            <a:chExt cx="325790" cy="325790"/>
+          </a:xfrm>
+        </p:grpSpPr>
+        <p:sp>
+          <p:nvSpPr>
+            <p:cNvPr id="147" name="Ovale 146"/>
+            <p:cNvSpPr/>
+            <p:nvPr/>
+          </p:nvSpPr>
+          <p:spPr>
+            <a:xfrm>
+              <a:off x="5316567" y="2715285"/>
+              <a:ext cx="325790" cy="325790"/>
+            </a:xfrm>
+            <a:prstGeom prst="ellipse">
+              <a:avLst/>
+            </a:prstGeom>
+            <a:gradFill flip="none" rotWithShape="1">
+              <a:gsLst>
+                <a:gs pos="26000">
+                  <a:srgbClr val="7030A0">
+                    <a:tint val="66000"/>
+                    <a:satMod val="160000"/>
+                  </a:srgbClr>
+                </a:gs>
+                <a:gs pos="24000">
+                  <a:srgbClr val="7030A0">
+                    <a:tint val="66000"/>
+                    <a:satMod val="160000"/>
+                    <a:lumMod val="56000"/>
+                  </a:srgbClr>
+                </a:gs>
+                <a:gs pos="27000">
+                  <a:srgbClr val="7030A0">
+                    <a:tint val="23500"/>
+                    <a:satMod val="160000"/>
+                    <a:alpha val="0"/>
+                    <a:lumMod val="100000"/>
+                  </a:srgbClr>
+                </a:gs>
+              </a:gsLst>
+              <a:lin ang="5400000" scaled="1"/>
+              <a:tileRect/>
+            </a:gradFill>
+            <a:ln w="19050">
+              <a:solidFill>
+                <a:srgbClr val="7030A0"/>
+              </a:solidFill>
+            </a:ln>
+          </p:spPr>
+          <p:style>
+            <a:lnRef idx="2">
+              <a:schemeClr val="accent1">
+                <a:shade val="50000"/>
+              </a:schemeClr>
+            </a:lnRef>
+            <a:fillRef idx="1">
+              <a:schemeClr val="accent1"/>
+            </a:fillRef>
+            <a:effectRef idx="0">
+              <a:schemeClr val="accent1"/>
+            </a:effectRef>
+            <a:fontRef idx="minor">
+              <a:schemeClr val="lt1"/>
+            </a:fontRef>
+          </p:style>
+          <p:txBody>
+            <a:bodyPr rtlCol="0" anchor="ctr"/>
+            <a:lstStyle/>
+            <a:p>
+              <a:pPr algn="ctr"/>
+              <a:endParaRPr lang="en-US">
+                <a:ln>
+                  <a:solidFill>
+                    <a:srgbClr val="7030A0"/>
+                  </a:solidFill>
+                </a:ln>
+                <a:solidFill>
+                  <a:srgbClr val="7030A0"/>
+                </a:solidFill>
+              </a:endParaRPr>
+            </a:p>
+          </p:txBody>
+        </p:sp>
+        <p:cxnSp>
+          <p:nvCxnSpPr>
+            <p:cNvPr id="148" name="Connettore 1 49"/>
+            <p:cNvCxnSpPr/>
+            <p:nvPr/>
+          </p:nvCxnSpPr>
+          <p:spPr>
+            <a:xfrm>
+              <a:off x="5366958" y="2832058"/>
+              <a:ext cx="230369" cy="0"/>
+            </a:xfrm>
+            <a:prstGeom prst="line">
+              <a:avLst/>
+            </a:prstGeom>
+            <a:ln w="19050">
+              <a:solidFill>
+                <a:srgbClr val="7030A0"/>
+              </a:solidFill>
+            </a:ln>
+          </p:spPr>
+          <p:style>
+            <a:lnRef idx="1">
+              <a:schemeClr val="accent1"/>
+            </a:lnRef>
+            <a:fillRef idx="0">
+              <a:schemeClr val="accent1"/>
+            </a:fillRef>
+            <a:effectRef idx="0">
+              <a:schemeClr val="accent1"/>
+            </a:effectRef>
+            <a:fontRef idx="minor">
+              <a:schemeClr val="tx1"/>
+            </a:fontRef>
+          </p:style>
+        </p:cxnSp>
+        <p:cxnSp>
+          <p:nvCxnSpPr>
+            <p:cNvPr id="149" name="Connettore 1 50"/>
+            <p:cNvCxnSpPr/>
+            <p:nvPr/>
+          </p:nvCxnSpPr>
+          <p:spPr>
+            <a:xfrm>
+              <a:off x="5364276" y="2886008"/>
+              <a:ext cx="230369" cy="0"/>
+            </a:xfrm>
+            <a:prstGeom prst="line">
+              <a:avLst/>
+            </a:prstGeom>
+            <a:ln w="19050">
+              <a:solidFill>
+                <a:srgbClr val="7030A0"/>
+              </a:solidFill>
+            </a:ln>
+          </p:spPr>
+          <p:style>
+            <a:lnRef idx="1">
+              <a:schemeClr val="accent1"/>
+            </a:lnRef>
+            <a:fillRef idx="0">
+              <a:schemeClr val="accent1"/>
+            </a:fillRef>
+            <a:effectRef idx="0">
+              <a:schemeClr val="accent1"/>
+            </a:effectRef>
+            <a:fontRef idx="minor">
+              <a:schemeClr val="tx1"/>
+            </a:fontRef>
+          </p:style>
+        </p:cxnSp>
+        <p:cxnSp>
+          <p:nvCxnSpPr>
+            <p:cNvPr id="150" name="Connettore 1 51"/>
+            <p:cNvCxnSpPr/>
+            <p:nvPr/>
+          </p:nvCxnSpPr>
+          <p:spPr>
+            <a:xfrm>
+              <a:off x="5364276" y="2943977"/>
+              <a:ext cx="230369" cy="0"/>
+            </a:xfrm>
+            <a:prstGeom prst="line">
+              <a:avLst/>
+            </a:prstGeom>
+            <a:ln w="19050">
+              <a:solidFill>
+                <a:srgbClr val="7030A0"/>
+              </a:solidFill>
+            </a:ln>
+          </p:spPr>
+          <p:style>
+            <a:lnRef idx="1">
+              <a:schemeClr val="accent1"/>
+            </a:lnRef>
+            <a:fillRef idx="0">
+              <a:schemeClr val="accent1"/>
+            </a:fillRef>
+            <a:effectRef idx="0">
+              <a:schemeClr val="accent1"/>
+            </a:effectRef>
+            <a:fontRef idx="minor">
+              <a:schemeClr val="tx1"/>
+            </a:fontRef>
+          </p:style>
+        </p:cxnSp>
+      </p:grpSp>
+      <p:grpSp>
+        <p:nvGrpSpPr>
+          <p:cNvPr id="151" name="Gruppo 150"/>
+          <p:cNvGrpSpPr/>
+          <p:nvPr/>
+        </p:nvGrpSpPr>
+        <p:grpSpPr>
+          <a:xfrm>
+            <a:off x="4486527" y="5117242"/>
+            <a:ext cx="365096" cy="365096"/>
+            <a:chOff x="5316567" y="2715285"/>
+            <a:chExt cx="325790" cy="325790"/>
+          </a:xfrm>
+        </p:grpSpPr>
+        <p:sp>
+          <p:nvSpPr>
+            <p:cNvPr id="152" name="Ovale 151"/>
+            <p:cNvSpPr/>
+            <p:nvPr/>
+          </p:nvSpPr>
+          <p:spPr>
+            <a:xfrm>
+              <a:off x="5316567" y="2715285"/>
+              <a:ext cx="325790" cy="325790"/>
+            </a:xfrm>
+            <a:prstGeom prst="ellipse">
+              <a:avLst/>
+            </a:prstGeom>
+            <a:gradFill flip="none" rotWithShape="1">
+              <a:gsLst>
+                <a:gs pos="26000">
+                  <a:srgbClr val="7030A0">
+                    <a:tint val="66000"/>
+                    <a:satMod val="160000"/>
+                  </a:srgbClr>
+                </a:gs>
+                <a:gs pos="24000">
+                  <a:srgbClr val="7030A0">
+                    <a:tint val="66000"/>
+                    <a:satMod val="160000"/>
+                    <a:lumMod val="56000"/>
+                  </a:srgbClr>
+                </a:gs>
+                <a:gs pos="27000">
+                  <a:srgbClr val="7030A0">
+                    <a:tint val="23500"/>
+                    <a:satMod val="160000"/>
+                    <a:alpha val="0"/>
+                    <a:lumMod val="100000"/>
+                  </a:srgbClr>
+                </a:gs>
+              </a:gsLst>
+              <a:lin ang="5400000" scaled="1"/>
+              <a:tileRect/>
+            </a:gradFill>
+            <a:ln w="19050">
+              <a:solidFill>
+                <a:srgbClr val="7030A0"/>
+              </a:solidFill>
+            </a:ln>
+          </p:spPr>
+          <p:style>
+            <a:lnRef idx="2">
+              <a:schemeClr val="accent1">
+                <a:shade val="50000"/>
+              </a:schemeClr>
+            </a:lnRef>
+            <a:fillRef idx="1">
+              <a:schemeClr val="accent1"/>
+            </a:fillRef>
+            <a:effectRef idx="0">
+              <a:schemeClr val="accent1"/>
+            </a:effectRef>
+            <a:fontRef idx="minor">
+              <a:schemeClr val="lt1"/>
+            </a:fontRef>
+          </p:style>
+          <p:txBody>
+            <a:bodyPr rtlCol="0" anchor="ctr"/>
+            <a:lstStyle/>
+            <a:p>
+              <a:pPr algn="ctr"/>
+              <a:endParaRPr lang="en-US">
+                <a:ln>
+                  <a:solidFill>
+                    <a:srgbClr val="7030A0"/>
+                  </a:solidFill>
+                </a:ln>
+                <a:solidFill>
+                  <a:srgbClr val="7030A0"/>
+                </a:solidFill>
+              </a:endParaRPr>
+            </a:p>
+          </p:txBody>
+        </p:sp>
+        <p:cxnSp>
+          <p:nvCxnSpPr>
+            <p:cNvPr id="153" name="Connettore 1 49"/>
+            <p:cNvCxnSpPr/>
+            <p:nvPr/>
+          </p:nvCxnSpPr>
+          <p:spPr>
+            <a:xfrm>
+              <a:off x="5366958" y="2832058"/>
+              <a:ext cx="230369" cy="0"/>
+            </a:xfrm>
+            <a:prstGeom prst="line">
+              <a:avLst/>
+            </a:prstGeom>
+            <a:ln w="19050">
+              <a:solidFill>
+                <a:srgbClr val="7030A0"/>
+              </a:solidFill>
+            </a:ln>
+          </p:spPr>
+          <p:style>
+            <a:lnRef idx="1">
+              <a:schemeClr val="accent1"/>
+            </a:lnRef>
+            <a:fillRef idx="0">
+              <a:schemeClr val="accent1"/>
+            </a:fillRef>
+            <a:effectRef idx="0">
+              <a:schemeClr val="accent1"/>
+            </a:effectRef>
+            <a:fontRef idx="minor">
+              <a:schemeClr val="tx1"/>
+            </a:fontRef>
+          </p:style>
+        </p:cxnSp>
+        <p:cxnSp>
+          <p:nvCxnSpPr>
+            <p:cNvPr id="154" name="Connettore 1 50"/>
+            <p:cNvCxnSpPr/>
+            <p:nvPr/>
+          </p:nvCxnSpPr>
+          <p:spPr>
+            <a:xfrm>
+              <a:off x="5364276" y="2886008"/>
+              <a:ext cx="230369" cy="0"/>
+            </a:xfrm>
+            <a:prstGeom prst="line">
+              <a:avLst/>
+            </a:prstGeom>
+            <a:ln w="19050">
+              <a:solidFill>
+                <a:srgbClr val="7030A0"/>
+              </a:solidFill>
+            </a:ln>
+          </p:spPr>
+          <p:style>
+            <a:lnRef idx="1">
+              <a:schemeClr val="accent1"/>
+            </a:lnRef>
+            <a:fillRef idx="0">
+              <a:schemeClr val="accent1"/>
+            </a:fillRef>
+            <a:effectRef idx="0">
+              <a:schemeClr val="accent1"/>
+            </a:effectRef>
+            <a:fontRef idx="minor">
+              <a:schemeClr val="tx1"/>
+            </a:fontRef>
+          </p:style>
+        </p:cxnSp>
+        <p:cxnSp>
+          <p:nvCxnSpPr>
+            <p:cNvPr id="155" name="Connettore 1 51"/>
+            <p:cNvCxnSpPr/>
+            <p:nvPr/>
+          </p:nvCxnSpPr>
+          <p:spPr>
+            <a:xfrm>
+              <a:off x="5364276" y="2943977"/>
+              <a:ext cx="230369" cy="0"/>
+            </a:xfrm>
+            <a:prstGeom prst="line">
+              <a:avLst/>
+            </a:prstGeom>
+            <a:ln w="19050">
+              <a:solidFill>
+                <a:srgbClr val="7030A0"/>
+              </a:solidFill>
+            </a:ln>
+          </p:spPr>
+          <p:style>
+            <a:lnRef idx="1">
+              <a:schemeClr val="accent1"/>
+            </a:lnRef>
+            <a:fillRef idx="0">
+              <a:schemeClr val="accent1"/>
+            </a:fillRef>
+            <a:effectRef idx="0">
+              <a:schemeClr val="accent1"/>
+            </a:effectRef>
+            <a:fontRef idx="minor">
+              <a:schemeClr val="tx1"/>
+            </a:fontRef>
+          </p:style>
+        </p:cxnSp>
+      </p:grpSp>
+      <p:grpSp>
+        <p:nvGrpSpPr>
+          <p:cNvPr id="156" name="Gruppo 155"/>
+          <p:cNvGrpSpPr/>
+          <p:nvPr/>
+        </p:nvGrpSpPr>
+        <p:grpSpPr>
+          <a:xfrm>
+            <a:off x="5515197" y="4661412"/>
+            <a:ext cx="365096" cy="365096"/>
+            <a:chOff x="5316567" y="2715285"/>
+            <a:chExt cx="325790" cy="325790"/>
+          </a:xfrm>
+        </p:grpSpPr>
+        <p:sp>
+          <p:nvSpPr>
+            <p:cNvPr id="157" name="Ovale 156"/>
+            <p:cNvSpPr/>
+            <p:nvPr/>
+          </p:nvSpPr>
+          <p:spPr>
+            <a:xfrm>
+              <a:off x="5316567" y="2715285"/>
+              <a:ext cx="325790" cy="325790"/>
+            </a:xfrm>
+            <a:prstGeom prst="ellipse">
+              <a:avLst/>
+            </a:prstGeom>
+            <a:gradFill flip="none" rotWithShape="1">
+              <a:gsLst>
+                <a:gs pos="26000">
+                  <a:srgbClr val="7030A0">
+                    <a:tint val="66000"/>
+                    <a:satMod val="160000"/>
+                  </a:srgbClr>
+                </a:gs>
+                <a:gs pos="24000">
+                  <a:srgbClr val="7030A0">
+                    <a:tint val="66000"/>
+                    <a:satMod val="160000"/>
+                    <a:lumMod val="56000"/>
+                  </a:srgbClr>
+                </a:gs>
+                <a:gs pos="27000">
+                  <a:srgbClr val="7030A0">
+                    <a:tint val="23500"/>
+                    <a:satMod val="160000"/>
+                    <a:alpha val="0"/>
+                    <a:lumMod val="100000"/>
+                  </a:srgbClr>
+                </a:gs>
+              </a:gsLst>
+              <a:lin ang="5400000" scaled="1"/>
+              <a:tileRect/>
+            </a:gradFill>
+            <a:ln w="19050">
+              <a:solidFill>
+                <a:srgbClr val="7030A0"/>
+              </a:solidFill>
+            </a:ln>
+          </p:spPr>
+          <p:style>
+            <a:lnRef idx="2">
+              <a:schemeClr val="accent1">
+                <a:shade val="50000"/>
+              </a:schemeClr>
+            </a:lnRef>
+            <a:fillRef idx="1">
+              <a:schemeClr val="accent1"/>
+            </a:fillRef>
+            <a:effectRef idx="0">
+              <a:schemeClr val="accent1"/>
+            </a:effectRef>
+            <a:fontRef idx="minor">
+              <a:schemeClr val="lt1"/>
+            </a:fontRef>
+          </p:style>
+          <p:txBody>
+            <a:bodyPr rtlCol="0" anchor="ctr"/>
+            <a:lstStyle/>
+            <a:p>
+              <a:pPr algn="ctr"/>
+              <a:endParaRPr lang="en-US">
+                <a:ln>
+                  <a:solidFill>
+                    <a:srgbClr val="7030A0"/>
+                  </a:solidFill>
+                </a:ln>
+                <a:solidFill>
+                  <a:srgbClr val="7030A0"/>
+                </a:solidFill>
+              </a:endParaRPr>
+            </a:p>
+          </p:txBody>
+        </p:sp>
+        <p:cxnSp>
+          <p:nvCxnSpPr>
+            <p:cNvPr id="158" name="Connettore 1 49"/>
+            <p:cNvCxnSpPr/>
+            <p:nvPr/>
+          </p:nvCxnSpPr>
+          <p:spPr>
+            <a:xfrm>
+              <a:off x="5366958" y="2832058"/>
+              <a:ext cx="230369" cy="0"/>
+            </a:xfrm>
+            <a:prstGeom prst="line">
+              <a:avLst/>
+            </a:prstGeom>
+            <a:ln w="19050">
+              <a:solidFill>
+                <a:srgbClr val="7030A0"/>
+              </a:solidFill>
+            </a:ln>
+          </p:spPr>
+          <p:style>
+            <a:lnRef idx="1">
+              <a:schemeClr val="accent1"/>
+            </a:lnRef>
+            <a:fillRef idx="0">
+              <a:schemeClr val="accent1"/>
+            </a:fillRef>
+            <a:effectRef idx="0">
+              <a:schemeClr val="accent1"/>
+            </a:effectRef>
+            <a:fontRef idx="minor">
+              <a:schemeClr val="tx1"/>
+            </a:fontRef>
+          </p:style>
+        </p:cxnSp>
+        <p:cxnSp>
+          <p:nvCxnSpPr>
+            <p:cNvPr id="159" name="Connettore 1 50"/>
+            <p:cNvCxnSpPr/>
+            <p:nvPr/>
+          </p:nvCxnSpPr>
+          <p:spPr>
+            <a:xfrm>
+              <a:off x="5364276" y="2886008"/>
+              <a:ext cx="230369" cy="0"/>
+            </a:xfrm>
+            <a:prstGeom prst="line">
+              <a:avLst/>
+            </a:prstGeom>
+            <a:ln w="19050">
+              <a:solidFill>
+                <a:srgbClr val="7030A0"/>
+              </a:solidFill>
+            </a:ln>
+          </p:spPr>
+          <p:style>
+            <a:lnRef idx="1">
+              <a:schemeClr val="accent1"/>
+            </a:lnRef>
+            <a:fillRef idx="0">
+              <a:schemeClr val="accent1"/>
+            </a:fillRef>
+            <a:effectRef idx="0">
+              <a:schemeClr val="accent1"/>
+            </a:effectRef>
+            <a:fontRef idx="minor">
+              <a:schemeClr val="tx1"/>
+            </a:fontRef>
+          </p:style>
+        </p:cxnSp>
+        <p:cxnSp>
+          <p:nvCxnSpPr>
+            <p:cNvPr id="160" name="Connettore 1 51"/>
+            <p:cNvCxnSpPr/>
+            <p:nvPr/>
+          </p:nvCxnSpPr>
+          <p:spPr>
+            <a:xfrm>
+              <a:off x="5364276" y="2943977"/>
+              <a:ext cx="230369" cy="0"/>
+            </a:xfrm>
+            <a:prstGeom prst="line">
+              <a:avLst/>
+            </a:prstGeom>
+            <a:ln w="19050">
+              <a:solidFill>
+                <a:srgbClr val="7030A0"/>
+              </a:solidFill>
+            </a:ln>
+          </p:spPr>
+          <p:style>
+            <a:lnRef idx="1">
+              <a:schemeClr val="accent1"/>
+            </a:lnRef>
+            <a:fillRef idx="0">
+              <a:schemeClr val="accent1"/>
+            </a:fillRef>
+            <a:effectRef idx="0">
+              <a:schemeClr val="accent1"/>
+            </a:effectRef>
+            <a:fontRef idx="minor">
+              <a:schemeClr val="tx1"/>
+            </a:fontRef>
+          </p:style>
+        </p:cxnSp>
+      </p:grpSp>
+      <p:grpSp>
+        <p:nvGrpSpPr>
+          <p:cNvPr id="161" name="Gruppo 160"/>
+          <p:cNvGrpSpPr/>
+          <p:nvPr/>
+        </p:nvGrpSpPr>
+        <p:grpSpPr>
+          <a:xfrm>
+            <a:off x="1209081" y="2793646"/>
+            <a:ext cx="365096" cy="365096"/>
+            <a:chOff x="5316567" y="2715285"/>
+            <a:chExt cx="325790" cy="325790"/>
+          </a:xfrm>
+        </p:grpSpPr>
+        <p:sp>
+          <p:nvSpPr>
+            <p:cNvPr id="162" name="Ovale 161"/>
+            <p:cNvSpPr/>
+            <p:nvPr/>
+          </p:nvSpPr>
+          <p:spPr>
+            <a:xfrm>
+              <a:off x="5316567" y="2715285"/>
+              <a:ext cx="325790" cy="325790"/>
+            </a:xfrm>
+            <a:prstGeom prst="ellipse">
+              <a:avLst/>
+            </a:prstGeom>
+            <a:gradFill flip="none" rotWithShape="1">
+              <a:gsLst>
+                <a:gs pos="26000">
+                  <a:srgbClr val="7030A0">
+                    <a:tint val="66000"/>
+                    <a:satMod val="160000"/>
+                  </a:srgbClr>
+                </a:gs>
+                <a:gs pos="24000">
+                  <a:srgbClr val="7030A0">
+                    <a:tint val="66000"/>
+                    <a:satMod val="160000"/>
+                    <a:lumMod val="56000"/>
+                  </a:srgbClr>
+                </a:gs>
+                <a:gs pos="27000">
+                  <a:srgbClr val="7030A0">
+                    <a:tint val="23500"/>
+                    <a:satMod val="160000"/>
+                    <a:alpha val="0"/>
+                    <a:lumMod val="100000"/>
+                  </a:srgbClr>
+                </a:gs>
+              </a:gsLst>
+              <a:lin ang="5400000" scaled="1"/>
+              <a:tileRect/>
+            </a:gradFill>
+            <a:ln w="19050">
+              <a:solidFill>
+                <a:srgbClr val="7030A0"/>
+              </a:solidFill>
+            </a:ln>
+          </p:spPr>
+          <p:style>
+            <a:lnRef idx="2">
+              <a:schemeClr val="accent1">
+                <a:shade val="50000"/>
+              </a:schemeClr>
+            </a:lnRef>
+            <a:fillRef idx="1">
+              <a:schemeClr val="accent1"/>
+            </a:fillRef>
+            <a:effectRef idx="0">
+              <a:schemeClr val="accent1"/>
+            </a:effectRef>
+            <a:fontRef idx="minor">
+              <a:schemeClr val="lt1"/>
+            </a:fontRef>
+          </p:style>
+          <p:txBody>
+            <a:bodyPr rtlCol="0" anchor="ctr"/>
+            <a:lstStyle/>
+            <a:p>
+              <a:pPr algn="ctr"/>
+              <a:endParaRPr lang="en-US">
+                <a:ln>
+                  <a:solidFill>
+                    <a:srgbClr val="7030A0"/>
+                  </a:solidFill>
+                </a:ln>
+                <a:solidFill>
+                  <a:srgbClr val="7030A0"/>
+                </a:solidFill>
+              </a:endParaRPr>
+            </a:p>
+          </p:txBody>
+        </p:sp>
+        <p:cxnSp>
+          <p:nvCxnSpPr>
+            <p:cNvPr id="163" name="Connettore 1 49"/>
+            <p:cNvCxnSpPr/>
+            <p:nvPr/>
+          </p:nvCxnSpPr>
+          <p:spPr>
+            <a:xfrm>
+              <a:off x="5366958" y="2832058"/>
+              <a:ext cx="230369" cy="0"/>
+            </a:xfrm>
+            <a:prstGeom prst="line">
+              <a:avLst/>
+            </a:prstGeom>
+            <a:ln w="19050">
+              <a:solidFill>
+                <a:srgbClr val="7030A0"/>
+              </a:solidFill>
+            </a:ln>
+          </p:spPr>
+          <p:style>
+            <a:lnRef idx="1">
+              <a:schemeClr val="accent1"/>
+            </a:lnRef>
+            <a:fillRef idx="0">
+              <a:schemeClr val="accent1"/>
+            </a:fillRef>
+            <a:effectRef idx="0">
+              <a:schemeClr val="accent1"/>
+            </a:effectRef>
+            <a:fontRef idx="minor">
+              <a:schemeClr val="tx1"/>
+            </a:fontRef>
+          </p:style>
+        </p:cxnSp>
+        <p:cxnSp>
+          <p:nvCxnSpPr>
+            <p:cNvPr id="164" name="Connettore 1 50"/>
+            <p:cNvCxnSpPr/>
+            <p:nvPr/>
+          </p:nvCxnSpPr>
+          <p:spPr>
+            <a:xfrm>
+              <a:off x="5364276" y="2886008"/>
+              <a:ext cx="230369" cy="0"/>
+            </a:xfrm>
+            <a:prstGeom prst="line">
+              <a:avLst/>
+            </a:prstGeom>
+            <a:ln w="19050">
+              <a:solidFill>
+                <a:srgbClr val="7030A0"/>
+              </a:solidFill>
+            </a:ln>
+          </p:spPr>
+          <p:style>
+            <a:lnRef idx="1">
+              <a:schemeClr val="accent1"/>
+            </a:lnRef>
+            <a:fillRef idx="0">
+              <a:schemeClr val="accent1"/>
+            </a:fillRef>
+            <a:effectRef idx="0">
+              <a:schemeClr val="accent1"/>
+            </a:effectRef>
+            <a:fontRef idx="minor">
+              <a:schemeClr val="tx1"/>
+            </a:fontRef>
+          </p:style>
+        </p:cxnSp>
+        <p:cxnSp>
+          <p:nvCxnSpPr>
+            <p:cNvPr id="165" name="Connettore 1 51"/>
+            <p:cNvCxnSpPr/>
+            <p:nvPr/>
+          </p:nvCxnSpPr>
+          <p:spPr>
+            <a:xfrm>
+              <a:off x="5364276" y="2943977"/>
+              <a:ext cx="230369" cy="0"/>
+            </a:xfrm>
+            <a:prstGeom prst="line">
+              <a:avLst/>
+            </a:prstGeom>
+            <a:ln w="19050">
+              <a:solidFill>
+                <a:srgbClr val="7030A0"/>
+              </a:solidFill>
+            </a:ln>
+          </p:spPr>
+          <p:style>
+            <a:lnRef idx="1">
+              <a:schemeClr val="accent1"/>
+            </a:lnRef>
+            <a:fillRef idx="0">
+              <a:schemeClr val="accent1"/>
+            </a:fillRef>
+            <a:effectRef idx="0">
+              <a:schemeClr val="accent1"/>
+            </a:effectRef>
+            <a:fontRef idx="minor">
+              <a:schemeClr val="tx1"/>
+            </a:fontRef>
+          </p:style>
+        </p:cxnSp>
+      </p:grpSp>
+      <p:sp>
+        <p:nvSpPr>
+          <p:cNvPr id="168" name="Freccia a destra 167"/>
+          <p:cNvSpPr/>
+          <p:nvPr/>
+        </p:nvSpPr>
+        <p:spPr>
+          <a:xfrm flipH="1">
+            <a:off x="3901673" y="4670549"/>
+            <a:ext cx="507242" cy="333933"/>
+          </a:xfrm>
+          <a:prstGeom prst="rightArrow">
+            <a:avLst/>
+          </a:prstGeom>
+          <a:solidFill>
+            <a:schemeClr val="bg1"/>
+          </a:solidFill>
+          <a:ln w="28575">
+            <a:solidFill>
+              <a:srgbClr val="7030A0"/>
+            </a:solidFill>
+          </a:ln>
+        </p:spPr>
+        <p:style>
+          <a:lnRef idx="2">
+            <a:schemeClr val="accent1">
+              <a:shade val="50000"/>
+            </a:schemeClr>
+          </a:lnRef>
+          <a:fillRef idx="1">
+            <a:schemeClr val="accent1"/>
+          </a:fillRef>
+          <a:effectRef idx="0">
+            <a:schemeClr val="accent1"/>
+          </a:effectRef>
+          <a:fontRef idx="minor">
+            <a:schemeClr val="lt1"/>
+          </a:fontRef>
+        </p:style>
+        <p:txBody>
+          <a:bodyPr rtlCol="0" anchor="ctr"/>
+          <a:lstStyle/>
+          <a:p>
+            <a:pPr algn="ctr"/>
+            <a:endParaRPr lang="en-US"/>
+          </a:p>
+        </p:txBody>
+      </p:sp>
+      <p:sp>
+        <p:nvSpPr>
+          <p:cNvPr id="169" name="Freccia a destra 168"/>
+          <p:cNvSpPr/>
+          <p:nvPr/>
+        </p:nvSpPr>
+        <p:spPr>
+          <a:xfrm flipH="1">
+            <a:off x="3883065" y="5117242"/>
+            <a:ext cx="525850" cy="348343"/>
+          </a:xfrm>
+          <a:prstGeom prst="rightArrow">
+            <a:avLst/>
+          </a:prstGeom>
+          <a:solidFill>
+            <a:schemeClr val="bg1"/>
+          </a:solidFill>
+          <a:ln w="28575">
+            <a:solidFill>
+              <a:srgbClr val="7030A0"/>
+            </a:solidFill>
+          </a:ln>
+        </p:spPr>
+        <p:style>
+          <a:lnRef idx="2">
+            <a:schemeClr val="accent1">
+              <a:shade val="50000"/>
+            </a:schemeClr>
+          </a:lnRef>
+          <a:fillRef idx="1">
+            <a:schemeClr val="accent1"/>
+          </a:fillRef>
+          <a:effectRef idx="0">
+            <a:schemeClr val="accent1"/>
+          </a:effectRef>
+          <a:fontRef idx="minor">
+            <a:schemeClr val="lt1"/>
+          </a:fontRef>
+        </p:style>
+        <p:txBody>
+          <a:bodyPr rtlCol="0" anchor="ctr"/>
+          <a:lstStyle/>
+          <a:p>
+            <a:pPr algn="ctr"/>
+            <a:endParaRPr lang="en-US"/>
+          </a:p>
+        </p:txBody>
+      </p:sp>
+      <p:sp>
+        <p:nvSpPr>
+          <p:cNvPr id="170" name="Freccia a destra 169"/>
+          <p:cNvSpPr/>
+          <p:nvPr/>
+        </p:nvSpPr>
+        <p:spPr>
+          <a:xfrm flipH="1">
+            <a:off x="4928966" y="4655702"/>
+            <a:ext cx="468441" cy="348343"/>
+          </a:xfrm>
+          <a:prstGeom prst="rightArrow">
+            <a:avLst/>
+          </a:prstGeom>
+          <a:solidFill>
+            <a:schemeClr val="bg1"/>
+          </a:solidFill>
+          <a:ln w="28575">
+            <a:solidFill>
+              <a:srgbClr val="7030A0"/>
+            </a:solidFill>
+          </a:ln>
+        </p:spPr>
+        <p:style>
+          <a:lnRef idx="2">
+            <a:schemeClr val="accent1">
+              <a:shade val="50000"/>
+            </a:schemeClr>
+          </a:lnRef>
+          <a:fillRef idx="1">
+            <a:schemeClr val="accent1"/>
+          </a:fillRef>
+          <a:effectRef idx="0">
+            <a:schemeClr val="accent1"/>
+          </a:effectRef>
+          <a:fontRef idx="minor">
+            <a:schemeClr val="lt1"/>
+          </a:fontRef>
+        </p:style>
+        <p:txBody>
+          <a:bodyPr rtlCol="0" anchor="ctr"/>
+          <a:lstStyle/>
+          <a:p>
+            <a:pPr algn="ctr"/>
+            <a:endParaRPr lang="en-US"/>
+          </a:p>
+        </p:txBody>
+      </p:sp>
+      <p:sp>
+        <p:nvSpPr>
+          <p:cNvPr id="171" name="Freccia a destra 170"/>
+          <p:cNvSpPr/>
+          <p:nvPr/>
+        </p:nvSpPr>
+        <p:spPr>
+          <a:xfrm>
+            <a:off x="1782217" y="5020871"/>
+            <a:ext cx="525850" cy="348343"/>
+          </a:xfrm>
+          <a:prstGeom prst="rightArrow">
+            <a:avLst/>
+          </a:prstGeom>
+          <a:solidFill>
+            <a:schemeClr val="bg1"/>
+          </a:solidFill>
+          <a:ln w="28575">
+            <a:solidFill>
+              <a:srgbClr val="7030A0"/>
+            </a:solidFill>
+          </a:ln>
+        </p:spPr>
+        <p:style>
+          <a:lnRef idx="2">
+            <a:schemeClr val="accent1">
+              <a:shade val="50000"/>
+            </a:schemeClr>
+          </a:lnRef>
+          <a:fillRef idx="1">
+            <a:schemeClr val="accent1"/>
+          </a:fillRef>
+          <a:effectRef idx="0">
+            <a:schemeClr val="accent1"/>
+          </a:effectRef>
+          <a:fontRef idx="minor">
+            <a:schemeClr val="lt1"/>
+          </a:fontRef>
+        </p:style>
+        <p:txBody>
+          <a:bodyPr rtlCol="0" anchor="ctr"/>
+          <a:lstStyle/>
+          <a:p>
+            <a:pPr algn="ctr"/>
+            <a:endParaRPr lang="en-US"/>
+          </a:p>
+        </p:txBody>
+      </p:sp>
+      <p:sp>
+        <p:nvSpPr>
+          <p:cNvPr id="172" name="Freccia a destra 171"/>
+          <p:cNvSpPr/>
+          <p:nvPr/>
+        </p:nvSpPr>
+        <p:spPr>
+          <a:xfrm rot="3122430">
+            <a:off x="4922035" y="1305178"/>
+            <a:ext cx="1293122" cy="307361"/>
+          </a:xfrm>
+          <a:prstGeom prst="rightArrow">
+            <a:avLst/>
+          </a:prstGeom>
+          <a:solidFill>
+            <a:schemeClr val="bg1"/>
+          </a:solidFill>
+          <a:ln w="28575">
+            <a:solidFill>
+              <a:srgbClr val="7030A0"/>
+            </a:solidFill>
+          </a:ln>
+        </p:spPr>
+        <p:style>
+          <a:lnRef idx="2">
+            <a:schemeClr val="accent1">
+              <a:shade val="50000"/>
+            </a:schemeClr>
+          </a:lnRef>
+          <a:fillRef idx="1">
+            <a:schemeClr val="accent1"/>
+          </a:fillRef>
+          <a:effectRef idx="0">
+            <a:schemeClr val="accent1"/>
+          </a:effectRef>
+          <a:fontRef idx="minor">
+            <a:schemeClr val="lt1"/>
+          </a:fontRef>
+        </p:style>
+        <p:txBody>
+          <a:bodyPr rtlCol="0" anchor="ctr"/>
+          <a:lstStyle/>
+          <a:p>
+            <a:pPr algn="ctr"/>
+            <a:endParaRPr lang="en-US"/>
+          </a:p>
+        </p:txBody>
+      </p:sp>
+      <p:sp>
+        <p:nvSpPr>
+          <p:cNvPr id="174" name="Freccia a destra 173"/>
+          <p:cNvSpPr/>
+          <p:nvPr/>
+        </p:nvSpPr>
+        <p:spPr>
+          <a:xfrm rot="18477570" flipH="1">
+            <a:off x="3639079" y="1305180"/>
+            <a:ext cx="1293122" cy="307361"/>
+          </a:xfrm>
+          <a:prstGeom prst="rightArrow">
+            <a:avLst/>
+          </a:prstGeom>
+          <a:solidFill>
+            <a:schemeClr val="bg1"/>
+          </a:solidFill>
+          <a:ln w="28575">
+            <a:solidFill>
+              <a:srgbClr val="7030A0"/>
+            </a:solidFill>
+          </a:ln>
+        </p:spPr>
+        <p:style>
+          <a:lnRef idx="2">
+            <a:schemeClr val="accent1">
+              <a:shade val="50000"/>
+            </a:schemeClr>
+          </a:lnRef>
+          <a:fillRef idx="1">
+            <a:schemeClr val="accent1"/>
+          </a:fillRef>
+          <a:effectRef idx="0">
+            <a:schemeClr val="accent1"/>
+          </a:effectRef>
+          <a:fontRef idx="minor">
+            <a:schemeClr val="lt1"/>
+          </a:fontRef>
+        </p:style>
+        <p:txBody>
+          <a:bodyPr rtlCol="0" anchor="ctr"/>
+          <a:lstStyle/>
+          <a:p>
+            <a:pPr algn="ctr"/>
+            <a:endParaRPr lang="en-US"/>
+          </a:p>
+        </p:txBody>
+      </p:sp>
+      <p:sp>
+        <p:nvSpPr>
+          <p:cNvPr id="175" name="CasellaDiTesto 174"/>
+          <p:cNvSpPr txBox="1"/>
+          <p:nvPr/>
+        </p:nvSpPr>
+        <p:spPr>
+          <a:xfrm>
+            <a:off x="37707" y="1735605"/>
+            <a:ext cx="1237968" cy="492443"/>
+          </a:xfrm>
+          <a:prstGeom prst="rect">
+            <a:avLst/>
+          </a:prstGeom>
+          <a:noFill/>
+        </p:spPr>
+        <p:txBody>
+          <a:bodyPr wrap="square" rtlCol="0">
+            <a:spAutoFit/>
+          </a:bodyPr>
+          <a:lstStyle/>
+          <a:p>
+            <a:r>
+              <a:rPr lang="it-IT" sz="1300" dirty="0" err="1" smtClean="0"/>
+              <a:t>All</a:t>
+            </a:r>
+            <a:r>
+              <a:rPr lang="it-IT" sz="1300" dirty="0" smtClean="0"/>
+              <a:t> </a:t>
+            </a:r>
+            <a:r>
+              <a:rPr lang="it-IT" sz="1300" dirty="0" err="1" smtClean="0"/>
+              <a:t>devices</a:t>
+            </a:r>
+            <a:r>
+              <a:rPr lang="it-IT" sz="1300" dirty="0" smtClean="0"/>
+              <a:t> </a:t>
+            </a:r>
+            <a:r>
+              <a:rPr lang="it-IT" sz="1300" dirty="0" err="1" smtClean="0"/>
+              <a:t>categories</a:t>
+            </a:r>
+            <a:endParaRPr lang="it-IT" sz="1300" dirty="0"/>
+          </a:p>
+        </p:txBody>
+      </p:sp>
+      <p:sp>
+        <p:nvSpPr>
+          <p:cNvPr id="176" name="CasellaDiTesto 175"/>
+          <p:cNvSpPr txBox="1"/>
+          <p:nvPr/>
+        </p:nvSpPr>
+        <p:spPr>
+          <a:xfrm>
+            <a:off x="968961" y="3143409"/>
+            <a:ext cx="1237968" cy="292388"/>
+          </a:xfrm>
+          <a:prstGeom prst="rect">
+            <a:avLst/>
+          </a:prstGeom>
+          <a:noFill/>
+        </p:spPr>
+        <p:txBody>
+          <a:bodyPr wrap="square" rtlCol="0">
+            <a:spAutoFit/>
+          </a:bodyPr>
+          <a:lstStyle/>
+          <a:p>
+            <a:r>
+              <a:rPr lang="it-IT" sz="1300" dirty="0" err="1" smtClean="0"/>
+              <a:t>All</a:t>
+            </a:r>
+            <a:r>
+              <a:rPr lang="it-IT" sz="1300" dirty="0" smtClean="0"/>
+              <a:t> </a:t>
+            </a:r>
+            <a:r>
+              <a:rPr lang="it-IT" sz="1300" dirty="0" err="1" smtClean="0"/>
+              <a:t>devices</a:t>
+            </a:r>
+            <a:endParaRPr lang="it-IT" sz="1300" dirty="0"/>
+          </a:p>
+        </p:txBody>
+      </p:sp>
+      <p:sp>
+        <p:nvSpPr>
+          <p:cNvPr id="177" name="CasellaDiTesto 176"/>
+          <p:cNvSpPr txBox="1"/>
+          <p:nvPr/>
+        </p:nvSpPr>
+        <p:spPr>
+          <a:xfrm>
+            <a:off x="1073910" y="1698316"/>
+            <a:ext cx="1237968" cy="492443"/>
+          </a:xfrm>
+          <a:prstGeom prst="rect">
+            <a:avLst/>
+          </a:prstGeom>
+          <a:noFill/>
+        </p:spPr>
+        <p:txBody>
+          <a:bodyPr wrap="square" rtlCol="0">
+            <a:spAutoFit/>
+          </a:bodyPr>
+          <a:lstStyle/>
+          <a:p>
+            <a:r>
+              <a:rPr lang="it-IT" sz="1300" dirty="0" smtClean="0"/>
+              <a:t>Device by </a:t>
+            </a:r>
+            <a:r>
+              <a:rPr lang="it-IT" sz="1300" dirty="0" err="1" smtClean="0"/>
+              <a:t>category</a:t>
+            </a:r>
+            <a:endParaRPr lang="it-IT" sz="1300" dirty="0"/>
+          </a:p>
+        </p:txBody>
+      </p:sp>
+      <p:sp>
+        <p:nvSpPr>
+          <p:cNvPr id="178" name="CasellaDiTesto 177"/>
+          <p:cNvSpPr txBox="1"/>
+          <p:nvPr/>
+        </p:nvSpPr>
+        <p:spPr>
+          <a:xfrm>
+            <a:off x="4486527" y="260555"/>
+            <a:ext cx="1237968" cy="292388"/>
+          </a:xfrm>
+          <a:prstGeom prst="rect">
+            <a:avLst/>
+          </a:prstGeom>
+          <a:noFill/>
+        </p:spPr>
+        <p:txBody>
+          <a:bodyPr wrap="square" rtlCol="0">
+            <a:spAutoFit/>
+          </a:bodyPr>
+          <a:lstStyle/>
+          <a:p>
+            <a:r>
+              <a:rPr lang="it-IT" sz="1300" dirty="0" err="1" smtClean="0"/>
+              <a:t>Promotions</a:t>
+            </a:r>
+            <a:endParaRPr lang="it-IT" sz="1300" dirty="0"/>
+          </a:p>
+        </p:txBody>
+      </p:sp>
+      <p:sp>
+        <p:nvSpPr>
+          <p:cNvPr id="179" name="CasellaDiTesto 178"/>
+          <p:cNvSpPr txBox="1"/>
+          <p:nvPr/>
+        </p:nvSpPr>
+        <p:spPr>
+          <a:xfrm>
+            <a:off x="5272669" y="4991433"/>
+            <a:ext cx="1237968" cy="492443"/>
+          </a:xfrm>
+          <a:prstGeom prst="rect">
+            <a:avLst/>
+          </a:prstGeom>
+          <a:noFill/>
+        </p:spPr>
+        <p:txBody>
+          <a:bodyPr wrap="square" rtlCol="0">
+            <a:spAutoFit/>
+          </a:bodyPr>
+          <a:lstStyle/>
+          <a:p>
+            <a:r>
+              <a:rPr lang="it-IT" sz="1300" dirty="0" err="1" smtClean="0"/>
+              <a:t>All</a:t>
+            </a:r>
+            <a:r>
+              <a:rPr lang="it-IT" sz="1300" dirty="0" smtClean="0"/>
+              <a:t> </a:t>
+            </a:r>
+            <a:r>
+              <a:rPr lang="it-IT" sz="1300" dirty="0" err="1" smtClean="0"/>
+              <a:t>assistance</a:t>
+            </a:r>
+            <a:r>
+              <a:rPr lang="it-IT" sz="1300" dirty="0" smtClean="0"/>
+              <a:t> </a:t>
+            </a:r>
+            <a:r>
+              <a:rPr lang="it-IT" sz="1300" dirty="0" err="1" smtClean="0"/>
+              <a:t>categories</a:t>
+            </a:r>
+            <a:endParaRPr lang="it-IT" sz="1300" dirty="0"/>
+          </a:p>
+        </p:txBody>
+      </p:sp>
+      <p:sp>
+        <p:nvSpPr>
+          <p:cNvPr id="180" name="CasellaDiTesto 179"/>
+          <p:cNvSpPr txBox="1"/>
+          <p:nvPr/>
+        </p:nvSpPr>
+        <p:spPr>
+          <a:xfrm>
+            <a:off x="4301783" y="4142475"/>
+            <a:ext cx="1786758" cy="492443"/>
+          </a:xfrm>
+          <a:prstGeom prst="rect">
+            <a:avLst/>
+          </a:prstGeom>
+          <a:noFill/>
+        </p:spPr>
+        <p:txBody>
+          <a:bodyPr wrap="square" rtlCol="0">
+            <a:spAutoFit/>
+          </a:bodyPr>
+          <a:lstStyle/>
+          <a:p>
+            <a:r>
+              <a:rPr lang="it-IT" sz="1300" dirty="0" smtClean="0"/>
+              <a:t>Assistance by</a:t>
+            </a:r>
+          </a:p>
+          <a:p>
+            <a:r>
+              <a:rPr lang="it-IT" sz="1300" dirty="0" err="1" smtClean="0"/>
+              <a:t>category</a:t>
+            </a:r>
+            <a:endParaRPr lang="it-IT" sz="1300" dirty="0"/>
+          </a:p>
+        </p:txBody>
+      </p:sp>
+      <p:sp>
+        <p:nvSpPr>
+          <p:cNvPr id="181" name="CasellaDiTesto 180"/>
+          <p:cNvSpPr txBox="1"/>
+          <p:nvPr/>
+        </p:nvSpPr>
+        <p:spPr>
+          <a:xfrm>
+            <a:off x="487214" y="5022318"/>
+            <a:ext cx="1237968" cy="292388"/>
+          </a:xfrm>
+          <a:prstGeom prst="rect">
+            <a:avLst/>
+          </a:prstGeom>
+          <a:noFill/>
+        </p:spPr>
+        <p:txBody>
+          <a:bodyPr wrap="square" rtlCol="0">
+            <a:spAutoFit/>
+          </a:bodyPr>
+          <a:lstStyle/>
+          <a:p>
+            <a:r>
+              <a:rPr lang="it-IT" sz="1300" dirty="0" err="1" smtClean="0"/>
+              <a:t>Highlights</a:t>
+            </a:r>
+            <a:endParaRPr lang="it-IT" sz="1300" dirty="0"/>
+          </a:p>
+        </p:txBody>
+      </p:sp>
+      <p:sp>
+        <p:nvSpPr>
+          <p:cNvPr id="182" name="CasellaDiTesto 181"/>
+          <p:cNvSpPr txBox="1"/>
+          <p:nvPr/>
+        </p:nvSpPr>
+        <p:spPr>
+          <a:xfrm>
+            <a:off x="4255866" y="5483881"/>
+            <a:ext cx="1237968" cy="492443"/>
+          </a:xfrm>
+          <a:prstGeom prst="rect">
+            <a:avLst/>
+          </a:prstGeom>
+          <a:noFill/>
+        </p:spPr>
+        <p:txBody>
+          <a:bodyPr wrap="square" rtlCol="0">
+            <a:spAutoFit/>
+          </a:bodyPr>
+          <a:lstStyle/>
+          <a:p>
+            <a:r>
+              <a:rPr lang="it-IT" sz="1300" dirty="0" err="1" smtClean="0"/>
+              <a:t>All</a:t>
+            </a:r>
+            <a:r>
+              <a:rPr lang="it-IT" sz="1300" dirty="0" smtClean="0"/>
+              <a:t> Assistance </a:t>
+            </a:r>
+            <a:r>
+              <a:rPr lang="it-IT" sz="1300" dirty="0" err="1" smtClean="0"/>
+              <a:t>services</a:t>
+            </a:r>
+            <a:endParaRPr lang="it-IT" sz="1300" dirty="0"/>
+          </a:p>
+        </p:txBody>
+      </p:sp>
+      <p:sp>
+        <p:nvSpPr>
+          <p:cNvPr id="189" name="CasellaDiTesto 188"/>
+          <p:cNvSpPr txBox="1"/>
+          <p:nvPr/>
+        </p:nvSpPr>
+        <p:spPr>
+          <a:xfrm>
+            <a:off x="7903171" y="3158430"/>
+            <a:ext cx="1237968" cy="292388"/>
+          </a:xfrm>
+          <a:prstGeom prst="rect">
+            <a:avLst/>
+          </a:prstGeom>
+          <a:noFill/>
+        </p:spPr>
+        <p:txBody>
+          <a:bodyPr wrap="square" rtlCol="0">
+            <a:spAutoFit/>
+          </a:bodyPr>
+          <a:lstStyle/>
+          <a:p>
+            <a:r>
+              <a:rPr lang="it-IT" sz="1300" dirty="0" err="1" smtClean="0"/>
+              <a:t>All</a:t>
+            </a:r>
+            <a:r>
+              <a:rPr lang="it-IT" sz="1300" dirty="0" smtClean="0"/>
+              <a:t> Smart Life</a:t>
+            </a:r>
+            <a:endParaRPr lang="it-IT" sz="1300" dirty="0"/>
+          </a:p>
+        </p:txBody>
+      </p:sp>
+      <p:sp>
+        <p:nvSpPr>
+          <p:cNvPr id="190" name="CasellaDiTesto 189"/>
+          <p:cNvSpPr txBox="1"/>
+          <p:nvPr/>
+        </p:nvSpPr>
+        <p:spPr>
+          <a:xfrm>
+            <a:off x="7966201" y="1660403"/>
+            <a:ext cx="1237968" cy="492443"/>
+          </a:xfrm>
+          <a:prstGeom prst="rect">
+            <a:avLst/>
+          </a:prstGeom>
+          <a:noFill/>
+        </p:spPr>
+        <p:txBody>
+          <a:bodyPr wrap="square" rtlCol="0">
+            <a:spAutoFit/>
+          </a:bodyPr>
+          <a:lstStyle/>
+          <a:p>
+            <a:r>
+              <a:rPr lang="it-IT" sz="1300" dirty="0" smtClean="0"/>
+              <a:t>Smart Life by </a:t>
+            </a:r>
+            <a:r>
+              <a:rPr lang="it-IT" sz="1300" dirty="0" err="1" smtClean="0"/>
+              <a:t>categories</a:t>
+            </a:r>
+            <a:endParaRPr lang="it-IT" sz="1300" dirty="0"/>
+          </a:p>
+        </p:txBody>
+      </p:sp>
+      <p:sp>
+        <p:nvSpPr>
+          <p:cNvPr id="191" name="CasellaDiTesto 190"/>
+          <p:cNvSpPr txBox="1"/>
+          <p:nvPr/>
+        </p:nvSpPr>
+        <p:spPr>
+          <a:xfrm>
+            <a:off x="9735616" y="2164585"/>
+            <a:ext cx="1237968" cy="492443"/>
+          </a:xfrm>
+          <a:prstGeom prst="rect">
+            <a:avLst/>
+          </a:prstGeom>
+          <a:noFill/>
+        </p:spPr>
+        <p:txBody>
+          <a:bodyPr wrap="square" rtlCol="0">
+            <a:spAutoFit/>
+          </a:bodyPr>
+          <a:lstStyle/>
+          <a:p>
+            <a:r>
+              <a:rPr lang="it-IT" sz="1300" dirty="0" err="1" smtClean="0"/>
+              <a:t>All</a:t>
+            </a:r>
+            <a:r>
+              <a:rPr lang="it-IT" sz="1300" dirty="0" smtClean="0"/>
+              <a:t> Smart Life </a:t>
+            </a:r>
+            <a:r>
+              <a:rPr lang="it-IT" sz="1300" dirty="0" err="1" smtClean="0"/>
+              <a:t>categories</a:t>
+            </a:r>
+            <a:endParaRPr lang="it-IT" sz="1300" dirty="0"/>
+          </a:p>
+        </p:txBody>
+      </p:sp>
+    </p:spTree>
+    <p:extLst>
+      <p:ext uri="{BB962C8B-B14F-4D97-AF65-F5344CB8AC3E}">
+        <p14:creationId xmlns:p14="http://schemas.microsoft.com/office/powerpoint/2010/main" val="901470193"/>
+      </p:ext>
+    </p:extLst>
+  </p:cSld>
+  <p:clrMapOvr>
+    <a:masterClrMapping/>
+  </p:clrMapOvr>
+</p:sld>
+</file>
+
+<file path=ppt/slides/slide5.xml><?xml version="1.0" encoding="utf-8"?>
 <p:sld xmlns:a="http://schemas.openxmlformats.org/drawingml/2006/main" xmlns:r="http://schemas.openxmlformats.org/officeDocument/2006/relationships" xmlns:p="http://schemas.openxmlformats.org/presentationml/2006/main">
   <p:cSld>
     <p:spTree>

--- a/Drafts & Material/IDM Models.pptx
+++ b/Drafts & Material/IDM Models.pptx
@@ -10,6 +10,8 @@
     <p:sldId id="257" r:id="rId4"/>
     <p:sldId id="260" r:id="rId5"/>
     <p:sldId id="258" r:id="rId6"/>
+    <p:sldId id="261" r:id="rId7"/>
+    <p:sldId id="262" r:id="rId8"/>
   </p:sldIdLst>
   <p:sldSz cx="12192000" cy="6858000"/>
   <p:notesSz cx="6858000" cy="9144000"/>
@@ -17459,6 +17461,5215 @@
 </p:sld>
 </file>
 
+<file path=ppt/slides/slide6.xml><?xml version="1.0" encoding="utf-8"?>
+<p:sld xmlns:a="http://schemas.openxmlformats.org/drawingml/2006/main" xmlns:r="http://schemas.openxmlformats.org/officeDocument/2006/relationships" xmlns:p="http://schemas.openxmlformats.org/presentationml/2006/main">
+  <p:cSld>
+    <p:spTree>
+      <p:nvGrpSpPr>
+        <p:cNvPr id="1" name=""/>
+        <p:cNvGrpSpPr/>
+        <p:nvPr/>
+      </p:nvGrpSpPr>
+      <p:grpSpPr>
+        <a:xfrm>
+          <a:off x="0" y="0"/>
+          <a:ext cx="0" cy="0"/>
+          <a:chOff x="0" y="0"/>
+          <a:chExt cx="0" cy="0"/>
+        </a:xfrm>
+      </p:grpSpPr>
+      <p:grpSp>
+        <p:nvGrpSpPr>
+          <p:cNvPr id="4" name="Gruppo 3"/>
+          <p:cNvGrpSpPr/>
+          <p:nvPr/>
+        </p:nvGrpSpPr>
+        <p:grpSpPr>
+          <a:xfrm>
+            <a:off x="9667279" y="181245"/>
+            <a:ext cx="1162231" cy="1137657"/>
+            <a:chOff x="1593669" y="4828739"/>
+            <a:chExt cx="1451743" cy="1376218"/>
+          </a:xfrm>
+        </p:grpSpPr>
+        <p:sp>
+          <p:nvSpPr>
+            <p:cNvPr id="5" name="Scheda 4"/>
+            <p:cNvSpPr/>
+            <p:nvPr/>
+          </p:nvSpPr>
+          <p:spPr>
+            <a:xfrm flipH="1">
+              <a:off x="1593669" y="4828739"/>
+              <a:ext cx="1136073" cy="1376218"/>
+            </a:xfrm>
+            <a:prstGeom prst="flowChartPunchedCard">
+              <a:avLst/>
+            </a:prstGeom>
+            <a:solidFill>
+              <a:schemeClr val="bg1"/>
+            </a:solidFill>
+            <a:ln w="38100">
+              <a:solidFill>
+                <a:srgbClr val="7030A0"/>
+              </a:solidFill>
+            </a:ln>
+          </p:spPr>
+          <p:style>
+            <a:lnRef idx="2">
+              <a:schemeClr val="accent1">
+                <a:shade val="50000"/>
+              </a:schemeClr>
+            </a:lnRef>
+            <a:fillRef idx="1">
+              <a:schemeClr val="accent1"/>
+            </a:fillRef>
+            <a:effectRef idx="0">
+              <a:schemeClr val="accent1"/>
+            </a:effectRef>
+            <a:fontRef idx="minor">
+              <a:schemeClr val="lt1"/>
+            </a:fontRef>
+          </p:style>
+          <p:txBody>
+            <a:bodyPr rtlCol="0" anchor="ctr"/>
+            <a:lstStyle/>
+            <a:p>
+              <a:pPr algn="ctr"/>
+              <a:endParaRPr lang="en-US"/>
+            </a:p>
+          </p:txBody>
+        </p:sp>
+        <p:sp>
+          <p:nvSpPr>
+            <p:cNvPr id="6" name="Freccia a incrocio 5"/>
+            <p:cNvSpPr/>
+            <p:nvPr/>
+          </p:nvSpPr>
+          <p:spPr>
+            <a:xfrm>
+              <a:off x="2414072" y="5142214"/>
+              <a:ext cx="631340" cy="651774"/>
+            </a:xfrm>
+            <a:prstGeom prst="quadArrow">
+              <a:avLst/>
+            </a:prstGeom>
+            <a:solidFill>
+              <a:srgbClr val="7030A0"/>
+            </a:solidFill>
+            <a:ln>
+              <a:solidFill>
+                <a:srgbClr val="7030A0"/>
+              </a:solidFill>
+            </a:ln>
+          </p:spPr>
+          <p:style>
+            <a:lnRef idx="2">
+              <a:schemeClr val="accent1">
+                <a:shade val="50000"/>
+              </a:schemeClr>
+            </a:lnRef>
+            <a:fillRef idx="1">
+              <a:schemeClr val="accent1"/>
+            </a:fillRef>
+            <a:effectRef idx="0">
+              <a:schemeClr val="accent1"/>
+            </a:effectRef>
+            <a:fontRef idx="minor">
+              <a:schemeClr val="lt1"/>
+            </a:fontRef>
+          </p:style>
+          <p:txBody>
+            <a:bodyPr rtlCol="0" anchor="ctr"/>
+            <a:lstStyle/>
+            <a:p>
+              <a:pPr algn="ctr"/>
+              <a:endParaRPr lang="en-US"/>
+            </a:p>
+          </p:txBody>
+        </p:sp>
+      </p:grpSp>
+      <p:grpSp>
+        <p:nvGrpSpPr>
+          <p:cNvPr id="19" name="Gruppo 18"/>
+          <p:cNvGrpSpPr/>
+          <p:nvPr/>
+        </p:nvGrpSpPr>
+        <p:grpSpPr>
+          <a:xfrm>
+            <a:off x="3573108" y="221542"/>
+            <a:ext cx="1162231" cy="1137657"/>
+            <a:chOff x="1593669" y="4828739"/>
+            <a:chExt cx="1451743" cy="1376218"/>
+          </a:xfrm>
+        </p:grpSpPr>
+        <p:sp>
+          <p:nvSpPr>
+            <p:cNvPr id="20" name="Scheda 19"/>
+            <p:cNvSpPr/>
+            <p:nvPr/>
+          </p:nvSpPr>
+          <p:spPr>
+            <a:xfrm flipH="1">
+              <a:off x="1593669" y="4828739"/>
+              <a:ext cx="1136073" cy="1376218"/>
+            </a:xfrm>
+            <a:prstGeom prst="flowChartPunchedCard">
+              <a:avLst/>
+            </a:prstGeom>
+            <a:solidFill>
+              <a:schemeClr val="bg1"/>
+            </a:solidFill>
+            <a:ln w="38100">
+              <a:solidFill>
+                <a:srgbClr val="7030A0"/>
+              </a:solidFill>
+            </a:ln>
+          </p:spPr>
+          <p:style>
+            <a:lnRef idx="2">
+              <a:schemeClr val="accent1">
+                <a:shade val="50000"/>
+              </a:schemeClr>
+            </a:lnRef>
+            <a:fillRef idx="1">
+              <a:schemeClr val="accent1"/>
+            </a:fillRef>
+            <a:effectRef idx="0">
+              <a:schemeClr val="accent1"/>
+            </a:effectRef>
+            <a:fontRef idx="minor">
+              <a:schemeClr val="lt1"/>
+            </a:fontRef>
+          </p:style>
+          <p:txBody>
+            <a:bodyPr rtlCol="0" anchor="ctr"/>
+            <a:lstStyle/>
+            <a:p>
+              <a:pPr algn="ctr"/>
+              <a:endParaRPr lang="en-US"/>
+            </a:p>
+          </p:txBody>
+        </p:sp>
+        <p:sp>
+          <p:nvSpPr>
+            <p:cNvPr id="21" name="Freccia a incrocio 20"/>
+            <p:cNvSpPr/>
+            <p:nvPr/>
+          </p:nvSpPr>
+          <p:spPr>
+            <a:xfrm>
+              <a:off x="2414072" y="5142214"/>
+              <a:ext cx="631340" cy="651774"/>
+            </a:xfrm>
+            <a:prstGeom prst="quadArrow">
+              <a:avLst/>
+            </a:prstGeom>
+            <a:solidFill>
+              <a:srgbClr val="7030A0"/>
+            </a:solidFill>
+            <a:ln>
+              <a:solidFill>
+                <a:srgbClr val="7030A0"/>
+              </a:solidFill>
+            </a:ln>
+          </p:spPr>
+          <p:style>
+            <a:lnRef idx="2">
+              <a:schemeClr val="accent1">
+                <a:shade val="50000"/>
+              </a:schemeClr>
+            </a:lnRef>
+            <a:fillRef idx="1">
+              <a:schemeClr val="accent1"/>
+            </a:fillRef>
+            <a:effectRef idx="0">
+              <a:schemeClr val="accent1"/>
+            </a:effectRef>
+            <a:fontRef idx="minor">
+              <a:schemeClr val="lt1"/>
+            </a:fontRef>
+          </p:style>
+          <p:txBody>
+            <a:bodyPr rtlCol="0" anchor="ctr"/>
+            <a:lstStyle/>
+            <a:p>
+              <a:pPr algn="ctr"/>
+              <a:endParaRPr lang="en-US"/>
+            </a:p>
+          </p:txBody>
+        </p:sp>
+      </p:grpSp>
+      <p:grpSp>
+        <p:nvGrpSpPr>
+          <p:cNvPr id="22" name="Gruppo 21"/>
+          <p:cNvGrpSpPr/>
+          <p:nvPr/>
+        </p:nvGrpSpPr>
+        <p:grpSpPr>
+          <a:xfrm>
+            <a:off x="6061450" y="1755749"/>
+            <a:ext cx="1049501" cy="1279602"/>
+            <a:chOff x="7017729" y="2804266"/>
+            <a:chExt cx="1310931" cy="1547928"/>
+          </a:xfrm>
+        </p:grpSpPr>
+        <p:grpSp>
+          <p:nvGrpSpPr>
+            <p:cNvPr id="23" name="Gruppo 22"/>
+            <p:cNvGrpSpPr/>
+            <p:nvPr/>
+          </p:nvGrpSpPr>
+          <p:grpSpPr>
+            <a:xfrm>
+              <a:off x="7017729" y="2804266"/>
+              <a:ext cx="1240324" cy="1494746"/>
+              <a:chOff x="3350195" y="2804266"/>
+              <a:chExt cx="1240324" cy="1494746"/>
+            </a:xfrm>
+          </p:grpSpPr>
+          <p:sp>
+            <p:nvSpPr>
+              <p:cNvPr id="30" name="Scheda 29"/>
+              <p:cNvSpPr/>
+              <p:nvPr/>
+            </p:nvSpPr>
+            <p:spPr>
+              <a:xfrm flipH="1">
+                <a:off x="3454446" y="2922794"/>
+                <a:ext cx="1136073" cy="1376218"/>
+              </a:xfrm>
+              <a:prstGeom prst="flowChartPunchedCard">
+                <a:avLst/>
+              </a:prstGeom>
+              <a:solidFill>
+                <a:schemeClr val="bg1"/>
+              </a:solidFill>
+              <a:ln w="38100">
+                <a:solidFill>
+                  <a:srgbClr val="7030A0"/>
+                </a:solidFill>
+              </a:ln>
+            </p:spPr>
+            <p:style>
+              <a:lnRef idx="2">
+                <a:schemeClr val="accent1">
+                  <a:shade val="50000"/>
+                </a:schemeClr>
+              </a:lnRef>
+              <a:fillRef idx="1">
+                <a:schemeClr val="accent1"/>
+              </a:fillRef>
+              <a:effectRef idx="0">
+                <a:schemeClr val="accent1"/>
+              </a:effectRef>
+              <a:fontRef idx="minor">
+                <a:schemeClr val="lt1"/>
+              </a:fontRef>
+            </p:style>
+            <p:txBody>
+              <a:bodyPr rtlCol="0" anchor="ctr"/>
+              <a:lstStyle/>
+              <a:p>
+                <a:pPr algn="ctr"/>
+                <a:endParaRPr lang="en-US"/>
+              </a:p>
+            </p:txBody>
+          </p:sp>
+          <p:sp>
+            <p:nvSpPr>
+              <p:cNvPr id="31" name="Ovale 30"/>
+              <p:cNvSpPr/>
+              <p:nvPr/>
+            </p:nvSpPr>
+            <p:spPr>
+              <a:xfrm>
+                <a:off x="3350195" y="2804266"/>
+                <a:ext cx="492890" cy="492890"/>
+              </a:xfrm>
+              <a:prstGeom prst="ellipse">
+                <a:avLst/>
+              </a:prstGeom>
+              <a:solidFill>
+                <a:schemeClr val="bg1"/>
+              </a:solidFill>
+              <a:ln w="19050">
+                <a:solidFill>
+                  <a:srgbClr val="7030A0"/>
+                </a:solidFill>
+              </a:ln>
+            </p:spPr>
+            <p:style>
+              <a:lnRef idx="2">
+                <a:schemeClr val="accent1">
+                  <a:shade val="50000"/>
+                </a:schemeClr>
+              </a:lnRef>
+              <a:fillRef idx="1">
+                <a:schemeClr val="accent1"/>
+              </a:fillRef>
+              <a:effectRef idx="0">
+                <a:schemeClr val="accent1"/>
+              </a:effectRef>
+              <a:fontRef idx="minor">
+                <a:schemeClr val="lt1"/>
+              </a:fontRef>
+            </p:style>
+            <p:txBody>
+              <a:bodyPr rtlCol="0" anchor="ctr"/>
+              <a:lstStyle/>
+              <a:p>
+                <a:pPr algn="ctr"/>
+                <a:endParaRPr lang="en-US">
+                  <a:ln>
+                    <a:solidFill>
+                      <a:srgbClr val="7030A0"/>
+                    </a:solidFill>
+                  </a:ln>
+                  <a:solidFill>
+                    <a:srgbClr val="7030A0"/>
+                  </a:solidFill>
+                </a:endParaRPr>
+              </a:p>
+            </p:txBody>
+          </p:sp>
+          <p:grpSp>
+            <p:nvGrpSpPr>
+              <p:cNvPr id="32" name="Gruppo 31"/>
+              <p:cNvGrpSpPr/>
+              <p:nvPr/>
+            </p:nvGrpSpPr>
+            <p:grpSpPr>
+              <a:xfrm>
+                <a:off x="3350195" y="2804266"/>
+                <a:ext cx="492890" cy="492890"/>
+                <a:chOff x="5316567" y="2715285"/>
+                <a:chExt cx="325790" cy="325790"/>
+              </a:xfrm>
+            </p:grpSpPr>
+            <p:sp>
+              <p:nvSpPr>
+                <p:cNvPr id="33" name="Ovale 32"/>
+                <p:cNvSpPr/>
+                <p:nvPr/>
+              </p:nvSpPr>
+              <p:spPr>
+                <a:xfrm>
+                  <a:off x="5316567" y="2715285"/>
+                  <a:ext cx="325790" cy="325790"/>
+                </a:xfrm>
+                <a:prstGeom prst="ellipse">
+                  <a:avLst/>
+                </a:prstGeom>
+                <a:gradFill flip="none" rotWithShape="1">
+                  <a:gsLst>
+                    <a:gs pos="26000">
+                      <a:srgbClr val="7030A0">
+                        <a:tint val="66000"/>
+                        <a:satMod val="160000"/>
+                      </a:srgbClr>
+                    </a:gs>
+                    <a:gs pos="24000">
+                      <a:srgbClr val="7030A0">
+                        <a:tint val="66000"/>
+                        <a:satMod val="160000"/>
+                        <a:lumMod val="56000"/>
+                      </a:srgbClr>
+                    </a:gs>
+                    <a:gs pos="27000">
+                      <a:srgbClr val="7030A0">
+                        <a:tint val="23500"/>
+                        <a:satMod val="160000"/>
+                        <a:alpha val="0"/>
+                        <a:lumMod val="100000"/>
+                      </a:srgbClr>
+                    </a:gs>
+                  </a:gsLst>
+                  <a:lin ang="5400000" scaled="1"/>
+                  <a:tileRect/>
+                </a:gradFill>
+                <a:ln w="19050">
+                  <a:solidFill>
+                    <a:srgbClr val="7030A0"/>
+                  </a:solidFill>
+                </a:ln>
+              </p:spPr>
+              <p:style>
+                <a:lnRef idx="2">
+                  <a:schemeClr val="accent1">
+                    <a:shade val="50000"/>
+                  </a:schemeClr>
+                </a:lnRef>
+                <a:fillRef idx="1">
+                  <a:schemeClr val="accent1"/>
+                </a:fillRef>
+                <a:effectRef idx="0">
+                  <a:schemeClr val="accent1"/>
+                </a:effectRef>
+                <a:fontRef idx="minor">
+                  <a:schemeClr val="lt1"/>
+                </a:fontRef>
+              </p:style>
+              <p:txBody>
+                <a:bodyPr rtlCol="0" anchor="ctr"/>
+                <a:lstStyle/>
+                <a:p>
+                  <a:pPr algn="ctr"/>
+                  <a:endParaRPr lang="en-US">
+                    <a:ln>
+                      <a:solidFill>
+                        <a:srgbClr val="7030A0"/>
+                      </a:solidFill>
+                    </a:ln>
+                    <a:solidFill>
+                      <a:srgbClr val="7030A0"/>
+                    </a:solidFill>
+                  </a:endParaRPr>
+                </a:p>
+              </p:txBody>
+            </p:sp>
+            <p:cxnSp>
+              <p:nvCxnSpPr>
+                <p:cNvPr id="34" name="Connettore 1 61"/>
+                <p:cNvCxnSpPr/>
+                <p:nvPr/>
+              </p:nvCxnSpPr>
+              <p:spPr>
+                <a:xfrm>
+                  <a:off x="5366958" y="2832058"/>
+                  <a:ext cx="230369" cy="0"/>
+                </a:xfrm>
+                <a:prstGeom prst="line">
+                  <a:avLst/>
+                </a:prstGeom>
+                <a:ln w="19050">
+                  <a:solidFill>
+                    <a:srgbClr val="7030A0"/>
+                  </a:solidFill>
+                </a:ln>
+              </p:spPr>
+              <p:style>
+                <a:lnRef idx="1">
+                  <a:schemeClr val="accent1"/>
+                </a:lnRef>
+                <a:fillRef idx="0">
+                  <a:schemeClr val="accent1"/>
+                </a:fillRef>
+                <a:effectRef idx="0">
+                  <a:schemeClr val="accent1"/>
+                </a:effectRef>
+                <a:fontRef idx="minor">
+                  <a:schemeClr val="tx1"/>
+                </a:fontRef>
+              </p:style>
+            </p:cxnSp>
+            <p:cxnSp>
+              <p:nvCxnSpPr>
+                <p:cNvPr id="35" name="Connettore 1 62"/>
+                <p:cNvCxnSpPr/>
+                <p:nvPr/>
+              </p:nvCxnSpPr>
+              <p:spPr>
+                <a:xfrm>
+                  <a:off x="5364276" y="2886008"/>
+                  <a:ext cx="230369" cy="0"/>
+                </a:xfrm>
+                <a:prstGeom prst="line">
+                  <a:avLst/>
+                </a:prstGeom>
+                <a:ln w="19050">
+                  <a:solidFill>
+                    <a:srgbClr val="7030A0"/>
+                  </a:solidFill>
+                </a:ln>
+              </p:spPr>
+              <p:style>
+                <a:lnRef idx="1">
+                  <a:schemeClr val="accent1"/>
+                </a:lnRef>
+                <a:fillRef idx="0">
+                  <a:schemeClr val="accent1"/>
+                </a:fillRef>
+                <a:effectRef idx="0">
+                  <a:schemeClr val="accent1"/>
+                </a:effectRef>
+                <a:fontRef idx="minor">
+                  <a:schemeClr val="tx1"/>
+                </a:fontRef>
+              </p:style>
+            </p:cxnSp>
+            <p:cxnSp>
+              <p:nvCxnSpPr>
+                <p:cNvPr id="36" name="Connettore 1 63"/>
+                <p:cNvCxnSpPr/>
+                <p:nvPr/>
+              </p:nvCxnSpPr>
+              <p:spPr>
+                <a:xfrm>
+                  <a:off x="5364276" y="2943977"/>
+                  <a:ext cx="230369" cy="0"/>
+                </a:xfrm>
+                <a:prstGeom prst="line">
+                  <a:avLst/>
+                </a:prstGeom>
+                <a:ln w="19050">
+                  <a:solidFill>
+                    <a:srgbClr val="7030A0"/>
+                  </a:solidFill>
+                </a:ln>
+              </p:spPr>
+              <p:style>
+                <a:lnRef idx="1">
+                  <a:schemeClr val="accent1"/>
+                </a:lnRef>
+                <a:fillRef idx="0">
+                  <a:schemeClr val="accent1"/>
+                </a:fillRef>
+                <a:effectRef idx="0">
+                  <a:schemeClr val="accent1"/>
+                </a:effectRef>
+                <a:fontRef idx="minor">
+                  <a:schemeClr val="tx1"/>
+                </a:fontRef>
+              </p:style>
+            </p:cxnSp>
+          </p:grpSp>
+        </p:grpSp>
+        <p:grpSp>
+          <p:nvGrpSpPr>
+            <p:cNvPr id="24" name="Gruppo 23"/>
+            <p:cNvGrpSpPr/>
+            <p:nvPr/>
+          </p:nvGrpSpPr>
+          <p:grpSpPr>
+            <a:xfrm>
+              <a:off x="7941042" y="3964576"/>
+              <a:ext cx="387618" cy="387618"/>
+              <a:chOff x="4445500" y="3234900"/>
+              <a:chExt cx="427168" cy="427168"/>
+            </a:xfrm>
+          </p:grpSpPr>
+          <p:sp>
+            <p:nvSpPr>
+              <p:cNvPr id="25" name="Ovale 24"/>
+              <p:cNvSpPr/>
+              <p:nvPr/>
+            </p:nvSpPr>
+            <p:spPr>
+              <a:xfrm>
+                <a:off x="4445500" y="3234900"/>
+                <a:ext cx="427168" cy="427168"/>
+              </a:xfrm>
+              <a:prstGeom prst="ellipse">
+                <a:avLst/>
+              </a:prstGeom>
+              <a:solidFill>
+                <a:schemeClr val="bg1"/>
+              </a:solidFill>
+              <a:ln w="19050">
+                <a:solidFill>
+                  <a:srgbClr val="7030A0"/>
+                </a:solidFill>
+              </a:ln>
+            </p:spPr>
+            <p:style>
+              <a:lnRef idx="2">
+                <a:schemeClr val="accent1">
+                  <a:shade val="50000"/>
+                </a:schemeClr>
+              </a:lnRef>
+              <a:fillRef idx="1">
+                <a:schemeClr val="accent1"/>
+              </a:fillRef>
+              <a:effectRef idx="0">
+                <a:schemeClr val="accent1"/>
+              </a:effectRef>
+              <a:fontRef idx="minor">
+                <a:schemeClr val="lt1"/>
+              </a:fontRef>
+            </p:style>
+            <p:txBody>
+              <a:bodyPr rtlCol="0" anchor="ctr"/>
+              <a:lstStyle/>
+              <a:p>
+                <a:pPr algn="ctr"/>
+                <a:endParaRPr lang="en-US">
+                  <a:ln>
+                    <a:solidFill>
+                      <a:srgbClr val="7030A0"/>
+                    </a:solidFill>
+                  </a:ln>
+                  <a:solidFill>
+                    <a:schemeClr val="bg1"/>
+                  </a:solidFill>
+                </a:endParaRPr>
+              </a:p>
+            </p:txBody>
+          </p:sp>
+          <p:sp>
+            <p:nvSpPr>
+              <p:cNvPr id="26" name="Ovale 25"/>
+              <p:cNvSpPr/>
+              <p:nvPr/>
+            </p:nvSpPr>
+            <p:spPr>
+              <a:xfrm>
+                <a:off x="4476538" y="3265936"/>
+                <a:ext cx="365096" cy="365096"/>
+              </a:xfrm>
+              <a:prstGeom prst="ellipse">
+                <a:avLst/>
+              </a:prstGeom>
+              <a:gradFill flip="none" rotWithShape="1">
+                <a:gsLst>
+                  <a:gs pos="26000">
+                    <a:srgbClr val="7030A0">
+                      <a:tint val="66000"/>
+                      <a:satMod val="160000"/>
+                    </a:srgbClr>
+                  </a:gs>
+                  <a:gs pos="24000">
+                    <a:srgbClr val="7030A0">
+                      <a:tint val="66000"/>
+                      <a:satMod val="160000"/>
+                      <a:lumMod val="56000"/>
+                    </a:srgbClr>
+                  </a:gs>
+                  <a:gs pos="27000">
+                    <a:srgbClr val="7030A0">
+                      <a:tint val="23500"/>
+                      <a:satMod val="160000"/>
+                      <a:alpha val="0"/>
+                      <a:lumMod val="100000"/>
+                    </a:srgbClr>
+                  </a:gs>
+                </a:gsLst>
+                <a:lin ang="5400000" scaled="1"/>
+                <a:tileRect/>
+              </a:gradFill>
+              <a:ln w="19050">
+                <a:solidFill>
+                  <a:srgbClr val="7030A0"/>
+                </a:solidFill>
+              </a:ln>
+            </p:spPr>
+            <p:style>
+              <a:lnRef idx="2">
+                <a:schemeClr val="accent1">
+                  <a:shade val="50000"/>
+                </a:schemeClr>
+              </a:lnRef>
+              <a:fillRef idx="1">
+                <a:schemeClr val="accent1"/>
+              </a:fillRef>
+              <a:effectRef idx="0">
+                <a:schemeClr val="accent1"/>
+              </a:effectRef>
+              <a:fontRef idx="minor">
+                <a:schemeClr val="lt1"/>
+              </a:fontRef>
+            </p:style>
+            <p:txBody>
+              <a:bodyPr rtlCol="0" anchor="ctr"/>
+              <a:lstStyle/>
+              <a:p>
+                <a:pPr algn="ctr"/>
+                <a:endParaRPr lang="en-US">
+                  <a:ln>
+                    <a:solidFill>
+                      <a:srgbClr val="7030A0"/>
+                    </a:solidFill>
+                  </a:ln>
+                  <a:solidFill>
+                    <a:srgbClr val="7030A0"/>
+                  </a:solidFill>
+                </a:endParaRPr>
+              </a:p>
+            </p:txBody>
+          </p:sp>
+          <p:cxnSp>
+            <p:nvCxnSpPr>
+              <p:cNvPr id="27" name="Connettore 1 67"/>
+              <p:cNvCxnSpPr/>
+              <p:nvPr/>
+            </p:nvCxnSpPr>
+            <p:spPr>
+              <a:xfrm>
+                <a:off x="4533009" y="3396797"/>
+                <a:ext cx="258163" cy="0"/>
+              </a:xfrm>
+              <a:prstGeom prst="line">
+                <a:avLst/>
+              </a:prstGeom>
+              <a:ln w="19050">
+                <a:solidFill>
+                  <a:srgbClr val="7030A0"/>
+                </a:solidFill>
+              </a:ln>
+            </p:spPr>
+            <p:style>
+              <a:lnRef idx="1">
+                <a:schemeClr val="accent1"/>
+              </a:lnRef>
+              <a:fillRef idx="0">
+                <a:schemeClr val="accent1"/>
+              </a:fillRef>
+              <a:effectRef idx="0">
+                <a:schemeClr val="accent1"/>
+              </a:effectRef>
+              <a:fontRef idx="minor">
+                <a:schemeClr val="tx1"/>
+              </a:fontRef>
+            </p:style>
+          </p:cxnSp>
+          <p:cxnSp>
+            <p:nvCxnSpPr>
+              <p:cNvPr id="28" name="Connettore 1 68"/>
+              <p:cNvCxnSpPr/>
+              <p:nvPr/>
+            </p:nvCxnSpPr>
+            <p:spPr>
+              <a:xfrm>
+                <a:off x="4530003" y="3457256"/>
+                <a:ext cx="258163" cy="0"/>
+              </a:xfrm>
+              <a:prstGeom prst="line">
+                <a:avLst/>
+              </a:prstGeom>
+              <a:ln w="19050">
+                <a:solidFill>
+                  <a:srgbClr val="7030A0"/>
+                </a:solidFill>
+              </a:ln>
+            </p:spPr>
+            <p:style>
+              <a:lnRef idx="1">
+                <a:schemeClr val="accent1"/>
+              </a:lnRef>
+              <a:fillRef idx="0">
+                <a:schemeClr val="accent1"/>
+              </a:fillRef>
+              <a:effectRef idx="0">
+                <a:schemeClr val="accent1"/>
+              </a:effectRef>
+              <a:fontRef idx="minor">
+                <a:schemeClr val="tx1"/>
+              </a:fontRef>
+            </p:style>
+          </p:cxnSp>
+          <p:cxnSp>
+            <p:nvCxnSpPr>
+              <p:cNvPr id="29" name="Connettore 1 69"/>
+              <p:cNvCxnSpPr/>
+              <p:nvPr/>
+            </p:nvCxnSpPr>
+            <p:spPr>
+              <a:xfrm>
+                <a:off x="4530003" y="3522219"/>
+                <a:ext cx="258163" cy="0"/>
+              </a:xfrm>
+              <a:prstGeom prst="line">
+                <a:avLst/>
+              </a:prstGeom>
+              <a:ln w="19050">
+                <a:solidFill>
+                  <a:srgbClr val="7030A0"/>
+                </a:solidFill>
+              </a:ln>
+            </p:spPr>
+            <p:style>
+              <a:lnRef idx="1">
+                <a:schemeClr val="accent1"/>
+              </a:lnRef>
+              <a:fillRef idx="0">
+                <a:schemeClr val="accent1"/>
+              </a:fillRef>
+              <a:effectRef idx="0">
+                <a:schemeClr val="accent1"/>
+              </a:effectRef>
+              <a:fontRef idx="minor">
+                <a:schemeClr val="tx1"/>
+              </a:fontRef>
+            </p:style>
+          </p:cxnSp>
+        </p:grpSp>
+      </p:grpSp>
+      <p:sp>
+        <p:nvSpPr>
+          <p:cNvPr id="52" name="Freccia a incrocio 51"/>
+          <p:cNvSpPr/>
+          <p:nvPr/>
+        </p:nvSpPr>
+        <p:spPr>
+          <a:xfrm>
+            <a:off x="6796847" y="2058650"/>
+            <a:ext cx="505436" cy="538792"/>
+          </a:xfrm>
+          <a:prstGeom prst="quadArrow">
+            <a:avLst/>
+          </a:prstGeom>
+          <a:solidFill>
+            <a:srgbClr val="7030A0"/>
+          </a:solidFill>
+          <a:ln>
+            <a:solidFill>
+              <a:srgbClr val="7030A0"/>
+            </a:solidFill>
+          </a:ln>
+        </p:spPr>
+        <p:style>
+          <a:lnRef idx="2">
+            <a:schemeClr val="accent1">
+              <a:shade val="50000"/>
+            </a:schemeClr>
+          </a:lnRef>
+          <a:fillRef idx="1">
+            <a:schemeClr val="accent1"/>
+          </a:fillRef>
+          <a:effectRef idx="0">
+            <a:schemeClr val="accent1"/>
+          </a:effectRef>
+          <a:fontRef idx="minor">
+            <a:schemeClr val="lt1"/>
+          </a:fontRef>
+        </p:style>
+        <p:txBody>
+          <a:bodyPr rtlCol="0" anchor="ctr"/>
+          <a:lstStyle/>
+          <a:p>
+            <a:pPr algn="ctr"/>
+            <a:endParaRPr lang="en-US"/>
+          </a:p>
+        </p:txBody>
+      </p:sp>
+      <p:grpSp>
+        <p:nvGrpSpPr>
+          <p:cNvPr id="54" name="Gruppo 53"/>
+          <p:cNvGrpSpPr/>
+          <p:nvPr/>
+        </p:nvGrpSpPr>
+        <p:grpSpPr>
+          <a:xfrm>
+            <a:off x="711654" y="1578638"/>
+            <a:ext cx="1106809" cy="1339141"/>
+            <a:chOff x="3350195" y="2804266"/>
+            <a:chExt cx="1382515" cy="1619952"/>
+          </a:xfrm>
+        </p:grpSpPr>
+        <p:sp>
+          <p:nvSpPr>
+            <p:cNvPr id="55" name="Scheda 54"/>
+            <p:cNvSpPr/>
+            <p:nvPr/>
+          </p:nvSpPr>
+          <p:spPr>
+            <a:xfrm flipH="1">
+              <a:off x="3596637" y="3048000"/>
+              <a:ext cx="1136073" cy="1376218"/>
+            </a:xfrm>
+            <a:prstGeom prst="flowChartPunchedCard">
+              <a:avLst/>
+            </a:prstGeom>
+            <a:solidFill>
+              <a:schemeClr val="bg1"/>
+            </a:solidFill>
+            <a:ln w="38100">
+              <a:solidFill>
+                <a:srgbClr val="7030A0"/>
+              </a:solidFill>
+            </a:ln>
+          </p:spPr>
+          <p:style>
+            <a:lnRef idx="2">
+              <a:schemeClr val="accent1">
+                <a:shade val="50000"/>
+              </a:schemeClr>
+            </a:lnRef>
+            <a:fillRef idx="1">
+              <a:schemeClr val="accent1"/>
+            </a:fillRef>
+            <a:effectRef idx="0">
+              <a:schemeClr val="accent1"/>
+            </a:effectRef>
+            <a:fontRef idx="minor">
+              <a:schemeClr val="lt1"/>
+            </a:fontRef>
+          </p:style>
+          <p:txBody>
+            <a:bodyPr rtlCol="0" anchor="ctr"/>
+            <a:lstStyle/>
+            <a:p>
+              <a:pPr algn="ctr"/>
+              <a:endParaRPr lang="en-US"/>
+            </a:p>
+          </p:txBody>
+        </p:sp>
+        <p:sp>
+          <p:nvSpPr>
+            <p:cNvPr id="56" name="Ovale 55"/>
+            <p:cNvSpPr/>
+            <p:nvPr/>
+          </p:nvSpPr>
+          <p:spPr>
+            <a:xfrm>
+              <a:off x="3350195" y="2804266"/>
+              <a:ext cx="492890" cy="492890"/>
+            </a:xfrm>
+            <a:prstGeom prst="ellipse">
+              <a:avLst/>
+            </a:prstGeom>
+            <a:solidFill>
+              <a:schemeClr val="bg1"/>
+            </a:solidFill>
+            <a:ln w="19050">
+              <a:solidFill>
+                <a:srgbClr val="7030A0"/>
+              </a:solidFill>
+            </a:ln>
+          </p:spPr>
+          <p:style>
+            <a:lnRef idx="2">
+              <a:schemeClr val="accent1">
+                <a:shade val="50000"/>
+              </a:schemeClr>
+            </a:lnRef>
+            <a:fillRef idx="1">
+              <a:schemeClr val="accent1"/>
+            </a:fillRef>
+            <a:effectRef idx="0">
+              <a:schemeClr val="accent1"/>
+            </a:effectRef>
+            <a:fontRef idx="minor">
+              <a:schemeClr val="lt1"/>
+            </a:fontRef>
+          </p:style>
+          <p:txBody>
+            <a:bodyPr rtlCol="0" anchor="ctr"/>
+            <a:lstStyle/>
+            <a:p>
+              <a:pPr algn="ctr"/>
+              <a:endParaRPr lang="en-US">
+                <a:ln>
+                  <a:solidFill>
+                    <a:srgbClr val="7030A0"/>
+                  </a:solidFill>
+                </a:ln>
+                <a:solidFill>
+                  <a:srgbClr val="7030A0"/>
+                </a:solidFill>
+              </a:endParaRPr>
+            </a:p>
+          </p:txBody>
+        </p:sp>
+        <p:grpSp>
+          <p:nvGrpSpPr>
+            <p:cNvPr id="57" name="Gruppo 56"/>
+            <p:cNvGrpSpPr/>
+            <p:nvPr/>
+          </p:nvGrpSpPr>
+          <p:grpSpPr>
+            <a:xfrm>
+              <a:off x="3350195" y="2804266"/>
+              <a:ext cx="492890" cy="492890"/>
+              <a:chOff x="5316567" y="2715285"/>
+              <a:chExt cx="325790" cy="325790"/>
+            </a:xfrm>
+          </p:grpSpPr>
+          <p:sp>
+            <p:nvSpPr>
+              <p:cNvPr id="58" name="Ovale 57"/>
+              <p:cNvSpPr/>
+              <p:nvPr/>
+            </p:nvSpPr>
+            <p:spPr>
+              <a:xfrm>
+                <a:off x="5316567" y="2715285"/>
+                <a:ext cx="325790" cy="325790"/>
+              </a:xfrm>
+              <a:prstGeom prst="ellipse">
+                <a:avLst/>
+              </a:prstGeom>
+              <a:gradFill flip="none" rotWithShape="1">
+                <a:gsLst>
+                  <a:gs pos="26000">
+                    <a:srgbClr val="7030A0">
+                      <a:tint val="66000"/>
+                      <a:satMod val="160000"/>
+                    </a:srgbClr>
+                  </a:gs>
+                  <a:gs pos="24000">
+                    <a:srgbClr val="7030A0">
+                      <a:tint val="66000"/>
+                      <a:satMod val="160000"/>
+                      <a:lumMod val="56000"/>
+                    </a:srgbClr>
+                  </a:gs>
+                  <a:gs pos="27000">
+                    <a:srgbClr val="7030A0">
+                      <a:tint val="23500"/>
+                      <a:satMod val="160000"/>
+                      <a:alpha val="0"/>
+                      <a:lumMod val="100000"/>
+                    </a:srgbClr>
+                  </a:gs>
+                </a:gsLst>
+                <a:lin ang="5400000" scaled="1"/>
+                <a:tileRect/>
+              </a:gradFill>
+              <a:ln w="19050">
+                <a:solidFill>
+                  <a:srgbClr val="7030A0"/>
+                </a:solidFill>
+              </a:ln>
+            </p:spPr>
+            <p:style>
+              <a:lnRef idx="2">
+                <a:schemeClr val="accent1">
+                  <a:shade val="50000"/>
+                </a:schemeClr>
+              </a:lnRef>
+              <a:fillRef idx="1">
+                <a:schemeClr val="accent1"/>
+              </a:fillRef>
+              <a:effectRef idx="0">
+                <a:schemeClr val="accent1"/>
+              </a:effectRef>
+              <a:fontRef idx="minor">
+                <a:schemeClr val="lt1"/>
+              </a:fontRef>
+            </p:style>
+            <p:txBody>
+              <a:bodyPr rtlCol="0" anchor="ctr"/>
+              <a:lstStyle/>
+              <a:p>
+                <a:pPr algn="ctr"/>
+                <a:endParaRPr lang="en-US">
+                  <a:ln>
+                    <a:solidFill>
+                      <a:srgbClr val="7030A0"/>
+                    </a:solidFill>
+                  </a:ln>
+                  <a:solidFill>
+                    <a:srgbClr val="7030A0"/>
+                  </a:solidFill>
+                </a:endParaRPr>
+              </a:p>
+            </p:txBody>
+          </p:sp>
+          <p:cxnSp>
+            <p:nvCxnSpPr>
+              <p:cNvPr id="59" name="Connettore 1 26"/>
+              <p:cNvCxnSpPr/>
+              <p:nvPr/>
+            </p:nvCxnSpPr>
+            <p:spPr>
+              <a:xfrm>
+                <a:off x="5366958" y="2832058"/>
+                <a:ext cx="230369" cy="0"/>
+              </a:xfrm>
+              <a:prstGeom prst="line">
+                <a:avLst/>
+              </a:prstGeom>
+              <a:ln w="19050">
+                <a:solidFill>
+                  <a:srgbClr val="7030A0"/>
+                </a:solidFill>
+              </a:ln>
+            </p:spPr>
+            <p:style>
+              <a:lnRef idx="1">
+                <a:schemeClr val="accent1"/>
+              </a:lnRef>
+              <a:fillRef idx="0">
+                <a:schemeClr val="accent1"/>
+              </a:fillRef>
+              <a:effectRef idx="0">
+                <a:schemeClr val="accent1"/>
+              </a:effectRef>
+              <a:fontRef idx="minor">
+                <a:schemeClr val="tx1"/>
+              </a:fontRef>
+            </p:style>
+          </p:cxnSp>
+          <p:cxnSp>
+            <p:nvCxnSpPr>
+              <p:cNvPr id="60" name="Connettore 1 27"/>
+              <p:cNvCxnSpPr/>
+              <p:nvPr/>
+            </p:nvCxnSpPr>
+            <p:spPr>
+              <a:xfrm>
+                <a:off x="5364276" y="2886008"/>
+                <a:ext cx="230369" cy="0"/>
+              </a:xfrm>
+              <a:prstGeom prst="line">
+                <a:avLst/>
+              </a:prstGeom>
+              <a:ln w="19050">
+                <a:solidFill>
+                  <a:srgbClr val="7030A0"/>
+                </a:solidFill>
+              </a:ln>
+            </p:spPr>
+            <p:style>
+              <a:lnRef idx="1">
+                <a:schemeClr val="accent1"/>
+              </a:lnRef>
+              <a:fillRef idx="0">
+                <a:schemeClr val="accent1"/>
+              </a:fillRef>
+              <a:effectRef idx="0">
+                <a:schemeClr val="accent1"/>
+              </a:effectRef>
+              <a:fontRef idx="minor">
+                <a:schemeClr val="tx1"/>
+              </a:fontRef>
+            </p:style>
+          </p:cxnSp>
+          <p:cxnSp>
+            <p:nvCxnSpPr>
+              <p:cNvPr id="61" name="Connettore 1 28"/>
+              <p:cNvCxnSpPr/>
+              <p:nvPr/>
+            </p:nvCxnSpPr>
+            <p:spPr>
+              <a:xfrm>
+                <a:off x="5364276" y="2943977"/>
+                <a:ext cx="230369" cy="0"/>
+              </a:xfrm>
+              <a:prstGeom prst="line">
+                <a:avLst/>
+              </a:prstGeom>
+              <a:ln w="19050">
+                <a:solidFill>
+                  <a:srgbClr val="7030A0"/>
+                </a:solidFill>
+              </a:ln>
+            </p:spPr>
+            <p:style>
+              <a:lnRef idx="1">
+                <a:schemeClr val="accent1"/>
+              </a:lnRef>
+              <a:fillRef idx="0">
+                <a:schemeClr val="accent1"/>
+              </a:fillRef>
+              <a:effectRef idx="0">
+                <a:schemeClr val="accent1"/>
+              </a:effectRef>
+              <a:fontRef idx="minor">
+                <a:schemeClr val="tx1"/>
+              </a:fontRef>
+            </p:style>
+          </p:cxnSp>
+        </p:grpSp>
+      </p:grpSp>
+      <p:grpSp>
+        <p:nvGrpSpPr>
+          <p:cNvPr id="62" name="Gruppo 61"/>
+          <p:cNvGrpSpPr/>
+          <p:nvPr/>
+        </p:nvGrpSpPr>
+        <p:grpSpPr>
+          <a:xfrm>
+            <a:off x="3364775" y="2162379"/>
+            <a:ext cx="1106809" cy="1339141"/>
+            <a:chOff x="3350195" y="2804266"/>
+            <a:chExt cx="1382515" cy="1619952"/>
+          </a:xfrm>
+        </p:grpSpPr>
+        <p:sp>
+          <p:nvSpPr>
+            <p:cNvPr id="63" name="Scheda 62"/>
+            <p:cNvSpPr/>
+            <p:nvPr/>
+          </p:nvSpPr>
+          <p:spPr>
+            <a:xfrm flipH="1">
+              <a:off x="3596637" y="3048000"/>
+              <a:ext cx="1136073" cy="1376218"/>
+            </a:xfrm>
+            <a:prstGeom prst="flowChartPunchedCard">
+              <a:avLst/>
+            </a:prstGeom>
+            <a:solidFill>
+              <a:schemeClr val="bg1"/>
+            </a:solidFill>
+            <a:ln w="38100">
+              <a:solidFill>
+                <a:srgbClr val="7030A0"/>
+              </a:solidFill>
+            </a:ln>
+          </p:spPr>
+          <p:style>
+            <a:lnRef idx="2">
+              <a:schemeClr val="accent1">
+                <a:shade val="50000"/>
+              </a:schemeClr>
+            </a:lnRef>
+            <a:fillRef idx="1">
+              <a:schemeClr val="accent1"/>
+            </a:fillRef>
+            <a:effectRef idx="0">
+              <a:schemeClr val="accent1"/>
+            </a:effectRef>
+            <a:fontRef idx="minor">
+              <a:schemeClr val="lt1"/>
+            </a:fontRef>
+          </p:style>
+          <p:txBody>
+            <a:bodyPr rtlCol="0" anchor="ctr"/>
+            <a:lstStyle/>
+            <a:p>
+              <a:pPr algn="ctr"/>
+              <a:endParaRPr lang="en-US"/>
+            </a:p>
+          </p:txBody>
+        </p:sp>
+        <p:sp>
+          <p:nvSpPr>
+            <p:cNvPr id="64" name="Ovale 63"/>
+            <p:cNvSpPr/>
+            <p:nvPr/>
+          </p:nvSpPr>
+          <p:spPr>
+            <a:xfrm>
+              <a:off x="3350195" y="2804266"/>
+              <a:ext cx="492890" cy="492890"/>
+            </a:xfrm>
+            <a:prstGeom prst="ellipse">
+              <a:avLst/>
+            </a:prstGeom>
+            <a:solidFill>
+              <a:schemeClr val="bg1"/>
+            </a:solidFill>
+            <a:ln w="19050">
+              <a:solidFill>
+                <a:srgbClr val="7030A0"/>
+              </a:solidFill>
+            </a:ln>
+          </p:spPr>
+          <p:style>
+            <a:lnRef idx="2">
+              <a:schemeClr val="accent1">
+                <a:shade val="50000"/>
+              </a:schemeClr>
+            </a:lnRef>
+            <a:fillRef idx="1">
+              <a:schemeClr val="accent1"/>
+            </a:fillRef>
+            <a:effectRef idx="0">
+              <a:schemeClr val="accent1"/>
+            </a:effectRef>
+            <a:fontRef idx="minor">
+              <a:schemeClr val="lt1"/>
+            </a:fontRef>
+          </p:style>
+          <p:txBody>
+            <a:bodyPr rtlCol="0" anchor="ctr"/>
+            <a:lstStyle/>
+            <a:p>
+              <a:pPr algn="ctr"/>
+              <a:endParaRPr lang="en-US">
+                <a:ln>
+                  <a:solidFill>
+                    <a:srgbClr val="7030A0"/>
+                  </a:solidFill>
+                </a:ln>
+                <a:solidFill>
+                  <a:srgbClr val="7030A0"/>
+                </a:solidFill>
+              </a:endParaRPr>
+            </a:p>
+          </p:txBody>
+        </p:sp>
+        <p:grpSp>
+          <p:nvGrpSpPr>
+            <p:cNvPr id="65" name="Gruppo 64"/>
+            <p:cNvGrpSpPr/>
+            <p:nvPr/>
+          </p:nvGrpSpPr>
+          <p:grpSpPr>
+            <a:xfrm>
+              <a:off x="3350195" y="2804266"/>
+              <a:ext cx="492890" cy="492890"/>
+              <a:chOff x="5316567" y="2715285"/>
+              <a:chExt cx="325790" cy="325790"/>
+            </a:xfrm>
+          </p:grpSpPr>
+          <p:sp>
+            <p:nvSpPr>
+              <p:cNvPr id="66" name="Ovale 65"/>
+              <p:cNvSpPr/>
+              <p:nvPr/>
+            </p:nvSpPr>
+            <p:spPr>
+              <a:xfrm>
+                <a:off x="5316567" y="2715285"/>
+                <a:ext cx="325790" cy="325790"/>
+              </a:xfrm>
+              <a:prstGeom prst="ellipse">
+                <a:avLst/>
+              </a:prstGeom>
+              <a:gradFill flip="none" rotWithShape="1">
+                <a:gsLst>
+                  <a:gs pos="26000">
+                    <a:srgbClr val="7030A0">
+                      <a:tint val="66000"/>
+                      <a:satMod val="160000"/>
+                    </a:srgbClr>
+                  </a:gs>
+                  <a:gs pos="24000">
+                    <a:srgbClr val="7030A0">
+                      <a:tint val="66000"/>
+                      <a:satMod val="160000"/>
+                      <a:lumMod val="56000"/>
+                    </a:srgbClr>
+                  </a:gs>
+                  <a:gs pos="27000">
+                    <a:srgbClr val="7030A0">
+                      <a:tint val="23500"/>
+                      <a:satMod val="160000"/>
+                      <a:alpha val="0"/>
+                      <a:lumMod val="100000"/>
+                    </a:srgbClr>
+                  </a:gs>
+                </a:gsLst>
+                <a:lin ang="5400000" scaled="1"/>
+                <a:tileRect/>
+              </a:gradFill>
+              <a:ln w="19050">
+                <a:solidFill>
+                  <a:srgbClr val="7030A0"/>
+                </a:solidFill>
+              </a:ln>
+            </p:spPr>
+            <p:style>
+              <a:lnRef idx="2">
+                <a:schemeClr val="accent1">
+                  <a:shade val="50000"/>
+                </a:schemeClr>
+              </a:lnRef>
+              <a:fillRef idx="1">
+                <a:schemeClr val="accent1"/>
+              </a:fillRef>
+              <a:effectRef idx="0">
+                <a:schemeClr val="accent1"/>
+              </a:effectRef>
+              <a:fontRef idx="minor">
+                <a:schemeClr val="lt1"/>
+              </a:fontRef>
+            </p:style>
+            <p:txBody>
+              <a:bodyPr rtlCol="0" anchor="ctr"/>
+              <a:lstStyle/>
+              <a:p>
+                <a:pPr algn="ctr"/>
+                <a:endParaRPr lang="en-US">
+                  <a:ln>
+                    <a:solidFill>
+                      <a:srgbClr val="7030A0"/>
+                    </a:solidFill>
+                  </a:ln>
+                  <a:solidFill>
+                    <a:srgbClr val="7030A0"/>
+                  </a:solidFill>
+                </a:endParaRPr>
+              </a:p>
+            </p:txBody>
+          </p:sp>
+          <p:cxnSp>
+            <p:nvCxnSpPr>
+              <p:cNvPr id="67" name="Connettore 1 26"/>
+              <p:cNvCxnSpPr/>
+              <p:nvPr/>
+            </p:nvCxnSpPr>
+            <p:spPr>
+              <a:xfrm>
+                <a:off x="5366958" y="2832058"/>
+                <a:ext cx="230369" cy="0"/>
+              </a:xfrm>
+              <a:prstGeom prst="line">
+                <a:avLst/>
+              </a:prstGeom>
+              <a:ln w="19050">
+                <a:solidFill>
+                  <a:srgbClr val="7030A0"/>
+                </a:solidFill>
+              </a:ln>
+            </p:spPr>
+            <p:style>
+              <a:lnRef idx="1">
+                <a:schemeClr val="accent1"/>
+              </a:lnRef>
+              <a:fillRef idx="0">
+                <a:schemeClr val="accent1"/>
+              </a:fillRef>
+              <a:effectRef idx="0">
+                <a:schemeClr val="accent1"/>
+              </a:effectRef>
+              <a:fontRef idx="minor">
+                <a:schemeClr val="tx1"/>
+              </a:fontRef>
+            </p:style>
+          </p:cxnSp>
+          <p:cxnSp>
+            <p:nvCxnSpPr>
+              <p:cNvPr id="68" name="Connettore 1 27"/>
+              <p:cNvCxnSpPr/>
+              <p:nvPr/>
+            </p:nvCxnSpPr>
+            <p:spPr>
+              <a:xfrm>
+                <a:off x="5364276" y="2886008"/>
+                <a:ext cx="230369" cy="0"/>
+              </a:xfrm>
+              <a:prstGeom prst="line">
+                <a:avLst/>
+              </a:prstGeom>
+              <a:ln w="19050">
+                <a:solidFill>
+                  <a:srgbClr val="7030A0"/>
+                </a:solidFill>
+              </a:ln>
+            </p:spPr>
+            <p:style>
+              <a:lnRef idx="1">
+                <a:schemeClr val="accent1"/>
+              </a:lnRef>
+              <a:fillRef idx="0">
+                <a:schemeClr val="accent1"/>
+              </a:fillRef>
+              <a:effectRef idx="0">
+                <a:schemeClr val="accent1"/>
+              </a:effectRef>
+              <a:fontRef idx="minor">
+                <a:schemeClr val="tx1"/>
+              </a:fontRef>
+            </p:style>
+          </p:cxnSp>
+          <p:cxnSp>
+            <p:nvCxnSpPr>
+              <p:cNvPr id="69" name="Connettore 1 28"/>
+              <p:cNvCxnSpPr/>
+              <p:nvPr/>
+            </p:nvCxnSpPr>
+            <p:spPr>
+              <a:xfrm>
+                <a:off x="5364276" y="2943977"/>
+                <a:ext cx="230369" cy="0"/>
+              </a:xfrm>
+              <a:prstGeom prst="line">
+                <a:avLst/>
+              </a:prstGeom>
+              <a:ln w="19050">
+                <a:solidFill>
+                  <a:srgbClr val="7030A0"/>
+                </a:solidFill>
+              </a:ln>
+            </p:spPr>
+            <p:style>
+              <a:lnRef idx="1">
+                <a:schemeClr val="accent1"/>
+              </a:lnRef>
+              <a:fillRef idx="0">
+                <a:schemeClr val="accent1"/>
+              </a:fillRef>
+              <a:effectRef idx="0">
+                <a:schemeClr val="accent1"/>
+              </a:effectRef>
+              <a:fontRef idx="minor">
+                <a:schemeClr val="tx1"/>
+              </a:fontRef>
+            </p:style>
+          </p:cxnSp>
+        </p:grpSp>
+      </p:grpSp>
+      <p:sp>
+        <p:nvSpPr>
+          <p:cNvPr id="70" name="Freccia a incrocio 69"/>
+          <p:cNvSpPr/>
+          <p:nvPr/>
+        </p:nvSpPr>
+        <p:spPr>
+          <a:xfrm>
+            <a:off x="1565745" y="2033393"/>
+            <a:ext cx="505436" cy="538792"/>
+          </a:xfrm>
+          <a:prstGeom prst="quadArrow">
+            <a:avLst/>
+          </a:prstGeom>
+          <a:solidFill>
+            <a:srgbClr val="7030A0"/>
+          </a:solidFill>
+          <a:ln>
+            <a:solidFill>
+              <a:srgbClr val="7030A0"/>
+            </a:solidFill>
+          </a:ln>
+        </p:spPr>
+        <p:style>
+          <a:lnRef idx="2">
+            <a:schemeClr val="accent1">
+              <a:shade val="50000"/>
+            </a:schemeClr>
+          </a:lnRef>
+          <a:fillRef idx="1">
+            <a:schemeClr val="accent1"/>
+          </a:fillRef>
+          <a:effectRef idx="0">
+            <a:schemeClr val="accent1"/>
+          </a:effectRef>
+          <a:fontRef idx="minor">
+            <a:schemeClr val="lt1"/>
+          </a:fontRef>
+        </p:style>
+        <p:txBody>
+          <a:bodyPr rtlCol="0" anchor="ctr"/>
+          <a:lstStyle/>
+          <a:p>
+            <a:pPr algn="ctr"/>
+            <a:endParaRPr lang="en-US"/>
+          </a:p>
+        </p:txBody>
+      </p:sp>
+      <p:sp>
+        <p:nvSpPr>
+          <p:cNvPr id="71" name="Freccia a incrocio 70"/>
+          <p:cNvSpPr/>
+          <p:nvPr/>
+        </p:nvSpPr>
+        <p:spPr>
+          <a:xfrm>
+            <a:off x="4256684" y="2636149"/>
+            <a:ext cx="505436" cy="538792"/>
+          </a:xfrm>
+          <a:prstGeom prst="quadArrow">
+            <a:avLst/>
+          </a:prstGeom>
+          <a:solidFill>
+            <a:srgbClr val="7030A0"/>
+          </a:solidFill>
+          <a:ln>
+            <a:solidFill>
+              <a:srgbClr val="7030A0"/>
+            </a:solidFill>
+          </a:ln>
+        </p:spPr>
+        <p:style>
+          <a:lnRef idx="2">
+            <a:schemeClr val="accent1">
+              <a:shade val="50000"/>
+            </a:schemeClr>
+          </a:lnRef>
+          <a:fillRef idx="1">
+            <a:schemeClr val="accent1"/>
+          </a:fillRef>
+          <a:effectRef idx="0">
+            <a:schemeClr val="accent1"/>
+          </a:effectRef>
+          <a:fontRef idx="minor">
+            <a:schemeClr val="lt1"/>
+          </a:fontRef>
+        </p:style>
+        <p:txBody>
+          <a:bodyPr rtlCol="0" anchor="ctr"/>
+          <a:lstStyle/>
+          <a:p>
+            <a:pPr algn="ctr"/>
+            <a:endParaRPr lang="en-US"/>
+          </a:p>
+        </p:txBody>
+      </p:sp>
+      <p:grpSp>
+        <p:nvGrpSpPr>
+          <p:cNvPr id="72" name="Gruppo 71"/>
+          <p:cNvGrpSpPr/>
+          <p:nvPr/>
+        </p:nvGrpSpPr>
+        <p:grpSpPr>
+          <a:xfrm>
+            <a:off x="5946580" y="4459462"/>
+            <a:ext cx="1119899" cy="1348015"/>
+            <a:chOff x="5176105" y="2793531"/>
+            <a:chExt cx="1398866" cy="1630687"/>
+          </a:xfrm>
+        </p:grpSpPr>
+        <p:sp>
+          <p:nvSpPr>
+            <p:cNvPr id="73" name="Scheda 72"/>
+            <p:cNvSpPr/>
+            <p:nvPr/>
+          </p:nvSpPr>
+          <p:spPr>
+            <a:xfrm flipH="1">
+              <a:off x="5438898" y="3048000"/>
+              <a:ext cx="1136073" cy="1376218"/>
+            </a:xfrm>
+            <a:prstGeom prst="flowChartPunchedCard">
+              <a:avLst/>
+            </a:prstGeom>
+            <a:solidFill>
+              <a:schemeClr val="bg1"/>
+            </a:solidFill>
+            <a:ln w="38100">
+              <a:solidFill>
+                <a:srgbClr val="7030A0"/>
+              </a:solidFill>
+            </a:ln>
+          </p:spPr>
+          <p:style>
+            <a:lnRef idx="2">
+              <a:schemeClr val="accent1">
+                <a:shade val="50000"/>
+              </a:schemeClr>
+            </a:lnRef>
+            <a:fillRef idx="1">
+              <a:schemeClr val="accent1"/>
+            </a:fillRef>
+            <a:effectRef idx="0">
+              <a:schemeClr val="accent1"/>
+            </a:effectRef>
+            <a:fontRef idx="minor">
+              <a:schemeClr val="lt1"/>
+            </a:fontRef>
+          </p:style>
+          <p:txBody>
+            <a:bodyPr rtlCol="0" anchor="ctr"/>
+            <a:lstStyle/>
+            <a:p>
+              <a:pPr algn="ctr"/>
+              <a:endParaRPr lang="en-US"/>
+            </a:p>
+          </p:txBody>
+        </p:sp>
+        <p:sp>
+          <p:nvSpPr>
+            <p:cNvPr id="74" name="Ovale 73"/>
+            <p:cNvSpPr/>
+            <p:nvPr/>
+          </p:nvSpPr>
+          <p:spPr>
+            <a:xfrm>
+              <a:off x="5192453" y="2804266"/>
+              <a:ext cx="492890" cy="492890"/>
+            </a:xfrm>
+            <a:prstGeom prst="ellipse">
+              <a:avLst/>
+            </a:prstGeom>
+            <a:solidFill>
+              <a:schemeClr val="bg1"/>
+            </a:solidFill>
+            <a:ln w="19050">
+              <a:solidFill>
+                <a:srgbClr val="7030A0"/>
+              </a:solidFill>
+            </a:ln>
+          </p:spPr>
+          <p:style>
+            <a:lnRef idx="2">
+              <a:schemeClr val="accent1">
+                <a:shade val="50000"/>
+              </a:schemeClr>
+            </a:lnRef>
+            <a:fillRef idx="1">
+              <a:schemeClr val="accent1"/>
+            </a:fillRef>
+            <a:effectRef idx="0">
+              <a:schemeClr val="accent1"/>
+            </a:effectRef>
+            <a:fontRef idx="minor">
+              <a:schemeClr val="lt1"/>
+            </a:fontRef>
+          </p:style>
+          <p:txBody>
+            <a:bodyPr rtlCol="0" anchor="ctr"/>
+            <a:lstStyle/>
+            <a:p>
+              <a:pPr algn="ctr"/>
+              <a:endParaRPr lang="en-US">
+                <a:ln>
+                  <a:solidFill>
+                    <a:srgbClr val="7030A0"/>
+                  </a:solidFill>
+                </a:ln>
+                <a:solidFill>
+                  <a:srgbClr val="7030A0"/>
+                </a:solidFill>
+              </a:endParaRPr>
+            </a:p>
+          </p:txBody>
+        </p:sp>
+        <p:grpSp>
+          <p:nvGrpSpPr>
+            <p:cNvPr id="75" name="Gruppo 74"/>
+            <p:cNvGrpSpPr/>
+            <p:nvPr/>
+          </p:nvGrpSpPr>
+          <p:grpSpPr>
+            <a:xfrm>
+              <a:off x="5176105" y="2793531"/>
+              <a:ext cx="532706" cy="532706"/>
+              <a:chOff x="4445500" y="3234900"/>
+              <a:chExt cx="427168" cy="427168"/>
+            </a:xfrm>
+          </p:grpSpPr>
+          <p:sp>
+            <p:nvSpPr>
+              <p:cNvPr id="76" name="Ovale 75"/>
+              <p:cNvSpPr/>
+              <p:nvPr/>
+            </p:nvSpPr>
+            <p:spPr>
+              <a:xfrm>
+                <a:off x="4445500" y="3234900"/>
+                <a:ext cx="427168" cy="427168"/>
+              </a:xfrm>
+              <a:prstGeom prst="ellipse">
+                <a:avLst/>
+              </a:prstGeom>
+              <a:solidFill>
+                <a:schemeClr val="bg1"/>
+              </a:solidFill>
+              <a:ln w="19050">
+                <a:solidFill>
+                  <a:srgbClr val="7030A0"/>
+                </a:solidFill>
+              </a:ln>
+            </p:spPr>
+            <p:style>
+              <a:lnRef idx="2">
+                <a:schemeClr val="accent1">
+                  <a:shade val="50000"/>
+                </a:schemeClr>
+              </a:lnRef>
+              <a:fillRef idx="1">
+                <a:schemeClr val="accent1"/>
+              </a:fillRef>
+              <a:effectRef idx="0">
+                <a:schemeClr val="accent1"/>
+              </a:effectRef>
+              <a:fontRef idx="minor">
+                <a:schemeClr val="lt1"/>
+              </a:fontRef>
+            </p:style>
+            <p:txBody>
+              <a:bodyPr rtlCol="0" anchor="ctr"/>
+              <a:lstStyle/>
+              <a:p>
+                <a:pPr algn="ctr"/>
+                <a:endParaRPr lang="en-US">
+                  <a:ln>
+                    <a:solidFill>
+                      <a:srgbClr val="7030A0"/>
+                    </a:solidFill>
+                  </a:ln>
+                  <a:solidFill>
+                    <a:schemeClr val="bg1"/>
+                  </a:solidFill>
+                </a:endParaRPr>
+              </a:p>
+            </p:txBody>
+          </p:sp>
+          <p:sp>
+            <p:nvSpPr>
+              <p:cNvPr id="77" name="Ovale 76"/>
+              <p:cNvSpPr/>
+              <p:nvPr/>
+            </p:nvSpPr>
+            <p:spPr>
+              <a:xfrm>
+                <a:off x="4476538" y="3265936"/>
+                <a:ext cx="365096" cy="365096"/>
+              </a:xfrm>
+              <a:prstGeom prst="ellipse">
+                <a:avLst/>
+              </a:prstGeom>
+              <a:gradFill flip="none" rotWithShape="1">
+                <a:gsLst>
+                  <a:gs pos="26000">
+                    <a:srgbClr val="7030A0">
+                      <a:tint val="66000"/>
+                      <a:satMod val="160000"/>
+                    </a:srgbClr>
+                  </a:gs>
+                  <a:gs pos="24000">
+                    <a:srgbClr val="7030A0">
+                      <a:tint val="66000"/>
+                      <a:satMod val="160000"/>
+                      <a:lumMod val="56000"/>
+                    </a:srgbClr>
+                  </a:gs>
+                  <a:gs pos="27000">
+                    <a:srgbClr val="7030A0">
+                      <a:tint val="23500"/>
+                      <a:satMod val="160000"/>
+                      <a:alpha val="0"/>
+                      <a:lumMod val="100000"/>
+                    </a:srgbClr>
+                  </a:gs>
+                </a:gsLst>
+                <a:lin ang="5400000" scaled="1"/>
+                <a:tileRect/>
+              </a:gradFill>
+              <a:ln w="19050">
+                <a:solidFill>
+                  <a:srgbClr val="7030A0"/>
+                </a:solidFill>
+              </a:ln>
+            </p:spPr>
+            <p:style>
+              <a:lnRef idx="2">
+                <a:schemeClr val="accent1">
+                  <a:shade val="50000"/>
+                </a:schemeClr>
+              </a:lnRef>
+              <a:fillRef idx="1">
+                <a:schemeClr val="accent1"/>
+              </a:fillRef>
+              <a:effectRef idx="0">
+                <a:schemeClr val="accent1"/>
+              </a:effectRef>
+              <a:fontRef idx="minor">
+                <a:schemeClr val="lt1"/>
+              </a:fontRef>
+            </p:style>
+            <p:txBody>
+              <a:bodyPr rtlCol="0" anchor="ctr"/>
+              <a:lstStyle/>
+              <a:p>
+                <a:pPr algn="ctr"/>
+                <a:endParaRPr lang="en-US">
+                  <a:ln>
+                    <a:solidFill>
+                      <a:srgbClr val="7030A0"/>
+                    </a:solidFill>
+                  </a:ln>
+                  <a:solidFill>
+                    <a:srgbClr val="7030A0"/>
+                  </a:solidFill>
+                </a:endParaRPr>
+              </a:p>
+            </p:txBody>
+          </p:sp>
+          <p:cxnSp>
+            <p:nvCxnSpPr>
+              <p:cNvPr id="78" name="Connettore 1 53"/>
+              <p:cNvCxnSpPr/>
+              <p:nvPr/>
+            </p:nvCxnSpPr>
+            <p:spPr>
+              <a:xfrm>
+                <a:off x="4533009" y="3396797"/>
+                <a:ext cx="258163" cy="0"/>
+              </a:xfrm>
+              <a:prstGeom prst="line">
+                <a:avLst/>
+              </a:prstGeom>
+              <a:ln w="19050">
+                <a:solidFill>
+                  <a:srgbClr val="7030A0"/>
+                </a:solidFill>
+              </a:ln>
+            </p:spPr>
+            <p:style>
+              <a:lnRef idx="1">
+                <a:schemeClr val="accent1"/>
+              </a:lnRef>
+              <a:fillRef idx="0">
+                <a:schemeClr val="accent1"/>
+              </a:fillRef>
+              <a:effectRef idx="0">
+                <a:schemeClr val="accent1"/>
+              </a:effectRef>
+              <a:fontRef idx="minor">
+                <a:schemeClr val="tx1"/>
+              </a:fontRef>
+            </p:style>
+          </p:cxnSp>
+          <p:cxnSp>
+            <p:nvCxnSpPr>
+              <p:cNvPr id="79" name="Connettore 1 54"/>
+              <p:cNvCxnSpPr/>
+              <p:nvPr/>
+            </p:nvCxnSpPr>
+            <p:spPr>
+              <a:xfrm>
+                <a:off x="4530003" y="3457256"/>
+                <a:ext cx="258163" cy="0"/>
+              </a:xfrm>
+              <a:prstGeom prst="line">
+                <a:avLst/>
+              </a:prstGeom>
+              <a:ln w="19050">
+                <a:solidFill>
+                  <a:srgbClr val="7030A0"/>
+                </a:solidFill>
+              </a:ln>
+            </p:spPr>
+            <p:style>
+              <a:lnRef idx="1">
+                <a:schemeClr val="accent1"/>
+              </a:lnRef>
+              <a:fillRef idx="0">
+                <a:schemeClr val="accent1"/>
+              </a:fillRef>
+              <a:effectRef idx="0">
+                <a:schemeClr val="accent1"/>
+              </a:effectRef>
+              <a:fontRef idx="minor">
+                <a:schemeClr val="tx1"/>
+              </a:fontRef>
+            </p:style>
+          </p:cxnSp>
+          <p:cxnSp>
+            <p:nvCxnSpPr>
+              <p:cNvPr id="80" name="Connettore 1 55"/>
+              <p:cNvCxnSpPr/>
+              <p:nvPr/>
+            </p:nvCxnSpPr>
+            <p:spPr>
+              <a:xfrm>
+                <a:off x="4530003" y="3522219"/>
+                <a:ext cx="258163" cy="0"/>
+              </a:xfrm>
+              <a:prstGeom prst="line">
+                <a:avLst/>
+              </a:prstGeom>
+              <a:ln w="19050">
+                <a:solidFill>
+                  <a:srgbClr val="7030A0"/>
+                </a:solidFill>
+              </a:ln>
+            </p:spPr>
+            <p:style>
+              <a:lnRef idx="1">
+                <a:schemeClr val="accent1"/>
+              </a:lnRef>
+              <a:fillRef idx="0">
+                <a:schemeClr val="accent1"/>
+              </a:fillRef>
+              <a:effectRef idx="0">
+                <a:schemeClr val="accent1"/>
+              </a:effectRef>
+              <a:fontRef idx="minor">
+                <a:schemeClr val="tx1"/>
+              </a:fontRef>
+            </p:style>
+          </p:cxnSp>
+        </p:grpSp>
+      </p:grpSp>
+      <p:grpSp>
+        <p:nvGrpSpPr>
+          <p:cNvPr id="81" name="Gruppo 80"/>
+          <p:cNvGrpSpPr/>
+          <p:nvPr/>
+        </p:nvGrpSpPr>
+        <p:grpSpPr>
+          <a:xfrm>
+            <a:off x="3351687" y="4488776"/>
+            <a:ext cx="1119899" cy="1348015"/>
+            <a:chOff x="5176105" y="2793531"/>
+            <a:chExt cx="1398869" cy="1630687"/>
+          </a:xfrm>
+        </p:grpSpPr>
+        <p:sp>
+          <p:nvSpPr>
+            <p:cNvPr id="82" name="Scheda 81"/>
+            <p:cNvSpPr/>
+            <p:nvPr/>
+          </p:nvSpPr>
+          <p:spPr>
+            <a:xfrm flipH="1">
+              <a:off x="5438901" y="3048000"/>
+              <a:ext cx="1136073" cy="1376218"/>
+            </a:xfrm>
+            <a:prstGeom prst="flowChartPunchedCard">
+              <a:avLst/>
+            </a:prstGeom>
+            <a:solidFill>
+              <a:schemeClr val="bg1"/>
+            </a:solidFill>
+            <a:ln w="38100">
+              <a:solidFill>
+                <a:srgbClr val="7030A0"/>
+              </a:solidFill>
+            </a:ln>
+          </p:spPr>
+          <p:style>
+            <a:lnRef idx="2">
+              <a:schemeClr val="accent1">
+                <a:shade val="50000"/>
+              </a:schemeClr>
+            </a:lnRef>
+            <a:fillRef idx="1">
+              <a:schemeClr val="accent1"/>
+            </a:fillRef>
+            <a:effectRef idx="0">
+              <a:schemeClr val="accent1"/>
+            </a:effectRef>
+            <a:fontRef idx="minor">
+              <a:schemeClr val="lt1"/>
+            </a:fontRef>
+          </p:style>
+          <p:txBody>
+            <a:bodyPr rtlCol="0" anchor="ctr"/>
+            <a:lstStyle/>
+            <a:p>
+              <a:pPr algn="ctr"/>
+              <a:endParaRPr lang="en-US"/>
+            </a:p>
+          </p:txBody>
+        </p:sp>
+        <p:sp>
+          <p:nvSpPr>
+            <p:cNvPr id="83" name="Ovale 82"/>
+            <p:cNvSpPr/>
+            <p:nvPr/>
+          </p:nvSpPr>
+          <p:spPr>
+            <a:xfrm>
+              <a:off x="5192453" y="2804266"/>
+              <a:ext cx="492890" cy="492890"/>
+            </a:xfrm>
+            <a:prstGeom prst="ellipse">
+              <a:avLst/>
+            </a:prstGeom>
+            <a:solidFill>
+              <a:schemeClr val="bg1"/>
+            </a:solidFill>
+            <a:ln w="19050">
+              <a:solidFill>
+                <a:srgbClr val="7030A0"/>
+              </a:solidFill>
+            </a:ln>
+          </p:spPr>
+          <p:style>
+            <a:lnRef idx="2">
+              <a:schemeClr val="accent1">
+                <a:shade val="50000"/>
+              </a:schemeClr>
+            </a:lnRef>
+            <a:fillRef idx="1">
+              <a:schemeClr val="accent1"/>
+            </a:fillRef>
+            <a:effectRef idx="0">
+              <a:schemeClr val="accent1"/>
+            </a:effectRef>
+            <a:fontRef idx="minor">
+              <a:schemeClr val="lt1"/>
+            </a:fontRef>
+          </p:style>
+          <p:txBody>
+            <a:bodyPr rtlCol="0" anchor="ctr"/>
+            <a:lstStyle/>
+            <a:p>
+              <a:pPr algn="ctr"/>
+              <a:endParaRPr lang="en-US">
+                <a:ln>
+                  <a:solidFill>
+                    <a:srgbClr val="7030A0"/>
+                  </a:solidFill>
+                </a:ln>
+                <a:solidFill>
+                  <a:srgbClr val="7030A0"/>
+                </a:solidFill>
+              </a:endParaRPr>
+            </a:p>
+          </p:txBody>
+        </p:sp>
+        <p:grpSp>
+          <p:nvGrpSpPr>
+            <p:cNvPr id="84" name="Gruppo 83"/>
+            <p:cNvGrpSpPr/>
+            <p:nvPr/>
+          </p:nvGrpSpPr>
+          <p:grpSpPr>
+            <a:xfrm>
+              <a:off x="5176105" y="2793531"/>
+              <a:ext cx="532706" cy="532706"/>
+              <a:chOff x="4445500" y="3234900"/>
+              <a:chExt cx="427168" cy="427168"/>
+            </a:xfrm>
+          </p:grpSpPr>
+          <p:sp>
+            <p:nvSpPr>
+              <p:cNvPr id="85" name="Ovale 84"/>
+              <p:cNvSpPr/>
+              <p:nvPr/>
+            </p:nvSpPr>
+            <p:spPr>
+              <a:xfrm>
+                <a:off x="4445500" y="3234900"/>
+                <a:ext cx="427168" cy="427168"/>
+              </a:xfrm>
+              <a:prstGeom prst="ellipse">
+                <a:avLst/>
+              </a:prstGeom>
+              <a:solidFill>
+                <a:schemeClr val="bg1"/>
+              </a:solidFill>
+              <a:ln w="19050">
+                <a:solidFill>
+                  <a:srgbClr val="7030A0"/>
+                </a:solidFill>
+              </a:ln>
+            </p:spPr>
+            <p:style>
+              <a:lnRef idx="2">
+                <a:schemeClr val="accent1">
+                  <a:shade val="50000"/>
+                </a:schemeClr>
+              </a:lnRef>
+              <a:fillRef idx="1">
+                <a:schemeClr val="accent1"/>
+              </a:fillRef>
+              <a:effectRef idx="0">
+                <a:schemeClr val="accent1"/>
+              </a:effectRef>
+              <a:fontRef idx="minor">
+                <a:schemeClr val="lt1"/>
+              </a:fontRef>
+            </p:style>
+            <p:txBody>
+              <a:bodyPr rtlCol="0" anchor="ctr"/>
+              <a:lstStyle/>
+              <a:p>
+                <a:pPr algn="ctr"/>
+                <a:endParaRPr lang="en-US">
+                  <a:ln>
+                    <a:solidFill>
+                      <a:srgbClr val="7030A0"/>
+                    </a:solidFill>
+                  </a:ln>
+                  <a:solidFill>
+                    <a:schemeClr val="bg1"/>
+                  </a:solidFill>
+                </a:endParaRPr>
+              </a:p>
+            </p:txBody>
+          </p:sp>
+          <p:sp>
+            <p:nvSpPr>
+              <p:cNvPr id="86" name="Ovale 85"/>
+              <p:cNvSpPr/>
+              <p:nvPr/>
+            </p:nvSpPr>
+            <p:spPr>
+              <a:xfrm>
+                <a:off x="4476538" y="3265936"/>
+                <a:ext cx="365096" cy="365096"/>
+              </a:xfrm>
+              <a:prstGeom prst="ellipse">
+                <a:avLst/>
+              </a:prstGeom>
+              <a:gradFill flip="none" rotWithShape="1">
+                <a:gsLst>
+                  <a:gs pos="26000">
+                    <a:srgbClr val="7030A0">
+                      <a:tint val="66000"/>
+                      <a:satMod val="160000"/>
+                    </a:srgbClr>
+                  </a:gs>
+                  <a:gs pos="24000">
+                    <a:srgbClr val="7030A0">
+                      <a:tint val="66000"/>
+                      <a:satMod val="160000"/>
+                      <a:lumMod val="56000"/>
+                    </a:srgbClr>
+                  </a:gs>
+                  <a:gs pos="27000">
+                    <a:srgbClr val="7030A0">
+                      <a:tint val="23500"/>
+                      <a:satMod val="160000"/>
+                      <a:alpha val="0"/>
+                      <a:lumMod val="100000"/>
+                    </a:srgbClr>
+                  </a:gs>
+                </a:gsLst>
+                <a:lin ang="5400000" scaled="1"/>
+                <a:tileRect/>
+              </a:gradFill>
+              <a:ln w="19050">
+                <a:solidFill>
+                  <a:srgbClr val="7030A0"/>
+                </a:solidFill>
+              </a:ln>
+            </p:spPr>
+            <p:style>
+              <a:lnRef idx="2">
+                <a:schemeClr val="accent1">
+                  <a:shade val="50000"/>
+                </a:schemeClr>
+              </a:lnRef>
+              <a:fillRef idx="1">
+                <a:schemeClr val="accent1"/>
+              </a:fillRef>
+              <a:effectRef idx="0">
+                <a:schemeClr val="accent1"/>
+              </a:effectRef>
+              <a:fontRef idx="minor">
+                <a:schemeClr val="lt1"/>
+              </a:fontRef>
+            </p:style>
+            <p:txBody>
+              <a:bodyPr rtlCol="0" anchor="ctr"/>
+              <a:lstStyle/>
+              <a:p>
+                <a:pPr algn="ctr"/>
+                <a:endParaRPr lang="en-US">
+                  <a:ln>
+                    <a:solidFill>
+                      <a:srgbClr val="7030A0"/>
+                    </a:solidFill>
+                  </a:ln>
+                  <a:solidFill>
+                    <a:srgbClr val="7030A0"/>
+                  </a:solidFill>
+                </a:endParaRPr>
+              </a:p>
+            </p:txBody>
+          </p:sp>
+          <p:cxnSp>
+            <p:nvCxnSpPr>
+              <p:cNvPr id="87" name="Connettore 1 53"/>
+              <p:cNvCxnSpPr/>
+              <p:nvPr/>
+            </p:nvCxnSpPr>
+            <p:spPr>
+              <a:xfrm>
+                <a:off x="4533009" y="3396797"/>
+                <a:ext cx="258163" cy="0"/>
+              </a:xfrm>
+              <a:prstGeom prst="line">
+                <a:avLst/>
+              </a:prstGeom>
+              <a:ln w="19050">
+                <a:solidFill>
+                  <a:srgbClr val="7030A0"/>
+                </a:solidFill>
+              </a:ln>
+            </p:spPr>
+            <p:style>
+              <a:lnRef idx="1">
+                <a:schemeClr val="accent1"/>
+              </a:lnRef>
+              <a:fillRef idx="0">
+                <a:schemeClr val="accent1"/>
+              </a:fillRef>
+              <a:effectRef idx="0">
+                <a:schemeClr val="accent1"/>
+              </a:effectRef>
+              <a:fontRef idx="minor">
+                <a:schemeClr val="tx1"/>
+              </a:fontRef>
+            </p:style>
+          </p:cxnSp>
+          <p:cxnSp>
+            <p:nvCxnSpPr>
+              <p:cNvPr id="88" name="Connettore 1 54"/>
+              <p:cNvCxnSpPr/>
+              <p:nvPr/>
+            </p:nvCxnSpPr>
+            <p:spPr>
+              <a:xfrm>
+                <a:off x="4530003" y="3457256"/>
+                <a:ext cx="258163" cy="0"/>
+              </a:xfrm>
+              <a:prstGeom prst="line">
+                <a:avLst/>
+              </a:prstGeom>
+              <a:ln w="19050">
+                <a:solidFill>
+                  <a:srgbClr val="7030A0"/>
+                </a:solidFill>
+              </a:ln>
+            </p:spPr>
+            <p:style>
+              <a:lnRef idx="1">
+                <a:schemeClr val="accent1"/>
+              </a:lnRef>
+              <a:fillRef idx="0">
+                <a:schemeClr val="accent1"/>
+              </a:fillRef>
+              <a:effectRef idx="0">
+                <a:schemeClr val="accent1"/>
+              </a:effectRef>
+              <a:fontRef idx="minor">
+                <a:schemeClr val="tx1"/>
+              </a:fontRef>
+            </p:style>
+          </p:cxnSp>
+          <p:cxnSp>
+            <p:nvCxnSpPr>
+              <p:cNvPr id="89" name="Connettore 1 55"/>
+              <p:cNvCxnSpPr/>
+              <p:nvPr/>
+            </p:nvCxnSpPr>
+            <p:spPr>
+              <a:xfrm>
+                <a:off x="4530003" y="3522219"/>
+                <a:ext cx="258163" cy="0"/>
+              </a:xfrm>
+              <a:prstGeom prst="line">
+                <a:avLst/>
+              </a:prstGeom>
+              <a:ln w="19050">
+                <a:solidFill>
+                  <a:srgbClr val="7030A0"/>
+                </a:solidFill>
+              </a:ln>
+            </p:spPr>
+            <p:style>
+              <a:lnRef idx="1">
+                <a:schemeClr val="accent1"/>
+              </a:lnRef>
+              <a:fillRef idx="0">
+                <a:schemeClr val="accent1"/>
+              </a:fillRef>
+              <a:effectRef idx="0">
+                <a:schemeClr val="accent1"/>
+              </a:effectRef>
+              <a:fontRef idx="minor">
+                <a:schemeClr val="tx1"/>
+              </a:fontRef>
+            </p:style>
+          </p:cxnSp>
+        </p:grpSp>
+      </p:grpSp>
+      <p:grpSp>
+        <p:nvGrpSpPr>
+          <p:cNvPr id="90" name="Gruppo 89"/>
+          <p:cNvGrpSpPr/>
+          <p:nvPr/>
+        </p:nvGrpSpPr>
+        <p:grpSpPr>
+          <a:xfrm>
+            <a:off x="682700" y="4393549"/>
+            <a:ext cx="1119899" cy="1348015"/>
+            <a:chOff x="5176105" y="2793531"/>
+            <a:chExt cx="1398866" cy="1630687"/>
+          </a:xfrm>
+        </p:grpSpPr>
+        <p:sp>
+          <p:nvSpPr>
+            <p:cNvPr id="91" name="Scheda 90"/>
+            <p:cNvSpPr/>
+            <p:nvPr/>
+          </p:nvSpPr>
+          <p:spPr>
+            <a:xfrm flipH="1">
+              <a:off x="5438898" y="3048000"/>
+              <a:ext cx="1136073" cy="1376218"/>
+            </a:xfrm>
+            <a:prstGeom prst="flowChartPunchedCard">
+              <a:avLst/>
+            </a:prstGeom>
+            <a:solidFill>
+              <a:schemeClr val="bg1"/>
+            </a:solidFill>
+            <a:ln w="38100">
+              <a:solidFill>
+                <a:srgbClr val="7030A0"/>
+              </a:solidFill>
+            </a:ln>
+          </p:spPr>
+          <p:style>
+            <a:lnRef idx="2">
+              <a:schemeClr val="accent1">
+                <a:shade val="50000"/>
+              </a:schemeClr>
+            </a:lnRef>
+            <a:fillRef idx="1">
+              <a:schemeClr val="accent1"/>
+            </a:fillRef>
+            <a:effectRef idx="0">
+              <a:schemeClr val="accent1"/>
+            </a:effectRef>
+            <a:fontRef idx="minor">
+              <a:schemeClr val="lt1"/>
+            </a:fontRef>
+          </p:style>
+          <p:txBody>
+            <a:bodyPr rtlCol="0" anchor="ctr"/>
+            <a:lstStyle/>
+            <a:p>
+              <a:pPr algn="ctr"/>
+              <a:endParaRPr lang="en-US"/>
+            </a:p>
+          </p:txBody>
+        </p:sp>
+        <p:sp>
+          <p:nvSpPr>
+            <p:cNvPr id="92" name="Ovale 91"/>
+            <p:cNvSpPr/>
+            <p:nvPr/>
+          </p:nvSpPr>
+          <p:spPr>
+            <a:xfrm>
+              <a:off x="5192453" y="2804266"/>
+              <a:ext cx="492890" cy="492890"/>
+            </a:xfrm>
+            <a:prstGeom prst="ellipse">
+              <a:avLst/>
+            </a:prstGeom>
+            <a:solidFill>
+              <a:schemeClr val="bg1"/>
+            </a:solidFill>
+            <a:ln w="19050">
+              <a:solidFill>
+                <a:srgbClr val="7030A0"/>
+              </a:solidFill>
+            </a:ln>
+          </p:spPr>
+          <p:style>
+            <a:lnRef idx="2">
+              <a:schemeClr val="accent1">
+                <a:shade val="50000"/>
+              </a:schemeClr>
+            </a:lnRef>
+            <a:fillRef idx="1">
+              <a:schemeClr val="accent1"/>
+            </a:fillRef>
+            <a:effectRef idx="0">
+              <a:schemeClr val="accent1"/>
+            </a:effectRef>
+            <a:fontRef idx="minor">
+              <a:schemeClr val="lt1"/>
+            </a:fontRef>
+          </p:style>
+          <p:txBody>
+            <a:bodyPr rtlCol="0" anchor="ctr"/>
+            <a:lstStyle/>
+            <a:p>
+              <a:pPr algn="ctr"/>
+              <a:endParaRPr lang="en-US">
+                <a:ln>
+                  <a:solidFill>
+                    <a:srgbClr val="7030A0"/>
+                  </a:solidFill>
+                </a:ln>
+                <a:solidFill>
+                  <a:srgbClr val="7030A0"/>
+                </a:solidFill>
+              </a:endParaRPr>
+            </a:p>
+          </p:txBody>
+        </p:sp>
+        <p:grpSp>
+          <p:nvGrpSpPr>
+            <p:cNvPr id="93" name="Gruppo 92"/>
+            <p:cNvGrpSpPr/>
+            <p:nvPr/>
+          </p:nvGrpSpPr>
+          <p:grpSpPr>
+            <a:xfrm>
+              <a:off x="5176105" y="2793531"/>
+              <a:ext cx="532706" cy="532706"/>
+              <a:chOff x="4445500" y="3234900"/>
+              <a:chExt cx="427168" cy="427168"/>
+            </a:xfrm>
+          </p:grpSpPr>
+          <p:sp>
+            <p:nvSpPr>
+              <p:cNvPr id="94" name="Ovale 93"/>
+              <p:cNvSpPr/>
+              <p:nvPr/>
+            </p:nvSpPr>
+            <p:spPr>
+              <a:xfrm>
+                <a:off x="4445500" y="3234900"/>
+                <a:ext cx="427168" cy="427168"/>
+              </a:xfrm>
+              <a:prstGeom prst="ellipse">
+                <a:avLst/>
+              </a:prstGeom>
+              <a:solidFill>
+                <a:schemeClr val="bg1"/>
+              </a:solidFill>
+              <a:ln w="19050">
+                <a:solidFill>
+                  <a:srgbClr val="7030A0"/>
+                </a:solidFill>
+              </a:ln>
+            </p:spPr>
+            <p:style>
+              <a:lnRef idx="2">
+                <a:schemeClr val="accent1">
+                  <a:shade val="50000"/>
+                </a:schemeClr>
+              </a:lnRef>
+              <a:fillRef idx="1">
+                <a:schemeClr val="accent1"/>
+              </a:fillRef>
+              <a:effectRef idx="0">
+                <a:schemeClr val="accent1"/>
+              </a:effectRef>
+              <a:fontRef idx="minor">
+                <a:schemeClr val="lt1"/>
+              </a:fontRef>
+            </p:style>
+            <p:txBody>
+              <a:bodyPr rtlCol="0" anchor="ctr"/>
+              <a:lstStyle/>
+              <a:p>
+                <a:pPr algn="ctr"/>
+                <a:endParaRPr lang="en-US">
+                  <a:ln>
+                    <a:solidFill>
+                      <a:srgbClr val="7030A0"/>
+                    </a:solidFill>
+                  </a:ln>
+                  <a:solidFill>
+                    <a:schemeClr val="bg1"/>
+                  </a:solidFill>
+                </a:endParaRPr>
+              </a:p>
+            </p:txBody>
+          </p:sp>
+          <p:sp>
+            <p:nvSpPr>
+              <p:cNvPr id="95" name="Ovale 94"/>
+              <p:cNvSpPr/>
+              <p:nvPr/>
+            </p:nvSpPr>
+            <p:spPr>
+              <a:xfrm>
+                <a:off x="4476538" y="3265936"/>
+                <a:ext cx="365096" cy="365096"/>
+              </a:xfrm>
+              <a:prstGeom prst="ellipse">
+                <a:avLst/>
+              </a:prstGeom>
+              <a:gradFill flip="none" rotWithShape="1">
+                <a:gsLst>
+                  <a:gs pos="26000">
+                    <a:srgbClr val="7030A0">
+                      <a:tint val="66000"/>
+                      <a:satMod val="160000"/>
+                    </a:srgbClr>
+                  </a:gs>
+                  <a:gs pos="24000">
+                    <a:srgbClr val="7030A0">
+                      <a:tint val="66000"/>
+                      <a:satMod val="160000"/>
+                      <a:lumMod val="56000"/>
+                    </a:srgbClr>
+                  </a:gs>
+                  <a:gs pos="27000">
+                    <a:srgbClr val="7030A0">
+                      <a:tint val="23500"/>
+                      <a:satMod val="160000"/>
+                      <a:alpha val="0"/>
+                      <a:lumMod val="100000"/>
+                    </a:srgbClr>
+                  </a:gs>
+                </a:gsLst>
+                <a:lin ang="5400000" scaled="1"/>
+                <a:tileRect/>
+              </a:gradFill>
+              <a:ln w="19050">
+                <a:solidFill>
+                  <a:srgbClr val="7030A0"/>
+                </a:solidFill>
+              </a:ln>
+            </p:spPr>
+            <p:style>
+              <a:lnRef idx="2">
+                <a:schemeClr val="accent1">
+                  <a:shade val="50000"/>
+                </a:schemeClr>
+              </a:lnRef>
+              <a:fillRef idx="1">
+                <a:schemeClr val="accent1"/>
+              </a:fillRef>
+              <a:effectRef idx="0">
+                <a:schemeClr val="accent1"/>
+              </a:effectRef>
+              <a:fontRef idx="minor">
+                <a:schemeClr val="lt1"/>
+              </a:fontRef>
+            </p:style>
+            <p:txBody>
+              <a:bodyPr rtlCol="0" anchor="ctr"/>
+              <a:lstStyle/>
+              <a:p>
+                <a:pPr algn="ctr"/>
+                <a:endParaRPr lang="en-US">
+                  <a:ln>
+                    <a:solidFill>
+                      <a:srgbClr val="7030A0"/>
+                    </a:solidFill>
+                  </a:ln>
+                  <a:solidFill>
+                    <a:srgbClr val="7030A0"/>
+                  </a:solidFill>
+                </a:endParaRPr>
+              </a:p>
+            </p:txBody>
+          </p:sp>
+          <p:cxnSp>
+            <p:nvCxnSpPr>
+              <p:cNvPr id="96" name="Connettore 1 53"/>
+              <p:cNvCxnSpPr/>
+              <p:nvPr/>
+            </p:nvCxnSpPr>
+            <p:spPr>
+              <a:xfrm>
+                <a:off x="4533009" y="3396797"/>
+                <a:ext cx="258163" cy="0"/>
+              </a:xfrm>
+              <a:prstGeom prst="line">
+                <a:avLst/>
+              </a:prstGeom>
+              <a:ln w="19050">
+                <a:solidFill>
+                  <a:srgbClr val="7030A0"/>
+                </a:solidFill>
+              </a:ln>
+            </p:spPr>
+            <p:style>
+              <a:lnRef idx="1">
+                <a:schemeClr val="accent1"/>
+              </a:lnRef>
+              <a:fillRef idx="0">
+                <a:schemeClr val="accent1"/>
+              </a:fillRef>
+              <a:effectRef idx="0">
+                <a:schemeClr val="accent1"/>
+              </a:effectRef>
+              <a:fontRef idx="minor">
+                <a:schemeClr val="tx1"/>
+              </a:fontRef>
+            </p:style>
+          </p:cxnSp>
+          <p:cxnSp>
+            <p:nvCxnSpPr>
+              <p:cNvPr id="97" name="Connettore 1 54"/>
+              <p:cNvCxnSpPr/>
+              <p:nvPr/>
+            </p:nvCxnSpPr>
+            <p:spPr>
+              <a:xfrm>
+                <a:off x="4530003" y="3457256"/>
+                <a:ext cx="258163" cy="0"/>
+              </a:xfrm>
+              <a:prstGeom prst="line">
+                <a:avLst/>
+              </a:prstGeom>
+              <a:ln w="19050">
+                <a:solidFill>
+                  <a:srgbClr val="7030A0"/>
+                </a:solidFill>
+              </a:ln>
+            </p:spPr>
+            <p:style>
+              <a:lnRef idx="1">
+                <a:schemeClr val="accent1"/>
+              </a:lnRef>
+              <a:fillRef idx="0">
+                <a:schemeClr val="accent1"/>
+              </a:fillRef>
+              <a:effectRef idx="0">
+                <a:schemeClr val="accent1"/>
+              </a:effectRef>
+              <a:fontRef idx="minor">
+                <a:schemeClr val="tx1"/>
+              </a:fontRef>
+            </p:style>
+          </p:cxnSp>
+          <p:cxnSp>
+            <p:nvCxnSpPr>
+              <p:cNvPr id="98" name="Connettore 1 55"/>
+              <p:cNvCxnSpPr/>
+              <p:nvPr/>
+            </p:nvCxnSpPr>
+            <p:spPr>
+              <a:xfrm>
+                <a:off x="4530003" y="3522219"/>
+                <a:ext cx="258163" cy="0"/>
+              </a:xfrm>
+              <a:prstGeom prst="line">
+                <a:avLst/>
+              </a:prstGeom>
+              <a:ln w="19050">
+                <a:solidFill>
+                  <a:srgbClr val="7030A0"/>
+                </a:solidFill>
+              </a:ln>
+            </p:spPr>
+            <p:style>
+              <a:lnRef idx="1">
+                <a:schemeClr val="accent1"/>
+              </a:lnRef>
+              <a:fillRef idx="0">
+                <a:schemeClr val="accent1"/>
+              </a:fillRef>
+              <a:effectRef idx="0">
+                <a:schemeClr val="accent1"/>
+              </a:effectRef>
+              <a:fontRef idx="minor">
+                <a:schemeClr val="tx1"/>
+              </a:fontRef>
+            </p:style>
+          </p:cxnSp>
+        </p:grpSp>
+      </p:grpSp>
+      <p:sp>
+        <p:nvSpPr>
+          <p:cNvPr id="99" name="Rettangolo 98"/>
+          <p:cNvSpPr/>
+          <p:nvPr/>
+        </p:nvSpPr>
+        <p:spPr>
+          <a:xfrm>
+            <a:off x="9060461" y="1712195"/>
+            <a:ext cx="2646845" cy="1323703"/>
+          </a:xfrm>
+          <a:prstGeom prst="rect">
+            <a:avLst/>
+          </a:prstGeom>
+          <a:solidFill>
+            <a:schemeClr val="bg1"/>
+          </a:solidFill>
+          <a:ln w="28575">
+            <a:solidFill>
+              <a:srgbClr val="7030A0"/>
+            </a:solidFill>
+            <a:prstDash val="dash"/>
+          </a:ln>
+        </p:spPr>
+        <p:style>
+          <a:lnRef idx="2">
+            <a:schemeClr val="accent1">
+              <a:shade val="50000"/>
+            </a:schemeClr>
+          </a:lnRef>
+          <a:fillRef idx="1">
+            <a:schemeClr val="accent1"/>
+          </a:fillRef>
+          <a:effectRef idx="0">
+            <a:schemeClr val="accent1"/>
+          </a:effectRef>
+          <a:fontRef idx="minor">
+            <a:schemeClr val="lt1"/>
+          </a:fontRef>
+        </p:style>
+        <p:txBody>
+          <a:bodyPr rtlCol="0" anchor="ctr"/>
+          <a:lstStyle/>
+          <a:p>
+            <a:pPr algn="ctr"/>
+            <a:endParaRPr lang="en-US"/>
+          </a:p>
+        </p:txBody>
+      </p:sp>
+      <p:sp>
+        <p:nvSpPr>
+          <p:cNvPr id="100" name="Rettangolo 99"/>
+          <p:cNvSpPr/>
+          <p:nvPr/>
+        </p:nvSpPr>
+        <p:spPr>
+          <a:xfrm>
+            <a:off x="9182532" y="4929140"/>
+            <a:ext cx="2285568" cy="1323703"/>
+          </a:xfrm>
+          <a:prstGeom prst="rect">
+            <a:avLst/>
+          </a:prstGeom>
+          <a:solidFill>
+            <a:schemeClr val="bg1"/>
+          </a:solidFill>
+          <a:ln w="28575">
+            <a:solidFill>
+              <a:srgbClr val="7030A0"/>
+            </a:solidFill>
+            <a:prstDash val="dash"/>
+          </a:ln>
+        </p:spPr>
+        <p:style>
+          <a:lnRef idx="2">
+            <a:schemeClr val="accent1">
+              <a:shade val="50000"/>
+            </a:schemeClr>
+          </a:lnRef>
+          <a:fillRef idx="1">
+            <a:schemeClr val="accent1"/>
+          </a:fillRef>
+          <a:effectRef idx="0">
+            <a:schemeClr val="accent1"/>
+          </a:effectRef>
+          <a:fontRef idx="minor">
+            <a:schemeClr val="lt1"/>
+          </a:fontRef>
+        </p:style>
+        <p:txBody>
+          <a:bodyPr rtlCol="0" anchor="ctr"/>
+          <a:lstStyle/>
+          <a:p>
+            <a:pPr algn="ctr"/>
+            <a:endParaRPr lang="en-US"/>
+          </a:p>
+        </p:txBody>
+      </p:sp>
+      <p:sp>
+        <p:nvSpPr>
+          <p:cNvPr id="101" name="Rettangolo 100"/>
+          <p:cNvSpPr/>
+          <p:nvPr/>
+        </p:nvSpPr>
+        <p:spPr>
+          <a:xfrm>
+            <a:off x="9150200" y="3313711"/>
+            <a:ext cx="2107474" cy="1323703"/>
+          </a:xfrm>
+          <a:prstGeom prst="rect">
+            <a:avLst/>
+          </a:prstGeom>
+          <a:solidFill>
+            <a:schemeClr val="bg1"/>
+          </a:solidFill>
+          <a:ln w="28575">
+            <a:solidFill>
+              <a:srgbClr val="7030A0"/>
+            </a:solidFill>
+            <a:prstDash val="dash"/>
+          </a:ln>
+        </p:spPr>
+        <p:style>
+          <a:lnRef idx="2">
+            <a:schemeClr val="accent1">
+              <a:shade val="50000"/>
+            </a:schemeClr>
+          </a:lnRef>
+          <a:fillRef idx="1">
+            <a:schemeClr val="accent1"/>
+          </a:fillRef>
+          <a:effectRef idx="0">
+            <a:schemeClr val="accent1"/>
+          </a:effectRef>
+          <a:fontRef idx="minor">
+            <a:schemeClr val="lt1"/>
+          </a:fontRef>
+        </p:style>
+        <p:txBody>
+          <a:bodyPr rtlCol="0" anchor="ctr"/>
+          <a:lstStyle/>
+          <a:p>
+            <a:pPr algn="ctr"/>
+            <a:endParaRPr lang="en-US"/>
+          </a:p>
+        </p:txBody>
+      </p:sp>
+      <p:sp>
+        <p:nvSpPr>
+          <p:cNvPr id="108" name="Scheda 107"/>
+          <p:cNvSpPr/>
+          <p:nvPr/>
+        </p:nvSpPr>
+        <p:spPr>
+          <a:xfrm flipH="1">
+            <a:off x="9271151" y="1958095"/>
+            <a:ext cx="676333" cy="723608"/>
+          </a:xfrm>
+          <a:prstGeom prst="flowChartPunchedCard">
+            <a:avLst/>
+          </a:prstGeom>
+          <a:solidFill>
+            <a:schemeClr val="bg1"/>
+          </a:solidFill>
+          <a:ln w="38100">
+            <a:solidFill>
+              <a:srgbClr val="7030A0"/>
+            </a:solidFill>
+          </a:ln>
+        </p:spPr>
+        <p:style>
+          <a:lnRef idx="2">
+            <a:schemeClr val="accent1">
+              <a:shade val="50000"/>
+            </a:schemeClr>
+          </a:lnRef>
+          <a:fillRef idx="1">
+            <a:schemeClr val="accent1"/>
+          </a:fillRef>
+          <a:effectRef idx="0">
+            <a:schemeClr val="accent1"/>
+          </a:effectRef>
+          <a:fontRef idx="minor">
+            <a:schemeClr val="lt1"/>
+          </a:fontRef>
+        </p:style>
+        <p:txBody>
+          <a:bodyPr rtlCol="0" anchor="ctr"/>
+          <a:lstStyle/>
+          <a:p>
+            <a:pPr algn="ctr"/>
+            <a:r>
+              <a:rPr lang="en-US" sz="1300" dirty="0" smtClean="0">
+                <a:solidFill>
+                  <a:schemeClr val="tx1"/>
+                </a:solidFill>
+              </a:rPr>
+              <a:t>Testimonials</a:t>
+            </a:r>
+            <a:endParaRPr lang="en-US" sz="1300" dirty="0">
+              <a:solidFill>
+                <a:schemeClr val="tx1"/>
+              </a:solidFill>
+            </a:endParaRPr>
+          </a:p>
+        </p:txBody>
+      </p:sp>
+      <p:sp>
+        <p:nvSpPr>
+          <p:cNvPr id="109" name="Scheda 108"/>
+          <p:cNvSpPr/>
+          <p:nvPr/>
+        </p:nvSpPr>
+        <p:spPr>
+          <a:xfrm flipH="1">
+            <a:off x="10034936" y="1958095"/>
+            <a:ext cx="606817" cy="723608"/>
+          </a:xfrm>
+          <a:prstGeom prst="flowChartPunchedCard">
+            <a:avLst/>
+          </a:prstGeom>
+          <a:solidFill>
+            <a:schemeClr val="bg1"/>
+          </a:solidFill>
+          <a:ln w="38100">
+            <a:solidFill>
+              <a:srgbClr val="7030A0"/>
+            </a:solidFill>
+          </a:ln>
+        </p:spPr>
+        <p:style>
+          <a:lnRef idx="2">
+            <a:schemeClr val="accent1">
+              <a:shade val="50000"/>
+            </a:schemeClr>
+          </a:lnRef>
+          <a:fillRef idx="1">
+            <a:schemeClr val="accent1"/>
+          </a:fillRef>
+          <a:effectRef idx="0">
+            <a:schemeClr val="accent1"/>
+          </a:effectRef>
+          <a:fontRef idx="minor">
+            <a:schemeClr val="lt1"/>
+          </a:fontRef>
+        </p:style>
+        <p:txBody>
+          <a:bodyPr rtlCol="0" anchor="ctr"/>
+          <a:lstStyle/>
+          <a:p>
+            <a:pPr algn="ctr"/>
+            <a:r>
+              <a:rPr lang="en-US" sz="1300" dirty="0" smtClean="0">
+                <a:solidFill>
+                  <a:schemeClr val="tx1"/>
+                </a:solidFill>
+              </a:rPr>
+              <a:t>Innovations</a:t>
+            </a:r>
+            <a:endParaRPr lang="en-US" sz="1300" dirty="0">
+              <a:solidFill>
+                <a:schemeClr val="tx1"/>
+              </a:solidFill>
+            </a:endParaRPr>
+          </a:p>
+        </p:txBody>
+      </p:sp>
+      <p:sp>
+        <p:nvSpPr>
+          <p:cNvPr id="110" name="Scheda 109"/>
+          <p:cNvSpPr/>
+          <p:nvPr/>
+        </p:nvSpPr>
+        <p:spPr>
+          <a:xfrm flipH="1">
+            <a:off x="10809407" y="1958095"/>
+            <a:ext cx="769947" cy="723608"/>
+          </a:xfrm>
+          <a:prstGeom prst="flowChartPunchedCard">
+            <a:avLst/>
+          </a:prstGeom>
+          <a:solidFill>
+            <a:schemeClr val="bg1"/>
+          </a:solidFill>
+          <a:ln w="38100">
+            <a:solidFill>
+              <a:srgbClr val="7030A0"/>
+            </a:solidFill>
+          </a:ln>
+        </p:spPr>
+        <p:style>
+          <a:lnRef idx="2">
+            <a:schemeClr val="accent1">
+              <a:shade val="50000"/>
+            </a:schemeClr>
+          </a:lnRef>
+          <a:fillRef idx="1">
+            <a:schemeClr val="accent1"/>
+          </a:fillRef>
+          <a:effectRef idx="0">
+            <a:schemeClr val="accent1"/>
+          </a:effectRef>
+          <a:fontRef idx="minor">
+            <a:schemeClr val="lt1"/>
+          </a:fontRef>
+        </p:style>
+        <p:txBody>
+          <a:bodyPr rtlCol="0" anchor="ctr"/>
+          <a:lstStyle/>
+          <a:p>
+            <a:pPr algn="ctr"/>
+            <a:r>
+              <a:rPr lang="en-US" sz="1300" dirty="0" smtClean="0">
+                <a:solidFill>
+                  <a:schemeClr val="tx1"/>
+                </a:solidFill>
+              </a:rPr>
+              <a:t>Projects</a:t>
+            </a:r>
+            <a:endParaRPr lang="en-US" sz="1300" dirty="0">
+              <a:solidFill>
+                <a:schemeClr val="tx1"/>
+              </a:solidFill>
+            </a:endParaRPr>
+          </a:p>
+        </p:txBody>
+      </p:sp>
+      <p:sp>
+        <p:nvSpPr>
+          <p:cNvPr id="111" name="Scheda 110"/>
+          <p:cNvSpPr/>
+          <p:nvPr/>
+        </p:nvSpPr>
+        <p:spPr>
+          <a:xfrm flipH="1">
+            <a:off x="10348412" y="3627513"/>
+            <a:ext cx="721553" cy="723608"/>
+          </a:xfrm>
+          <a:prstGeom prst="flowChartPunchedCard">
+            <a:avLst/>
+          </a:prstGeom>
+          <a:solidFill>
+            <a:schemeClr val="bg1"/>
+          </a:solidFill>
+          <a:ln w="38100">
+            <a:solidFill>
+              <a:srgbClr val="7030A0"/>
+            </a:solidFill>
+          </a:ln>
+        </p:spPr>
+        <p:style>
+          <a:lnRef idx="2">
+            <a:schemeClr val="accent1">
+              <a:shade val="50000"/>
+            </a:schemeClr>
+          </a:lnRef>
+          <a:fillRef idx="1">
+            <a:schemeClr val="accent1"/>
+          </a:fillRef>
+          <a:effectRef idx="0">
+            <a:schemeClr val="accent1"/>
+          </a:effectRef>
+          <a:fontRef idx="minor">
+            <a:schemeClr val="lt1"/>
+          </a:fontRef>
+        </p:style>
+        <p:txBody>
+          <a:bodyPr rtlCol="0" anchor="ctr"/>
+          <a:lstStyle/>
+          <a:p>
+            <a:pPr algn="ctr"/>
+            <a:r>
+              <a:rPr lang="en-US" sz="1500" dirty="0" smtClean="0">
+                <a:solidFill>
+                  <a:schemeClr val="tx1"/>
+                </a:solidFill>
+              </a:rPr>
+              <a:t>Governance</a:t>
+            </a:r>
+            <a:endParaRPr lang="en-US" sz="1500" dirty="0">
+              <a:solidFill>
+                <a:schemeClr val="tx1"/>
+              </a:solidFill>
+            </a:endParaRPr>
+          </a:p>
+        </p:txBody>
+      </p:sp>
+      <p:sp>
+        <p:nvSpPr>
+          <p:cNvPr id="112" name="Scheda 111"/>
+          <p:cNvSpPr/>
+          <p:nvPr/>
+        </p:nvSpPr>
+        <p:spPr>
+          <a:xfrm flipH="1">
+            <a:off x="9423551" y="3627513"/>
+            <a:ext cx="721019" cy="723608"/>
+          </a:xfrm>
+          <a:prstGeom prst="flowChartPunchedCard">
+            <a:avLst/>
+          </a:prstGeom>
+          <a:solidFill>
+            <a:schemeClr val="bg1"/>
+          </a:solidFill>
+          <a:ln w="38100">
+            <a:solidFill>
+              <a:srgbClr val="7030A0"/>
+            </a:solidFill>
+          </a:ln>
+        </p:spPr>
+        <p:style>
+          <a:lnRef idx="2">
+            <a:schemeClr val="accent1">
+              <a:shade val="50000"/>
+            </a:schemeClr>
+          </a:lnRef>
+          <a:fillRef idx="1">
+            <a:schemeClr val="accent1"/>
+          </a:fillRef>
+          <a:effectRef idx="0">
+            <a:schemeClr val="accent1"/>
+          </a:effectRef>
+          <a:fontRef idx="minor">
+            <a:schemeClr val="lt1"/>
+          </a:fontRef>
+        </p:style>
+        <p:txBody>
+          <a:bodyPr rtlCol="0" anchor="ctr"/>
+          <a:lstStyle/>
+          <a:p>
+            <a:pPr algn="ctr"/>
+            <a:r>
+              <a:rPr lang="en-US" sz="1500" dirty="0" smtClean="0">
+                <a:solidFill>
+                  <a:schemeClr val="tx1"/>
+                </a:solidFill>
+              </a:rPr>
+              <a:t>Description</a:t>
+            </a:r>
+            <a:endParaRPr lang="en-US" sz="1500" dirty="0">
+              <a:solidFill>
+                <a:schemeClr val="tx1"/>
+              </a:solidFill>
+            </a:endParaRPr>
+          </a:p>
+        </p:txBody>
+      </p:sp>
+      <p:sp>
+        <p:nvSpPr>
+          <p:cNvPr id="113" name="Scheda 112"/>
+          <p:cNvSpPr/>
+          <p:nvPr/>
+        </p:nvSpPr>
+        <p:spPr>
+          <a:xfrm flipH="1">
+            <a:off x="10387621" y="5238931"/>
+            <a:ext cx="870052" cy="723608"/>
+          </a:xfrm>
+          <a:prstGeom prst="flowChartPunchedCard">
+            <a:avLst/>
+          </a:prstGeom>
+          <a:solidFill>
+            <a:schemeClr val="bg1"/>
+          </a:solidFill>
+          <a:ln w="38100">
+            <a:solidFill>
+              <a:srgbClr val="7030A0"/>
+            </a:solidFill>
+          </a:ln>
+        </p:spPr>
+        <p:style>
+          <a:lnRef idx="2">
+            <a:schemeClr val="accent1">
+              <a:shade val="50000"/>
+            </a:schemeClr>
+          </a:lnRef>
+          <a:fillRef idx="1">
+            <a:schemeClr val="accent1"/>
+          </a:fillRef>
+          <a:effectRef idx="0">
+            <a:schemeClr val="accent1"/>
+          </a:effectRef>
+          <a:fontRef idx="minor">
+            <a:schemeClr val="lt1"/>
+          </a:fontRef>
+        </p:style>
+        <p:txBody>
+          <a:bodyPr rtlCol="0" anchor="ctr"/>
+          <a:lstStyle/>
+          <a:p>
+            <a:pPr algn="ctr"/>
+            <a:r>
+              <a:rPr lang="en-US" sz="1300" dirty="0" smtClean="0">
+                <a:solidFill>
+                  <a:schemeClr val="tx1"/>
+                </a:solidFill>
+              </a:rPr>
+              <a:t>For investors</a:t>
+            </a:r>
+            <a:endParaRPr lang="en-US" sz="1300" dirty="0">
+              <a:solidFill>
+                <a:schemeClr val="tx1"/>
+              </a:solidFill>
+            </a:endParaRPr>
+          </a:p>
+        </p:txBody>
+      </p:sp>
+      <p:sp>
+        <p:nvSpPr>
+          <p:cNvPr id="114" name="Scheda 113"/>
+          <p:cNvSpPr/>
+          <p:nvPr/>
+        </p:nvSpPr>
+        <p:spPr>
+          <a:xfrm flipH="1">
+            <a:off x="9473109" y="5238931"/>
+            <a:ext cx="715920" cy="723608"/>
+          </a:xfrm>
+          <a:prstGeom prst="flowChartPunchedCard">
+            <a:avLst/>
+          </a:prstGeom>
+          <a:solidFill>
+            <a:schemeClr val="bg1"/>
+          </a:solidFill>
+          <a:ln w="38100">
+            <a:solidFill>
+              <a:srgbClr val="7030A0"/>
+            </a:solidFill>
+          </a:ln>
+        </p:spPr>
+        <p:style>
+          <a:lnRef idx="2">
+            <a:schemeClr val="accent1">
+              <a:shade val="50000"/>
+            </a:schemeClr>
+          </a:lnRef>
+          <a:fillRef idx="1">
+            <a:schemeClr val="accent1"/>
+          </a:fillRef>
+          <a:effectRef idx="0">
+            <a:schemeClr val="accent1"/>
+          </a:effectRef>
+          <a:fontRef idx="minor">
+            <a:schemeClr val="lt1"/>
+          </a:fontRef>
+        </p:style>
+        <p:txBody>
+          <a:bodyPr rtlCol="0" anchor="ctr"/>
+          <a:lstStyle/>
+          <a:p>
+            <a:pPr algn="ctr"/>
+            <a:r>
+              <a:rPr lang="en-US" sz="1300" dirty="0" smtClean="0">
+                <a:solidFill>
+                  <a:schemeClr val="tx1"/>
+                </a:solidFill>
+              </a:rPr>
+              <a:t>Market aspects</a:t>
+            </a:r>
+            <a:endParaRPr lang="en-US" sz="1300" dirty="0">
+              <a:solidFill>
+                <a:schemeClr val="tx1"/>
+              </a:solidFill>
+            </a:endParaRPr>
+          </a:p>
+        </p:txBody>
+      </p:sp>
+      <p:cxnSp>
+        <p:nvCxnSpPr>
+          <p:cNvPr id="115" name="Connettore 2 114"/>
+          <p:cNvCxnSpPr>
+            <a:endCxn id="5" idx="3"/>
+          </p:cNvCxnSpPr>
+          <p:nvPr/>
+        </p:nvCxnSpPr>
+        <p:spPr>
+          <a:xfrm flipV="1">
+            <a:off x="4482621" y="750074"/>
+            <a:ext cx="5184658" cy="11926"/>
+          </a:xfrm>
+          <a:prstGeom prst="straightConnector1">
+            <a:avLst/>
+          </a:prstGeom>
+          <a:ln w="28575">
+            <a:solidFill>
+              <a:srgbClr val="7030A0"/>
+            </a:solidFill>
+            <a:tailEnd type="triangle"/>
+          </a:ln>
+        </p:spPr>
+        <p:style>
+          <a:lnRef idx="1">
+            <a:schemeClr val="accent1"/>
+          </a:lnRef>
+          <a:fillRef idx="0">
+            <a:schemeClr val="accent1"/>
+          </a:fillRef>
+          <a:effectRef idx="0">
+            <a:schemeClr val="accent1"/>
+          </a:effectRef>
+          <a:fontRef idx="minor">
+            <a:schemeClr val="tx1"/>
+          </a:fontRef>
+        </p:style>
+      </p:cxnSp>
+      <p:cxnSp>
+        <p:nvCxnSpPr>
+          <p:cNvPr id="116" name="Connettore 2 115"/>
+          <p:cNvCxnSpPr>
+            <a:endCxn id="100" idx="1"/>
+          </p:cNvCxnSpPr>
+          <p:nvPr/>
+        </p:nvCxnSpPr>
+        <p:spPr>
+          <a:xfrm rot="16200000" flipH="1">
+            <a:off x="6219744" y="2628204"/>
+            <a:ext cx="4836240" cy="1089336"/>
+          </a:xfrm>
+          <a:prstGeom prst="bentConnector2">
+            <a:avLst/>
+          </a:prstGeom>
+          <a:ln w="28575">
+            <a:solidFill>
+              <a:srgbClr val="7030A0"/>
+            </a:solidFill>
+            <a:tailEnd type="triangle"/>
+          </a:ln>
+        </p:spPr>
+        <p:style>
+          <a:lnRef idx="1">
+            <a:schemeClr val="accent1"/>
+          </a:lnRef>
+          <a:fillRef idx="0">
+            <a:schemeClr val="accent1"/>
+          </a:fillRef>
+          <a:effectRef idx="0">
+            <a:schemeClr val="accent1"/>
+          </a:effectRef>
+          <a:fontRef idx="minor">
+            <a:schemeClr val="tx1"/>
+          </a:fontRef>
+        </p:style>
+      </p:cxnSp>
+      <p:cxnSp>
+        <p:nvCxnSpPr>
+          <p:cNvPr id="117" name="Connettore 2 116"/>
+          <p:cNvCxnSpPr>
+            <a:endCxn id="30" idx="0"/>
+          </p:cNvCxnSpPr>
+          <p:nvPr/>
+        </p:nvCxnSpPr>
+        <p:spPr>
+          <a:xfrm>
+            <a:off x="6599668" y="767315"/>
+            <a:ext cx="0" cy="1086416"/>
+          </a:xfrm>
+          <a:prstGeom prst="straightConnector1">
+            <a:avLst/>
+          </a:prstGeom>
+          <a:ln w="28575">
+            <a:solidFill>
+              <a:srgbClr val="7030A0"/>
+            </a:solidFill>
+            <a:tailEnd type="triangle"/>
+          </a:ln>
+        </p:spPr>
+        <p:style>
+          <a:lnRef idx="1">
+            <a:schemeClr val="accent1"/>
+          </a:lnRef>
+          <a:fillRef idx="0">
+            <a:schemeClr val="accent1"/>
+          </a:fillRef>
+          <a:effectRef idx="0">
+            <a:schemeClr val="accent1"/>
+          </a:effectRef>
+          <a:fontRef idx="minor">
+            <a:schemeClr val="tx1"/>
+          </a:fontRef>
+        </p:style>
+      </p:cxnSp>
+      <p:cxnSp>
+        <p:nvCxnSpPr>
+          <p:cNvPr id="118" name="Connettore 2 117"/>
+          <p:cNvCxnSpPr>
+            <a:stCxn id="151" idx="2"/>
+            <a:endCxn id="114" idx="3"/>
+          </p:cNvCxnSpPr>
+          <p:nvPr/>
+        </p:nvCxnSpPr>
+        <p:spPr>
+          <a:xfrm>
+            <a:off x="9165419" y="5184829"/>
+            <a:ext cx="307690" cy="415906"/>
+          </a:xfrm>
+          <a:prstGeom prst="straightConnector1">
+            <a:avLst/>
+          </a:prstGeom>
+          <a:ln w="28575">
+            <a:solidFill>
+              <a:srgbClr val="7030A0"/>
+            </a:solidFill>
+            <a:tailEnd type="triangle"/>
+          </a:ln>
+        </p:spPr>
+        <p:style>
+          <a:lnRef idx="1">
+            <a:schemeClr val="accent1"/>
+          </a:lnRef>
+          <a:fillRef idx="0">
+            <a:schemeClr val="accent1"/>
+          </a:fillRef>
+          <a:effectRef idx="0">
+            <a:schemeClr val="accent1"/>
+          </a:effectRef>
+          <a:fontRef idx="minor">
+            <a:schemeClr val="tx1"/>
+          </a:fontRef>
+        </p:style>
+      </p:cxnSp>
+      <p:cxnSp>
+        <p:nvCxnSpPr>
+          <p:cNvPr id="119" name="Connettore 2 118"/>
+          <p:cNvCxnSpPr>
+            <a:endCxn id="99" idx="1"/>
+          </p:cNvCxnSpPr>
+          <p:nvPr/>
+        </p:nvCxnSpPr>
+        <p:spPr>
+          <a:xfrm flipV="1">
+            <a:off x="8089900" y="2374047"/>
+            <a:ext cx="970561" cy="853"/>
+          </a:xfrm>
+          <a:prstGeom prst="straightConnector1">
+            <a:avLst/>
+          </a:prstGeom>
+          <a:ln w="28575">
+            <a:solidFill>
+              <a:srgbClr val="7030A0"/>
+            </a:solidFill>
+            <a:tailEnd type="triangle"/>
+          </a:ln>
+        </p:spPr>
+        <p:style>
+          <a:lnRef idx="1">
+            <a:schemeClr val="accent1"/>
+          </a:lnRef>
+          <a:fillRef idx="0">
+            <a:schemeClr val="accent1"/>
+          </a:fillRef>
+          <a:effectRef idx="0">
+            <a:schemeClr val="accent1"/>
+          </a:effectRef>
+          <a:fontRef idx="minor">
+            <a:schemeClr val="tx1"/>
+          </a:fontRef>
+        </p:style>
+      </p:cxnSp>
+      <p:cxnSp>
+        <p:nvCxnSpPr>
+          <p:cNvPr id="120" name="Connettore 2 119"/>
+          <p:cNvCxnSpPr>
+            <a:endCxn id="101" idx="1"/>
+          </p:cNvCxnSpPr>
+          <p:nvPr/>
+        </p:nvCxnSpPr>
+        <p:spPr>
+          <a:xfrm>
+            <a:off x="8089900" y="3975100"/>
+            <a:ext cx="1060300" cy="463"/>
+          </a:xfrm>
+          <a:prstGeom prst="straightConnector1">
+            <a:avLst/>
+          </a:prstGeom>
+          <a:ln w="28575">
+            <a:solidFill>
+              <a:srgbClr val="7030A0"/>
+            </a:solidFill>
+            <a:tailEnd type="triangle"/>
+          </a:ln>
+        </p:spPr>
+        <p:style>
+          <a:lnRef idx="1">
+            <a:schemeClr val="accent1"/>
+          </a:lnRef>
+          <a:fillRef idx="0">
+            <a:schemeClr val="accent1"/>
+          </a:fillRef>
+          <a:effectRef idx="0">
+            <a:schemeClr val="accent1"/>
+          </a:effectRef>
+          <a:fontRef idx="minor">
+            <a:schemeClr val="tx1"/>
+          </a:fontRef>
+        </p:style>
+      </p:cxnSp>
+      <p:sp>
+        <p:nvSpPr>
+          <p:cNvPr id="147" name="Rettangolo 146"/>
+          <p:cNvSpPr/>
+          <p:nvPr/>
+        </p:nvSpPr>
+        <p:spPr>
+          <a:xfrm rot="16200000">
+            <a:off x="8740533" y="1895789"/>
+            <a:ext cx="447317" cy="177013"/>
+          </a:xfrm>
+          <a:prstGeom prst="rect">
+            <a:avLst/>
+          </a:prstGeom>
+          <a:gradFill flip="none" rotWithShape="1">
+            <a:gsLst>
+              <a:gs pos="13000">
+                <a:srgbClr val="7030A0"/>
+              </a:gs>
+              <a:gs pos="88000">
+                <a:srgbClr val="7030A0">
+                  <a:tint val="44500"/>
+                  <a:satMod val="160000"/>
+                </a:srgbClr>
+              </a:gs>
+              <a:gs pos="100000">
+                <a:srgbClr val="7030A0">
+                  <a:tint val="23500"/>
+                  <a:satMod val="160000"/>
+                </a:srgbClr>
+              </a:gs>
+            </a:gsLst>
+            <a:lin ang="5400000" scaled="1"/>
+            <a:tileRect/>
+          </a:gradFill>
+          <a:ln w="12700">
+            <a:solidFill>
+              <a:srgbClr val="7030A0"/>
+            </a:solidFill>
+          </a:ln>
+        </p:spPr>
+        <p:style>
+          <a:lnRef idx="2">
+            <a:schemeClr val="accent1">
+              <a:shade val="50000"/>
+            </a:schemeClr>
+          </a:lnRef>
+          <a:fillRef idx="1">
+            <a:schemeClr val="accent1"/>
+          </a:fillRef>
+          <a:effectRef idx="0">
+            <a:schemeClr val="accent1"/>
+          </a:effectRef>
+          <a:fontRef idx="minor">
+            <a:schemeClr val="lt1"/>
+          </a:fontRef>
+        </p:style>
+        <p:txBody>
+          <a:bodyPr rtlCol="0" anchor="ctr"/>
+          <a:lstStyle/>
+          <a:p>
+            <a:pPr algn="ctr"/>
+            <a:endParaRPr lang="en-US"/>
+          </a:p>
+        </p:txBody>
+      </p:sp>
+      <p:sp>
+        <p:nvSpPr>
+          <p:cNvPr id="150" name="Rettangolo 149"/>
+          <p:cNvSpPr/>
+          <p:nvPr/>
+        </p:nvSpPr>
+        <p:spPr>
+          <a:xfrm rot="16200000">
+            <a:off x="8806081" y="3494807"/>
+            <a:ext cx="447317" cy="177013"/>
+          </a:xfrm>
+          <a:prstGeom prst="rect">
+            <a:avLst/>
+          </a:prstGeom>
+          <a:gradFill flip="none" rotWithShape="1">
+            <a:gsLst>
+              <a:gs pos="13000">
+                <a:srgbClr val="7030A0"/>
+              </a:gs>
+              <a:gs pos="88000">
+                <a:srgbClr val="7030A0">
+                  <a:tint val="44500"/>
+                  <a:satMod val="160000"/>
+                </a:srgbClr>
+              </a:gs>
+              <a:gs pos="100000">
+                <a:srgbClr val="7030A0">
+                  <a:tint val="23500"/>
+                  <a:satMod val="160000"/>
+                </a:srgbClr>
+              </a:gs>
+            </a:gsLst>
+            <a:lin ang="5400000" scaled="1"/>
+            <a:tileRect/>
+          </a:gradFill>
+          <a:ln w="12700">
+            <a:solidFill>
+              <a:srgbClr val="7030A0"/>
+            </a:solidFill>
+          </a:ln>
+        </p:spPr>
+        <p:style>
+          <a:lnRef idx="2">
+            <a:schemeClr val="accent1">
+              <a:shade val="50000"/>
+            </a:schemeClr>
+          </a:lnRef>
+          <a:fillRef idx="1">
+            <a:schemeClr val="accent1"/>
+          </a:fillRef>
+          <a:effectRef idx="0">
+            <a:schemeClr val="accent1"/>
+          </a:effectRef>
+          <a:fontRef idx="minor">
+            <a:schemeClr val="lt1"/>
+          </a:fontRef>
+        </p:style>
+        <p:txBody>
+          <a:bodyPr rtlCol="0" anchor="ctr"/>
+          <a:lstStyle/>
+          <a:p>
+            <a:pPr algn="ctr"/>
+            <a:endParaRPr lang="en-US"/>
+          </a:p>
+        </p:txBody>
+      </p:sp>
+      <p:sp>
+        <p:nvSpPr>
+          <p:cNvPr id="151" name="Rettangolo 150"/>
+          <p:cNvSpPr/>
+          <p:nvPr/>
+        </p:nvSpPr>
+        <p:spPr>
+          <a:xfrm rot="16200000">
+            <a:off x="8853254" y="5096323"/>
+            <a:ext cx="447317" cy="177013"/>
+          </a:xfrm>
+          <a:prstGeom prst="rect">
+            <a:avLst/>
+          </a:prstGeom>
+          <a:gradFill flip="none" rotWithShape="1">
+            <a:gsLst>
+              <a:gs pos="13000">
+                <a:srgbClr val="7030A0"/>
+              </a:gs>
+              <a:gs pos="88000">
+                <a:srgbClr val="7030A0">
+                  <a:tint val="44500"/>
+                  <a:satMod val="160000"/>
+                </a:srgbClr>
+              </a:gs>
+              <a:gs pos="100000">
+                <a:srgbClr val="7030A0">
+                  <a:tint val="23500"/>
+                  <a:satMod val="160000"/>
+                </a:srgbClr>
+              </a:gs>
+            </a:gsLst>
+            <a:lin ang="5400000" scaled="1"/>
+            <a:tileRect/>
+          </a:gradFill>
+          <a:ln w="12700">
+            <a:solidFill>
+              <a:srgbClr val="7030A0"/>
+            </a:solidFill>
+          </a:ln>
+        </p:spPr>
+        <p:style>
+          <a:lnRef idx="2">
+            <a:schemeClr val="accent1">
+              <a:shade val="50000"/>
+            </a:schemeClr>
+          </a:lnRef>
+          <a:fillRef idx="1">
+            <a:schemeClr val="accent1"/>
+          </a:fillRef>
+          <a:effectRef idx="0">
+            <a:schemeClr val="accent1"/>
+          </a:effectRef>
+          <a:fontRef idx="minor">
+            <a:schemeClr val="lt1"/>
+          </a:fontRef>
+        </p:style>
+        <p:txBody>
+          <a:bodyPr rtlCol="0" anchor="ctr"/>
+          <a:lstStyle/>
+          <a:p>
+            <a:pPr algn="ctr"/>
+            <a:endParaRPr lang="en-US"/>
+          </a:p>
+        </p:txBody>
+      </p:sp>
+      <p:cxnSp>
+        <p:nvCxnSpPr>
+          <p:cNvPr id="152" name="Connettore 2 151"/>
+          <p:cNvCxnSpPr>
+            <a:stCxn id="20" idx="3"/>
+            <a:endCxn id="55" idx="0"/>
+          </p:cNvCxnSpPr>
+          <p:nvPr/>
+        </p:nvCxnSpPr>
+        <p:spPr>
+          <a:xfrm rot="10800000" flipV="1">
+            <a:off x="1363706" y="790370"/>
+            <a:ext cx="2209402" cy="989751"/>
+          </a:xfrm>
+          <a:prstGeom prst="bentConnector2">
+            <a:avLst/>
+          </a:prstGeom>
+          <a:ln w="28575">
+            <a:solidFill>
+              <a:srgbClr val="7030A0"/>
+            </a:solidFill>
+            <a:tailEnd type="triangle"/>
+          </a:ln>
+        </p:spPr>
+        <p:style>
+          <a:lnRef idx="1">
+            <a:schemeClr val="accent1"/>
+          </a:lnRef>
+          <a:fillRef idx="0">
+            <a:schemeClr val="accent1"/>
+          </a:fillRef>
+          <a:effectRef idx="0">
+            <a:schemeClr val="accent1"/>
+          </a:effectRef>
+          <a:fontRef idx="minor">
+            <a:schemeClr val="tx1"/>
+          </a:fontRef>
+        </p:style>
+      </p:cxnSp>
+      <p:cxnSp>
+        <p:nvCxnSpPr>
+          <p:cNvPr id="153" name="Connettore 2 152"/>
+          <p:cNvCxnSpPr>
+            <a:stCxn id="150" idx="2"/>
+            <a:endCxn id="112" idx="3"/>
+          </p:cNvCxnSpPr>
+          <p:nvPr/>
+        </p:nvCxnSpPr>
+        <p:spPr>
+          <a:xfrm>
+            <a:off x="9118246" y="3583313"/>
+            <a:ext cx="305305" cy="406004"/>
+          </a:xfrm>
+          <a:prstGeom prst="straightConnector1">
+            <a:avLst/>
+          </a:prstGeom>
+          <a:ln w="28575">
+            <a:solidFill>
+              <a:srgbClr val="7030A0"/>
+            </a:solidFill>
+            <a:tailEnd type="triangle"/>
+          </a:ln>
+        </p:spPr>
+        <p:style>
+          <a:lnRef idx="1">
+            <a:schemeClr val="accent1"/>
+          </a:lnRef>
+          <a:fillRef idx="0">
+            <a:schemeClr val="accent1"/>
+          </a:fillRef>
+          <a:effectRef idx="0">
+            <a:schemeClr val="accent1"/>
+          </a:effectRef>
+          <a:fontRef idx="minor">
+            <a:schemeClr val="tx1"/>
+          </a:fontRef>
+        </p:style>
+      </p:cxnSp>
+      <p:cxnSp>
+        <p:nvCxnSpPr>
+          <p:cNvPr id="154" name="Connettore 2 153"/>
+          <p:cNvCxnSpPr>
+            <a:stCxn id="147" idx="2"/>
+            <a:endCxn id="108" idx="3"/>
+          </p:cNvCxnSpPr>
+          <p:nvPr/>
+        </p:nvCxnSpPr>
+        <p:spPr>
+          <a:xfrm>
+            <a:off x="9052698" y="1984295"/>
+            <a:ext cx="218453" cy="335604"/>
+          </a:xfrm>
+          <a:prstGeom prst="straightConnector1">
+            <a:avLst/>
+          </a:prstGeom>
+          <a:ln w="28575">
+            <a:solidFill>
+              <a:srgbClr val="7030A0"/>
+            </a:solidFill>
+            <a:tailEnd type="triangle"/>
+          </a:ln>
+        </p:spPr>
+        <p:style>
+          <a:lnRef idx="1">
+            <a:schemeClr val="accent1"/>
+          </a:lnRef>
+          <a:fillRef idx="0">
+            <a:schemeClr val="accent1"/>
+          </a:fillRef>
+          <a:effectRef idx="0">
+            <a:schemeClr val="accent1"/>
+          </a:effectRef>
+          <a:fontRef idx="minor">
+            <a:schemeClr val="tx1"/>
+          </a:fontRef>
+        </p:style>
+      </p:cxnSp>
+      <p:cxnSp>
+        <p:nvCxnSpPr>
+          <p:cNvPr id="168" name="Connettore 2 167"/>
+          <p:cNvCxnSpPr>
+            <a:stCxn id="20" idx="2"/>
+            <a:endCxn id="63" idx="0"/>
+          </p:cNvCxnSpPr>
+          <p:nvPr/>
+        </p:nvCxnSpPr>
+        <p:spPr>
+          <a:xfrm flipH="1">
+            <a:off x="4016827" y="1359199"/>
+            <a:ext cx="11037" cy="1004664"/>
+          </a:xfrm>
+          <a:prstGeom prst="straightConnector1">
+            <a:avLst/>
+          </a:prstGeom>
+          <a:ln w="28575">
+            <a:solidFill>
+              <a:srgbClr val="7030A0"/>
+            </a:solidFill>
+            <a:tailEnd type="triangle"/>
+          </a:ln>
+        </p:spPr>
+        <p:style>
+          <a:lnRef idx="1">
+            <a:schemeClr val="accent1"/>
+          </a:lnRef>
+          <a:fillRef idx="0">
+            <a:schemeClr val="accent1"/>
+          </a:fillRef>
+          <a:effectRef idx="0">
+            <a:schemeClr val="accent1"/>
+          </a:effectRef>
+          <a:fontRef idx="minor">
+            <a:schemeClr val="tx1"/>
+          </a:fontRef>
+        </p:style>
+      </p:cxnSp>
+      <p:sp>
+        <p:nvSpPr>
+          <p:cNvPr id="176" name="CasellaDiTesto 175"/>
+          <p:cNvSpPr txBox="1"/>
+          <p:nvPr/>
+        </p:nvSpPr>
+        <p:spPr>
+          <a:xfrm>
+            <a:off x="6884891" y="1302546"/>
+            <a:ext cx="1237968" cy="492443"/>
+          </a:xfrm>
+          <a:prstGeom prst="rect">
+            <a:avLst/>
+          </a:prstGeom>
+          <a:noFill/>
+        </p:spPr>
+        <p:txBody>
+          <a:bodyPr wrap="square" rtlCol="0">
+            <a:spAutoFit/>
+          </a:bodyPr>
+          <a:lstStyle/>
+          <a:p>
+            <a:r>
+              <a:rPr lang="it-IT" sz="1300" dirty="0" err="1" smtClean="0"/>
+              <a:t>All</a:t>
+            </a:r>
+            <a:r>
+              <a:rPr lang="it-IT" sz="1300" dirty="0" smtClean="0"/>
+              <a:t> </a:t>
+            </a:r>
+            <a:r>
+              <a:rPr lang="it-IT" sz="1300" dirty="0" err="1" smtClean="0"/>
+              <a:t>assistance</a:t>
+            </a:r>
+            <a:r>
+              <a:rPr lang="it-IT" sz="1300" dirty="0" smtClean="0"/>
+              <a:t> </a:t>
+            </a:r>
+            <a:r>
+              <a:rPr lang="it-IT" sz="1300" dirty="0" err="1" smtClean="0"/>
+              <a:t>categories</a:t>
+            </a:r>
+            <a:endParaRPr lang="it-IT" sz="1300" dirty="0"/>
+          </a:p>
+        </p:txBody>
+      </p:sp>
+      <p:sp>
+        <p:nvSpPr>
+          <p:cNvPr id="177" name="CasellaDiTesto 176"/>
+          <p:cNvSpPr txBox="1"/>
+          <p:nvPr/>
+        </p:nvSpPr>
+        <p:spPr>
+          <a:xfrm>
+            <a:off x="4091303" y="4101646"/>
+            <a:ext cx="1237968" cy="492443"/>
+          </a:xfrm>
+          <a:prstGeom prst="rect">
+            <a:avLst/>
+          </a:prstGeom>
+          <a:noFill/>
+        </p:spPr>
+        <p:txBody>
+          <a:bodyPr wrap="square" rtlCol="0">
+            <a:spAutoFit/>
+          </a:bodyPr>
+          <a:lstStyle/>
+          <a:p>
+            <a:r>
+              <a:rPr lang="it-IT" sz="1300" dirty="0" smtClean="0"/>
+              <a:t>Smart Life of</a:t>
+            </a:r>
+          </a:p>
+          <a:p>
+            <a:r>
+              <a:rPr lang="it-IT" sz="1300" dirty="0" err="1" smtClean="0"/>
+              <a:t>category</a:t>
+            </a:r>
+            <a:r>
+              <a:rPr lang="it-IT" sz="1300" dirty="0" smtClean="0"/>
+              <a:t> X</a:t>
+            </a:r>
+            <a:endParaRPr lang="it-IT" sz="1300" dirty="0"/>
+          </a:p>
+        </p:txBody>
+      </p:sp>
+      <p:sp>
+        <p:nvSpPr>
+          <p:cNvPr id="178" name="CasellaDiTesto 177"/>
+          <p:cNvSpPr txBox="1"/>
+          <p:nvPr/>
+        </p:nvSpPr>
+        <p:spPr>
+          <a:xfrm>
+            <a:off x="4279576" y="1827456"/>
+            <a:ext cx="1237968" cy="492443"/>
+          </a:xfrm>
+          <a:prstGeom prst="rect">
+            <a:avLst/>
+          </a:prstGeom>
+          <a:noFill/>
+        </p:spPr>
+        <p:txBody>
+          <a:bodyPr wrap="square" rtlCol="0">
+            <a:spAutoFit/>
+          </a:bodyPr>
+          <a:lstStyle/>
+          <a:p>
+            <a:r>
+              <a:rPr lang="it-IT" sz="1300" dirty="0" err="1" smtClean="0"/>
+              <a:t>All</a:t>
+            </a:r>
+            <a:r>
+              <a:rPr lang="it-IT" sz="1300" dirty="0" smtClean="0"/>
+              <a:t> Smart Life </a:t>
+            </a:r>
+            <a:r>
+              <a:rPr lang="it-IT" sz="1300" dirty="0" err="1" smtClean="0"/>
+              <a:t>categories</a:t>
+            </a:r>
+            <a:endParaRPr lang="it-IT" sz="1300" dirty="0"/>
+          </a:p>
+        </p:txBody>
+      </p:sp>
+      <p:sp>
+        <p:nvSpPr>
+          <p:cNvPr id="179" name="CasellaDiTesto 178"/>
+          <p:cNvSpPr txBox="1"/>
+          <p:nvPr/>
+        </p:nvSpPr>
+        <p:spPr>
+          <a:xfrm>
+            <a:off x="1474330" y="4009039"/>
+            <a:ext cx="1237968" cy="492443"/>
+          </a:xfrm>
+          <a:prstGeom prst="rect">
+            <a:avLst/>
+          </a:prstGeom>
+          <a:noFill/>
+        </p:spPr>
+        <p:txBody>
+          <a:bodyPr wrap="square" rtlCol="0">
+            <a:spAutoFit/>
+          </a:bodyPr>
+          <a:lstStyle/>
+          <a:p>
+            <a:r>
+              <a:rPr lang="it-IT" sz="1300" dirty="0" err="1" smtClean="0"/>
+              <a:t>Devices</a:t>
+            </a:r>
+            <a:r>
+              <a:rPr lang="it-IT" sz="1300" dirty="0" smtClean="0"/>
+              <a:t> of </a:t>
+            </a:r>
+            <a:r>
+              <a:rPr lang="it-IT" sz="1300" dirty="0" err="1" smtClean="0"/>
+              <a:t>category</a:t>
+            </a:r>
+            <a:r>
+              <a:rPr lang="it-IT" sz="1300" dirty="0" smtClean="0"/>
+              <a:t> X</a:t>
+            </a:r>
+            <a:endParaRPr lang="it-IT" sz="1300" dirty="0"/>
+          </a:p>
+        </p:txBody>
+      </p:sp>
+      <p:sp>
+        <p:nvSpPr>
+          <p:cNvPr id="180" name="CasellaDiTesto 179"/>
+          <p:cNvSpPr txBox="1"/>
+          <p:nvPr/>
+        </p:nvSpPr>
+        <p:spPr>
+          <a:xfrm>
+            <a:off x="1465828" y="1267570"/>
+            <a:ext cx="1237968" cy="492443"/>
+          </a:xfrm>
+          <a:prstGeom prst="rect">
+            <a:avLst/>
+          </a:prstGeom>
+          <a:noFill/>
+        </p:spPr>
+        <p:txBody>
+          <a:bodyPr wrap="square" rtlCol="0">
+            <a:spAutoFit/>
+          </a:bodyPr>
+          <a:lstStyle/>
+          <a:p>
+            <a:r>
+              <a:rPr lang="it-IT" sz="1300" dirty="0" err="1" smtClean="0"/>
+              <a:t>All</a:t>
+            </a:r>
+            <a:r>
+              <a:rPr lang="it-IT" sz="1300" dirty="0" smtClean="0"/>
+              <a:t> </a:t>
+            </a:r>
+            <a:r>
+              <a:rPr lang="it-IT" sz="1300" dirty="0" err="1" smtClean="0"/>
+              <a:t>devices</a:t>
+            </a:r>
+            <a:r>
+              <a:rPr lang="it-IT" sz="1300" dirty="0" smtClean="0"/>
+              <a:t> </a:t>
+            </a:r>
+            <a:r>
+              <a:rPr lang="it-IT" sz="1300" dirty="0" err="1" smtClean="0"/>
+              <a:t>categories</a:t>
+            </a:r>
+            <a:endParaRPr lang="it-IT" sz="1300" dirty="0"/>
+          </a:p>
+        </p:txBody>
+      </p:sp>
+      <p:sp>
+        <p:nvSpPr>
+          <p:cNvPr id="181" name="CasellaDiTesto 180"/>
+          <p:cNvSpPr txBox="1"/>
+          <p:nvPr/>
+        </p:nvSpPr>
+        <p:spPr>
+          <a:xfrm>
+            <a:off x="6640350" y="4147328"/>
+            <a:ext cx="1237968" cy="492443"/>
+          </a:xfrm>
+          <a:prstGeom prst="rect">
+            <a:avLst/>
+          </a:prstGeom>
+          <a:noFill/>
+        </p:spPr>
+        <p:txBody>
+          <a:bodyPr wrap="square" rtlCol="0">
+            <a:spAutoFit/>
+          </a:bodyPr>
+          <a:lstStyle/>
+          <a:p>
+            <a:r>
+              <a:rPr lang="it-IT" sz="1300" dirty="0" smtClean="0"/>
+              <a:t>Assistance of</a:t>
+            </a:r>
+          </a:p>
+          <a:p>
+            <a:r>
+              <a:rPr lang="it-IT" sz="1300" dirty="0" err="1" smtClean="0"/>
+              <a:t>category</a:t>
+            </a:r>
+            <a:r>
+              <a:rPr lang="it-IT" sz="1300" dirty="0" smtClean="0"/>
+              <a:t> X</a:t>
+            </a:r>
+            <a:endParaRPr lang="it-IT" sz="1300" dirty="0"/>
+          </a:p>
+        </p:txBody>
+      </p:sp>
+      <p:sp>
+        <p:nvSpPr>
+          <p:cNvPr id="182" name="CasellaDiTesto 181"/>
+          <p:cNvSpPr txBox="1"/>
+          <p:nvPr/>
+        </p:nvSpPr>
+        <p:spPr>
+          <a:xfrm>
+            <a:off x="9780822" y="3054107"/>
+            <a:ext cx="1237968" cy="292388"/>
+          </a:xfrm>
+          <a:prstGeom prst="rect">
+            <a:avLst/>
+          </a:prstGeom>
+          <a:noFill/>
+        </p:spPr>
+        <p:txBody>
+          <a:bodyPr wrap="square" rtlCol="0">
+            <a:spAutoFit/>
+          </a:bodyPr>
+          <a:lstStyle/>
+          <a:p>
+            <a:r>
+              <a:rPr lang="it-IT" sz="1300" dirty="0" smtClean="0"/>
+              <a:t>GOVERNANCE</a:t>
+            </a:r>
+            <a:endParaRPr lang="it-IT" sz="1300" dirty="0"/>
+          </a:p>
+        </p:txBody>
+      </p:sp>
+      <p:sp>
+        <p:nvSpPr>
+          <p:cNvPr id="183" name="CasellaDiTesto 182"/>
+          <p:cNvSpPr txBox="1"/>
+          <p:nvPr/>
+        </p:nvSpPr>
+        <p:spPr>
+          <a:xfrm>
+            <a:off x="9831998" y="1413340"/>
+            <a:ext cx="1237968" cy="292388"/>
+          </a:xfrm>
+          <a:prstGeom prst="rect">
+            <a:avLst/>
+          </a:prstGeom>
+          <a:noFill/>
+        </p:spPr>
+        <p:txBody>
+          <a:bodyPr wrap="square" rtlCol="0">
+            <a:spAutoFit/>
+          </a:bodyPr>
+          <a:lstStyle/>
+          <a:p>
+            <a:r>
+              <a:rPr lang="it-IT" sz="1300" dirty="0" smtClean="0"/>
+              <a:t> WHO WE ARE</a:t>
+            </a:r>
+            <a:endParaRPr lang="it-IT" sz="1300" dirty="0"/>
+          </a:p>
+        </p:txBody>
+      </p:sp>
+      <p:sp>
+        <p:nvSpPr>
+          <p:cNvPr id="184" name="CasellaDiTesto 183"/>
+          <p:cNvSpPr txBox="1"/>
+          <p:nvPr/>
+        </p:nvSpPr>
+        <p:spPr>
+          <a:xfrm>
+            <a:off x="10683148" y="51362"/>
+            <a:ext cx="1237968" cy="292388"/>
+          </a:xfrm>
+          <a:prstGeom prst="rect">
+            <a:avLst/>
+          </a:prstGeom>
+          <a:noFill/>
+        </p:spPr>
+        <p:txBody>
+          <a:bodyPr wrap="square" rtlCol="0">
+            <a:spAutoFit/>
+          </a:bodyPr>
+          <a:lstStyle/>
+          <a:p>
+            <a:r>
+              <a:rPr lang="it-IT" sz="1300" dirty="0" smtClean="0"/>
+              <a:t>News</a:t>
+            </a:r>
+            <a:endParaRPr lang="it-IT" sz="1300" dirty="0"/>
+          </a:p>
+        </p:txBody>
+      </p:sp>
+      <p:sp>
+        <p:nvSpPr>
+          <p:cNvPr id="185" name="CasellaDiTesto 184"/>
+          <p:cNvSpPr txBox="1"/>
+          <p:nvPr/>
+        </p:nvSpPr>
+        <p:spPr>
+          <a:xfrm>
+            <a:off x="10668699" y="5979942"/>
+            <a:ext cx="588974" cy="292388"/>
+          </a:xfrm>
+          <a:prstGeom prst="rect">
+            <a:avLst/>
+          </a:prstGeom>
+          <a:noFill/>
+        </p:spPr>
+        <p:txBody>
+          <a:bodyPr wrap="square" rtlCol="0">
+            <a:spAutoFit/>
+          </a:bodyPr>
+          <a:lstStyle/>
+          <a:p>
+            <a:r>
+              <a:rPr lang="it-IT" sz="1300" dirty="0" smtClean="0"/>
+              <a:t>A2A</a:t>
+            </a:r>
+            <a:endParaRPr lang="it-IT" sz="1300" dirty="0"/>
+          </a:p>
+        </p:txBody>
+      </p:sp>
+      <p:sp>
+        <p:nvSpPr>
+          <p:cNvPr id="187" name="CasellaDiTesto 186"/>
+          <p:cNvSpPr txBox="1"/>
+          <p:nvPr/>
+        </p:nvSpPr>
+        <p:spPr>
+          <a:xfrm>
+            <a:off x="9667279" y="4658828"/>
+            <a:ext cx="1237968" cy="292388"/>
+          </a:xfrm>
+          <a:prstGeom prst="rect">
+            <a:avLst/>
+          </a:prstGeom>
+          <a:noFill/>
+        </p:spPr>
+        <p:txBody>
+          <a:bodyPr wrap="square" rtlCol="0">
+            <a:spAutoFit/>
+          </a:bodyPr>
+          <a:lstStyle/>
+          <a:p>
+            <a:r>
+              <a:rPr lang="it-IT" sz="1300" dirty="0" smtClean="0"/>
+              <a:t>BUSINESS</a:t>
+            </a:r>
+            <a:endParaRPr lang="it-IT" sz="1300" dirty="0"/>
+          </a:p>
+        </p:txBody>
+      </p:sp>
+      <p:sp>
+        <p:nvSpPr>
+          <p:cNvPr id="194" name="CasellaDiTesto 193"/>
+          <p:cNvSpPr txBox="1"/>
+          <p:nvPr/>
+        </p:nvSpPr>
+        <p:spPr>
+          <a:xfrm>
+            <a:off x="10445950" y="4393549"/>
+            <a:ext cx="588974" cy="292388"/>
+          </a:xfrm>
+          <a:prstGeom prst="rect">
+            <a:avLst/>
+          </a:prstGeom>
+          <a:noFill/>
+        </p:spPr>
+        <p:txBody>
+          <a:bodyPr wrap="square" rtlCol="0">
+            <a:spAutoFit/>
+          </a:bodyPr>
+          <a:lstStyle/>
+          <a:p>
+            <a:r>
+              <a:rPr lang="it-IT" sz="1300" dirty="0" smtClean="0"/>
+              <a:t>A2A</a:t>
+            </a:r>
+            <a:endParaRPr lang="it-IT" sz="1300" dirty="0"/>
+          </a:p>
+        </p:txBody>
+      </p:sp>
+      <p:sp>
+        <p:nvSpPr>
+          <p:cNvPr id="195" name="CasellaDiTesto 194"/>
+          <p:cNvSpPr txBox="1"/>
+          <p:nvPr/>
+        </p:nvSpPr>
+        <p:spPr>
+          <a:xfrm>
+            <a:off x="10775478" y="2726221"/>
+            <a:ext cx="588974" cy="292388"/>
+          </a:xfrm>
+          <a:prstGeom prst="rect">
+            <a:avLst/>
+          </a:prstGeom>
+          <a:noFill/>
+        </p:spPr>
+        <p:txBody>
+          <a:bodyPr wrap="square" rtlCol="0">
+            <a:spAutoFit/>
+          </a:bodyPr>
+          <a:lstStyle/>
+          <a:p>
+            <a:r>
+              <a:rPr lang="it-IT" sz="1300" dirty="0" smtClean="0"/>
+              <a:t>A2A</a:t>
+            </a:r>
+            <a:endParaRPr lang="it-IT" sz="1300" dirty="0"/>
+          </a:p>
+        </p:txBody>
+      </p:sp>
+      <p:cxnSp>
+        <p:nvCxnSpPr>
+          <p:cNvPr id="196" name="Connettore 2 195"/>
+          <p:cNvCxnSpPr>
+            <a:stCxn id="55" idx="2"/>
+            <a:endCxn id="91" idx="0"/>
+          </p:cNvCxnSpPr>
+          <p:nvPr/>
+        </p:nvCxnSpPr>
+        <p:spPr>
+          <a:xfrm flipH="1">
+            <a:off x="1347842" y="2917779"/>
+            <a:ext cx="15864" cy="1686128"/>
+          </a:xfrm>
+          <a:prstGeom prst="straightConnector1">
+            <a:avLst/>
+          </a:prstGeom>
+          <a:ln w="63500" cmpd="dbl">
+            <a:solidFill>
+              <a:srgbClr val="7030A0"/>
+            </a:solidFill>
+            <a:tailEnd type="triangle"/>
+          </a:ln>
+        </p:spPr>
+        <p:style>
+          <a:lnRef idx="1">
+            <a:schemeClr val="accent1"/>
+          </a:lnRef>
+          <a:fillRef idx="0">
+            <a:schemeClr val="accent1"/>
+          </a:fillRef>
+          <a:effectRef idx="0">
+            <a:schemeClr val="accent1"/>
+          </a:effectRef>
+          <a:fontRef idx="minor">
+            <a:schemeClr val="tx1"/>
+          </a:fontRef>
+        </p:style>
+      </p:cxnSp>
+      <p:cxnSp>
+        <p:nvCxnSpPr>
+          <p:cNvPr id="197" name="Connettore 2 196"/>
+          <p:cNvCxnSpPr>
+            <a:stCxn id="63" idx="2"/>
+            <a:endCxn id="82" idx="0"/>
+          </p:cNvCxnSpPr>
+          <p:nvPr/>
+        </p:nvCxnSpPr>
+        <p:spPr>
+          <a:xfrm>
+            <a:off x="4016827" y="3501520"/>
+            <a:ext cx="3" cy="1197614"/>
+          </a:xfrm>
+          <a:prstGeom prst="straightConnector1">
+            <a:avLst/>
+          </a:prstGeom>
+          <a:ln w="63500" cmpd="dbl">
+            <a:solidFill>
+              <a:srgbClr val="7030A0"/>
+            </a:solidFill>
+            <a:tailEnd type="triangle"/>
+          </a:ln>
+        </p:spPr>
+        <p:style>
+          <a:lnRef idx="1">
+            <a:schemeClr val="accent1"/>
+          </a:lnRef>
+          <a:fillRef idx="0">
+            <a:schemeClr val="accent1"/>
+          </a:fillRef>
+          <a:effectRef idx="0">
+            <a:schemeClr val="accent1"/>
+          </a:effectRef>
+          <a:fontRef idx="minor">
+            <a:schemeClr val="tx1"/>
+          </a:fontRef>
+        </p:style>
+      </p:cxnSp>
+      <p:cxnSp>
+        <p:nvCxnSpPr>
+          <p:cNvPr id="198" name="Connettore 2 197"/>
+          <p:cNvCxnSpPr>
+            <a:stCxn id="30" idx="2"/>
+            <a:endCxn id="73" idx="0"/>
+          </p:cNvCxnSpPr>
+          <p:nvPr/>
+        </p:nvCxnSpPr>
+        <p:spPr>
+          <a:xfrm>
+            <a:off x="6599668" y="2991388"/>
+            <a:ext cx="12054" cy="1678432"/>
+          </a:xfrm>
+          <a:prstGeom prst="straightConnector1">
+            <a:avLst/>
+          </a:prstGeom>
+          <a:ln w="63500" cmpd="dbl">
+            <a:solidFill>
+              <a:srgbClr val="7030A0"/>
+            </a:solidFill>
+            <a:tailEnd type="triangle"/>
+          </a:ln>
+        </p:spPr>
+        <p:style>
+          <a:lnRef idx="1">
+            <a:schemeClr val="accent1"/>
+          </a:lnRef>
+          <a:fillRef idx="0">
+            <a:schemeClr val="accent1"/>
+          </a:fillRef>
+          <a:effectRef idx="0">
+            <a:schemeClr val="accent1"/>
+          </a:effectRef>
+          <a:fontRef idx="minor">
+            <a:schemeClr val="tx1"/>
+          </a:fontRef>
+        </p:style>
+      </p:cxnSp>
+      <p:sp>
+        <p:nvSpPr>
+          <p:cNvPr id="207" name="CasellaDiTesto 206"/>
+          <p:cNvSpPr txBox="1"/>
+          <p:nvPr/>
+        </p:nvSpPr>
+        <p:spPr>
+          <a:xfrm>
+            <a:off x="783410" y="3516133"/>
+            <a:ext cx="1237968" cy="292388"/>
+          </a:xfrm>
+          <a:prstGeom prst="rect">
+            <a:avLst/>
+          </a:prstGeom>
+          <a:noFill/>
+        </p:spPr>
+        <p:txBody>
+          <a:bodyPr wrap="square" rtlCol="0">
+            <a:spAutoFit/>
+          </a:bodyPr>
+          <a:lstStyle/>
+          <a:p>
+            <a:r>
+              <a:rPr lang="it-IT" sz="1300" dirty="0" smtClean="0"/>
+              <a:t>INDEX</a:t>
+            </a:r>
+            <a:endParaRPr lang="it-IT" sz="1300" dirty="0"/>
+          </a:p>
+        </p:txBody>
+      </p:sp>
+      <p:sp>
+        <p:nvSpPr>
+          <p:cNvPr id="208" name="CasellaDiTesto 207"/>
+          <p:cNvSpPr txBox="1"/>
+          <p:nvPr/>
+        </p:nvSpPr>
+        <p:spPr>
+          <a:xfrm>
+            <a:off x="3451297" y="3782628"/>
+            <a:ext cx="1237968" cy="292388"/>
+          </a:xfrm>
+          <a:prstGeom prst="rect">
+            <a:avLst/>
+          </a:prstGeom>
+          <a:noFill/>
+        </p:spPr>
+        <p:txBody>
+          <a:bodyPr wrap="square" rtlCol="0">
+            <a:spAutoFit/>
+          </a:bodyPr>
+          <a:lstStyle/>
+          <a:p>
+            <a:r>
+              <a:rPr lang="it-IT" sz="1300" dirty="0" smtClean="0"/>
+              <a:t>INDEX</a:t>
+            </a:r>
+            <a:endParaRPr lang="it-IT" sz="1300" dirty="0"/>
+          </a:p>
+        </p:txBody>
+      </p:sp>
+      <p:sp>
+        <p:nvSpPr>
+          <p:cNvPr id="209" name="CasellaDiTesto 208"/>
+          <p:cNvSpPr txBox="1"/>
+          <p:nvPr/>
+        </p:nvSpPr>
+        <p:spPr>
+          <a:xfrm>
+            <a:off x="6002824" y="3541602"/>
+            <a:ext cx="1237968" cy="292388"/>
+          </a:xfrm>
+          <a:prstGeom prst="rect">
+            <a:avLst/>
+          </a:prstGeom>
+          <a:noFill/>
+        </p:spPr>
+        <p:txBody>
+          <a:bodyPr wrap="square" rtlCol="0">
+            <a:spAutoFit/>
+          </a:bodyPr>
+          <a:lstStyle/>
+          <a:p>
+            <a:r>
+              <a:rPr lang="it-IT" sz="1300" dirty="0" smtClean="0"/>
+              <a:t>INDEX</a:t>
+            </a:r>
+            <a:endParaRPr lang="it-IT" sz="1300" dirty="0"/>
+          </a:p>
+        </p:txBody>
+      </p:sp>
+    </p:spTree>
+    <p:extLst>
+      <p:ext uri="{BB962C8B-B14F-4D97-AF65-F5344CB8AC3E}">
+        <p14:creationId xmlns:p14="http://schemas.microsoft.com/office/powerpoint/2010/main" val="342562957"/>
+      </p:ext>
+    </p:extLst>
+  </p:cSld>
+  <p:clrMapOvr>
+    <a:masterClrMapping/>
+  </p:clrMapOvr>
+</p:sld>
+</file>
+
+<file path=ppt/slides/slide7.xml><?xml version="1.0" encoding="utf-8"?>
+<p:sld xmlns:a="http://schemas.openxmlformats.org/drawingml/2006/main" xmlns:r="http://schemas.openxmlformats.org/officeDocument/2006/relationships" xmlns:p="http://schemas.openxmlformats.org/presentationml/2006/main">
+  <p:cSld>
+    <p:spTree>
+      <p:nvGrpSpPr>
+        <p:cNvPr id="1" name=""/>
+        <p:cNvGrpSpPr/>
+        <p:nvPr/>
+      </p:nvGrpSpPr>
+      <p:grpSpPr>
+        <a:xfrm>
+          <a:off x="0" y="0"/>
+          <a:ext cx="0" cy="0"/>
+          <a:chOff x="0" y="0"/>
+          <a:chExt cx="0" cy="0"/>
+        </a:xfrm>
+      </p:grpSpPr>
+      <p:grpSp>
+        <p:nvGrpSpPr>
+          <p:cNvPr id="4" name="Gruppo 3"/>
+          <p:cNvGrpSpPr/>
+          <p:nvPr/>
+        </p:nvGrpSpPr>
+        <p:grpSpPr>
+          <a:xfrm>
+            <a:off x="247639" y="1839115"/>
+            <a:ext cx="1106809" cy="1339141"/>
+            <a:chOff x="7017729" y="2804266"/>
+            <a:chExt cx="1382515" cy="1619952"/>
+          </a:xfrm>
+        </p:grpSpPr>
+        <p:grpSp>
+          <p:nvGrpSpPr>
+            <p:cNvPr id="5" name="Gruppo 4"/>
+            <p:cNvGrpSpPr/>
+            <p:nvPr/>
+          </p:nvGrpSpPr>
+          <p:grpSpPr>
+            <a:xfrm>
+              <a:off x="7017729" y="2804266"/>
+              <a:ext cx="1382515" cy="1619952"/>
+              <a:chOff x="3350195" y="2804266"/>
+              <a:chExt cx="1382515" cy="1619952"/>
+            </a:xfrm>
+          </p:grpSpPr>
+          <p:sp>
+            <p:nvSpPr>
+              <p:cNvPr id="12" name="Scheda 11"/>
+              <p:cNvSpPr/>
+              <p:nvPr/>
+            </p:nvSpPr>
+            <p:spPr>
+              <a:xfrm flipH="1">
+                <a:off x="3596637" y="3048000"/>
+                <a:ext cx="1136073" cy="1376218"/>
+              </a:xfrm>
+              <a:prstGeom prst="flowChartPunchedCard">
+                <a:avLst/>
+              </a:prstGeom>
+              <a:solidFill>
+                <a:schemeClr val="bg1"/>
+              </a:solidFill>
+              <a:ln w="38100">
+                <a:solidFill>
+                  <a:srgbClr val="7030A0"/>
+                </a:solidFill>
+              </a:ln>
+            </p:spPr>
+            <p:style>
+              <a:lnRef idx="2">
+                <a:schemeClr val="accent1">
+                  <a:shade val="50000"/>
+                </a:schemeClr>
+              </a:lnRef>
+              <a:fillRef idx="1">
+                <a:schemeClr val="accent1"/>
+              </a:fillRef>
+              <a:effectRef idx="0">
+                <a:schemeClr val="accent1"/>
+              </a:effectRef>
+              <a:fontRef idx="minor">
+                <a:schemeClr val="lt1"/>
+              </a:fontRef>
+            </p:style>
+            <p:txBody>
+              <a:bodyPr rtlCol="0" anchor="ctr"/>
+              <a:lstStyle/>
+              <a:p>
+                <a:pPr algn="ctr"/>
+                <a:endParaRPr lang="en-US"/>
+              </a:p>
+            </p:txBody>
+          </p:sp>
+          <p:sp>
+            <p:nvSpPr>
+              <p:cNvPr id="13" name="Ovale 12"/>
+              <p:cNvSpPr/>
+              <p:nvPr/>
+            </p:nvSpPr>
+            <p:spPr>
+              <a:xfrm>
+                <a:off x="3350195" y="2804266"/>
+                <a:ext cx="492890" cy="492890"/>
+              </a:xfrm>
+              <a:prstGeom prst="ellipse">
+                <a:avLst/>
+              </a:prstGeom>
+              <a:solidFill>
+                <a:schemeClr val="bg1"/>
+              </a:solidFill>
+              <a:ln w="19050">
+                <a:solidFill>
+                  <a:srgbClr val="7030A0"/>
+                </a:solidFill>
+              </a:ln>
+            </p:spPr>
+            <p:style>
+              <a:lnRef idx="2">
+                <a:schemeClr val="accent1">
+                  <a:shade val="50000"/>
+                </a:schemeClr>
+              </a:lnRef>
+              <a:fillRef idx="1">
+                <a:schemeClr val="accent1"/>
+              </a:fillRef>
+              <a:effectRef idx="0">
+                <a:schemeClr val="accent1"/>
+              </a:effectRef>
+              <a:fontRef idx="minor">
+                <a:schemeClr val="lt1"/>
+              </a:fontRef>
+            </p:style>
+            <p:txBody>
+              <a:bodyPr rtlCol="0" anchor="ctr"/>
+              <a:lstStyle/>
+              <a:p>
+                <a:pPr algn="ctr"/>
+                <a:endParaRPr lang="en-US">
+                  <a:ln>
+                    <a:solidFill>
+                      <a:srgbClr val="7030A0"/>
+                    </a:solidFill>
+                  </a:ln>
+                  <a:solidFill>
+                    <a:srgbClr val="7030A0"/>
+                  </a:solidFill>
+                </a:endParaRPr>
+              </a:p>
+            </p:txBody>
+          </p:sp>
+          <p:grpSp>
+            <p:nvGrpSpPr>
+              <p:cNvPr id="14" name="Gruppo 13"/>
+              <p:cNvGrpSpPr/>
+              <p:nvPr/>
+            </p:nvGrpSpPr>
+            <p:grpSpPr>
+              <a:xfrm>
+                <a:off x="3350195" y="2804266"/>
+                <a:ext cx="492890" cy="492890"/>
+                <a:chOff x="5316567" y="2715285"/>
+                <a:chExt cx="325790" cy="325790"/>
+              </a:xfrm>
+            </p:grpSpPr>
+            <p:sp>
+              <p:nvSpPr>
+                <p:cNvPr id="15" name="Ovale 14"/>
+                <p:cNvSpPr/>
+                <p:nvPr/>
+              </p:nvSpPr>
+              <p:spPr>
+                <a:xfrm>
+                  <a:off x="5316567" y="2715285"/>
+                  <a:ext cx="325790" cy="325790"/>
+                </a:xfrm>
+                <a:prstGeom prst="ellipse">
+                  <a:avLst/>
+                </a:prstGeom>
+                <a:gradFill flip="none" rotWithShape="1">
+                  <a:gsLst>
+                    <a:gs pos="26000">
+                      <a:srgbClr val="7030A0">
+                        <a:tint val="66000"/>
+                        <a:satMod val="160000"/>
+                      </a:srgbClr>
+                    </a:gs>
+                    <a:gs pos="24000">
+                      <a:srgbClr val="7030A0">
+                        <a:tint val="66000"/>
+                        <a:satMod val="160000"/>
+                        <a:lumMod val="56000"/>
+                      </a:srgbClr>
+                    </a:gs>
+                    <a:gs pos="27000">
+                      <a:srgbClr val="7030A0">
+                        <a:tint val="23500"/>
+                        <a:satMod val="160000"/>
+                        <a:alpha val="0"/>
+                        <a:lumMod val="100000"/>
+                      </a:srgbClr>
+                    </a:gs>
+                  </a:gsLst>
+                  <a:lin ang="5400000" scaled="1"/>
+                  <a:tileRect/>
+                </a:gradFill>
+                <a:ln w="19050">
+                  <a:solidFill>
+                    <a:srgbClr val="7030A0"/>
+                  </a:solidFill>
+                </a:ln>
+              </p:spPr>
+              <p:style>
+                <a:lnRef idx="2">
+                  <a:schemeClr val="accent1">
+                    <a:shade val="50000"/>
+                  </a:schemeClr>
+                </a:lnRef>
+                <a:fillRef idx="1">
+                  <a:schemeClr val="accent1"/>
+                </a:fillRef>
+                <a:effectRef idx="0">
+                  <a:schemeClr val="accent1"/>
+                </a:effectRef>
+                <a:fontRef idx="minor">
+                  <a:schemeClr val="lt1"/>
+                </a:fontRef>
+              </p:style>
+              <p:txBody>
+                <a:bodyPr rtlCol="0" anchor="ctr"/>
+                <a:lstStyle/>
+                <a:p>
+                  <a:pPr algn="ctr"/>
+                  <a:endParaRPr lang="en-US">
+                    <a:ln>
+                      <a:solidFill>
+                        <a:srgbClr val="7030A0"/>
+                      </a:solidFill>
+                    </a:ln>
+                    <a:solidFill>
+                      <a:srgbClr val="7030A0"/>
+                    </a:solidFill>
+                  </a:endParaRPr>
+                </a:p>
+              </p:txBody>
+            </p:sp>
+            <p:cxnSp>
+              <p:nvCxnSpPr>
+                <p:cNvPr id="16" name="Connettore 1 61"/>
+                <p:cNvCxnSpPr/>
+                <p:nvPr/>
+              </p:nvCxnSpPr>
+              <p:spPr>
+                <a:xfrm>
+                  <a:off x="5366958" y="2832058"/>
+                  <a:ext cx="230369" cy="0"/>
+                </a:xfrm>
+                <a:prstGeom prst="line">
+                  <a:avLst/>
+                </a:prstGeom>
+                <a:ln w="19050">
+                  <a:solidFill>
+                    <a:srgbClr val="7030A0"/>
+                  </a:solidFill>
+                </a:ln>
+              </p:spPr>
+              <p:style>
+                <a:lnRef idx="1">
+                  <a:schemeClr val="accent1"/>
+                </a:lnRef>
+                <a:fillRef idx="0">
+                  <a:schemeClr val="accent1"/>
+                </a:fillRef>
+                <a:effectRef idx="0">
+                  <a:schemeClr val="accent1"/>
+                </a:effectRef>
+                <a:fontRef idx="minor">
+                  <a:schemeClr val="tx1"/>
+                </a:fontRef>
+              </p:style>
+            </p:cxnSp>
+            <p:cxnSp>
+              <p:nvCxnSpPr>
+                <p:cNvPr id="17" name="Connettore 1 62"/>
+                <p:cNvCxnSpPr/>
+                <p:nvPr/>
+              </p:nvCxnSpPr>
+              <p:spPr>
+                <a:xfrm>
+                  <a:off x="5364276" y="2886008"/>
+                  <a:ext cx="230369" cy="0"/>
+                </a:xfrm>
+                <a:prstGeom prst="line">
+                  <a:avLst/>
+                </a:prstGeom>
+                <a:ln w="19050">
+                  <a:solidFill>
+                    <a:srgbClr val="7030A0"/>
+                  </a:solidFill>
+                </a:ln>
+              </p:spPr>
+              <p:style>
+                <a:lnRef idx="1">
+                  <a:schemeClr val="accent1"/>
+                </a:lnRef>
+                <a:fillRef idx="0">
+                  <a:schemeClr val="accent1"/>
+                </a:fillRef>
+                <a:effectRef idx="0">
+                  <a:schemeClr val="accent1"/>
+                </a:effectRef>
+                <a:fontRef idx="minor">
+                  <a:schemeClr val="tx1"/>
+                </a:fontRef>
+              </p:style>
+            </p:cxnSp>
+            <p:cxnSp>
+              <p:nvCxnSpPr>
+                <p:cNvPr id="18" name="Connettore 1 63"/>
+                <p:cNvCxnSpPr/>
+                <p:nvPr/>
+              </p:nvCxnSpPr>
+              <p:spPr>
+                <a:xfrm>
+                  <a:off x="5364276" y="2943977"/>
+                  <a:ext cx="230369" cy="0"/>
+                </a:xfrm>
+                <a:prstGeom prst="line">
+                  <a:avLst/>
+                </a:prstGeom>
+                <a:ln w="19050">
+                  <a:solidFill>
+                    <a:srgbClr val="7030A0"/>
+                  </a:solidFill>
+                </a:ln>
+              </p:spPr>
+              <p:style>
+                <a:lnRef idx="1">
+                  <a:schemeClr val="accent1"/>
+                </a:lnRef>
+                <a:fillRef idx="0">
+                  <a:schemeClr val="accent1"/>
+                </a:fillRef>
+                <a:effectRef idx="0">
+                  <a:schemeClr val="accent1"/>
+                </a:effectRef>
+                <a:fontRef idx="minor">
+                  <a:schemeClr val="tx1"/>
+                </a:fontRef>
+              </p:style>
+            </p:cxnSp>
+          </p:grpSp>
+        </p:grpSp>
+        <p:grpSp>
+          <p:nvGrpSpPr>
+            <p:cNvPr id="6" name="Gruppo 5"/>
+            <p:cNvGrpSpPr/>
+            <p:nvPr/>
+          </p:nvGrpSpPr>
+          <p:grpSpPr>
+            <a:xfrm>
+              <a:off x="7941042" y="3964576"/>
+              <a:ext cx="387618" cy="387618"/>
+              <a:chOff x="4445500" y="3234900"/>
+              <a:chExt cx="427168" cy="427168"/>
+            </a:xfrm>
+          </p:grpSpPr>
+          <p:sp>
+            <p:nvSpPr>
+              <p:cNvPr id="7" name="Ovale 6"/>
+              <p:cNvSpPr/>
+              <p:nvPr/>
+            </p:nvSpPr>
+            <p:spPr>
+              <a:xfrm>
+                <a:off x="4445500" y="3234900"/>
+                <a:ext cx="427168" cy="427168"/>
+              </a:xfrm>
+              <a:prstGeom prst="ellipse">
+                <a:avLst/>
+              </a:prstGeom>
+              <a:solidFill>
+                <a:schemeClr val="bg1"/>
+              </a:solidFill>
+              <a:ln w="19050">
+                <a:solidFill>
+                  <a:srgbClr val="7030A0"/>
+                </a:solidFill>
+              </a:ln>
+            </p:spPr>
+            <p:style>
+              <a:lnRef idx="2">
+                <a:schemeClr val="accent1">
+                  <a:shade val="50000"/>
+                </a:schemeClr>
+              </a:lnRef>
+              <a:fillRef idx="1">
+                <a:schemeClr val="accent1"/>
+              </a:fillRef>
+              <a:effectRef idx="0">
+                <a:schemeClr val="accent1"/>
+              </a:effectRef>
+              <a:fontRef idx="minor">
+                <a:schemeClr val="lt1"/>
+              </a:fontRef>
+            </p:style>
+            <p:txBody>
+              <a:bodyPr rtlCol="0" anchor="ctr"/>
+              <a:lstStyle/>
+              <a:p>
+                <a:pPr algn="ctr"/>
+                <a:endParaRPr lang="en-US">
+                  <a:ln>
+                    <a:solidFill>
+                      <a:srgbClr val="7030A0"/>
+                    </a:solidFill>
+                  </a:ln>
+                  <a:solidFill>
+                    <a:schemeClr val="bg1"/>
+                  </a:solidFill>
+                </a:endParaRPr>
+              </a:p>
+            </p:txBody>
+          </p:sp>
+          <p:sp>
+            <p:nvSpPr>
+              <p:cNvPr id="8" name="Ovale 7"/>
+              <p:cNvSpPr/>
+              <p:nvPr/>
+            </p:nvSpPr>
+            <p:spPr>
+              <a:xfrm>
+                <a:off x="4476538" y="3265936"/>
+                <a:ext cx="365096" cy="365096"/>
+              </a:xfrm>
+              <a:prstGeom prst="ellipse">
+                <a:avLst/>
+              </a:prstGeom>
+              <a:gradFill flip="none" rotWithShape="1">
+                <a:gsLst>
+                  <a:gs pos="26000">
+                    <a:srgbClr val="7030A0">
+                      <a:tint val="66000"/>
+                      <a:satMod val="160000"/>
+                    </a:srgbClr>
+                  </a:gs>
+                  <a:gs pos="24000">
+                    <a:srgbClr val="7030A0">
+                      <a:tint val="66000"/>
+                      <a:satMod val="160000"/>
+                      <a:lumMod val="56000"/>
+                    </a:srgbClr>
+                  </a:gs>
+                  <a:gs pos="27000">
+                    <a:srgbClr val="7030A0">
+                      <a:tint val="23500"/>
+                      <a:satMod val="160000"/>
+                      <a:alpha val="0"/>
+                      <a:lumMod val="100000"/>
+                    </a:srgbClr>
+                  </a:gs>
+                </a:gsLst>
+                <a:lin ang="5400000" scaled="1"/>
+                <a:tileRect/>
+              </a:gradFill>
+              <a:ln w="19050">
+                <a:solidFill>
+                  <a:srgbClr val="7030A0"/>
+                </a:solidFill>
+              </a:ln>
+            </p:spPr>
+            <p:style>
+              <a:lnRef idx="2">
+                <a:schemeClr val="accent1">
+                  <a:shade val="50000"/>
+                </a:schemeClr>
+              </a:lnRef>
+              <a:fillRef idx="1">
+                <a:schemeClr val="accent1"/>
+              </a:fillRef>
+              <a:effectRef idx="0">
+                <a:schemeClr val="accent1"/>
+              </a:effectRef>
+              <a:fontRef idx="minor">
+                <a:schemeClr val="lt1"/>
+              </a:fontRef>
+            </p:style>
+            <p:txBody>
+              <a:bodyPr rtlCol="0" anchor="ctr"/>
+              <a:lstStyle/>
+              <a:p>
+                <a:pPr algn="ctr"/>
+                <a:endParaRPr lang="en-US">
+                  <a:ln>
+                    <a:solidFill>
+                      <a:srgbClr val="7030A0"/>
+                    </a:solidFill>
+                  </a:ln>
+                  <a:solidFill>
+                    <a:srgbClr val="7030A0"/>
+                  </a:solidFill>
+                </a:endParaRPr>
+              </a:p>
+            </p:txBody>
+          </p:sp>
+          <p:cxnSp>
+            <p:nvCxnSpPr>
+              <p:cNvPr id="9" name="Connettore 1 67"/>
+              <p:cNvCxnSpPr/>
+              <p:nvPr/>
+            </p:nvCxnSpPr>
+            <p:spPr>
+              <a:xfrm>
+                <a:off x="4533009" y="3396797"/>
+                <a:ext cx="258163" cy="0"/>
+              </a:xfrm>
+              <a:prstGeom prst="line">
+                <a:avLst/>
+              </a:prstGeom>
+              <a:ln w="19050">
+                <a:solidFill>
+                  <a:srgbClr val="7030A0"/>
+                </a:solidFill>
+              </a:ln>
+            </p:spPr>
+            <p:style>
+              <a:lnRef idx="1">
+                <a:schemeClr val="accent1"/>
+              </a:lnRef>
+              <a:fillRef idx="0">
+                <a:schemeClr val="accent1"/>
+              </a:fillRef>
+              <a:effectRef idx="0">
+                <a:schemeClr val="accent1"/>
+              </a:effectRef>
+              <a:fontRef idx="minor">
+                <a:schemeClr val="tx1"/>
+              </a:fontRef>
+            </p:style>
+          </p:cxnSp>
+          <p:cxnSp>
+            <p:nvCxnSpPr>
+              <p:cNvPr id="10" name="Connettore 1 68"/>
+              <p:cNvCxnSpPr/>
+              <p:nvPr/>
+            </p:nvCxnSpPr>
+            <p:spPr>
+              <a:xfrm>
+                <a:off x="4530003" y="3457256"/>
+                <a:ext cx="258163" cy="0"/>
+              </a:xfrm>
+              <a:prstGeom prst="line">
+                <a:avLst/>
+              </a:prstGeom>
+              <a:ln w="19050">
+                <a:solidFill>
+                  <a:srgbClr val="7030A0"/>
+                </a:solidFill>
+              </a:ln>
+            </p:spPr>
+            <p:style>
+              <a:lnRef idx="1">
+                <a:schemeClr val="accent1"/>
+              </a:lnRef>
+              <a:fillRef idx="0">
+                <a:schemeClr val="accent1"/>
+              </a:fillRef>
+              <a:effectRef idx="0">
+                <a:schemeClr val="accent1"/>
+              </a:effectRef>
+              <a:fontRef idx="minor">
+                <a:schemeClr val="tx1"/>
+              </a:fontRef>
+            </p:style>
+          </p:cxnSp>
+          <p:cxnSp>
+            <p:nvCxnSpPr>
+              <p:cNvPr id="11" name="Connettore 1 69"/>
+              <p:cNvCxnSpPr/>
+              <p:nvPr/>
+            </p:nvCxnSpPr>
+            <p:spPr>
+              <a:xfrm>
+                <a:off x="4530003" y="3522219"/>
+                <a:ext cx="258163" cy="0"/>
+              </a:xfrm>
+              <a:prstGeom prst="line">
+                <a:avLst/>
+              </a:prstGeom>
+              <a:ln w="19050">
+                <a:solidFill>
+                  <a:srgbClr val="7030A0"/>
+                </a:solidFill>
+              </a:ln>
+            </p:spPr>
+            <p:style>
+              <a:lnRef idx="1">
+                <a:schemeClr val="accent1"/>
+              </a:lnRef>
+              <a:fillRef idx="0">
+                <a:schemeClr val="accent1"/>
+              </a:fillRef>
+              <a:effectRef idx="0">
+                <a:schemeClr val="accent1"/>
+              </a:effectRef>
+              <a:fontRef idx="minor">
+                <a:schemeClr val="tx1"/>
+              </a:fontRef>
+            </p:style>
+          </p:cxnSp>
+        </p:grpSp>
+      </p:grpSp>
+    </p:spTree>
+    <p:extLst>
+      <p:ext uri="{BB962C8B-B14F-4D97-AF65-F5344CB8AC3E}">
+        <p14:creationId xmlns:p14="http://schemas.microsoft.com/office/powerpoint/2010/main" val="2919614290"/>
+      </p:ext>
+    </p:extLst>
+  </p:cSld>
+  <p:clrMapOvr>
+    <a:masterClrMapping/>
+  </p:clrMapOvr>
+</p:sld>
+</file>
+
 <file path=ppt/theme/theme1.xml><?xml version="1.0" encoding="utf-8"?>
 <a:theme xmlns:a="http://schemas.openxmlformats.org/drawingml/2006/main" name="Tema di Office">
   <a:themeElements>

--- a/Drafts & Material/IDM Models.pptx
+++ b/Drafts & Material/IDM Models.pptx
@@ -8154,11 +8154,6 @@
               </a:rPr>
               <a:t>     FAQs</a:t>
             </a:r>
-            <a:endParaRPr lang="en-US" dirty="0" smtClean="0">
-              <a:solidFill>
-                <a:schemeClr val="tx1"/>
-              </a:solidFill>
-            </a:endParaRPr>
           </a:p>
         </p:txBody>
       </p:sp>
@@ -17448,6 +17443,113 @@
           </p:txBody>
         </p:sp>
       </p:grpSp>
+      <p:sp>
+        <p:nvSpPr>
+          <p:cNvPr id="13" name="Triangolo isoscele 12"/>
+          <p:cNvSpPr/>
+          <p:nvPr/>
+        </p:nvSpPr>
+        <p:spPr>
+          <a:xfrm>
+            <a:off x="4915593" y="5516848"/>
+            <a:ext cx="769750" cy="703794"/>
+          </a:xfrm>
+          <a:custGeom>
+            <a:avLst/>
+            <a:gdLst>
+              <a:gd name="connsiteX0" fmla="*/ 0 w 1060704"/>
+              <a:gd name="connsiteY0" fmla="*/ 914400 h 914400"/>
+              <a:gd name="connsiteX1" fmla="*/ 530352 w 1060704"/>
+              <a:gd name="connsiteY1" fmla="*/ 0 h 914400"/>
+              <a:gd name="connsiteX2" fmla="*/ 1060704 w 1060704"/>
+              <a:gd name="connsiteY2" fmla="*/ 914400 h 914400"/>
+              <a:gd name="connsiteX3" fmla="*/ 0 w 1060704"/>
+              <a:gd name="connsiteY3" fmla="*/ 914400 h 914400"/>
+              <a:gd name="connsiteX0" fmla="*/ 0 w 1084534"/>
+              <a:gd name="connsiteY0" fmla="*/ 969818 h 969818"/>
+              <a:gd name="connsiteX1" fmla="*/ 1084534 w 1084534"/>
+              <a:gd name="connsiteY1" fmla="*/ 0 h 969818"/>
+              <a:gd name="connsiteX2" fmla="*/ 1060704 w 1084534"/>
+              <a:gd name="connsiteY2" fmla="*/ 969818 h 969818"/>
+              <a:gd name="connsiteX3" fmla="*/ 0 w 1084534"/>
+              <a:gd name="connsiteY3" fmla="*/ 969818 h 969818"/>
+              <a:gd name="connsiteX0" fmla="*/ 0 w 1060704"/>
+              <a:gd name="connsiteY0" fmla="*/ 969818 h 969818"/>
+              <a:gd name="connsiteX1" fmla="*/ 1042970 w 1060704"/>
+              <a:gd name="connsiteY1" fmla="*/ 0 h 969818"/>
+              <a:gd name="connsiteX2" fmla="*/ 1060704 w 1060704"/>
+              <a:gd name="connsiteY2" fmla="*/ 969818 h 969818"/>
+              <a:gd name="connsiteX3" fmla="*/ 0 w 1060704"/>
+              <a:gd name="connsiteY3" fmla="*/ 969818 h 969818"/>
+            </a:gdLst>
+            <a:ahLst/>
+            <a:cxnLst>
+              <a:cxn ang="0">
+                <a:pos x="connsiteX0" y="connsiteY0"/>
+              </a:cxn>
+              <a:cxn ang="0">
+                <a:pos x="connsiteX1" y="connsiteY1"/>
+              </a:cxn>
+              <a:cxn ang="0">
+                <a:pos x="connsiteX2" y="connsiteY2"/>
+              </a:cxn>
+              <a:cxn ang="0">
+                <a:pos x="connsiteX3" y="connsiteY3"/>
+              </a:cxn>
+            </a:cxnLst>
+            <a:rect l="l" t="t" r="r" b="b"/>
+            <a:pathLst>
+              <a:path w="1060704" h="969818">
+                <a:moveTo>
+                  <a:pt x="0" y="969818"/>
+                </a:moveTo>
+                <a:lnTo>
+                  <a:pt x="1042970" y="0"/>
+                </a:lnTo>
+                <a:lnTo>
+                  <a:pt x="1060704" y="969818"/>
+                </a:lnTo>
+                <a:lnTo>
+                  <a:pt x="0" y="969818"/>
+                </a:lnTo>
+                <a:close/>
+              </a:path>
+            </a:pathLst>
+          </a:custGeom>
+          <a:solidFill>
+            <a:srgbClr val="7030A0"/>
+          </a:solidFill>
+          <a:ln>
+            <a:solidFill>
+              <a:srgbClr val="870CA8"/>
+            </a:solidFill>
+          </a:ln>
+        </p:spPr>
+        <p:style>
+          <a:lnRef idx="2">
+            <a:schemeClr val="accent1">
+              <a:shade val="50000"/>
+            </a:schemeClr>
+          </a:lnRef>
+          <a:fillRef idx="1">
+            <a:schemeClr val="accent1"/>
+          </a:fillRef>
+          <a:effectRef idx="0">
+            <a:schemeClr val="accent1"/>
+          </a:effectRef>
+          <a:fontRef idx="minor">
+            <a:schemeClr val="lt1"/>
+          </a:fontRef>
+        </p:style>
+        <p:txBody>
+          <a:bodyPr rtlCol="0" anchor="ctr"/>
+          <a:lstStyle/>
+          <a:p>
+            <a:pPr algn="ctr"/>
+            <a:endParaRPr lang="it-IT"/>
+          </a:p>
+        </p:txBody>
+      </p:sp>
     </p:spTree>
     <p:extLst>
       <p:ext uri="{BB962C8B-B14F-4D97-AF65-F5344CB8AC3E}">
@@ -17647,7 +17749,27 @@
             <a:lstStyle/>
             <a:p>
               <a:pPr algn="ctr"/>
-              <a:endParaRPr lang="en-US"/>
+              <a:r>
+                <a:rPr lang="en-US" sz="5000" dirty="0" smtClean="0">
+                  <a:ln w="0"/>
+                  <a:solidFill>
+                    <a:schemeClr val="tx1"/>
+                  </a:solidFill>
+                  <a:effectLst>
+                    <a:outerShdw blurRad="38100" dist="19050" dir="2700000" algn="tl" rotWithShape="0">
+                      <a:schemeClr val="dk1">
+                        <a:alpha val="40000"/>
+                      </a:schemeClr>
+                    </a:outerShdw>
+                  </a:effectLst>
+                </a:rPr>
+                <a:t>H</a:t>
+              </a:r>
+              <a:endParaRPr lang="en-US" sz="5000" dirty="0">
+                <a:solidFill>
+                  <a:schemeClr val="tx1"/>
+                </a:solidFill>
+              </a:endParaRPr>
             </a:p>
           </p:txBody>
         </p:sp>
@@ -17708,10 +17830,10 @@
         </p:nvGrpSpPr>
         <p:grpSpPr>
           <a:xfrm>
-            <a:off x="6061450" y="1755749"/>
-            <a:ext cx="1049501" cy="1279602"/>
+            <a:off x="6061457" y="1755748"/>
+            <a:ext cx="992976" cy="1235641"/>
             <a:chOff x="7017729" y="2804266"/>
-            <a:chExt cx="1310931" cy="1547928"/>
+            <a:chExt cx="1240324" cy="1494749"/>
           </a:xfrm>
         </p:grpSpPr>
         <p:grpSp>
@@ -18043,10 +18165,10 @@
           </p:nvGrpSpPr>
           <p:grpSpPr>
             <a:xfrm>
-              <a:off x="7941042" y="3964576"/>
-              <a:ext cx="387618" cy="387618"/>
-              <a:chOff x="4445500" y="3234900"/>
-              <a:chExt cx="427168" cy="427168"/>
+              <a:off x="7851789" y="3911398"/>
+              <a:ext cx="387620" cy="387617"/>
+              <a:chOff x="4347138" y="3176297"/>
+              <a:chExt cx="427170" cy="427167"/>
             </a:xfrm>
           </p:grpSpPr>
           <p:sp>
@@ -18057,8 +18179,8 @@
             </p:nvSpPr>
             <p:spPr>
               <a:xfrm>
-                <a:off x="4445500" y="3234900"/>
-                <a:ext cx="427168" cy="427168"/>
+                <a:off x="4347138" y="3176297"/>
+                <a:ext cx="427170" cy="427167"/>
               </a:xfrm>
               <a:prstGeom prst="ellipse">
                 <a:avLst/>
@@ -18114,8 +18236,8 @@
             </p:nvSpPr>
             <p:spPr>
               <a:xfrm>
-                <a:off x="4476538" y="3265936"/>
-                <a:ext cx="365096" cy="365096"/>
+                <a:off x="4375568" y="3208905"/>
+                <a:ext cx="365096" cy="365097"/>
               </a:xfrm>
               <a:prstGeom prst="ellipse">
                 <a:avLst/>
@@ -18195,8 +18317,8 @@
             </p:nvCxnSpPr>
             <p:spPr>
               <a:xfrm>
-                <a:off x="4533009" y="3396797"/>
-                <a:ext cx="258163" cy="0"/>
+                <a:off x="4432039" y="3339766"/>
+                <a:ext cx="258162" cy="0"/>
               </a:xfrm>
               <a:prstGeom prst="line">
                 <a:avLst/>
@@ -18230,7 +18352,7 @@
             </p:nvCxnSpPr>
             <p:spPr>
               <a:xfrm>
-                <a:off x="4530003" y="3457256"/>
+                <a:off x="4429033" y="3400225"/>
                 <a:ext cx="258163" cy="0"/>
               </a:xfrm>
               <a:prstGeom prst="line">
@@ -18265,7 +18387,7 @@
             </p:nvCxnSpPr>
             <p:spPr>
               <a:xfrm>
-                <a:off x="4530003" y="3522219"/>
+                <a:off x="4429034" y="3465188"/>
                 <a:ext cx="258163" cy="0"/>
               </a:xfrm>
               <a:prstGeom prst="line">
@@ -21372,8 +21494,8 @@
         </p:nvSpPr>
         <p:spPr>
           <a:xfrm>
-            <a:off x="6884891" y="1302546"/>
-            <a:ext cx="1237968" cy="492443"/>
+            <a:off x="6633543" y="1134959"/>
+            <a:ext cx="1237968" cy="692497"/>
           </a:xfrm>
           <a:prstGeom prst="rect">
             <a:avLst/>
@@ -21406,6 +21528,14 @@
               <a:rPr lang="it-IT" sz="1300" dirty="0" err="1" smtClean="0"/>
               <a:t>categories</a:t>
             </a:r>
+            <a:r>
+              <a:rPr lang="it-IT" sz="1300" dirty="0" smtClean="0"/>
+              <a:t> &amp; </a:t>
+            </a:r>
+            <a:r>
+              <a:rPr lang="it-IT" sz="1300" dirty="0" err="1" smtClean="0"/>
+              <a:t>Highlights</a:t>
+            </a:r>
             <a:endParaRPr lang="it-IT" sz="1300" dirty="0"/>
           </a:p>
         </p:txBody>
@@ -21418,8 +21548,8 @@
         </p:nvSpPr>
         <p:spPr>
           <a:xfrm>
-            <a:off x="4091303" y="4101646"/>
-            <a:ext cx="1237968" cy="492443"/>
+            <a:off x="3591474" y="4980242"/>
+            <a:ext cx="917928" cy="692497"/>
           </a:xfrm>
           <a:prstGeom prst="rect">
             <a:avLst/>
@@ -21434,7 +21564,15 @@
           <a:p>
             <a:r>
               <a:rPr lang="it-IT" sz="1300" dirty="0" smtClean="0"/>
-              <a:t>Smart Life of</a:t>
+              <a:t>Smart Life </a:t>
+            </a:r>
+            <a:endParaRPr lang="it-IT" sz="1300" dirty="0"/>
+          </a:p>
+          <a:p>
+            <a:pPr algn="ctr"/>
+            <a:r>
+              <a:rPr lang="it-IT" sz="1300" dirty="0" smtClean="0"/>
+              <a:t>of</a:t>
             </a:r>
           </a:p>
           <a:p>
@@ -21444,7 +21582,11 @@
             </a:r>
             <a:r>
               <a:rPr lang="it-IT" sz="1300" dirty="0" smtClean="0"/>
-              <a:t> X</a:t>
+              <a:t> </a:t>
+            </a:r>
+            <a:r>
+              <a:rPr lang="it-IT" sz="1300" dirty="0" smtClean="0"/>
+              <a:t>X</a:t>
             </a:r>
             <a:endParaRPr lang="it-IT" sz="1300" dirty="0"/>
           </a:p>
@@ -21458,7 +21600,7 @@
         </p:nvSpPr>
         <p:spPr>
           <a:xfrm>
-            <a:off x="4279576" y="1827456"/>
+            <a:off x="4069769" y="1827456"/>
             <a:ext cx="1237968" cy="492443"/>
           </a:xfrm>
           <a:prstGeom prst="rect">
@@ -21496,7 +21638,7 @@
         </p:nvSpPr>
         <p:spPr>
           <a:xfrm>
-            <a:off x="1474330" y="4009039"/>
+            <a:off x="921881" y="4913149"/>
             <a:ext cx="1237968" cy="492443"/>
           </a:xfrm>
           <a:prstGeom prst="rect">
@@ -21584,8 +21726,8 @@
         </p:nvSpPr>
         <p:spPr>
           <a:xfrm>
-            <a:off x="6640350" y="4147328"/>
-            <a:ext cx="1237968" cy="492443"/>
+            <a:off x="6154479" y="5021740"/>
+            <a:ext cx="908228" cy="692497"/>
           </a:xfrm>
           <a:prstGeom prst="rect">
             <a:avLst/>
@@ -21600,8 +21742,17 @@
           <a:p>
             <a:r>
               <a:rPr lang="it-IT" sz="1300" dirty="0" smtClean="0"/>
-              <a:t>Assistance of</a:t>
+              <a:t>Assistance </a:t>
             </a:r>
+            <a:endParaRPr lang="it-IT" sz="1300" dirty="0" smtClean="0"/>
+          </a:p>
+          <a:p>
+            <a:pPr algn="ctr"/>
+            <a:r>
+              <a:rPr lang="it-IT" sz="1300" dirty="0" smtClean="0"/>
+              <a:t>of</a:t>
+            </a:r>
+            <a:endParaRPr lang="it-IT" sz="1300" dirty="0" smtClean="0"/>
           </a:p>
           <a:p>
             <a:r>
@@ -22028,6 +22179,1712 @@
             <a:r>
               <a:rPr lang="it-IT" sz="1300" dirty="0" smtClean="0"/>
               <a:t>INDEX</a:t>
+            </a:r>
+            <a:endParaRPr lang="it-IT" sz="1300" dirty="0"/>
+          </a:p>
+        </p:txBody>
+      </p:sp>
+      <p:cxnSp>
+        <p:nvCxnSpPr>
+          <p:cNvPr id="121" name="Connettore 2 120"/>
+          <p:cNvCxnSpPr/>
+          <p:nvPr/>
+        </p:nvCxnSpPr>
+        <p:spPr>
+          <a:xfrm rot="5400000">
+            <a:off x="-2056829" y="3453323"/>
+            <a:ext cx="6067630" cy="741725"/>
+          </a:xfrm>
+          <a:prstGeom prst="bentConnector3">
+            <a:avLst>
+              <a:gd name="adj1" fmla="val -5"/>
+            </a:avLst>
+          </a:prstGeom>
+          <a:ln w="28575">
+            <a:solidFill>
+              <a:srgbClr val="7030A0"/>
+            </a:solidFill>
+            <a:tailEnd type="triangle"/>
+          </a:ln>
+        </p:spPr>
+        <p:style>
+          <a:lnRef idx="1">
+            <a:schemeClr val="accent1"/>
+          </a:lnRef>
+          <a:fillRef idx="0">
+            <a:schemeClr val="accent1"/>
+          </a:fillRef>
+          <a:effectRef idx="0">
+            <a:schemeClr val="accent1"/>
+          </a:effectRef>
+          <a:fontRef idx="minor">
+            <a:schemeClr val="tx1"/>
+          </a:fontRef>
+        </p:style>
+      </p:cxnSp>
+      <p:cxnSp>
+        <p:nvCxnSpPr>
+          <p:cNvPr id="122" name="Connettore 2 121"/>
+          <p:cNvCxnSpPr/>
+          <p:nvPr/>
+        </p:nvCxnSpPr>
+        <p:spPr>
+          <a:xfrm flipH="1">
+            <a:off x="1347842" y="5750257"/>
+            <a:ext cx="2410" cy="1107743"/>
+          </a:xfrm>
+          <a:prstGeom prst="straightConnector1">
+            <a:avLst/>
+          </a:prstGeom>
+          <a:ln w="63500" cmpd="dbl">
+            <a:solidFill>
+              <a:srgbClr val="7030A0"/>
+            </a:solidFill>
+            <a:tailEnd type="triangle"/>
+          </a:ln>
+        </p:spPr>
+        <p:style>
+          <a:lnRef idx="1">
+            <a:schemeClr val="accent1"/>
+          </a:lnRef>
+          <a:fillRef idx="0">
+            <a:schemeClr val="accent1"/>
+          </a:fillRef>
+          <a:effectRef idx="0">
+            <a:schemeClr val="accent1"/>
+          </a:effectRef>
+          <a:fontRef idx="minor">
+            <a:schemeClr val="tx1"/>
+          </a:fontRef>
+        </p:style>
+      </p:cxnSp>
+      <p:cxnSp>
+        <p:nvCxnSpPr>
+          <p:cNvPr id="124" name="Connettore 2 123"/>
+          <p:cNvCxnSpPr>
+            <a:stCxn id="82" idx="2"/>
+          </p:cNvCxnSpPr>
+          <p:nvPr/>
+        </p:nvCxnSpPr>
+        <p:spPr>
+          <a:xfrm flipH="1">
+            <a:off x="4016827" y="5836791"/>
+            <a:ext cx="3" cy="1021209"/>
+          </a:xfrm>
+          <a:prstGeom prst="straightConnector1">
+            <a:avLst/>
+          </a:prstGeom>
+          <a:ln w="63500" cmpd="dbl">
+            <a:solidFill>
+              <a:srgbClr val="7030A0"/>
+            </a:solidFill>
+            <a:tailEnd type="triangle"/>
+          </a:ln>
+        </p:spPr>
+        <p:style>
+          <a:lnRef idx="1">
+            <a:schemeClr val="accent1"/>
+          </a:lnRef>
+          <a:fillRef idx="0">
+            <a:schemeClr val="accent1"/>
+          </a:fillRef>
+          <a:effectRef idx="0">
+            <a:schemeClr val="accent1"/>
+          </a:effectRef>
+          <a:fontRef idx="minor">
+            <a:schemeClr val="tx1"/>
+          </a:fontRef>
+        </p:style>
+      </p:cxnSp>
+      <p:cxnSp>
+        <p:nvCxnSpPr>
+          <p:cNvPr id="127" name="Connettore 2 126"/>
+          <p:cNvCxnSpPr>
+            <a:stCxn id="73" idx="2"/>
+          </p:cNvCxnSpPr>
+          <p:nvPr/>
+        </p:nvCxnSpPr>
+        <p:spPr>
+          <a:xfrm>
+            <a:off x="6611722" y="5807477"/>
+            <a:ext cx="16673" cy="1050523"/>
+          </a:xfrm>
+          <a:prstGeom prst="straightConnector1">
+            <a:avLst/>
+          </a:prstGeom>
+          <a:ln w="63500" cmpd="dbl">
+            <a:solidFill>
+              <a:srgbClr val="7030A0"/>
+            </a:solidFill>
+            <a:tailEnd type="triangle"/>
+          </a:ln>
+        </p:spPr>
+        <p:style>
+          <a:lnRef idx="1">
+            <a:schemeClr val="accent1"/>
+          </a:lnRef>
+          <a:fillRef idx="0">
+            <a:schemeClr val="accent1"/>
+          </a:fillRef>
+          <a:effectRef idx="0">
+            <a:schemeClr val="accent1"/>
+          </a:effectRef>
+          <a:fontRef idx="minor">
+            <a:schemeClr val="tx1"/>
+          </a:fontRef>
+        </p:style>
+      </p:cxnSp>
+      <p:grpSp>
+        <p:nvGrpSpPr>
+          <p:cNvPr id="130" name="Gruppo 129"/>
+          <p:cNvGrpSpPr/>
+          <p:nvPr/>
+        </p:nvGrpSpPr>
+        <p:grpSpPr>
+          <a:xfrm>
+            <a:off x="1762933" y="3330145"/>
+            <a:ext cx="936954" cy="1063404"/>
+            <a:chOff x="3350195" y="2804266"/>
+            <a:chExt cx="1382515" cy="1619952"/>
+          </a:xfrm>
+        </p:grpSpPr>
+        <p:sp>
+          <p:nvSpPr>
+            <p:cNvPr id="131" name="Scheda 130"/>
+            <p:cNvSpPr/>
+            <p:nvPr/>
+          </p:nvSpPr>
+          <p:spPr>
+            <a:xfrm flipH="1">
+              <a:off x="3596637" y="3048000"/>
+              <a:ext cx="1136073" cy="1376218"/>
+            </a:xfrm>
+            <a:prstGeom prst="flowChartPunchedCard">
+              <a:avLst/>
+            </a:prstGeom>
+            <a:solidFill>
+              <a:schemeClr val="bg1"/>
+            </a:solidFill>
+            <a:ln w="38100">
+              <a:solidFill>
+                <a:srgbClr val="7030A0"/>
+              </a:solidFill>
+            </a:ln>
+          </p:spPr>
+          <p:style>
+            <a:lnRef idx="2">
+              <a:schemeClr val="accent1">
+                <a:shade val="50000"/>
+              </a:schemeClr>
+            </a:lnRef>
+            <a:fillRef idx="1">
+              <a:schemeClr val="accent1"/>
+            </a:fillRef>
+            <a:effectRef idx="0">
+              <a:schemeClr val="accent1"/>
+            </a:effectRef>
+            <a:fontRef idx="minor">
+              <a:schemeClr val="lt1"/>
+            </a:fontRef>
+          </p:style>
+          <p:txBody>
+            <a:bodyPr rtlCol="0" anchor="ctr"/>
+            <a:lstStyle/>
+            <a:p>
+              <a:pPr algn="ctr"/>
+              <a:endParaRPr lang="en-US"/>
+            </a:p>
+          </p:txBody>
+        </p:sp>
+        <p:sp>
+          <p:nvSpPr>
+            <p:cNvPr id="132" name="Ovale 131"/>
+            <p:cNvSpPr/>
+            <p:nvPr/>
+          </p:nvSpPr>
+          <p:spPr>
+            <a:xfrm>
+              <a:off x="3350195" y="2804266"/>
+              <a:ext cx="492890" cy="492890"/>
+            </a:xfrm>
+            <a:prstGeom prst="ellipse">
+              <a:avLst/>
+            </a:prstGeom>
+            <a:solidFill>
+              <a:schemeClr val="bg1"/>
+            </a:solidFill>
+            <a:ln w="19050">
+              <a:solidFill>
+                <a:srgbClr val="7030A0"/>
+              </a:solidFill>
+            </a:ln>
+          </p:spPr>
+          <p:style>
+            <a:lnRef idx="2">
+              <a:schemeClr val="accent1">
+                <a:shade val="50000"/>
+              </a:schemeClr>
+            </a:lnRef>
+            <a:fillRef idx="1">
+              <a:schemeClr val="accent1"/>
+            </a:fillRef>
+            <a:effectRef idx="0">
+              <a:schemeClr val="accent1"/>
+            </a:effectRef>
+            <a:fontRef idx="minor">
+              <a:schemeClr val="lt1"/>
+            </a:fontRef>
+          </p:style>
+          <p:txBody>
+            <a:bodyPr rtlCol="0" anchor="ctr"/>
+            <a:lstStyle/>
+            <a:p>
+              <a:pPr algn="ctr"/>
+              <a:endParaRPr lang="en-US">
+                <a:ln>
+                  <a:solidFill>
+                    <a:srgbClr val="7030A0"/>
+                  </a:solidFill>
+                </a:ln>
+                <a:solidFill>
+                  <a:srgbClr val="7030A0"/>
+                </a:solidFill>
+              </a:endParaRPr>
+            </a:p>
+          </p:txBody>
+        </p:sp>
+        <p:grpSp>
+          <p:nvGrpSpPr>
+            <p:cNvPr id="133" name="Gruppo 132"/>
+            <p:cNvGrpSpPr/>
+            <p:nvPr/>
+          </p:nvGrpSpPr>
+          <p:grpSpPr>
+            <a:xfrm>
+              <a:off x="3350195" y="2804266"/>
+              <a:ext cx="492890" cy="492890"/>
+              <a:chOff x="5316567" y="2715285"/>
+              <a:chExt cx="325790" cy="325790"/>
+            </a:xfrm>
+          </p:grpSpPr>
+          <p:sp>
+            <p:nvSpPr>
+              <p:cNvPr id="134" name="Ovale 133"/>
+              <p:cNvSpPr/>
+              <p:nvPr/>
+            </p:nvSpPr>
+            <p:spPr>
+              <a:xfrm>
+                <a:off x="5316567" y="2715285"/>
+                <a:ext cx="325790" cy="325790"/>
+              </a:xfrm>
+              <a:prstGeom prst="ellipse">
+                <a:avLst/>
+              </a:prstGeom>
+              <a:gradFill flip="none" rotWithShape="1">
+                <a:gsLst>
+                  <a:gs pos="26000">
+                    <a:srgbClr val="7030A0">
+                      <a:tint val="66000"/>
+                      <a:satMod val="160000"/>
+                    </a:srgbClr>
+                  </a:gs>
+                  <a:gs pos="24000">
+                    <a:srgbClr val="7030A0">
+                      <a:tint val="66000"/>
+                      <a:satMod val="160000"/>
+                      <a:lumMod val="56000"/>
+                    </a:srgbClr>
+                  </a:gs>
+                  <a:gs pos="27000">
+                    <a:srgbClr val="7030A0">
+                      <a:tint val="23500"/>
+                      <a:satMod val="160000"/>
+                      <a:alpha val="0"/>
+                      <a:lumMod val="100000"/>
+                    </a:srgbClr>
+                  </a:gs>
+                </a:gsLst>
+                <a:lin ang="5400000" scaled="1"/>
+                <a:tileRect/>
+              </a:gradFill>
+              <a:ln w="19050">
+                <a:solidFill>
+                  <a:srgbClr val="7030A0"/>
+                </a:solidFill>
+              </a:ln>
+            </p:spPr>
+            <p:style>
+              <a:lnRef idx="2">
+                <a:schemeClr val="accent1">
+                  <a:shade val="50000"/>
+                </a:schemeClr>
+              </a:lnRef>
+              <a:fillRef idx="1">
+                <a:schemeClr val="accent1"/>
+              </a:fillRef>
+              <a:effectRef idx="0">
+                <a:schemeClr val="accent1"/>
+              </a:effectRef>
+              <a:fontRef idx="minor">
+                <a:schemeClr val="lt1"/>
+              </a:fontRef>
+            </p:style>
+            <p:txBody>
+              <a:bodyPr rtlCol="0" anchor="ctr"/>
+              <a:lstStyle/>
+              <a:p>
+                <a:pPr algn="ctr"/>
+                <a:endParaRPr lang="en-US">
+                  <a:ln>
+                    <a:solidFill>
+                      <a:srgbClr val="7030A0"/>
+                    </a:solidFill>
+                  </a:ln>
+                  <a:solidFill>
+                    <a:srgbClr val="7030A0"/>
+                  </a:solidFill>
+                </a:endParaRPr>
+              </a:p>
+            </p:txBody>
+          </p:sp>
+          <p:cxnSp>
+            <p:nvCxnSpPr>
+              <p:cNvPr id="135" name="Connettore 1 26"/>
+              <p:cNvCxnSpPr/>
+              <p:nvPr/>
+            </p:nvCxnSpPr>
+            <p:spPr>
+              <a:xfrm>
+                <a:off x="5366958" y="2832058"/>
+                <a:ext cx="230369" cy="0"/>
+              </a:xfrm>
+              <a:prstGeom prst="line">
+                <a:avLst/>
+              </a:prstGeom>
+              <a:ln w="19050">
+                <a:solidFill>
+                  <a:srgbClr val="7030A0"/>
+                </a:solidFill>
+              </a:ln>
+            </p:spPr>
+            <p:style>
+              <a:lnRef idx="1">
+                <a:schemeClr val="accent1"/>
+              </a:lnRef>
+              <a:fillRef idx="0">
+                <a:schemeClr val="accent1"/>
+              </a:fillRef>
+              <a:effectRef idx="0">
+                <a:schemeClr val="accent1"/>
+              </a:effectRef>
+              <a:fontRef idx="minor">
+                <a:schemeClr val="tx1"/>
+              </a:fontRef>
+            </p:style>
+          </p:cxnSp>
+          <p:cxnSp>
+            <p:nvCxnSpPr>
+              <p:cNvPr id="136" name="Connettore 1 27"/>
+              <p:cNvCxnSpPr/>
+              <p:nvPr/>
+            </p:nvCxnSpPr>
+            <p:spPr>
+              <a:xfrm>
+                <a:off x="5364276" y="2886008"/>
+                <a:ext cx="230369" cy="0"/>
+              </a:xfrm>
+              <a:prstGeom prst="line">
+                <a:avLst/>
+              </a:prstGeom>
+              <a:ln w="19050">
+                <a:solidFill>
+                  <a:srgbClr val="7030A0"/>
+                </a:solidFill>
+              </a:ln>
+            </p:spPr>
+            <p:style>
+              <a:lnRef idx="1">
+                <a:schemeClr val="accent1"/>
+              </a:lnRef>
+              <a:fillRef idx="0">
+                <a:schemeClr val="accent1"/>
+              </a:fillRef>
+              <a:effectRef idx="0">
+                <a:schemeClr val="accent1"/>
+              </a:effectRef>
+              <a:fontRef idx="minor">
+                <a:schemeClr val="tx1"/>
+              </a:fontRef>
+            </p:style>
+          </p:cxnSp>
+          <p:cxnSp>
+            <p:nvCxnSpPr>
+              <p:cNvPr id="137" name="Connettore 1 28"/>
+              <p:cNvCxnSpPr/>
+              <p:nvPr/>
+            </p:nvCxnSpPr>
+            <p:spPr>
+              <a:xfrm>
+                <a:off x="5364276" y="2943977"/>
+                <a:ext cx="230369" cy="0"/>
+              </a:xfrm>
+              <a:prstGeom prst="line">
+                <a:avLst/>
+              </a:prstGeom>
+              <a:ln w="19050">
+                <a:solidFill>
+                  <a:srgbClr val="7030A0"/>
+                </a:solidFill>
+              </a:ln>
+            </p:spPr>
+            <p:style>
+              <a:lnRef idx="1">
+                <a:schemeClr val="accent1"/>
+              </a:lnRef>
+              <a:fillRef idx="0">
+                <a:schemeClr val="accent1"/>
+              </a:fillRef>
+              <a:effectRef idx="0">
+                <a:schemeClr val="accent1"/>
+              </a:effectRef>
+              <a:fontRef idx="minor">
+                <a:schemeClr val="tx1"/>
+              </a:fontRef>
+            </p:style>
+          </p:cxnSp>
+        </p:grpSp>
+      </p:grpSp>
+      <p:cxnSp>
+        <p:nvCxnSpPr>
+          <p:cNvPr id="138" name="Connettore 2 137"/>
+          <p:cNvCxnSpPr>
+            <a:stCxn id="164" idx="2"/>
+          </p:cNvCxnSpPr>
+          <p:nvPr/>
+        </p:nvCxnSpPr>
+        <p:spPr>
+          <a:xfrm>
+            <a:off x="5209769" y="4512427"/>
+            <a:ext cx="0" cy="2345573"/>
+          </a:xfrm>
+          <a:prstGeom prst="straightConnector1">
+            <a:avLst/>
+          </a:prstGeom>
+          <a:ln w="63500" cmpd="dbl">
+            <a:solidFill>
+              <a:srgbClr val="7030A0"/>
+            </a:solidFill>
+            <a:tailEnd type="triangle"/>
+          </a:ln>
+        </p:spPr>
+        <p:style>
+          <a:lnRef idx="1">
+            <a:schemeClr val="accent1"/>
+          </a:lnRef>
+          <a:fillRef idx="0">
+            <a:schemeClr val="accent1"/>
+          </a:fillRef>
+          <a:effectRef idx="0">
+            <a:schemeClr val="accent1"/>
+          </a:effectRef>
+          <a:fontRef idx="minor">
+            <a:schemeClr val="tx1"/>
+          </a:fontRef>
+        </p:style>
+      </p:cxnSp>
+      <p:cxnSp>
+        <p:nvCxnSpPr>
+          <p:cNvPr id="139" name="Connettore 2 138"/>
+          <p:cNvCxnSpPr>
+            <a:stCxn id="131" idx="2"/>
+          </p:cNvCxnSpPr>
+          <p:nvPr/>
+        </p:nvCxnSpPr>
+        <p:spPr>
+          <a:xfrm flipH="1">
+            <a:off x="2312917" y="4393549"/>
+            <a:ext cx="2002" cy="2464451"/>
+          </a:xfrm>
+          <a:prstGeom prst="straightConnector1">
+            <a:avLst/>
+          </a:prstGeom>
+          <a:ln w="63500" cmpd="dbl">
+            <a:solidFill>
+              <a:srgbClr val="7030A0"/>
+            </a:solidFill>
+            <a:tailEnd type="triangle"/>
+          </a:ln>
+        </p:spPr>
+        <p:style>
+          <a:lnRef idx="1">
+            <a:schemeClr val="accent1"/>
+          </a:lnRef>
+          <a:fillRef idx="0">
+            <a:schemeClr val="accent1"/>
+          </a:fillRef>
+          <a:effectRef idx="0">
+            <a:schemeClr val="accent1"/>
+          </a:effectRef>
+          <a:fontRef idx="minor">
+            <a:schemeClr val="tx1"/>
+          </a:fontRef>
+        </p:style>
+      </p:cxnSp>
+      <p:cxnSp>
+        <p:nvCxnSpPr>
+          <p:cNvPr id="145" name="Connettore 2 144"/>
+          <p:cNvCxnSpPr>
+            <a:endCxn id="131" idx="0"/>
+          </p:cNvCxnSpPr>
+          <p:nvPr/>
+        </p:nvCxnSpPr>
+        <p:spPr>
+          <a:xfrm>
+            <a:off x="1830242" y="2905545"/>
+            <a:ext cx="484677" cy="584597"/>
+          </a:xfrm>
+          <a:prstGeom prst="straightConnector1">
+            <a:avLst/>
+          </a:prstGeom>
+          <a:ln w="28575">
+            <a:solidFill>
+              <a:srgbClr val="7030A0"/>
+            </a:solidFill>
+            <a:headEnd type="triangle" w="med" len="med"/>
+            <a:tailEnd type="triangle" w="med" len="med"/>
+          </a:ln>
+        </p:spPr>
+        <p:style>
+          <a:lnRef idx="1">
+            <a:schemeClr val="accent1"/>
+          </a:lnRef>
+          <a:fillRef idx="0">
+            <a:schemeClr val="accent1"/>
+          </a:fillRef>
+          <a:effectRef idx="0">
+            <a:schemeClr val="accent1"/>
+          </a:effectRef>
+          <a:fontRef idx="minor">
+            <a:schemeClr val="tx1"/>
+          </a:fontRef>
+        </p:style>
+      </p:cxnSp>
+      <p:cxnSp>
+        <p:nvCxnSpPr>
+          <p:cNvPr id="148" name="Connettore 2 147"/>
+          <p:cNvCxnSpPr>
+            <a:endCxn id="156" idx="0"/>
+          </p:cNvCxnSpPr>
+          <p:nvPr/>
+        </p:nvCxnSpPr>
+        <p:spPr>
+          <a:xfrm>
+            <a:off x="7062707" y="2991387"/>
+            <a:ext cx="323085" cy="588473"/>
+          </a:xfrm>
+          <a:prstGeom prst="straightConnector1">
+            <a:avLst/>
+          </a:prstGeom>
+          <a:ln w="28575">
+            <a:solidFill>
+              <a:srgbClr val="7030A0"/>
+            </a:solidFill>
+            <a:headEnd type="triangle" w="med" len="med"/>
+            <a:tailEnd type="triangle" w="med" len="med"/>
+          </a:ln>
+        </p:spPr>
+        <p:style>
+          <a:lnRef idx="1">
+            <a:schemeClr val="accent1"/>
+          </a:lnRef>
+          <a:fillRef idx="0">
+            <a:schemeClr val="accent1"/>
+          </a:fillRef>
+          <a:effectRef idx="0">
+            <a:schemeClr val="accent1"/>
+          </a:effectRef>
+          <a:fontRef idx="minor">
+            <a:schemeClr val="tx1"/>
+          </a:fontRef>
+        </p:style>
+      </p:cxnSp>
+      <p:cxnSp>
+        <p:nvCxnSpPr>
+          <p:cNvPr id="149" name="Connettore 2 148"/>
+          <p:cNvCxnSpPr>
+            <a:stCxn id="71" idx="2"/>
+            <a:endCxn id="164" idx="0"/>
+          </p:cNvCxnSpPr>
+          <p:nvPr/>
+        </p:nvCxnSpPr>
+        <p:spPr>
+          <a:xfrm>
+            <a:off x="4509402" y="3174941"/>
+            <a:ext cx="700367" cy="434079"/>
+          </a:xfrm>
+          <a:prstGeom prst="straightConnector1">
+            <a:avLst/>
+          </a:prstGeom>
+          <a:ln w="28575">
+            <a:solidFill>
+              <a:srgbClr val="7030A0"/>
+            </a:solidFill>
+            <a:headEnd type="triangle" w="med" len="med"/>
+            <a:tailEnd type="triangle" w="med" len="med"/>
+          </a:ln>
+        </p:spPr>
+        <p:style>
+          <a:lnRef idx="1">
+            <a:schemeClr val="accent1"/>
+          </a:lnRef>
+          <a:fillRef idx="0">
+            <a:schemeClr val="accent1"/>
+          </a:fillRef>
+          <a:effectRef idx="0">
+            <a:schemeClr val="accent1"/>
+          </a:effectRef>
+          <a:fontRef idx="minor">
+            <a:schemeClr val="tx1"/>
+          </a:fontRef>
+        </p:style>
+      </p:cxnSp>
+      <p:grpSp>
+        <p:nvGrpSpPr>
+          <p:cNvPr id="155" name="Gruppo 154"/>
+          <p:cNvGrpSpPr/>
+          <p:nvPr/>
+        </p:nvGrpSpPr>
+        <p:grpSpPr>
+          <a:xfrm>
+            <a:off x="6833806" y="3419863"/>
+            <a:ext cx="936954" cy="1063404"/>
+            <a:chOff x="3350195" y="2804266"/>
+            <a:chExt cx="1382515" cy="1619952"/>
+          </a:xfrm>
+        </p:grpSpPr>
+        <p:sp>
+          <p:nvSpPr>
+            <p:cNvPr id="156" name="Scheda 155"/>
+            <p:cNvSpPr/>
+            <p:nvPr/>
+          </p:nvSpPr>
+          <p:spPr>
+            <a:xfrm flipH="1">
+              <a:off x="3596637" y="3048000"/>
+              <a:ext cx="1136073" cy="1376218"/>
+            </a:xfrm>
+            <a:prstGeom prst="flowChartPunchedCard">
+              <a:avLst/>
+            </a:prstGeom>
+            <a:solidFill>
+              <a:schemeClr val="bg1"/>
+            </a:solidFill>
+            <a:ln w="38100">
+              <a:solidFill>
+                <a:srgbClr val="7030A0"/>
+              </a:solidFill>
+            </a:ln>
+          </p:spPr>
+          <p:style>
+            <a:lnRef idx="2">
+              <a:schemeClr val="accent1">
+                <a:shade val="50000"/>
+              </a:schemeClr>
+            </a:lnRef>
+            <a:fillRef idx="1">
+              <a:schemeClr val="accent1"/>
+            </a:fillRef>
+            <a:effectRef idx="0">
+              <a:schemeClr val="accent1"/>
+            </a:effectRef>
+            <a:fontRef idx="minor">
+              <a:schemeClr val="lt1"/>
+            </a:fontRef>
+          </p:style>
+          <p:txBody>
+            <a:bodyPr rtlCol="0" anchor="ctr"/>
+            <a:lstStyle/>
+            <a:p>
+              <a:pPr algn="ctr"/>
+              <a:endParaRPr lang="en-US"/>
+            </a:p>
+          </p:txBody>
+        </p:sp>
+        <p:sp>
+          <p:nvSpPr>
+            <p:cNvPr id="157" name="Ovale 156"/>
+            <p:cNvSpPr/>
+            <p:nvPr/>
+          </p:nvSpPr>
+          <p:spPr>
+            <a:xfrm>
+              <a:off x="3350195" y="2804266"/>
+              <a:ext cx="492890" cy="492890"/>
+            </a:xfrm>
+            <a:prstGeom prst="ellipse">
+              <a:avLst/>
+            </a:prstGeom>
+            <a:solidFill>
+              <a:schemeClr val="bg1"/>
+            </a:solidFill>
+            <a:ln w="19050">
+              <a:solidFill>
+                <a:srgbClr val="7030A0"/>
+              </a:solidFill>
+            </a:ln>
+          </p:spPr>
+          <p:style>
+            <a:lnRef idx="2">
+              <a:schemeClr val="accent1">
+                <a:shade val="50000"/>
+              </a:schemeClr>
+            </a:lnRef>
+            <a:fillRef idx="1">
+              <a:schemeClr val="accent1"/>
+            </a:fillRef>
+            <a:effectRef idx="0">
+              <a:schemeClr val="accent1"/>
+            </a:effectRef>
+            <a:fontRef idx="minor">
+              <a:schemeClr val="lt1"/>
+            </a:fontRef>
+          </p:style>
+          <p:txBody>
+            <a:bodyPr rtlCol="0" anchor="ctr"/>
+            <a:lstStyle/>
+            <a:p>
+              <a:pPr algn="ctr"/>
+              <a:endParaRPr lang="en-US">
+                <a:ln>
+                  <a:solidFill>
+                    <a:srgbClr val="7030A0"/>
+                  </a:solidFill>
+                </a:ln>
+                <a:solidFill>
+                  <a:srgbClr val="7030A0"/>
+                </a:solidFill>
+              </a:endParaRPr>
+            </a:p>
+          </p:txBody>
+        </p:sp>
+        <p:grpSp>
+          <p:nvGrpSpPr>
+            <p:cNvPr id="158" name="Gruppo 157"/>
+            <p:cNvGrpSpPr/>
+            <p:nvPr/>
+          </p:nvGrpSpPr>
+          <p:grpSpPr>
+            <a:xfrm>
+              <a:off x="3350195" y="2804266"/>
+              <a:ext cx="492890" cy="492890"/>
+              <a:chOff x="5316567" y="2715285"/>
+              <a:chExt cx="325790" cy="325790"/>
+            </a:xfrm>
+          </p:grpSpPr>
+          <p:sp>
+            <p:nvSpPr>
+              <p:cNvPr id="159" name="Ovale 158"/>
+              <p:cNvSpPr/>
+              <p:nvPr/>
+            </p:nvSpPr>
+            <p:spPr>
+              <a:xfrm>
+                <a:off x="5316567" y="2715285"/>
+                <a:ext cx="325790" cy="325790"/>
+              </a:xfrm>
+              <a:prstGeom prst="ellipse">
+                <a:avLst/>
+              </a:prstGeom>
+              <a:gradFill flip="none" rotWithShape="1">
+                <a:gsLst>
+                  <a:gs pos="26000">
+                    <a:srgbClr val="7030A0">
+                      <a:tint val="66000"/>
+                      <a:satMod val="160000"/>
+                    </a:srgbClr>
+                  </a:gs>
+                  <a:gs pos="24000">
+                    <a:srgbClr val="7030A0">
+                      <a:tint val="66000"/>
+                      <a:satMod val="160000"/>
+                      <a:lumMod val="56000"/>
+                    </a:srgbClr>
+                  </a:gs>
+                  <a:gs pos="27000">
+                    <a:srgbClr val="7030A0">
+                      <a:tint val="23500"/>
+                      <a:satMod val="160000"/>
+                      <a:alpha val="0"/>
+                      <a:lumMod val="100000"/>
+                    </a:srgbClr>
+                  </a:gs>
+                </a:gsLst>
+                <a:lin ang="5400000" scaled="1"/>
+                <a:tileRect/>
+              </a:gradFill>
+              <a:ln w="19050">
+                <a:solidFill>
+                  <a:srgbClr val="7030A0"/>
+                </a:solidFill>
+              </a:ln>
+            </p:spPr>
+            <p:style>
+              <a:lnRef idx="2">
+                <a:schemeClr val="accent1">
+                  <a:shade val="50000"/>
+                </a:schemeClr>
+              </a:lnRef>
+              <a:fillRef idx="1">
+                <a:schemeClr val="accent1"/>
+              </a:fillRef>
+              <a:effectRef idx="0">
+                <a:schemeClr val="accent1"/>
+              </a:effectRef>
+              <a:fontRef idx="minor">
+                <a:schemeClr val="lt1"/>
+              </a:fontRef>
+            </p:style>
+            <p:txBody>
+              <a:bodyPr rtlCol="0" anchor="ctr"/>
+              <a:lstStyle/>
+              <a:p>
+                <a:pPr algn="ctr"/>
+                <a:endParaRPr lang="en-US">
+                  <a:ln>
+                    <a:solidFill>
+                      <a:srgbClr val="7030A0"/>
+                    </a:solidFill>
+                  </a:ln>
+                  <a:solidFill>
+                    <a:srgbClr val="7030A0"/>
+                  </a:solidFill>
+                </a:endParaRPr>
+              </a:p>
+            </p:txBody>
+          </p:sp>
+          <p:cxnSp>
+            <p:nvCxnSpPr>
+              <p:cNvPr id="160" name="Connettore 1 26"/>
+              <p:cNvCxnSpPr/>
+              <p:nvPr/>
+            </p:nvCxnSpPr>
+            <p:spPr>
+              <a:xfrm>
+                <a:off x="5366958" y="2832058"/>
+                <a:ext cx="230369" cy="0"/>
+              </a:xfrm>
+              <a:prstGeom prst="line">
+                <a:avLst/>
+              </a:prstGeom>
+              <a:ln w="19050">
+                <a:solidFill>
+                  <a:srgbClr val="7030A0"/>
+                </a:solidFill>
+              </a:ln>
+            </p:spPr>
+            <p:style>
+              <a:lnRef idx="1">
+                <a:schemeClr val="accent1"/>
+              </a:lnRef>
+              <a:fillRef idx="0">
+                <a:schemeClr val="accent1"/>
+              </a:fillRef>
+              <a:effectRef idx="0">
+                <a:schemeClr val="accent1"/>
+              </a:effectRef>
+              <a:fontRef idx="minor">
+                <a:schemeClr val="tx1"/>
+              </a:fontRef>
+            </p:style>
+          </p:cxnSp>
+          <p:cxnSp>
+            <p:nvCxnSpPr>
+              <p:cNvPr id="161" name="Connettore 1 27"/>
+              <p:cNvCxnSpPr/>
+              <p:nvPr/>
+            </p:nvCxnSpPr>
+            <p:spPr>
+              <a:xfrm>
+                <a:off x="5364276" y="2886008"/>
+                <a:ext cx="230369" cy="0"/>
+              </a:xfrm>
+              <a:prstGeom prst="line">
+                <a:avLst/>
+              </a:prstGeom>
+              <a:ln w="19050">
+                <a:solidFill>
+                  <a:srgbClr val="7030A0"/>
+                </a:solidFill>
+              </a:ln>
+            </p:spPr>
+            <p:style>
+              <a:lnRef idx="1">
+                <a:schemeClr val="accent1"/>
+              </a:lnRef>
+              <a:fillRef idx="0">
+                <a:schemeClr val="accent1"/>
+              </a:fillRef>
+              <a:effectRef idx="0">
+                <a:schemeClr val="accent1"/>
+              </a:effectRef>
+              <a:fontRef idx="minor">
+                <a:schemeClr val="tx1"/>
+              </a:fontRef>
+            </p:style>
+          </p:cxnSp>
+          <p:cxnSp>
+            <p:nvCxnSpPr>
+              <p:cNvPr id="162" name="Connettore 1 28"/>
+              <p:cNvCxnSpPr/>
+              <p:nvPr/>
+            </p:nvCxnSpPr>
+            <p:spPr>
+              <a:xfrm>
+                <a:off x="5364276" y="2943977"/>
+                <a:ext cx="230369" cy="0"/>
+              </a:xfrm>
+              <a:prstGeom prst="line">
+                <a:avLst/>
+              </a:prstGeom>
+              <a:ln w="19050">
+                <a:solidFill>
+                  <a:srgbClr val="7030A0"/>
+                </a:solidFill>
+              </a:ln>
+            </p:spPr>
+            <p:style>
+              <a:lnRef idx="1">
+                <a:schemeClr val="accent1"/>
+              </a:lnRef>
+              <a:fillRef idx="0">
+                <a:schemeClr val="accent1"/>
+              </a:fillRef>
+              <a:effectRef idx="0">
+                <a:schemeClr val="accent1"/>
+              </a:effectRef>
+              <a:fontRef idx="minor">
+                <a:schemeClr val="tx1"/>
+              </a:fontRef>
+            </p:style>
+          </p:cxnSp>
+        </p:grpSp>
+      </p:grpSp>
+      <p:grpSp>
+        <p:nvGrpSpPr>
+          <p:cNvPr id="163" name="Gruppo 162"/>
+          <p:cNvGrpSpPr/>
+          <p:nvPr/>
+        </p:nvGrpSpPr>
+        <p:grpSpPr>
+          <a:xfrm>
+            <a:off x="4657783" y="3449023"/>
+            <a:ext cx="936954" cy="1063404"/>
+            <a:chOff x="3350195" y="2804266"/>
+            <a:chExt cx="1382515" cy="1619952"/>
+          </a:xfrm>
+        </p:grpSpPr>
+        <p:sp>
+          <p:nvSpPr>
+            <p:cNvPr id="164" name="Scheda 163"/>
+            <p:cNvSpPr/>
+            <p:nvPr/>
+          </p:nvSpPr>
+          <p:spPr>
+            <a:xfrm flipH="1">
+              <a:off x="3596637" y="3048000"/>
+              <a:ext cx="1136073" cy="1376218"/>
+            </a:xfrm>
+            <a:prstGeom prst="flowChartPunchedCard">
+              <a:avLst/>
+            </a:prstGeom>
+            <a:solidFill>
+              <a:schemeClr val="bg1"/>
+            </a:solidFill>
+            <a:ln w="38100">
+              <a:solidFill>
+                <a:srgbClr val="7030A0"/>
+              </a:solidFill>
+            </a:ln>
+          </p:spPr>
+          <p:style>
+            <a:lnRef idx="2">
+              <a:schemeClr val="accent1">
+                <a:shade val="50000"/>
+              </a:schemeClr>
+            </a:lnRef>
+            <a:fillRef idx="1">
+              <a:schemeClr val="accent1"/>
+            </a:fillRef>
+            <a:effectRef idx="0">
+              <a:schemeClr val="accent1"/>
+            </a:effectRef>
+            <a:fontRef idx="minor">
+              <a:schemeClr val="lt1"/>
+            </a:fontRef>
+          </p:style>
+          <p:txBody>
+            <a:bodyPr rtlCol="0" anchor="ctr"/>
+            <a:lstStyle/>
+            <a:p>
+              <a:pPr algn="ctr"/>
+              <a:endParaRPr lang="en-US"/>
+            </a:p>
+          </p:txBody>
+        </p:sp>
+        <p:sp>
+          <p:nvSpPr>
+            <p:cNvPr id="165" name="Ovale 164"/>
+            <p:cNvSpPr/>
+            <p:nvPr/>
+          </p:nvSpPr>
+          <p:spPr>
+            <a:xfrm>
+              <a:off x="3350195" y="2804266"/>
+              <a:ext cx="492890" cy="492890"/>
+            </a:xfrm>
+            <a:prstGeom prst="ellipse">
+              <a:avLst/>
+            </a:prstGeom>
+            <a:solidFill>
+              <a:schemeClr val="bg1"/>
+            </a:solidFill>
+            <a:ln w="19050">
+              <a:solidFill>
+                <a:srgbClr val="7030A0"/>
+              </a:solidFill>
+            </a:ln>
+          </p:spPr>
+          <p:style>
+            <a:lnRef idx="2">
+              <a:schemeClr val="accent1">
+                <a:shade val="50000"/>
+              </a:schemeClr>
+            </a:lnRef>
+            <a:fillRef idx="1">
+              <a:schemeClr val="accent1"/>
+            </a:fillRef>
+            <a:effectRef idx="0">
+              <a:schemeClr val="accent1"/>
+            </a:effectRef>
+            <a:fontRef idx="minor">
+              <a:schemeClr val="lt1"/>
+            </a:fontRef>
+          </p:style>
+          <p:txBody>
+            <a:bodyPr rtlCol="0" anchor="ctr"/>
+            <a:lstStyle/>
+            <a:p>
+              <a:pPr algn="ctr"/>
+              <a:endParaRPr lang="en-US">
+                <a:ln>
+                  <a:solidFill>
+                    <a:srgbClr val="7030A0"/>
+                  </a:solidFill>
+                </a:ln>
+                <a:solidFill>
+                  <a:srgbClr val="7030A0"/>
+                </a:solidFill>
+              </a:endParaRPr>
+            </a:p>
+          </p:txBody>
+        </p:sp>
+        <p:grpSp>
+          <p:nvGrpSpPr>
+            <p:cNvPr id="166" name="Gruppo 165"/>
+            <p:cNvGrpSpPr/>
+            <p:nvPr/>
+          </p:nvGrpSpPr>
+          <p:grpSpPr>
+            <a:xfrm>
+              <a:off x="3350195" y="2804266"/>
+              <a:ext cx="492890" cy="492890"/>
+              <a:chOff x="5316567" y="2715285"/>
+              <a:chExt cx="325790" cy="325790"/>
+            </a:xfrm>
+          </p:grpSpPr>
+          <p:sp>
+            <p:nvSpPr>
+              <p:cNvPr id="167" name="Ovale 166"/>
+              <p:cNvSpPr/>
+              <p:nvPr/>
+            </p:nvSpPr>
+            <p:spPr>
+              <a:xfrm>
+                <a:off x="5316567" y="2715285"/>
+                <a:ext cx="325790" cy="325790"/>
+              </a:xfrm>
+              <a:prstGeom prst="ellipse">
+                <a:avLst/>
+              </a:prstGeom>
+              <a:gradFill flip="none" rotWithShape="1">
+                <a:gsLst>
+                  <a:gs pos="26000">
+                    <a:srgbClr val="7030A0">
+                      <a:tint val="66000"/>
+                      <a:satMod val="160000"/>
+                    </a:srgbClr>
+                  </a:gs>
+                  <a:gs pos="24000">
+                    <a:srgbClr val="7030A0">
+                      <a:tint val="66000"/>
+                      <a:satMod val="160000"/>
+                      <a:lumMod val="56000"/>
+                    </a:srgbClr>
+                  </a:gs>
+                  <a:gs pos="27000">
+                    <a:srgbClr val="7030A0">
+                      <a:tint val="23500"/>
+                      <a:satMod val="160000"/>
+                      <a:alpha val="0"/>
+                      <a:lumMod val="100000"/>
+                    </a:srgbClr>
+                  </a:gs>
+                </a:gsLst>
+                <a:lin ang="5400000" scaled="1"/>
+                <a:tileRect/>
+              </a:gradFill>
+              <a:ln w="19050">
+                <a:solidFill>
+                  <a:srgbClr val="7030A0"/>
+                </a:solidFill>
+              </a:ln>
+            </p:spPr>
+            <p:style>
+              <a:lnRef idx="2">
+                <a:schemeClr val="accent1">
+                  <a:shade val="50000"/>
+                </a:schemeClr>
+              </a:lnRef>
+              <a:fillRef idx="1">
+                <a:schemeClr val="accent1"/>
+              </a:fillRef>
+              <a:effectRef idx="0">
+                <a:schemeClr val="accent1"/>
+              </a:effectRef>
+              <a:fontRef idx="minor">
+                <a:schemeClr val="lt1"/>
+              </a:fontRef>
+            </p:style>
+            <p:txBody>
+              <a:bodyPr rtlCol="0" anchor="ctr"/>
+              <a:lstStyle/>
+              <a:p>
+                <a:pPr algn="ctr"/>
+                <a:endParaRPr lang="en-US">
+                  <a:ln>
+                    <a:solidFill>
+                      <a:srgbClr val="7030A0"/>
+                    </a:solidFill>
+                  </a:ln>
+                  <a:solidFill>
+                    <a:srgbClr val="7030A0"/>
+                  </a:solidFill>
+                </a:endParaRPr>
+              </a:p>
+            </p:txBody>
+          </p:sp>
+          <p:cxnSp>
+            <p:nvCxnSpPr>
+              <p:cNvPr id="169" name="Connettore 1 26"/>
+              <p:cNvCxnSpPr/>
+              <p:nvPr/>
+            </p:nvCxnSpPr>
+            <p:spPr>
+              <a:xfrm>
+                <a:off x="5366958" y="2832058"/>
+                <a:ext cx="230369" cy="0"/>
+              </a:xfrm>
+              <a:prstGeom prst="line">
+                <a:avLst/>
+              </a:prstGeom>
+              <a:ln w="19050">
+                <a:solidFill>
+                  <a:srgbClr val="7030A0"/>
+                </a:solidFill>
+              </a:ln>
+            </p:spPr>
+            <p:style>
+              <a:lnRef idx="1">
+                <a:schemeClr val="accent1"/>
+              </a:lnRef>
+              <a:fillRef idx="0">
+                <a:schemeClr val="accent1"/>
+              </a:fillRef>
+              <a:effectRef idx="0">
+                <a:schemeClr val="accent1"/>
+              </a:effectRef>
+              <a:fontRef idx="minor">
+                <a:schemeClr val="tx1"/>
+              </a:fontRef>
+            </p:style>
+          </p:cxnSp>
+          <p:cxnSp>
+            <p:nvCxnSpPr>
+              <p:cNvPr id="170" name="Connettore 1 27"/>
+              <p:cNvCxnSpPr/>
+              <p:nvPr/>
+            </p:nvCxnSpPr>
+            <p:spPr>
+              <a:xfrm>
+                <a:off x="5364276" y="2886008"/>
+                <a:ext cx="230369" cy="0"/>
+              </a:xfrm>
+              <a:prstGeom prst="line">
+                <a:avLst/>
+              </a:prstGeom>
+              <a:ln w="19050">
+                <a:solidFill>
+                  <a:srgbClr val="7030A0"/>
+                </a:solidFill>
+              </a:ln>
+            </p:spPr>
+            <p:style>
+              <a:lnRef idx="1">
+                <a:schemeClr val="accent1"/>
+              </a:lnRef>
+              <a:fillRef idx="0">
+                <a:schemeClr val="accent1"/>
+              </a:fillRef>
+              <a:effectRef idx="0">
+                <a:schemeClr val="accent1"/>
+              </a:effectRef>
+              <a:fontRef idx="minor">
+                <a:schemeClr val="tx1"/>
+              </a:fontRef>
+            </p:style>
+          </p:cxnSp>
+          <p:cxnSp>
+            <p:nvCxnSpPr>
+              <p:cNvPr id="171" name="Connettore 1 28"/>
+              <p:cNvCxnSpPr/>
+              <p:nvPr/>
+            </p:nvCxnSpPr>
+            <p:spPr>
+              <a:xfrm>
+                <a:off x="5364276" y="2943977"/>
+                <a:ext cx="230369" cy="0"/>
+              </a:xfrm>
+              <a:prstGeom prst="line">
+                <a:avLst/>
+              </a:prstGeom>
+              <a:ln w="19050">
+                <a:solidFill>
+                  <a:srgbClr val="7030A0"/>
+                </a:solidFill>
+              </a:ln>
+            </p:spPr>
+            <p:style>
+              <a:lnRef idx="1">
+                <a:schemeClr val="accent1"/>
+              </a:lnRef>
+              <a:fillRef idx="0">
+                <a:schemeClr val="accent1"/>
+              </a:fillRef>
+              <a:effectRef idx="0">
+                <a:schemeClr val="accent1"/>
+              </a:effectRef>
+              <a:fontRef idx="minor">
+                <a:schemeClr val="tx1"/>
+              </a:fontRef>
+            </p:style>
+          </p:cxnSp>
+        </p:grpSp>
+      </p:grpSp>
+      <p:sp>
+        <p:nvSpPr>
+          <p:cNvPr id="186" name="Freccia a incrocio 185"/>
+          <p:cNvSpPr/>
+          <p:nvPr/>
+        </p:nvSpPr>
+        <p:spPr>
+          <a:xfrm>
+            <a:off x="11382181" y="1445503"/>
+            <a:ext cx="505436" cy="538792"/>
+          </a:xfrm>
+          <a:prstGeom prst="quadArrow">
+            <a:avLst/>
+          </a:prstGeom>
+          <a:solidFill>
+            <a:srgbClr val="7030A0"/>
+          </a:solidFill>
+          <a:ln>
+            <a:solidFill>
+              <a:srgbClr val="7030A0"/>
+            </a:solidFill>
+          </a:ln>
+        </p:spPr>
+        <p:style>
+          <a:lnRef idx="2">
+            <a:schemeClr val="accent1">
+              <a:shade val="50000"/>
+            </a:schemeClr>
+          </a:lnRef>
+          <a:fillRef idx="1">
+            <a:schemeClr val="accent1"/>
+          </a:fillRef>
+          <a:effectRef idx="0">
+            <a:schemeClr val="accent1"/>
+          </a:effectRef>
+          <a:fontRef idx="minor">
+            <a:schemeClr val="lt1"/>
+          </a:fontRef>
+        </p:style>
+        <p:txBody>
+          <a:bodyPr rtlCol="0" anchor="ctr"/>
+          <a:lstStyle/>
+          <a:p>
+            <a:pPr algn="ctr"/>
+            <a:endParaRPr lang="en-US"/>
+          </a:p>
+        </p:txBody>
+      </p:sp>
+      <p:sp>
+        <p:nvSpPr>
+          <p:cNvPr id="188" name="CasellaDiTesto 187"/>
+          <p:cNvSpPr txBox="1"/>
+          <p:nvPr/>
+        </p:nvSpPr>
+        <p:spPr>
+          <a:xfrm>
+            <a:off x="2248904" y="2986138"/>
+            <a:ext cx="1237968" cy="492443"/>
+          </a:xfrm>
+          <a:prstGeom prst="rect">
+            <a:avLst/>
+          </a:prstGeom>
+          <a:noFill/>
+        </p:spPr>
+        <p:txBody>
+          <a:bodyPr wrap="square" rtlCol="0">
+            <a:spAutoFit/>
+          </a:bodyPr>
+          <a:lstStyle/>
+          <a:p>
+            <a:r>
+              <a:rPr lang="it-IT" sz="1300" dirty="0" err="1" smtClean="0"/>
+              <a:t>All</a:t>
+            </a:r>
+            <a:r>
+              <a:rPr lang="it-IT" sz="1300" dirty="0" smtClean="0"/>
+              <a:t> </a:t>
+            </a:r>
+          </a:p>
+          <a:p>
+            <a:r>
+              <a:rPr lang="it-IT" sz="1300" dirty="0" err="1" smtClean="0"/>
+              <a:t>devices</a:t>
+            </a:r>
+            <a:endParaRPr lang="it-IT" sz="1300" dirty="0" smtClean="0"/>
+          </a:p>
+        </p:txBody>
+      </p:sp>
+      <p:sp>
+        <p:nvSpPr>
+          <p:cNvPr id="189" name="CasellaDiTesto 188"/>
+          <p:cNvSpPr txBox="1"/>
+          <p:nvPr/>
+        </p:nvSpPr>
+        <p:spPr>
+          <a:xfrm>
+            <a:off x="5018657" y="2877593"/>
+            <a:ext cx="1237968" cy="692497"/>
+          </a:xfrm>
+          <a:prstGeom prst="rect">
+            <a:avLst/>
+          </a:prstGeom>
+          <a:noFill/>
+        </p:spPr>
+        <p:txBody>
+          <a:bodyPr wrap="square" rtlCol="0">
+            <a:spAutoFit/>
+          </a:bodyPr>
+          <a:lstStyle/>
+          <a:p>
+            <a:r>
+              <a:rPr lang="it-IT" sz="1300" dirty="0" err="1" smtClean="0"/>
+              <a:t>All</a:t>
+            </a:r>
+            <a:r>
+              <a:rPr lang="it-IT" sz="1300" dirty="0"/>
+              <a:t/>
+            </a:r>
+            <a:br>
+              <a:rPr lang="it-IT" sz="1300" dirty="0"/>
+            </a:br>
+            <a:r>
+              <a:rPr lang="it-IT" sz="1300" dirty="0" smtClean="0"/>
+              <a:t>Smart life </a:t>
+            </a:r>
+          </a:p>
+          <a:p>
+            <a:r>
+              <a:rPr lang="it-IT" sz="1300" dirty="0" err="1" smtClean="0"/>
+              <a:t>services</a:t>
+            </a:r>
+            <a:endParaRPr lang="it-IT" sz="1300" dirty="0" smtClean="0"/>
+          </a:p>
+        </p:txBody>
+      </p:sp>
+      <p:sp>
+        <p:nvSpPr>
+          <p:cNvPr id="190" name="CasellaDiTesto 189"/>
+          <p:cNvSpPr txBox="1"/>
+          <p:nvPr/>
+        </p:nvSpPr>
+        <p:spPr>
+          <a:xfrm>
+            <a:off x="7292459" y="2892140"/>
+            <a:ext cx="1237968" cy="692497"/>
+          </a:xfrm>
+          <a:prstGeom prst="rect">
+            <a:avLst/>
+          </a:prstGeom>
+          <a:noFill/>
+        </p:spPr>
+        <p:txBody>
+          <a:bodyPr wrap="square" rtlCol="0">
+            <a:spAutoFit/>
+          </a:bodyPr>
+          <a:lstStyle/>
+          <a:p>
+            <a:r>
+              <a:rPr lang="it-IT" sz="1300" dirty="0" err="1" smtClean="0"/>
+              <a:t>All</a:t>
+            </a:r>
+            <a:r>
+              <a:rPr lang="it-IT" sz="1300" dirty="0" smtClean="0"/>
+              <a:t> </a:t>
+            </a:r>
+          </a:p>
+          <a:p>
+            <a:r>
+              <a:rPr lang="it-IT" sz="1300" dirty="0" smtClean="0"/>
+              <a:t>Assistance</a:t>
+            </a:r>
+          </a:p>
+          <a:p>
+            <a:r>
+              <a:rPr lang="it-IT" sz="1300" dirty="0" err="1" smtClean="0"/>
+              <a:t>services</a:t>
+            </a:r>
+            <a:endParaRPr lang="it-IT" sz="1300" dirty="0" smtClean="0"/>
+          </a:p>
+        </p:txBody>
+      </p:sp>
+      <p:cxnSp>
+        <p:nvCxnSpPr>
+          <p:cNvPr id="191" name="Connettore 2 190"/>
+          <p:cNvCxnSpPr>
+            <a:stCxn id="156" idx="2"/>
+          </p:cNvCxnSpPr>
+          <p:nvPr/>
+        </p:nvCxnSpPr>
+        <p:spPr>
+          <a:xfrm>
+            <a:off x="7385792" y="4483267"/>
+            <a:ext cx="0" cy="2374733"/>
+          </a:xfrm>
+          <a:prstGeom prst="straightConnector1">
+            <a:avLst/>
+          </a:prstGeom>
+          <a:ln w="63500" cmpd="dbl">
+            <a:solidFill>
+              <a:srgbClr val="7030A0"/>
+            </a:solidFill>
+            <a:tailEnd type="triangle"/>
+          </a:ln>
+        </p:spPr>
+        <p:style>
+          <a:lnRef idx="1">
+            <a:schemeClr val="accent1"/>
+          </a:lnRef>
+          <a:fillRef idx="0">
+            <a:schemeClr val="accent1"/>
+          </a:fillRef>
+          <a:effectRef idx="0">
+            <a:schemeClr val="accent1"/>
+          </a:effectRef>
+          <a:fontRef idx="minor">
+            <a:schemeClr val="tx1"/>
+          </a:fontRef>
+        </p:style>
+      </p:cxnSp>
+      <p:sp>
+        <p:nvSpPr>
+          <p:cNvPr id="192" name="CasellaDiTesto 191"/>
+          <p:cNvSpPr txBox="1"/>
+          <p:nvPr/>
+        </p:nvSpPr>
+        <p:spPr>
+          <a:xfrm>
+            <a:off x="4031738" y="6138877"/>
+            <a:ext cx="588974" cy="292388"/>
+          </a:xfrm>
+          <a:prstGeom prst="rect">
+            <a:avLst/>
+          </a:prstGeom>
+          <a:noFill/>
+        </p:spPr>
+        <p:txBody>
+          <a:bodyPr wrap="square" rtlCol="0">
+            <a:spAutoFit/>
+          </a:bodyPr>
+          <a:lstStyle/>
+          <a:p>
+            <a:r>
+              <a:rPr lang="it-IT" sz="1300" dirty="0" smtClean="0"/>
+              <a:t>I+GT</a:t>
+            </a:r>
+            <a:endParaRPr lang="it-IT" sz="1300" dirty="0"/>
+          </a:p>
+        </p:txBody>
+      </p:sp>
+      <p:sp>
+        <p:nvSpPr>
+          <p:cNvPr id="193" name="CasellaDiTesto 192"/>
+          <p:cNvSpPr txBox="1"/>
+          <p:nvPr/>
+        </p:nvSpPr>
+        <p:spPr>
+          <a:xfrm>
+            <a:off x="2379924" y="5311256"/>
+            <a:ext cx="588974" cy="292388"/>
+          </a:xfrm>
+          <a:prstGeom prst="rect">
+            <a:avLst/>
+          </a:prstGeom>
+          <a:noFill/>
+        </p:spPr>
+        <p:txBody>
+          <a:bodyPr wrap="square" rtlCol="0">
+            <a:spAutoFit/>
+          </a:bodyPr>
+          <a:lstStyle/>
+          <a:p>
+            <a:r>
+              <a:rPr lang="it-IT" sz="1300" dirty="0" smtClean="0"/>
+              <a:t>I+GT</a:t>
+            </a:r>
+            <a:endParaRPr lang="it-IT" sz="1300" dirty="0"/>
+          </a:p>
+        </p:txBody>
+      </p:sp>
+      <p:sp>
+        <p:nvSpPr>
+          <p:cNvPr id="199" name="CasellaDiTesto 198"/>
+          <p:cNvSpPr txBox="1"/>
+          <p:nvPr/>
+        </p:nvSpPr>
+        <p:spPr>
+          <a:xfrm>
+            <a:off x="7404926" y="5579150"/>
+            <a:ext cx="588974" cy="292388"/>
+          </a:xfrm>
+          <a:prstGeom prst="rect">
+            <a:avLst/>
+          </a:prstGeom>
+          <a:noFill/>
+        </p:spPr>
+        <p:txBody>
+          <a:bodyPr wrap="square" rtlCol="0">
+            <a:spAutoFit/>
+          </a:bodyPr>
+          <a:lstStyle/>
+          <a:p>
+            <a:r>
+              <a:rPr lang="it-IT" sz="1300" dirty="0" smtClean="0"/>
+              <a:t>I+GT</a:t>
+            </a:r>
+            <a:endParaRPr lang="it-IT" sz="1300" dirty="0"/>
+          </a:p>
+        </p:txBody>
+      </p:sp>
+      <p:sp>
+        <p:nvSpPr>
+          <p:cNvPr id="200" name="CasellaDiTesto 199"/>
+          <p:cNvSpPr txBox="1"/>
+          <p:nvPr/>
+        </p:nvSpPr>
+        <p:spPr>
+          <a:xfrm>
+            <a:off x="1369252" y="6035842"/>
+            <a:ext cx="588974" cy="292388"/>
+          </a:xfrm>
+          <a:prstGeom prst="rect">
+            <a:avLst/>
+          </a:prstGeom>
+          <a:noFill/>
+        </p:spPr>
+        <p:txBody>
+          <a:bodyPr wrap="square" rtlCol="0">
+            <a:spAutoFit/>
+          </a:bodyPr>
+          <a:lstStyle/>
+          <a:p>
+            <a:r>
+              <a:rPr lang="it-IT" sz="1300" dirty="0" smtClean="0"/>
+              <a:t>I+GT</a:t>
+            </a:r>
+            <a:endParaRPr lang="it-IT" sz="1300" dirty="0"/>
+          </a:p>
+        </p:txBody>
+      </p:sp>
+      <p:sp>
+        <p:nvSpPr>
+          <p:cNvPr id="201" name="CasellaDiTesto 200"/>
+          <p:cNvSpPr txBox="1"/>
+          <p:nvPr/>
+        </p:nvSpPr>
+        <p:spPr>
+          <a:xfrm>
+            <a:off x="6144918" y="6060995"/>
+            <a:ext cx="588974" cy="292388"/>
+          </a:xfrm>
+          <a:prstGeom prst="rect">
+            <a:avLst/>
+          </a:prstGeom>
+          <a:noFill/>
+        </p:spPr>
+        <p:txBody>
+          <a:bodyPr wrap="square" rtlCol="0">
+            <a:spAutoFit/>
+          </a:bodyPr>
+          <a:lstStyle/>
+          <a:p>
+            <a:r>
+              <a:rPr lang="it-IT" sz="1300" dirty="0" smtClean="0"/>
+              <a:t>I+GT</a:t>
+            </a:r>
+            <a:endParaRPr lang="it-IT" sz="1300" dirty="0"/>
+          </a:p>
+        </p:txBody>
+      </p:sp>
+      <p:sp>
+        <p:nvSpPr>
+          <p:cNvPr id="202" name="CasellaDiTesto 201"/>
+          <p:cNvSpPr txBox="1"/>
+          <p:nvPr/>
+        </p:nvSpPr>
+        <p:spPr>
+          <a:xfrm>
+            <a:off x="5205997" y="5479580"/>
+            <a:ext cx="588974" cy="292388"/>
+          </a:xfrm>
+          <a:prstGeom prst="rect">
+            <a:avLst/>
+          </a:prstGeom>
+          <a:noFill/>
+        </p:spPr>
+        <p:txBody>
+          <a:bodyPr wrap="square" rtlCol="0">
+            <a:spAutoFit/>
+          </a:bodyPr>
+          <a:lstStyle/>
+          <a:p>
+            <a:r>
+              <a:rPr lang="it-IT" sz="1300" dirty="0" smtClean="0"/>
+              <a:t>I+GT</a:t>
             </a:r>
             <a:endParaRPr lang="it-IT" sz="1300" dirty="0"/>
           </a:p>
@@ -22071,8 +23928,8 @@
         </p:nvGrpSpPr>
         <p:grpSpPr>
           <a:xfrm>
-            <a:off x="247639" y="1839115"/>
-            <a:ext cx="1106809" cy="1339141"/>
+            <a:off x="484908" y="461144"/>
+            <a:ext cx="1387197" cy="1678386"/>
             <a:chOff x="7017729" y="2804266"/>
             <a:chExt cx="1382515" cy="1619952"/>
           </a:xfrm>
@@ -22657,6 +24514,3609 @@
           </p:cxnSp>
         </p:grpSp>
       </p:grpSp>
+      <p:cxnSp>
+        <p:nvCxnSpPr>
+          <p:cNvPr id="19" name="Connettore 2 151"/>
+          <p:cNvCxnSpPr>
+            <a:endCxn id="12" idx="0"/>
+          </p:cNvCxnSpPr>
+          <p:nvPr/>
+        </p:nvCxnSpPr>
+        <p:spPr>
+          <a:xfrm>
+            <a:off x="1301963" y="0"/>
+            <a:ext cx="182" cy="713670"/>
+          </a:xfrm>
+          <a:prstGeom prst="straightConnector1">
+            <a:avLst/>
+          </a:prstGeom>
+          <a:ln w="28575">
+            <a:solidFill>
+              <a:srgbClr val="7030A0"/>
+            </a:solidFill>
+            <a:tailEnd type="triangle"/>
+          </a:ln>
+        </p:spPr>
+        <p:style>
+          <a:lnRef idx="1">
+            <a:schemeClr val="accent1"/>
+          </a:lnRef>
+          <a:fillRef idx="0">
+            <a:schemeClr val="accent1"/>
+          </a:fillRef>
+          <a:effectRef idx="0">
+            <a:schemeClr val="accent1"/>
+          </a:effectRef>
+          <a:fontRef idx="minor">
+            <a:schemeClr val="tx1"/>
+          </a:fontRef>
+        </p:style>
+      </p:cxnSp>
+      <p:sp>
+        <p:nvSpPr>
+          <p:cNvPr id="23" name="Freccia a incrocio 22"/>
+          <p:cNvSpPr/>
+          <p:nvPr/>
+        </p:nvSpPr>
+        <p:spPr>
+          <a:xfrm>
+            <a:off x="1605813" y="849555"/>
+            <a:ext cx="505436" cy="538792"/>
+          </a:xfrm>
+          <a:prstGeom prst="quadArrow">
+            <a:avLst/>
+          </a:prstGeom>
+          <a:solidFill>
+            <a:srgbClr val="7030A0"/>
+          </a:solidFill>
+          <a:ln>
+            <a:solidFill>
+              <a:srgbClr val="7030A0"/>
+            </a:solidFill>
+          </a:ln>
+        </p:spPr>
+        <p:style>
+          <a:lnRef idx="2">
+            <a:schemeClr val="accent1">
+              <a:shade val="50000"/>
+            </a:schemeClr>
+          </a:lnRef>
+          <a:fillRef idx="1">
+            <a:schemeClr val="accent1"/>
+          </a:fillRef>
+          <a:effectRef idx="0">
+            <a:schemeClr val="accent1"/>
+          </a:effectRef>
+          <a:fontRef idx="minor">
+            <a:schemeClr val="lt1"/>
+          </a:fontRef>
+        </p:style>
+        <p:txBody>
+          <a:bodyPr rtlCol="0" anchor="ctr"/>
+          <a:lstStyle/>
+          <a:p>
+            <a:pPr algn="ctr"/>
+            <a:endParaRPr lang="en-US"/>
+          </a:p>
+        </p:txBody>
+      </p:sp>
+      <p:sp>
+        <p:nvSpPr>
+          <p:cNvPr id="24" name="CasellaDiTesto 23"/>
+          <p:cNvSpPr txBox="1"/>
+          <p:nvPr/>
+        </p:nvSpPr>
+        <p:spPr>
+          <a:xfrm>
+            <a:off x="1372693" y="426111"/>
+            <a:ext cx="1237968" cy="292388"/>
+          </a:xfrm>
+          <a:prstGeom prst="rect">
+            <a:avLst/>
+          </a:prstGeom>
+          <a:noFill/>
+        </p:spPr>
+        <p:txBody>
+          <a:bodyPr wrap="square" rtlCol="0">
+            <a:spAutoFit/>
+          </a:bodyPr>
+          <a:lstStyle/>
+          <a:p>
+            <a:r>
+              <a:rPr lang="it-IT" sz="1300" dirty="0" err="1" smtClean="0"/>
+              <a:t>Promotions</a:t>
+            </a:r>
+            <a:endParaRPr lang="it-IT" sz="1300" dirty="0"/>
+          </a:p>
+        </p:txBody>
+      </p:sp>
+      <p:grpSp>
+        <p:nvGrpSpPr>
+          <p:cNvPr id="25" name="Gruppo 24"/>
+          <p:cNvGrpSpPr/>
+          <p:nvPr/>
+        </p:nvGrpSpPr>
+        <p:grpSpPr>
+          <a:xfrm>
+            <a:off x="1302145" y="3047601"/>
+            <a:ext cx="2143042" cy="2785163"/>
+            <a:chOff x="4463143" y="1001485"/>
+            <a:chExt cx="2107474" cy="1323703"/>
+          </a:xfrm>
+        </p:grpSpPr>
+        <p:sp>
+          <p:nvSpPr>
+            <p:cNvPr id="26" name="Rettangolo 25"/>
+            <p:cNvSpPr/>
+            <p:nvPr/>
+          </p:nvSpPr>
+          <p:spPr>
+            <a:xfrm>
+              <a:off x="4463143" y="1001485"/>
+              <a:ext cx="2107474" cy="1323703"/>
+            </a:xfrm>
+            <a:prstGeom prst="rect">
+              <a:avLst/>
+            </a:prstGeom>
+            <a:solidFill>
+              <a:schemeClr val="bg1"/>
+            </a:solidFill>
+            <a:ln w="28575">
+              <a:solidFill>
+                <a:srgbClr val="7030A0"/>
+              </a:solidFill>
+              <a:prstDash val="dash"/>
+            </a:ln>
+          </p:spPr>
+          <p:style>
+            <a:lnRef idx="2">
+              <a:schemeClr val="accent1">
+                <a:shade val="50000"/>
+              </a:schemeClr>
+            </a:lnRef>
+            <a:fillRef idx="1">
+              <a:schemeClr val="accent1"/>
+            </a:fillRef>
+            <a:effectRef idx="0">
+              <a:schemeClr val="accent1"/>
+            </a:effectRef>
+            <a:fontRef idx="minor">
+              <a:schemeClr val="lt1"/>
+            </a:fontRef>
+          </p:style>
+          <p:txBody>
+            <a:bodyPr rtlCol="0" anchor="ctr"/>
+            <a:lstStyle/>
+            <a:p>
+              <a:pPr algn="ctr"/>
+              <a:endParaRPr lang="en-US"/>
+            </a:p>
+          </p:txBody>
+        </p:sp>
+        <p:sp>
+          <p:nvSpPr>
+            <p:cNvPr id="27" name="Rettangolo 26"/>
+            <p:cNvSpPr/>
+            <p:nvPr/>
+          </p:nvSpPr>
+          <p:spPr>
+            <a:xfrm>
+              <a:off x="4542608" y="1067338"/>
+              <a:ext cx="1948544" cy="1191996"/>
+            </a:xfrm>
+            <a:prstGeom prst="rect">
+              <a:avLst/>
+            </a:prstGeom>
+            <a:solidFill>
+              <a:schemeClr val="bg1"/>
+            </a:solidFill>
+            <a:ln w="28575">
+              <a:solidFill>
+                <a:srgbClr val="7030A0"/>
+              </a:solidFill>
+              <a:prstDash val="dash"/>
+            </a:ln>
+          </p:spPr>
+          <p:style>
+            <a:lnRef idx="2">
+              <a:schemeClr val="accent1">
+                <a:shade val="50000"/>
+              </a:schemeClr>
+            </a:lnRef>
+            <a:fillRef idx="1">
+              <a:schemeClr val="accent1"/>
+            </a:fillRef>
+            <a:effectRef idx="0">
+              <a:schemeClr val="accent1"/>
+            </a:effectRef>
+            <a:fontRef idx="minor">
+              <a:schemeClr val="lt1"/>
+            </a:fontRef>
+          </p:style>
+          <p:txBody>
+            <a:bodyPr rtlCol="0" anchor="ctr"/>
+            <a:lstStyle/>
+            <a:p>
+              <a:pPr algn="ctr"/>
+              <a:endParaRPr lang="en-US"/>
+            </a:p>
+          </p:txBody>
+        </p:sp>
+      </p:grpSp>
+      <p:grpSp>
+        <p:nvGrpSpPr>
+          <p:cNvPr id="28" name="Gruppo 27"/>
+          <p:cNvGrpSpPr/>
+          <p:nvPr/>
+        </p:nvGrpSpPr>
+        <p:grpSpPr>
+          <a:xfrm>
+            <a:off x="9975273" y="3299740"/>
+            <a:ext cx="1617828" cy="2533024"/>
+            <a:chOff x="4463143" y="1001485"/>
+            <a:chExt cx="2107474" cy="1323703"/>
+          </a:xfrm>
+        </p:grpSpPr>
+        <p:sp>
+          <p:nvSpPr>
+            <p:cNvPr id="29" name="Rettangolo 28"/>
+            <p:cNvSpPr/>
+            <p:nvPr/>
+          </p:nvSpPr>
+          <p:spPr>
+            <a:xfrm>
+              <a:off x="4463143" y="1001485"/>
+              <a:ext cx="2107474" cy="1323703"/>
+            </a:xfrm>
+            <a:prstGeom prst="rect">
+              <a:avLst/>
+            </a:prstGeom>
+            <a:solidFill>
+              <a:schemeClr val="bg1"/>
+            </a:solidFill>
+            <a:ln w="28575">
+              <a:solidFill>
+                <a:srgbClr val="7030A0"/>
+              </a:solidFill>
+              <a:prstDash val="dash"/>
+            </a:ln>
+          </p:spPr>
+          <p:style>
+            <a:lnRef idx="2">
+              <a:schemeClr val="accent1">
+                <a:shade val="50000"/>
+              </a:schemeClr>
+            </a:lnRef>
+            <a:fillRef idx="1">
+              <a:schemeClr val="accent1"/>
+            </a:fillRef>
+            <a:effectRef idx="0">
+              <a:schemeClr val="accent1"/>
+            </a:effectRef>
+            <a:fontRef idx="minor">
+              <a:schemeClr val="lt1"/>
+            </a:fontRef>
+          </p:style>
+          <p:txBody>
+            <a:bodyPr rtlCol="0" anchor="ctr"/>
+            <a:lstStyle/>
+            <a:p>
+              <a:pPr algn="ctr"/>
+              <a:endParaRPr lang="en-US"/>
+            </a:p>
+          </p:txBody>
+        </p:sp>
+        <p:sp>
+          <p:nvSpPr>
+            <p:cNvPr id="30" name="Rettangolo 29"/>
+            <p:cNvSpPr/>
+            <p:nvPr/>
+          </p:nvSpPr>
+          <p:spPr>
+            <a:xfrm>
+              <a:off x="4542608" y="1067338"/>
+              <a:ext cx="1948544" cy="1191996"/>
+            </a:xfrm>
+            <a:prstGeom prst="rect">
+              <a:avLst/>
+            </a:prstGeom>
+            <a:solidFill>
+              <a:schemeClr val="bg1"/>
+            </a:solidFill>
+            <a:ln w="28575">
+              <a:solidFill>
+                <a:srgbClr val="7030A0"/>
+              </a:solidFill>
+              <a:prstDash val="dash"/>
+            </a:ln>
+          </p:spPr>
+          <p:style>
+            <a:lnRef idx="2">
+              <a:schemeClr val="accent1">
+                <a:shade val="50000"/>
+              </a:schemeClr>
+            </a:lnRef>
+            <a:fillRef idx="1">
+              <a:schemeClr val="accent1"/>
+            </a:fillRef>
+            <a:effectRef idx="0">
+              <a:schemeClr val="accent1"/>
+            </a:effectRef>
+            <a:fontRef idx="minor">
+              <a:schemeClr val="lt1"/>
+            </a:fontRef>
+          </p:style>
+          <p:txBody>
+            <a:bodyPr rtlCol="0" anchor="ctr"/>
+            <a:lstStyle/>
+            <a:p>
+              <a:pPr algn="ctr"/>
+              <a:endParaRPr lang="en-US"/>
+            </a:p>
+          </p:txBody>
+        </p:sp>
+      </p:grpSp>
+      <p:grpSp>
+        <p:nvGrpSpPr>
+          <p:cNvPr id="31" name="Gruppo 30"/>
+          <p:cNvGrpSpPr/>
+          <p:nvPr/>
+        </p:nvGrpSpPr>
+        <p:grpSpPr>
+          <a:xfrm>
+            <a:off x="5693777" y="3123243"/>
+            <a:ext cx="2217167" cy="2709521"/>
+            <a:chOff x="4463143" y="1001485"/>
+            <a:chExt cx="2107474" cy="1323703"/>
+          </a:xfrm>
+        </p:grpSpPr>
+        <p:sp>
+          <p:nvSpPr>
+            <p:cNvPr id="32" name="Rettangolo 31"/>
+            <p:cNvSpPr/>
+            <p:nvPr/>
+          </p:nvSpPr>
+          <p:spPr>
+            <a:xfrm>
+              <a:off x="4463143" y="1001485"/>
+              <a:ext cx="2107474" cy="1323703"/>
+            </a:xfrm>
+            <a:prstGeom prst="rect">
+              <a:avLst/>
+            </a:prstGeom>
+            <a:solidFill>
+              <a:schemeClr val="bg1"/>
+            </a:solidFill>
+            <a:ln w="28575">
+              <a:solidFill>
+                <a:srgbClr val="7030A0"/>
+              </a:solidFill>
+              <a:prstDash val="dash"/>
+            </a:ln>
+          </p:spPr>
+          <p:style>
+            <a:lnRef idx="2">
+              <a:schemeClr val="accent1">
+                <a:shade val="50000"/>
+              </a:schemeClr>
+            </a:lnRef>
+            <a:fillRef idx="1">
+              <a:schemeClr val="accent1"/>
+            </a:fillRef>
+            <a:effectRef idx="0">
+              <a:schemeClr val="accent1"/>
+            </a:effectRef>
+            <a:fontRef idx="minor">
+              <a:schemeClr val="lt1"/>
+            </a:fontRef>
+          </p:style>
+          <p:txBody>
+            <a:bodyPr rtlCol="0" anchor="ctr"/>
+            <a:lstStyle/>
+            <a:p>
+              <a:pPr algn="ctr"/>
+              <a:endParaRPr lang="en-US"/>
+            </a:p>
+          </p:txBody>
+        </p:sp>
+        <p:sp>
+          <p:nvSpPr>
+            <p:cNvPr id="33" name="Rettangolo 32"/>
+            <p:cNvSpPr/>
+            <p:nvPr/>
+          </p:nvSpPr>
+          <p:spPr>
+            <a:xfrm>
+              <a:off x="4542608" y="1067338"/>
+              <a:ext cx="1948544" cy="1191996"/>
+            </a:xfrm>
+            <a:prstGeom prst="rect">
+              <a:avLst/>
+            </a:prstGeom>
+            <a:solidFill>
+              <a:schemeClr val="bg1"/>
+            </a:solidFill>
+            <a:ln w="28575">
+              <a:solidFill>
+                <a:srgbClr val="7030A0"/>
+              </a:solidFill>
+              <a:prstDash val="dash"/>
+            </a:ln>
+          </p:spPr>
+          <p:style>
+            <a:lnRef idx="2">
+              <a:schemeClr val="accent1">
+                <a:shade val="50000"/>
+              </a:schemeClr>
+            </a:lnRef>
+            <a:fillRef idx="1">
+              <a:schemeClr val="accent1"/>
+            </a:fillRef>
+            <a:effectRef idx="0">
+              <a:schemeClr val="accent1"/>
+            </a:effectRef>
+            <a:fontRef idx="minor">
+              <a:schemeClr val="lt1"/>
+            </a:fontRef>
+          </p:style>
+          <p:txBody>
+            <a:bodyPr rtlCol="0" anchor="ctr"/>
+            <a:lstStyle/>
+            <a:p>
+              <a:pPr algn="ctr"/>
+              <a:endParaRPr lang="en-US"/>
+            </a:p>
+          </p:txBody>
+        </p:sp>
+      </p:grpSp>
+      <p:sp>
+        <p:nvSpPr>
+          <p:cNvPr id="34" name="Scheda 33"/>
+          <p:cNvSpPr/>
+          <p:nvPr/>
+        </p:nvSpPr>
+        <p:spPr>
+          <a:xfrm flipH="1">
+            <a:off x="1958657" y="3418712"/>
+            <a:ext cx="812249" cy="946392"/>
+          </a:xfrm>
+          <a:prstGeom prst="flowChartPunchedCard">
+            <a:avLst/>
+          </a:prstGeom>
+          <a:solidFill>
+            <a:schemeClr val="bg1"/>
+          </a:solidFill>
+          <a:ln w="38100">
+            <a:solidFill>
+              <a:srgbClr val="7030A0"/>
+            </a:solidFill>
+          </a:ln>
+        </p:spPr>
+        <p:style>
+          <a:lnRef idx="2">
+            <a:schemeClr val="accent1">
+              <a:shade val="50000"/>
+            </a:schemeClr>
+          </a:lnRef>
+          <a:fillRef idx="1">
+            <a:schemeClr val="accent1"/>
+          </a:fillRef>
+          <a:effectRef idx="0">
+            <a:schemeClr val="accent1"/>
+          </a:effectRef>
+          <a:fontRef idx="minor">
+            <a:schemeClr val="lt1"/>
+          </a:fontRef>
+        </p:style>
+        <p:txBody>
+          <a:bodyPr rtlCol="0" anchor="ctr"/>
+          <a:lstStyle/>
+          <a:p>
+            <a:pPr algn="ctr"/>
+            <a:r>
+              <a:rPr lang="en-US" sz="1300" dirty="0" smtClean="0">
+                <a:solidFill>
+                  <a:schemeClr val="tx1"/>
+                </a:solidFill>
+              </a:rPr>
+              <a:t>Characteristics</a:t>
+            </a:r>
+            <a:endParaRPr lang="en-US" sz="1300" dirty="0">
+              <a:solidFill>
+                <a:schemeClr val="tx1"/>
+              </a:solidFill>
+            </a:endParaRPr>
+          </a:p>
+        </p:txBody>
+      </p:sp>
+      <p:sp>
+        <p:nvSpPr>
+          <p:cNvPr id="35" name="Scheda 34"/>
+          <p:cNvSpPr/>
+          <p:nvPr/>
+        </p:nvSpPr>
+        <p:spPr>
+          <a:xfrm flipH="1">
+            <a:off x="1958658" y="4503666"/>
+            <a:ext cx="812249" cy="883362"/>
+          </a:xfrm>
+          <a:prstGeom prst="flowChartPunchedCard">
+            <a:avLst/>
+          </a:prstGeom>
+          <a:solidFill>
+            <a:schemeClr val="bg1"/>
+          </a:solidFill>
+          <a:ln w="38100">
+            <a:solidFill>
+              <a:srgbClr val="7030A0"/>
+            </a:solidFill>
+          </a:ln>
+        </p:spPr>
+        <p:style>
+          <a:lnRef idx="2">
+            <a:schemeClr val="accent1">
+              <a:shade val="50000"/>
+            </a:schemeClr>
+          </a:lnRef>
+          <a:fillRef idx="1">
+            <a:schemeClr val="accent1"/>
+          </a:fillRef>
+          <a:effectRef idx="0">
+            <a:schemeClr val="accent1"/>
+          </a:effectRef>
+          <a:fontRef idx="minor">
+            <a:schemeClr val="lt1"/>
+          </a:fontRef>
+        </p:style>
+        <p:txBody>
+          <a:bodyPr rtlCol="0" anchor="ctr"/>
+          <a:lstStyle/>
+          <a:p>
+            <a:pPr algn="ctr"/>
+            <a:r>
+              <a:rPr lang="en-US" sz="1300" dirty="0" smtClean="0">
+                <a:solidFill>
+                  <a:schemeClr val="tx1"/>
+                </a:solidFill>
+              </a:rPr>
+              <a:t>Technical features</a:t>
+            </a:r>
+            <a:endParaRPr lang="en-US" sz="1300" dirty="0">
+              <a:solidFill>
+                <a:schemeClr val="tx1"/>
+              </a:solidFill>
+            </a:endParaRPr>
+          </a:p>
+        </p:txBody>
+      </p:sp>
+      <p:sp>
+        <p:nvSpPr>
+          <p:cNvPr id="36" name="Rettangolo 35"/>
+          <p:cNvSpPr/>
+          <p:nvPr/>
+        </p:nvSpPr>
+        <p:spPr>
+          <a:xfrm rot="16200000">
+            <a:off x="7784768" y="5149114"/>
+            <a:ext cx="447317" cy="177013"/>
+          </a:xfrm>
+          <a:prstGeom prst="rect">
+            <a:avLst/>
+          </a:prstGeom>
+          <a:gradFill flip="none" rotWithShape="1">
+            <a:gsLst>
+              <a:gs pos="13000">
+                <a:srgbClr val="7030A0"/>
+              </a:gs>
+              <a:gs pos="88000">
+                <a:srgbClr val="7030A0">
+                  <a:tint val="44500"/>
+                  <a:satMod val="160000"/>
+                </a:srgbClr>
+              </a:gs>
+              <a:gs pos="100000">
+                <a:srgbClr val="7030A0">
+                  <a:tint val="23500"/>
+                  <a:satMod val="160000"/>
+                </a:srgbClr>
+              </a:gs>
+            </a:gsLst>
+            <a:lin ang="5400000" scaled="1"/>
+            <a:tileRect/>
+          </a:gradFill>
+          <a:ln w="12700">
+            <a:solidFill>
+              <a:srgbClr val="7030A0"/>
+            </a:solidFill>
+          </a:ln>
+        </p:spPr>
+        <p:style>
+          <a:lnRef idx="2">
+            <a:schemeClr val="accent1">
+              <a:shade val="50000"/>
+            </a:schemeClr>
+          </a:lnRef>
+          <a:fillRef idx="1">
+            <a:schemeClr val="accent1"/>
+          </a:fillRef>
+          <a:effectRef idx="0">
+            <a:schemeClr val="accent1"/>
+          </a:effectRef>
+          <a:fontRef idx="minor">
+            <a:schemeClr val="lt1"/>
+          </a:fontRef>
+        </p:style>
+        <p:txBody>
+          <a:bodyPr rtlCol="0" anchor="ctr"/>
+          <a:lstStyle/>
+          <a:p>
+            <a:pPr algn="ctr"/>
+            <a:endParaRPr lang="en-US"/>
+          </a:p>
+        </p:txBody>
+      </p:sp>
+      <p:sp>
+        <p:nvSpPr>
+          <p:cNvPr id="38" name="Rettangolo 37"/>
+          <p:cNvSpPr/>
+          <p:nvPr/>
+        </p:nvSpPr>
+        <p:spPr>
+          <a:xfrm rot="16200000">
+            <a:off x="5368172" y="3330206"/>
+            <a:ext cx="447317" cy="177013"/>
+          </a:xfrm>
+          <a:prstGeom prst="rect">
+            <a:avLst/>
+          </a:prstGeom>
+          <a:gradFill flip="none" rotWithShape="1">
+            <a:gsLst>
+              <a:gs pos="13000">
+                <a:srgbClr val="7030A0"/>
+              </a:gs>
+              <a:gs pos="88000">
+                <a:srgbClr val="7030A0">
+                  <a:tint val="44500"/>
+                  <a:satMod val="160000"/>
+                </a:srgbClr>
+              </a:gs>
+              <a:gs pos="100000">
+                <a:srgbClr val="7030A0">
+                  <a:tint val="23500"/>
+                  <a:satMod val="160000"/>
+                </a:srgbClr>
+              </a:gs>
+            </a:gsLst>
+            <a:lin ang="5400000" scaled="1"/>
+            <a:tileRect/>
+          </a:gradFill>
+          <a:ln w="12700">
+            <a:solidFill>
+              <a:srgbClr val="7030A0"/>
+            </a:solidFill>
+          </a:ln>
+        </p:spPr>
+        <p:style>
+          <a:lnRef idx="2">
+            <a:schemeClr val="accent1">
+              <a:shade val="50000"/>
+            </a:schemeClr>
+          </a:lnRef>
+          <a:fillRef idx="1">
+            <a:schemeClr val="accent1"/>
+          </a:fillRef>
+          <a:effectRef idx="0">
+            <a:schemeClr val="accent1"/>
+          </a:effectRef>
+          <a:fontRef idx="minor">
+            <a:schemeClr val="lt1"/>
+          </a:fontRef>
+        </p:style>
+        <p:txBody>
+          <a:bodyPr rtlCol="0" anchor="ctr"/>
+          <a:lstStyle/>
+          <a:p>
+            <a:pPr algn="ctr"/>
+            <a:endParaRPr lang="en-US"/>
+          </a:p>
+        </p:txBody>
+      </p:sp>
+      <p:sp>
+        <p:nvSpPr>
+          <p:cNvPr id="39" name="Rettangolo 38"/>
+          <p:cNvSpPr/>
+          <p:nvPr/>
+        </p:nvSpPr>
+        <p:spPr>
+          <a:xfrm rot="16200000">
+            <a:off x="989798" y="3381865"/>
+            <a:ext cx="447317" cy="177013"/>
+          </a:xfrm>
+          <a:prstGeom prst="rect">
+            <a:avLst/>
+          </a:prstGeom>
+          <a:gradFill flip="none" rotWithShape="1">
+            <a:gsLst>
+              <a:gs pos="13000">
+                <a:srgbClr val="7030A0"/>
+              </a:gs>
+              <a:gs pos="88000">
+                <a:srgbClr val="7030A0">
+                  <a:tint val="44500"/>
+                  <a:satMod val="160000"/>
+                </a:srgbClr>
+              </a:gs>
+              <a:gs pos="100000">
+                <a:srgbClr val="7030A0">
+                  <a:tint val="23500"/>
+                  <a:satMod val="160000"/>
+                </a:srgbClr>
+              </a:gs>
+            </a:gsLst>
+            <a:lin ang="5400000" scaled="1"/>
+            <a:tileRect/>
+          </a:gradFill>
+          <a:ln w="12700">
+            <a:solidFill>
+              <a:srgbClr val="7030A0"/>
+            </a:solidFill>
+          </a:ln>
+        </p:spPr>
+        <p:style>
+          <a:lnRef idx="2">
+            <a:schemeClr val="accent1">
+              <a:shade val="50000"/>
+            </a:schemeClr>
+          </a:lnRef>
+          <a:fillRef idx="1">
+            <a:schemeClr val="accent1"/>
+          </a:fillRef>
+          <a:effectRef idx="0">
+            <a:schemeClr val="accent1"/>
+          </a:effectRef>
+          <a:fontRef idx="minor">
+            <a:schemeClr val="lt1"/>
+          </a:fontRef>
+        </p:style>
+        <p:txBody>
+          <a:bodyPr rtlCol="0" anchor="ctr"/>
+          <a:lstStyle/>
+          <a:p>
+            <a:pPr algn="ctr"/>
+            <a:endParaRPr lang="en-US"/>
+          </a:p>
+        </p:txBody>
+      </p:sp>
+      <p:cxnSp>
+        <p:nvCxnSpPr>
+          <p:cNvPr id="40" name="Connettore 2 39"/>
+          <p:cNvCxnSpPr/>
+          <p:nvPr/>
+        </p:nvCxnSpPr>
+        <p:spPr>
+          <a:xfrm>
+            <a:off x="1301963" y="3418713"/>
+            <a:ext cx="656694" cy="432851"/>
+          </a:xfrm>
+          <a:prstGeom prst="straightConnector1">
+            <a:avLst/>
+          </a:prstGeom>
+          <a:ln w="28575">
+            <a:solidFill>
+              <a:srgbClr val="7030A0"/>
+            </a:solidFill>
+            <a:tailEnd type="triangle"/>
+          </a:ln>
+        </p:spPr>
+        <p:style>
+          <a:lnRef idx="1">
+            <a:schemeClr val="accent1"/>
+          </a:lnRef>
+          <a:fillRef idx="0">
+            <a:schemeClr val="accent1"/>
+          </a:fillRef>
+          <a:effectRef idx="0">
+            <a:schemeClr val="accent1"/>
+          </a:effectRef>
+          <a:fontRef idx="minor">
+            <a:schemeClr val="tx1"/>
+          </a:fontRef>
+        </p:style>
+      </p:cxnSp>
+      <p:sp>
+        <p:nvSpPr>
+          <p:cNvPr id="43" name="CasellaDiTesto 42"/>
+          <p:cNvSpPr txBox="1"/>
+          <p:nvPr/>
+        </p:nvSpPr>
+        <p:spPr>
+          <a:xfrm>
+            <a:off x="1420774" y="5394421"/>
+            <a:ext cx="588974" cy="292388"/>
+          </a:xfrm>
+          <a:prstGeom prst="rect">
+            <a:avLst/>
+          </a:prstGeom>
+          <a:noFill/>
+        </p:spPr>
+        <p:txBody>
+          <a:bodyPr wrap="square" rtlCol="0">
+            <a:spAutoFit/>
+          </a:bodyPr>
+          <a:lstStyle/>
+          <a:p>
+            <a:r>
+              <a:rPr lang="it-IT" sz="1300" dirty="0" smtClean="0"/>
+              <a:t>A2A</a:t>
+            </a:r>
+            <a:endParaRPr lang="it-IT" sz="1300" dirty="0"/>
+          </a:p>
+        </p:txBody>
+      </p:sp>
+      <p:sp>
+        <p:nvSpPr>
+          <p:cNvPr id="44" name="CasellaDiTesto 43"/>
+          <p:cNvSpPr txBox="1"/>
+          <p:nvPr/>
+        </p:nvSpPr>
+        <p:spPr>
+          <a:xfrm>
+            <a:off x="1764175" y="2717329"/>
+            <a:ext cx="1237968" cy="292388"/>
+          </a:xfrm>
+          <a:prstGeom prst="rect">
+            <a:avLst/>
+          </a:prstGeom>
+          <a:noFill/>
+        </p:spPr>
+        <p:txBody>
+          <a:bodyPr wrap="square" rtlCol="0">
+            <a:spAutoFit/>
+          </a:bodyPr>
+          <a:lstStyle/>
+          <a:p>
+            <a:r>
+              <a:rPr lang="it-IT" sz="1300" dirty="0" smtClean="0"/>
+              <a:t>Device [10,100]</a:t>
+            </a:r>
+            <a:endParaRPr lang="it-IT" sz="1300" dirty="0"/>
+          </a:p>
+        </p:txBody>
+      </p:sp>
+      <p:cxnSp>
+        <p:nvCxnSpPr>
+          <p:cNvPr id="45" name="Connettore 2 44"/>
+          <p:cNvCxnSpPr/>
+          <p:nvPr/>
+        </p:nvCxnSpPr>
+        <p:spPr>
+          <a:xfrm>
+            <a:off x="1488287" y="2139530"/>
+            <a:ext cx="0" cy="908071"/>
+          </a:xfrm>
+          <a:prstGeom prst="straightConnector1">
+            <a:avLst/>
+          </a:prstGeom>
+          <a:ln w="63500" cmpd="dbl">
+            <a:solidFill>
+              <a:srgbClr val="7030A0"/>
+            </a:solidFill>
+            <a:tailEnd type="triangle"/>
+          </a:ln>
+        </p:spPr>
+        <p:style>
+          <a:lnRef idx="1">
+            <a:schemeClr val="accent1"/>
+          </a:lnRef>
+          <a:fillRef idx="0">
+            <a:schemeClr val="accent1"/>
+          </a:fillRef>
+          <a:effectRef idx="0">
+            <a:schemeClr val="accent1"/>
+          </a:effectRef>
+          <a:fontRef idx="minor">
+            <a:schemeClr val="tx1"/>
+          </a:fontRef>
+        </p:style>
+      </p:cxnSp>
+      <p:cxnSp>
+        <p:nvCxnSpPr>
+          <p:cNvPr id="48" name="Connettore 2 47"/>
+          <p:cNvCxnSpPr/>
+          <p:nvPr/>
+        </p:nvCxnSpPr>
+        <p:spPr>
+          <a:xfrm>
+            <a:off x="1872105" y="1663308"/>
+            <a:ext cx="3898057" cy="1384293"/>
+          </a:xfrm>
+          <a:prstGeom prst="straightConnector1">
+            <a:avLst/>
+          </a:prstGeom>
+          <a:ln w="63500" cmpd="dbl">
+            <a:solidFill>
+              <a:srgbClr val="7030A0"/>
+            </a:solidFill>
+            <a:tailEnd type="triangle"/>
+          </a:ln>
+        </p:spPr>
+        <p:style>
+          <a:lnRef idx="1">
+            <a:schemeClr val="accent1"/>
+          </a:lnRef>
+          <a:fillRef idx="0">
+            <a:schemeClr val="accent1"/>
+          </a:fillRef>
+          <a:effectRef idx="0">
+            <a:schemeClr val="accent1"/>
+          </a:effectRef>
+          <a:fontRef idx="minor">
+            <a:schemeClr val="tx1"/>
+          </a:fontRef>
+        </p:style>
+      </p:cxnSp>
+      <p:sp>
+        <p:nvSpPr>
+          <p:cNvPr id="54" name="Scheda 53"/>
+          <p:cNvSpPr/>
+          <p:nvPr/>
+        </p:nvSpPr>
+        <p:spPr>
+          <a:xfrm flipH="1">
+            <a:off x="5939699" y="3418712"/>
+            <a:ext cx="739021" cy="847268"/>
+          </a:xfrm>
+          <a:prstGeom prst="flowChartPunchedCard">
+            <a:avLst/>
+          </a:prstGeom>
+          <a:solidFill>
+            <a:schemeClr val="bg1"/>
+          </a:solidFill>
+          <a:ln w="38100">
+            <a:solidFill>
+              <a:srgbClr val="7030A0"/>
+            </a:solidFill>
+          </a:ln>
+        </p:spPr>
+        <p:style>
+          <a:lnRef idx="2">
+            <a:schemeClr val="accent1">
+              <a:shade val="50000"/>
+            </a:schemeClr>
+          </a:lnRef>
+          <a:fillRef idx="1">
+            <a:schemeClr val="accent1"/>
+          </a:fillRef>
+          <a:effectRef idx="0">
+            <a:schemeClr val="accent1"/>
+          </a:effectRef>
+          <a:fontRef idx="minor">
+            <a:schemeClr val="lt1"/>
+          </a:fontRef>
+        </p:style>
+        <p:txBody>
+          <a:bodyPr rtlCol="0" anchor="ctr"/>
+          <a:lstStyle/>
+          <a:p>
+            <a:pPr algn="ctr"/>
+            <a:r>
+              <a:rPr lang="en-US" sz="1300" dirty="0" smtClean="0">
+                <a:solidFill>
+                  <a:schemeClr val="tx1"/>
+                </a:solidFill>
+              </a:rPr>
+              <a:t>Description</a:t>
+            </a:r>
+            <a:endParaRPr lang="en-US" sz="1300" dirty="0">
+              <a:solidFill>
+                <a:schemeClr val="tx1"/>
+              </a:solidFill>
+            </a:endParaRPr>
+          </a:p>
+        </p:txBody>
+      </p:sp>
+      <p:sp>
+        <p:nvSpPr>
+          <p:cNvPr id="55" name="Scheda 54"/>
+          <p:cNvSpPr/>
+          <p:nvPr/>
+        </p:nvSpPr>
+        <p:spPr>
+          <a:xfrm flipH="1">
+            <a:off x="6902684" y="4502984"/>
+            <a:ext cx="739021" cy="847268"/>
+          </a:xfrm>
+          <a:prstGeom prst="flowChartPunchedCard">
+            <a:avLst/>
+          </a:prstGeom>
+          <a:solidFill>
+            <a:schemeClr val="bg1"/>
+          </a:solidFill>
+          <a:ln w="38100">
+            <a:solidFill>
+              <a:srgbClr val="7030A0"/>
+            </a:solidFill>
+          </a:ln>
+        </p:spPr>
+        <p:style>
+          <a:lnRef idx="2">
+            <a:schemeClr val="accent1">
+              <a:shade val="50000"/>
+            </a:schemeClr>
+          </a:lnRef>
+          <a:fillRef idx="1">
+            <a:schemeClr val="accent1"/>
+          </a:fillRef>
+          <a:effectRef idx="0">
+            <a:schemeClr val="accent1"/>
+          </a:effectRef>
+          <a:fontRef idx="minor">
+            <a:schemeClr val="lt1"/>
+          </a:fontRef>
+        </p:style>
+        <p:txBody>
+          <a:bodyPr rtlCol="0" anchor="ctr"/>
+          <a:lstStyle/>
+          <a:p>
+            <a:pPr algn="ctr"/>
+            <a:r>
+              <a:rPr lang="en-US" sz="1300" dirty="0" smtClean="0">
+                <a:solidFill>
+                  <a:schemeClr val="tx1"/>
+                </a:solidFill>
+              </a:rPr>
+              <a:t>FAQs</a:t>
+            </a:r>
+            <a:endParaRPr lang="en-US" sz="1300" dirty="0">
+              <a:solidFill>
+                <a:schemeClr val="tx1"/>
+              </a:solidFill>
+            </a:endParaRPr>
+          </a:p>
+        </p:txBody>
+      </p:sp>
+      <p:sp>
+        <p:nvSpPr>
+          <p:cNvPr id="56" name="Scheda 55"/>
+          <p:cNvSpPr/>
+          <p:nvPr/>
+        </p:nvSpPr>
+        <p:spPr>
+          <a:xfrm flipH="1">
+            <a:off x="6875868" y="3418712"/>
+            <a:ext cx="739021" cy="847268"/>
+          </a:xfrm>
+          <a:prstGeom prst="flowChartPunchedCard">
+            <a:avLst/>
+          </a:prstGeom>
+          <a:solidFill>
+            <a:schemeClr val="bg1"/>
+          </a:solidFill>
+          <a:ln w="38100">
+            <a:solidFill>
+              <a:srgbClr val="7030A0"/>
+            </a:solidFill>
+          </a:ln>
+        </p:spPr>
+        <p:style>
+          <a:lnRef idx="2">
+            <a:schemeClr val="accent1">
+              <a:shade val="50000"/>
+            </a:schemeClr>
+          </a:lnRef>
+          <a:fillRef idx="1">
+            <a:schemeClr val="accent1"/>
+          </a:fillRef>
+          <a:effectRef idx="0">
+            <a:schemeClr val="accent1"/>
+          </a:effectRef>
+          <a:fontRef idx="minor">
+            <a:schemeClr val="lt1"/>
+          </a:fontRef>
+        </p:style>
+        <p:txBody>
+          <a:bodyPr rtlCol="0" anchor="ctr"/>
+          <a:lstStyle/>
+          <a:p>
+            <a:pPr algn="ctr"/>
+            <a:r>
+              <a:rPr lang="en-US" sz="1300" dirty="0" smtClean="0">
+                <a:solidFill>
+                  <a:schemeClr val="tx1"/>
+                </a:solidFill>
+              </a:rPr>
+              <a:t>Benefits</a:t>
+            </a:r>
+            <a:endParaRPr lang="en-US" sz="1300" dirty="0">
+              <a:solidFill>
+                <a:schemeClr val="tx1"/>
+              </a:solidFill>
+            </a:endParaRPr>
+          </a:p>
+        </p:txBody>
+      </p:sp>
+      <p:sp>
+        <p:nvSpPr>
+          <p:cNvPr id="57" name="Scheda 56"/>
+          <p:cNvSpPr/>
+          <p:nvPr/>
+        </p:nvSpPr>
+        <p:spPr>
+          <a:xfrm flipH="1">
+            <a:off x="5939698" y="4494463"/>
+            <a:ext cx="739021" cy="847268"/>
+          </a:xfrm>
+          <a:prstGeom prst="flowChartPunchedCard">
+            <a:avLst/>
+          </a:prstGeom>
+          <a:solidFill>
+            <a:schemeClr val="bg1"/>
+          </a:solidFill>
+          <a:ln w="38100">
+            <a:solidFill>
+              <a:srgbClr val="7030A0"/>
+            </a:solidFill>
+          </a:ln>
+        </p:spPr>
+        <p:style>
+          <a:lnRef idx="2">
+            <a:schemeClr val="accent1">
+              <a:shade val="50000"/>
+            </a:schemeClr>
+          </a:lnRef>
+          <a:fillRef idx="1">
+            <a:schemeClr val="accent1"/>
+          </a:fillRef>
+          <a:effectRef idx="0">
+            <a:schemeClr val="accent1"/>
+          </a:effectRef>
+          <a:fontRef idx="minor">
+            <a:schemeClr val="lt1"/>
+          </a:fontRef>
+        </p:style>
+        <p:txBody>
+          <a:bodyPr rtlCol="0" anchor="ctr"/>
+          <a:lstStyle/>
+          <a:p>
+            <a:pPr algn="ctr"/>
+            <a:r>
+              <a:rPr lang="en-US" sz="1300" dirty="0" smtClean="0">
+                <a:solidFill>
+                  <a:schemeClr val="tx1"/>
+                </a:solidFill>
+              </a:rPr>
+              <a:t>How to</a:t>
+            </a:r>
+            <a:endParaRPr lang="en-US" sz="1300" dirty="0">
+              <a:solidFill>
+                <a:schemeClr val="tx1"/>
+              </a:solidFill>
+            </a:endParaRPr>
+          </a:p>
+        </p:txBody>
+      </p:sp>
+      <p:sp>
+        <p:nvSpPr>
+          <p:cNvPr id="58" name="CasellaDiTesto 57"/>
+          <p:cNvSpPr txBox="1"/>
+          <p:nvPr/>
+        </p:nvSpPr>
+        <p:spPr>
+          <a:xfrm>
+            <a:off x="7317374" y="5379088"/>
+            <a:ext cx="588974" cy="292388"/>
+          </a:xfrm>
+          <a:prstGeom prst="rect">
+            <a:avLst/>
+          </a:prstGeom>
+          <a:noFill/>
+        </p:spPr>
+        <p:txBody>
+          <a:bodyPr wrap="square" rtlCol="0">
+            <a:spAutoFit/>
+          </a:bodyPr>
+          <a:lstStyle/>
+          <a:p>
+            <a:r>
+              <a:rPr lang="it-IT" sz="1300" dirty="0" smtClean="0"/>
+              <a:t>A2A</a:t>
+            </a:r>
+            <a:endParaRPr lang="it-IT" sz="1300" dirty="0"/>
+          </a:p>
+        </p:txBody>
+      </p:sp>
+      <p:sp>
+        <p:nvSpPr>
+          <p:cNvPr id="59" name="CasellaDiTesto 58"/>
+          <p:cNvSpPr txBox="1"/>
+          <p:nvPr/>
+        </p:nvSpPr>
+        <p:spPr>
+          <a:xfrm>
+            <a:off x="6074337" y="2793034"/>
+            <a:ext cx="1609253" cy="292388"/>
+          </a:xfrm>
+          <a:prstGeom prst="rect">
+            <a:avLst/>
+          </a:prstGeom>
+          <a:noFill/>
+        </p:spPr>
+        <p:txBody>
+          <a:bodyPr wrap="square" rtlCol="0">
+            <a:spAutoFit/>
+          </a:bodyPr>
+          <a:lstStyle/>
+          <a:p>
+            <a:r>
+              <a:rPr lang="it-IT" sz="1300" dirty="0" smtClean="0"/>
+              <a:t>Smart Life [10,50]</a:t>
+            </a:r>
+            <a:endParaRPr lang="it-IT" sz="1300" dirty="0"/>
+          </a:p>
+        </p:txBody>
+      </p:sp>
+      <p:cxnSp>
+        <p:nvCxnSpPr>
+          <p:cNvPr id="60" name="Connettore 2 59"/>
+          <p:cNvCxnSpPr/>
+          <p:nvPr/>
+        </p:nvCxnSpPr>
+        <p:spPr>
+          <a:xfrm>
+            <a:off x="2987287" y="-17248"/>
+            <a:ext cx="14856" cy="3064846"/>
+          </a:xfrm>
+          <a:prstGeom prst="straightConnector1">
+            <a:avLst/>
+          </a:prstGeom>
+          <a:ln w="63500" cmpd="dbl">
+            <a:solidFill>
+              <a:srgbClr val="7030A0"/>
+            </a:solidFill>
+            <a:tailEnd type="triangle"/>
+          </a:ln>
+        </p:spPr>
+        <p:style>
+          <a:lnRef idx="1">
+            <a:schemeClr val="accent1"/>
+          </a:lnRef>
+          <a:fillRef idx="0">
+            <a:schemeClr val="accent1"/>
+          </a:fillRef>
+          <a:effectRef idx="0">
+            <a:schemeClr val="accent1"/>
+          </a:effectRef>
+          <a:fontRef idx="minor">
+            <a:schemeClr val="tx1"/>
+          </a:fontRef>
+        </p:style>
+      </p:cxnSp>
+      <p:cxnSp>
+        <p:nvCxnSpPr>
+          <p:cNvPr id="64" name="Connettore 2 63"/>
+          <p:cNvCxnSpPr/>
+          <p:nvPr/>
+        </p:nvCxnSpPr>
+        <p:spPr>
+          <a:xfrm>
+            <a:off x="3237007" y="-17248"/>
+            <a:ext cx="14856" cy="3064846"/>
+          </a:xfrm>
+          <a:prstGeom prst="straightConnector1">
+            <a:avLst/>
+          </a:prstGeom>
+          <a:ln w="63500" cmpd="dbl">
+            <a:solidFill>
+              <a:srgbClr val="7030A0"/>
+            </a:solidFill>
+            <a:tailEnd type="triangle"/>
+          </a:ln>
+        </p:spPr>
+        <p:style>
+          <a:lnRef idx="1">
+            <a:schemeClr val="accent1"/>
+          </a:lnRef>
+          <a:fillRef idx="0">
+            <a:schemeClr val="accent1"/>
+          </a:fillRef>
+          <a:effectRef idx="0">
+            <a:schemeClr val="accent1"/>
+          </a:effectRef>
+          <a:fontRef idx="minor">
+            <a:schemeClr val="tx1"/>
+          </a:fontRef>
+        </p:style>
+      </p:cxnSp>
+      <p:cxnSp>
+        <p:nvCxnSpPr>
+          <p:cNvPr id="65" name="Connettore 2 64"/>
+          <p:cNvCxnSpPr/>
+          <p:nvPr/>
+        </p:nvCxnSpPr>
+        <p:spPr>
+          <a:xfrm>
+            <a:off x="7534935" y="0"/>
+            <a:ext cx="0" cy="3103915"/>
+          </a:xfrm>
+          <a:prstGeom prst="straightConnector1">
+            <a:avLst/>
+          </a:prstGeom>
+          <a:ln w="63500" cmpd="dbl">
+            <a:solidFill>
+              <a:srgbClr val="7030A0"/>
+            </a:solidFill>
+            <a:tailEnd type="triangle"/>
+          </a:ln>
+        </p:spPr>
+        <p:style>
+          <a:lnRef idx="1">
+            <a:schemeClr val="accent1"/>
+          </a:lnRef>
+          <a:fillRef idx="0">
+            <a:schemeClr val="accent1"/>
+          </a:fillRef>
+          <a:effectRef idx="0">
+            <a:schemeClr val="accent1"/>
+          </a:effectRef>
+          <a:fontRef idx="minor">
+            <a:schemeClr val="tx1"/>
+          </a:fontRef>
+        </p:style>
+      </p:cxnSp>
+      <p:cxnSp>
+        <p:nvCxnSpPr>
+          <p:cNvPr id="66" name="Connettore 2 65"/>
+          <p:cNvCxnSpPr/>
+          <p:nvPr/>
+        </p:nvCxnSpPr>
+        <p:spPr>
+          <a:xfrm>
+            <a:off x="5939698" y="-17248"/>
+            <a:ext cx="14856" cy="3102670"/>
+          </a:xfrm>
+          <a:prstGeom prst="straightConnector1">
+            <a:avLst/>
+          </a:prstGeom>
+          <a:ln w="63500" cmpd="dbl">
+            <a:solidFill>
+              <a:srgbClr val="7030A0"/>
+            </a:solidFill>
+            <a:tailEnd type="triangle"/>
+          </a:ln>
+        </p:spPr>
+        <p:style>
+          <a:lnRef idx="1">
+            <a:schemeClr val="accent1"/>
+          </a:lnRef>
+          <a:fillRef idx="0">
+            <a:schemeClr val="accent1"/>
+          </a:fillRef>
+          <a:effectRef idx="0">
+            <a:schemeClr val="accent1"/>
+          </a:effectRef>
+          <a:fontRef idx="minor">
+            <a:schemeClr val="tx1"/>
+          </a:fontRef>
+        </p:style>
+      </p:cxnSp>
+      <p:cxnSp>
+        <p:nvCxnSpPr>
+          <p:cNvPr id="69" name="Connettore 2 68"/>
+          <p:cNvCxnSpPr>
+            <a:endCxn id="54" idx="3"/>
+          </p:cNvCxnSpPr>
+          <p:nvPr/>
+        </p:nvCxnSpPr>
+        <p:spPr>
+          <a:xfrm>
+            <a:off x="5693777" y="3418711"/>
+            <a:ext cx="245922" cy="423635"/>
+          </a:xfrm>
+          <a:prstGeom prst="straightConnector1">
+            <a:avLst/>
+          </a:prstGeom>
+          <a:ln w="28575">
+            <a:solidFill>
+              <a:srgbClr val="7030A0"/>
+            </a:solidFill>
+            <a:tailEnd type="triangle"/>
+          </a:ln>
+        </p:spPr>
+        <p:style>
+          <a:lnRef idx="1">
+            <a:schemeClr val="accent1"/>
+          </a:lnRef>
+          <a:fillRef idx="0">
+            <a:schemeClr val="accent1"/>
+          </a:fillRef>
+          <a:effectRef idx="0">
+            <a:schemeClr val="accent1"/>
+          </a:effectRef>
+          <a:fontRef idx="minor">
+            <a:schemeClr val="tx1"/>
+          </a:fontRef>
+        </p:style>
+      </p:cxnSp>
+      <p:grpSp>
+        <p:nvGrpSpPr>
+          <p:cNvPr id="81" name="Gruppo 80"/>
+          <p:cNvGrpSpPr/>
+          <p:nvPr/>
+        </p:nvGrpSpPr>
+        <p:grpSpPr>
+          <a:xfrm>
+            <a:off x="3924815" y="3744802"/>
+            <a:ext cx="1017690" cy="1181816"/>
+            <a:chOff x="8938272" y="2780584"/>
+            <a:chExt cx="1415373" cy="1643634"/>
+          </a:xfrm>
+        </p:grpSpPr>
+        <p:sp>
+          <p:nvSpPr>
+            <p:cNvPr id="82" name="Scheda 81"/>
+            <p:cNvSpPr/>
+            <p:nvPr/>
+          </p:nvSpPr>
+          <p:spPr>
+            <a:xfrm flipH="1">
+              <a:off x="9217572" y="3048000"/>
+              <a:ext cx="1136073" cy="1376218"/>
+            </a:xfrm>
+            <a:prstGeom prst="flowChartPunchedCard">
+              <a:avLst/>
+            </a:prstGeom>
+            <a:solidFill>
+              <a:schemeClr val="bg1"/>
+            </a:solidFill>
+            <a:ln w="38100">
+              <a:solidFill>
+                <a:srgbClr val="7030A0"/>
+              </a:solidFill>
+            </a:ln>
+          </p:spPr>
+          <p:style>
+            <a:lnRef idx="2">
+              <a:schemeClr val="accent1">
+                <a:shade val="50000"/>
+              </a:schemeClr>
+            </a:lnRef>
+            <a:fillRef idx="1">
+              <a:schemeClr val="accent1"/>
+            </a:fillRef>
+            <a:effectRef idx="0">
+              <a:schemeClr val="accent1"/>
+            </a:effectRef>
+            <a:fontRef idx="minor">
+              <a:schemeClr val="lt1"/>
+            </a:fontRef>
+          </p:style>
+          <p:txBody>
+            <a:bodyPr rtlCol="0" anchor="ctr"/>
+            <a:lstStyle/>
+            <a:p>
+              <a:pPr algn="ctr"/>
+              <a:endParaRPr lang="en-US"/>
+            </a:p>
+          </p:txBody>
+        </p:sp>
+        <p:sp>
+          <p:nvSpPr>
+            <p:cNvPr id="83" name="Ovale 82"/>
+            <p:cNvSpPr/>
+            <p:nvPr/>
+          </p:nvSpPr>
+          <p:spPr>
+            <a:xfrm>
+              <a:off x="8971127" y="2804266"/>
+              <a:ext cx="492890" cy="492890"/>
+            </a:xfrm>
+            <a:prstGeom prst="ellipse">
+              <a:avLst/>
+            </a:prstGeom>
+            <a:solidFill>
+              <a:schemeClr val="bg1"/>
+            </a:solidFill>
+            <a:ln w="19050">
+              <a:solidFill>
+                <a:srgbClr val="7030A0"/>
+              </a:solidFill>
+            </a:ln>
+          </p:spPr>
+          <p:style>
+            <a:lnRef idx="2">
+              <a:schemeClr val="accent1">
+                <a:shade val="50000"/>
+              </a:schemeClr>
+            </a:lnRef>
+            <a:fillRef idx="1">
+              <a:schemeClr val="accent1"/>
+            </a:fillRef>
+            <a:effectRef idx="0">
+              <a:schemeClr val="accent1"/>
+            </a:effectRef>
+            <a:fontRef idx="minor">
+              <a:schemeClr val="lt1"/>
+            </a:fontRef>
+          </p:style>
+          <p:txBody>
+            <a:bodyPr rtlCol="0" anchor="ctr"/>
+            <a:lstStyle/>
+            <a:p>
+              <a:pPr algn="ctr"/>
+              <a:endParaRPr lang="en-US">
+                <a:ln>
+                  <a:solidFill>
+                    <a:srgbClr val="7030A0"/>
+                  </a:solidFill>
+                </a:ln>
+                <a:solidFill>
+                  <a:srgbClr val="7030A0"/>
+                </a:solidFill>
+              </a:endParaRPr>
+            </a:p>
+          </p:txBody>
+        </p:sp>
+        <p:grpSp>
+          <p:nvGrpSpPr>
+            <p:cNvPr id="84" name="Gruppo 83"/>
+            <p:cNvGrpSpPr/>
+            <p:nvPr/>
+          </p:nvGrpSpPr>
+          <p:grpSpPr>
+            <a:xfrm>
+              <a:off x="8938272" y="2780584"/>
+              <a:ext cx="558600" cy="558600"/>
+              <a:chOff x="6249180" y="5105874"/>
+              <a:chExt cx="394507" cy="394507"/>
+            </a:xfrm>
+          </p:grpSpPr>
+          <p:sp>
+            <p:nvSpPr>
+              <p:cNvPr id="85" name="Ovale 84"/>
+              <p:cNvSpPr/>
+              <p:nvPr/>
+            </p:nvSpPr>
+            <p:spPr>
+              <a:xfrm>
+                <a:off x="6249180" y="5105874"/>
+                <a:ext cx="394507" cy="394507"/>
+              </a:xfrm>
+              <a:prstGeom prst="ellipse">
+                <a:avLst/>
+              </a:prstGeom>
+              <a:solidFill>
+                <a:schemeClr val="bg1"/>
+              </a:solidFill>
+              <a:ln w="19050">
+                <a:solidFill>
+                  <a:srgbClr val="7030A0"/>
+                </a:solidFill>
+              </a:ln>
+            </p:spPr>
+            <p:style>
+              <a:lnRef idx="2">
+                <a:schemeClr val="accent1">
+                  <a:shade val="50000"/>
+                </a:schemeClr>
+              </a:lnRef>
+              <a:fillRef idx="1">
+                <a:schemeClr val="accent1"/>
+              </a:fillRef>
+              <a:effectRef idx="0">
+                <a:schemeClr val="accent1"/>
+              </a:effectRef>
+              <a:fontRef idx="minor">
+                <a:schemeClr val="lt1"/>
+              </a:fontRef>
+            </p:style>
+            <p:txBody>
+              <a:bodyPr rtlCol="0" anchor="ctr"/>
+              <a:lstStyle/>
+              <a:p>
+                <a:pPr algn="ctr"/>
+                <a:endParaRPr lang="en-US">
+                  <a:ln>
+                    <a:solidFill>
+                      <a:srgbClr val="7030A0"/>
+                    </a:solidFill>
+                  </a:ln>
+                  <a:solidFill>
+                    <a:schemeClr val="bg1"/>
+                  </a:solidFill>
+                </a:endParaRPr>
+              </a:p>
+            </p:txBody>
+          </p:sp>
+          <p:grpSp>
+            <p:nvGrpSpPr>
+              <p:cNvPr id="86" name="Gruppo 85"/>
+              <p:cNvGrpSpPr/>
+              <p:nvPr/>
+            </p:nvGrpSpPr>
+            <p:grpSpPr>
+              <a:xfrm>
+                <a:off x="6283538" y="5140232"/>
+                <a:ext cx="325790" cy="325790"/>
+                <a:chOff x="3647530" y="2818173"/>
+                <a:chExt cx="511901" cy="511901"/>
+              </a:xfrm>
+            </p:grpSpPr>
+            <p:sp>
+              <p:nvSpPr>
+                <p:cNvPr id="87" name="Ovale 86"/>
+                <p:cNvSpPr/>
+                <p:nvPr/>
+              </p:nvSpPr>
+              <p:spPr>
+                <a:xfrm>
+                  <a:off x="3647530" y="2818173"/>
+                  <a:ext cx="511901" cy="511901"/>
+                </a:xfrm>
+                <a:prstGeom prst="ellipse">
+                  <a:avLst/>
+                </a:prstGeom>
+                <a:solidFill>
+                  <a:schemeClr val="bg1"/>
+                </a:solidFill>
+                <a:ln w="19050">
+                  <a:solidFill>
+                    <a:srgbClr val="7030A0"/>
+                  </a:solidFill>
+                </a:ln>
+              </p:spPr>
+              <p:style>
+                <a:lnRef idx="2">
+                  <a:schemeClr val="accent1">
+                    <a:shade val="50000"/>
+                  </a:schemeClr>
+                </a:lnRef>
+                <a:fillRef idx="1">
+                  <a:schemeClr val="accent1"/>
+                </a:fillRef>
+                <a:effectRef idx="0">
+                  <a:schemeClr val="accent1"/>
+                </a:effectRef>
+                <a:fontRef idx="minor">
+                  <a:schemeClr val="lt1"/>
+                </a:fontRef>
+              </p:style>
+              <p:txBody>
+                <a:bodyPr rtlCol="0" anchor="ctr"/>
+                <a:lstStyle/>
+                <a:p>
+                  <a:pPr algn="ctr"/>
+                  <a:endParaRPr lang="en-US">
+                    <a:ln>
+                      <a:solidFill>
+                        <a:srgbClr val="7030A0"/>
+                      </a:solidFill>
+                    </a:ln>
+                    <a:solidFill>
+                      <a:schemeClr val="bg1"/>
+                    </a:solidFill>
+                  </a:endParaRPr>
+                </a:p>
+              </p:txBody>
+            </p:sp>
+            <p:cxnSp>
+              <p:nvCxnSpPr>
+                <p:cNvPr id="88" name="Connettore 1 111"/>
+                <p:cNvCxnSpPr/>
+                <p:nvPr/>
+              </p:nvCxnSpPr>
+              <p:spPr>
+                <a:xfrm>
+                  <a:off x="3722495" y="2971721"/>
+                  <a:ext cx="361969" cy="0"/>
+                </a:xfrm>
+                <a:prstGeom prst="line">
+                  <a:avLst/>
+                </a:prstGeom>
+                <a:ln w="28575">
+                  <a:solidFill>
+                    <a:srgbClr val="7030A0"/>
+                  </a:solidFill>
+                </a:ln>
+              </p:spPr>
+              <p:style>
+                <a:lnRef idx="1">
+                  <a:schemeClr val="accent1"/>
+                </a:lnRef>
+                <a:fillRef idx="0">
+                  <a:schemeClr val="accent1"/>
+                </a:fillRef>
+                <a:effectRef idx="0">
+                  <a:schemeClr val="accent1"/>
+                </a:effectRef>
+                <a:fontRef idx="minor">
+                  <a:schemeClr val="tx1"/>
+                </a:fontRef>
+              </p:style>
+            </p:cxnSp>
+            <p:cxnSp>
+              <p:nvCxnSpPr>
+                <p:cNvPr id="89" name="Connettore 1 112"/>
+                <p:cNvCxnSpPr/>
+                <p:nvPr/>
+              </p:nvCxnSpPr>
+              <p:spPr>
+                <a:xfrm>
+                  <a:off x="3722494" y="3076425"/>
+                  <a:ext cx="361969" cy="0"/>
+                </a:xfrm>
+                <a:prstGeom prst="line">
+                  <a:avLst/>
+                </a:prstGeom>
+                <a:ln w="28575">
+                  <a:solidFill>
+                    <a:srgbClr val="7030A0"/>
+                  </a:solidFill>
+                </a:ln>
+              </p:spPr>
+              <p:style>
+                <a:lnRef idx="1">
+                  <a:schemeClr val="accent1"/>
+                </a:lnRef>
+                <a:fillRef idx="0">
+                  <a:schemeClr val="accent1"/>
+                </a:fillRef>
+                <a:effectRef idx="0">
+                  <a:schemeClr val="accent1"/>
+                </a:effectRef>
+                <a:fontRef idx="minor">
+                  <a:schemeClr val="tx1"/>
+                </a:fontRef>
+              </p:style>
+            </p:cxnSp>
+            <p:cxnSp>
+              <p:nvCxnSpPr>
+                <p:cNvPr id="90" name="Connettore 1 113"/>
+                <p:cNvCxnSpPr/>
+                <p:nvPr/>
+              </p:nvCxnSpPr>
+              <p:spPr>
+                <a:xfrm>
+                  <a:off x="3722494" y="3186033"/>
+                  <a:ext cx="361969" cy="0"/>
+                </a:xfrm>
+                <a:prstGeom prst="line">
+                  <a:avLst/>
+                </a:prstGeom>
+                <a:ln w="28575">
+                  <a:solidFill>
+                    <a:srgbClr val="7030A0"/>
+                  </a:solidFill>
+                </a:ln>
+              </p:spPr>
+              <p:style>
+                <a:lnRef idx="1">
+                  <a:schemeClr val="accent1"/>
+                </a:lnRef>
+                <a:fillRef idx="0">
+                  <a:schemeClr val="accent1"/>
+                </a:fillRef>
+                <a:effectRef idx="0">
+                  <a:schemeClr val="accent1"/>
+                </a:effectRef>
+                <a:fontRef idx="minor">
+                  <a:schemeClr val="tx1"/>
+                </a:fontRef>
+              </p:style>
+            </p:cxnSp>
+          </p:grpSp>
+        </p:grpSp>
+      </p:grpSp>
+      <p:sp>
+        <p:nvSpPr>
+          <p:cNvPr id="91" name="Rettangolo 90"/>
+          <p:cNvSpPr/>
+          <p:nvPr/>
+        </p:nvSpPr>
+        <p:spPr>
+          <a:xfrm rot="16200000">
+            <a:off x="5381612" y="4351676"/>
+            <a:ext cx="447317" cy="177013"/>
+          </a:xfrm>
+          <a:prstGeom prst="rect">
+            <a:avLst/>
+          </a:prstGeom>
+          <a:gradFill flip="none" rotWithShape="1">
+            <a:gsLst>
+              <a:gs pos="13000">
+                <a:srgbClr val="7030A0"/>
+              </a:gs>
+              <a:gs pos="88000">
+                <a:srgbClr val="7030A0">
+                  <a:tint val="44500"/>
+                  <a:satMod val="160000"/>
+                </a:srgbClr>
+              </a:gs>
+              <a:gs pos="100000">
+                <a:srgbClr val="7030A0">
+                  <a:tint val="23500"/>
+                  <a:satMod val="160000"/>
+                </a:srgbClr>
+              </a:gs>
+            </a:gsLst>
+            <a:lin ang="5400000" scaled="1"/>
+            <a:tileRect/>
+          </a:gradFill>
+          <a:ln w="12700">
+            <a:solidFill>
+              <a:srgbClr val="7030A0"/>
+            </a:solidFill>
+          </a:ln>
+        </p:spPr>
+        <p:style>
+          <a:lnRef idx="2">
+            <a:schemeClr val="accent1">
+              <a:shade val="50000"/>
+            </a:schemeClr>
+          </a:lnRef>
+          <a:fillRef idx="1">
+            <a:schemeClr val="accent1"/>
+          </a:fillRef>
+          <a:effectRef idx="0">
+            <a:schemeClr val="accent1"/>
+          </a:effectRef>
+          <a:fontRef idx="minor">
+            <a:schemeClr val="lt1"/>
+          </a:fontRef>
+        </p:style>
+        <p:txBody>
+          <a:bodyPr rtlCol="0" anchor="ctr"/>
+          <a:lstStyle/>
+          <a:p>
+            <a:pPr algn="ctr"/>
+            <a:endParaRPr lang="en-US"/>
+          </a:p>
+        </p:txBody>
+      </p:sp>
+      <p:cxnSp>
+        <p:nvCxnSpPr>
+          <p:cNvPr id="92" name="Connettore 2 91"/>
+          <p:cNvCxnSpPr>
+            <a:stCxn id="91" idx="0"/>
+            <a:endCxn id="82" idx="1"/>
+          </p:cNvCxnSpPr>
+          <p:nvPr/>
+        </p:nvCxnSpPr>
+        <p:spPr>
+          <a:xfrm flipH="1" flipV="1">
+            <a:off x="4942505" y="4431850"/>
+            <a:ext cx="574259" cy="8332"/>
+          </a:xfrm>
+          <a:prstGeom prst="straightConnector1">
+            <a:avLst/>
+          </a:prstGeom>
+          <a:ln w="28575">
+            <a:solidFill>
+              <a:srgbClr val="7030A0"/>
+            </a:solidFill>
+            <a:headEnd type="triangle" w="med" len="med"/>
+            <a:tailEnd type="triangle" w="med" len="med"/>
+          </a:ln>
+        </p:spPr>
+        <p:style>
+          <a:lnRef idx="1">
+            <a:schemeClr val="accent1"/>
+          </a:lnRef>
+          <a:fillRef idx="0">
+            <a:schemeClr val="accent1"/>
+          </a:fillRef>
+          <a:effectRef idx="0">
+            <a:schemeClr val="accent1"/>
+          </a:effectRef>
+          <a:fontRef idx="minor">
+            <a:schemeClr val="tx1"/>
+          </a:fontRef>
+        </p:style>
+      </p:cxnSp>
+      <p:cxnSp>
+        <p:nvCxnSpPr>
+          <p:cNvPr id="95" name="Connettore 2 94"/>
+          <p:cNvCxnSpPr>
+            <a:stCxn id="82" idx="3"/>
+            <a:endCxn id="26" idx="3"/>
+          </p:cNvCxnSpPr>
+          <p:nvPr/>
+        </p:nvCxnSpPr>
+        <p:spPr>
+          <a:xfrm flipH="1">
+            <a:off x="3445187" y="4431850"/>
+            <a:ext cx="680452" cy="8333"/>
+          </a:xfrm>
+          <a:prstGeom prst="straightConnector1">
+            <a:avLst/>
+          </a:prstGeom>
+          <a:ln w="63500" cmpd="dbl">
+            <a:solidFill>
+              <a:srgbClr val="7030A0"/>
+            </a:solidFill>
+            <a:tailEnd type="triangle"/>
+          </a:ln>
+        </p:spPr>
+        <p:style>
+          <a:lnRef idx="1">
+            <a:schemeClr val="accent1"/>
+          </a:lnRef>
+          <a:fillRef idx="0">
+            <a:schemeClr val="accent1"/>
+          </a:fillRef>
+          <a:effectRef idx="0">
+            <a:schemeClr val="accent1"/>
+          </a:effectRef>
+          <a:fontRef idx="minor">
+            <a:schemeClr val="tx1"/>
+          </a:fontRef>
+        </p:style>
+      </p:cxnSp>
+      <p:sp>
+        <p:nvSpPr>
+          <p:cNvPr id="98" name="CasellaDiTesto 97"/>
+          <p:cNvSpPr txBox="1"/>
+          <p:nvPr/>
+        </p:nvSpPr>
+        <p:spPr>
+          <a:xfrm>
+            <a:off x="3528788" y="4094621"/>
+            <a:ext cx="588974" cy="292388"/>
+          </a:xfrm>
+          <a:prstGeom prst="rect">
+            <a:avLst/>
+          </a:prstGeom>
+          <a:noFill/>
+        </p:spPr>
+        <p:txBody>
+          <a:bodyPr wrap="square" rtlCol="0">
+            <a:spAutoFit/>
+          </a:bodyPr>
+          <a:lstStyle/>
+          <a:p>
+            <a:r>
+              <a:rPr lang="it-IT" sz="1300" dirty="0" smtClean="0"/>
+              <a:t>I+GT</a:t>
+            </a:r>
+            <a:endParaRPr lang="it-IT" sz="1300" dirty="0"/>
+          </a:p>
+        </p:txBody>
+      </p:sp>
+      <p:sp>
+        <p:nvSpPr>
+          <p:cNvPr id="99" name="CasellaDiTesto 98"/>
+          <p:cNvSpPr txBox="1"/>
+          <p:nvPr/>
+        </p:nvSpPr>
+        <p:spPr>
+          <a:xfrm>
+            <a:off x="3648838" y="3476079"/>
+            <a:ext cx="1762010" cy="292388"/>
+          </a:xfrm>
+          <a:prstGeom prst="rect">
+            <a:avLst/>
+          </a:prstGeom>
+          <a:noFill/>
+        </p:spPr>
+        <p:txBody>
+          <a:bodyPr wrap="square" rtlCol="0">
+            <a:spAutoFit/>
+          </a:bodyPr>
+          <a:lstStyle/>
+          <a:p>
+            <a:r>
+              <a:rPr lang="it-IT" sz="1300" dirty="0" smtClean="0"/>
+              <a:t>For Device(s)_1 [1,30]</a:t>
+            </a:r>
+            <a:endParaRPr lang="it-IT" sz="1300" dirty="0"/>
+          </a:p>
+        </p:txBody>
+      </p:sp>
+      <p:sp>
+        <p:nvSpPr>
+          <p:cNvPr id="100" name="Scheda 99"/>
+          <p:cNvSpPr/>
+          <p:nvPr/>
+        </p:nvSpPr>
+        <p:spPr>
+          <a:xfrm flipH="1">
+            <a:off x="10344107" y="4001897"/>
+            <a:ext cx="812249" cy="946392"/>
+          </a:xfrm>
+          <a:prstGeom prst="flowChartPunchedCard">
+            <a:avLst/>
+          </a:prstGeom>
+          <a:solidFill>
+            <a:schemeClr val="bg1"/>
+          </a:solidFill>
+          <a:ln w="38100">
+            <a:solidFill>
+              <a:srgbClr val="7030A0"/>
+            </a:solidFill>
+          </a:ln>
+        </p:spPr>
+        <p:style>
+          <a:lnRef idx="2">
+            <a:schemeClr val="accent1">
+              <a:shade val="50000"/>
+            </a:schemeClr>
+          </a:lnRef>
+          <a:fillRef idx="1">
+            <a:schemeClr val="accent1"/>
+          </a:fillRef>
+          <a:effectRef idx="0">
+            <a:schemeClr val="accent1"/>
+          </a:effectRef>
+          <a:fontRef idx="minor">
+            <a:schemeClr val="lt1"/>
+          </a:fontRef>
+        </p:style>
+        <p:txBody>
+          <a:bodyPr rtlCol="0" anchor="ctr"/>
+          <a:lstStyle/>
+          <a:p>
+            <a:pPr algn="ctr"/>
+            <a:r>
+              <a:rPr lang="en-US" sz="1300" dirty="0" smtClean="0">
+                <a:solidFill>
+                  <a:schemeClr val="tx1"/>
+                </a:solidFill>
+              </a:rPr>
+              <a:t>Characteristics</a:t>
+            </a:r>
+            <a:endParaRPr lang="en-US" sz="1300" dirty="0">
+              <a:solidFill>
+                <a:schemeClr val="tx1"/>
+              </a:solidFill>
+            </a:endParaRPr>
+          </a:p>
+        </p:txBody>
+      </p:sp>
+      <p:grpSp>
+        <p:nvGrpSpPr>
+          <p:cNvPr id="111" name="Gruppo 110"/>
+          <p:cNvGrpSpPr/>
+          <p:nvPr/>
+        </p:nvGrpSpPr>
+        <p:grpSpPr>
+          <a:xfrm>
+            <a:off x="8456517" y="4576617"/>
+            <a:ext cx="973182" cy="1130130"/>
+            <a:chOff x="8938272" y="2780584"/>
+            <a:chExt cx="1415373" cy="1643634"/>
+          </a:xfrm>
+        </p:grpSpPr>
+        <p:sp>
+          <p:nvSpPr>
+            <p:cNvPr id="112" name="Scheda 111"/>
+            <p:cNvSpPr/>
+            <p:nvPr/>
+          </p:nvSpPr>
+          <p:spPr>
+            <a:xfrm flipH="1">
+              <a:off x="9217572" y="3048000"/>
+              <a:ext cx="1136073" cy="1376218"/>
+            </a:xfrm>
+            <a:prstGeom prst="flowChartPunchedCard">
+              <a:avLst/>
+            </a:prstGeom>
+            <a:solidFill>
+              <a:schemeClr val="bg1"/>
+            </a:solidFill>
+            <a:ln w="38100">
+              <a:solidFill>
+                <a:srgbClr val="7030A0"/>
+              </a:solidFill>
+            </a:ln>
+          </p:spPr>
+          <p:style>
+            <a:lnRef idx="2">
+              <a:schemeClr val="accent1">
+                <a:shade val="50000"/>
+              </a:schemeClr>
+            </a:lnRef>
+            <a:fillRef idx="1">
+              <a:schemeClr val="accent1"/>
+            </a:fillRef>
+            <a:effectRef idx="0">
+              <a:schemeClr val="accent1"/>
+            </a:effectRef>
+            <a:fontRef idx="minor">
+              <a:schemeClr val="lt1"/>
+            </a:fontRef>
+          </p:style>
+          <p:txBody>
+            <a:bodyPr rtlCol="0" anchor="ctr"/>
+            <a:lstStyle/>
+            <a:p>
+              <a:pPr algn="ctr"/>
+              <a:endParaRPr lang="en-US"/>
+            </a:p>
+          </p:txBody>
+        </p:sp>
+        <p:sp>
+          <p:nvSpPr>
+            <p:cNvPr id="113" name="Ovale 112"/>
+            <p:cNvSpPr/>
+            <p:nvPr/>
+          </p:nvSpPr>
+          <p:spPr>
+            <a:xfrm>
+              <a:off x="8971127" y="2804266"/>
+              <a:ext cx="492890" cy="492890"/>
+            </a:xfrm>
+            <a:prstGeom prst="ellipse">
+              <a:avLst/>
+            </a:prstGeom>
+            <a:solidFill>
+              <a:schemeClr val="bg1"/>
+            </a:solidFill>
+            <a:ln w="19050">
+              <a:solidFill>
+                <a:srgbClr val="7030A0"/>
+              </a:solidFill>
+            </a:ln>
+          </p:spPr>
+          <p:style>
+            <a:lnRef idx="2">
+              <a:schemeClr val="accent1">
+                <a:shade val="50000"/>
+              </a:schemeClr>
+            </a:lnRef>
+            <a:fillRef idx="1">
+              <a:schemeClr val="accent1"/>
+            </a:fillRef>
+            <a:effectRef idx="0">
+              <a:schemeClr val="accent1"/>
+            </a:effectRef>
+            <a:fontRef idx="minor">
+              <a:schemeClr val="lt1"/>
+            </a:fontRef>
+          </p:style>
+          <p:txBody>
+            <a:bodyPr rtlCol="0" anchor="ctr"/>
+            <a:lstStyle/>
+            <a:p>
+              <a:pPr algn="ctr"/>
+              <a:endParaRPr lang="en-US">
+                <a:ln>
+                  <a:solidFill>
+                    <a:srgbClr val="7030A0"/>
+                  </a:solidFill>
+                </a:ln>
+                <a:solidFill>
+                  <a:srgbClr val="7030A0"/>
+                </a:solidFill>
+              </a:endParaRPr>
+            </a:p>
+          </p:txBody>
+        </p:sp>
+        <p:grpSp>
+          <p:nvGrpSpPr>
+            <p:cNvPr id="114" name="Gruppo 113"/>
+            <p:cNvGrpSpPr/>
+            <p:nvPr/>
+          </p:nvGrpSpPr>
+          <p:grpSpPr>
+            <a:xfrm>
+              <a:off x="8938272" y="2780584"/>
+              <a:ext cx="558600" cy="558600"/>
+              <a:chOff x="6249180" y="5105874"/>
+              <a:chExt cx="394507" cy="394507"/>
+            </a:xfrm>
+          </p:grpSpPr>
+          <p:sp>
+            <p:nvSpPr>
+              <p:cNvPr id="115" name="Ovale 114"/>
+              <p:cNvSpPr/>
+              <p:nvPr/>
+            </p:nvSpPr>
+            <p:spPr>
+              <a:xfrm>
+                <a:off x="6249180" y="5105874"/>
+                <a:ext cx="394507" cy="394507"/>
+              </a:xfrm>
+              <a:prstGeom prst="ellipse">
+                <a:avLst/>
+              </a:prstGeom>
+              <a:solidFill>
+                <a:schemeClr val="bg1"/>
+              </a:solidFill>
+              <a:ln w="19050">
+                <a:solidFill>
+                  <a:srgbClr val="7030A0"/>
+                </a:solidFill>
+              </a:ln>
+            </p:spPr>
+            <p:style>
+              <a:lnRef idx="2">
+                <a:schemeClr val="accent1">
+                  <a:shade val="50000"/>
+                </a:schemeClr>
+              </a:lnRef>
+              <a:fillRef idx="1">
+                <a:schemeClr val="accent1"/>
+              </a:fillRef>
+              <a:effectRef idx="0">
+                <a:schemeClr val="accent1"/>
+              </a:effectRef>
+              <a:fontRef idx="minor">
+                <a:schemeClr val="lt1"/>
+              </a:fontRef>
+            </p:style>
+            <p:txBody>
+              <a:bodyPr rtlCol="0" anchor="ctr"/>
+              <a:lstStyle/>
+              <a:p>
+                <a:pPr algn="ctr"/>
+                <a:endParaRPr lang="en-US">
+                  <a:ln>
+                    <a:solidFill>
+                      <a:srgbClr val="7030A0"/>
+                    </a:solidFill>
+                  </a:ln>
+                  <a:solidFill>
+                    <a:schemeClr val="bg1"/>
+                  </a:solidFill>
+                </a:endParaRPr>
+              </a:p>
+            </p:txBody>
+          </p:sp>
+          <p:grpSp>
+            <p:nvGrpSpPr>
+              <p:cNvPr id="116" name="Gruppo 115"/>
+              <p:cNvGrpSpPr/>
+              <p:nvPr/>
+            </p:nvGrpSpPr>
+            <p:grpSpPr>
+              <a:xfrm>
+                <a:off x="6283538" y="5140232"/>
+                <a:ext cx="325790" cy="325790"/>
+                <a:chOff x="3647530" y="2818173"/>
+                <a:chExt cx="511901" cy="511901"/>
+              </a:xfrm>
+            </p:grpSpPr>
+            <p:sp>
+              <p:nvSpPr>
+                <p:cNvPr id="117" name="Ovale 116"/>
+                <p:cNvSpPr/>
+                <p:nvPr/>
+              </p:nvSpPr>
+              <p:spPr>
+                <a:xfrm>
+                  <a:off x="3647530" y="2818173"/>
+                  <a:ext cx="511901" cy="511901"/>
+                </a:xfrm>
+                <a:prstGeom prst="ellipse">
+                  <a:avLst/>
+                </a:prstGeom>
+                <a:solidFill>
+                  <a:schemeClr val="bg1"/>
+                </a:solidFill>
+                <a:ln w="19050">
+                  <a:solidFill>
+                    <a:srgbClr val="7030A0"/>
+                  </a:solidFill>
+                </a:ln>
+              </p:spPr>
+              <p:style>
+                <a:lnRef idx="2">
+                  <a:schemeClr val="accent1">
+                    <a:shade val="50000"/>
+                  </a:schemeClr>
+                </a:lnRef>
+                <a:fillRef idx="1">
+                  <a:schemeClr val="accent1"/>
+                </a:fillRef>
+                <a:effectRef idx="0">
+                  <a:schemeClr val="accent1"/>
+                </a:effectRef>
+                <a:fontRef idx="minor">
+                  <a:schemeClr val="lt1"/>
+                </a:fontRef>
+              </p:style>
+              <p:txBody>
+                <a:bodyPr rtlCol="0" anchor="ctr"/>
+                <a:lstStyle/>
+                <a:p>
+                  <a:pPr algn="ctr"/>
+                  <a:endParaRPr lang="en-US">
+                    <a:ln>
+                      <a:solidFill>
+                        <a:srgbClr val="7030A0"/>
+                      </a:solidFill>
+                    </a:ln>
+                    <a:solidFill>
+                      <a:schemeClr val="bg1"/>
+                    </a:solidFill>
+                  </a:endParaRPr>
+                </a:p>
+              </p:txBody>
+            </p:sp>
+            <p:cxnSp>
+              <p:nvCxnSpPr>
+                <p:cNvPr id="118" name="Connettore 1 111"/>
+                <p:cNvCxnSpPr/>
+                <p:nvPr/>
+              </p:nvCxnSpPr>
+              <p:spPr>
+                <a:xfrm>
+                  <a:off x="3722495" y="2971721"/>
+                  <a:ext cx="361969" cy="0"/>
+                </a:xfrm>
+                <a:prstGeom prst="line">
+                  <a:avLst/>
+                </a:prstGeom>
+                <a:ln w="28575">
+                  <a:solidFill>
+                    <a:srgbClr val="7030A0"/>
+                  </a:solidFill>
+                </a:ln>
+              </p:spPr>
+              <p:style>
+                <a:lnRef idx="1">
+                  <a:schemeClr val="accent1"/>
+                </a:lnRef>
+                <a:fillRef idx="0">
+                  <a:schemeClr val="accent1"/>
+                </a:fillRef>
+                <a:effectRef idx="0">
+                  <a:schemeClr val="accent1"/>
+                </a:effectRef>
+                <a:fontRef idx="minor">
+                  <a:schemeClr val="tx1"/>
+                </a:fontRef>
+              </p:style>
+            </p:cxnSp>
+            <p:cxnSp>
+              <p:nvCxnSpPr>
+                <p:cNvPr id="119" name="Connettore 1 112"/>
+                <p:cNvCxnSpPr/>
+                <p:nvPr/>
+              </p:nvCxnSpPr>
+              <p:spPr>
+                <a:xfrm>
+                  <a:off x="3722494" y="3076425"/>
+                  <a:ext cx="361969" cy="0"/>
+                </a:xfrm>
+                <a:prstGeom prst="line">
+                  <a:avLst/>
+                </a:prstGeom>
+                <a:ln w="28575">
+                  <a:solidFill>
+                    <a:srgbClr val="7030A0"/>
+                  </a:solidFill>
+                </a:ln>
+              </p:spPr>
+              <p:style>
+                <a:lnRef idx="1">
+                  <a:schemeClr val="accent1"/>
+                </a:lnRef>
+                <a:fillRef idx="0">
+                  <a:schemeClr val="accent1"/>
+                </a:fillRef>
+                <a:effectRef idx="0">
+                  <a:schemeClr val="accent1"/>
+                </a:effectRef>
+                <a:fontRef idx="minor">
+                  <a:schemeClr val="tx1"/>
+                </a:fontRef>
+              </p:style>
+            </p:cxnSp>
+            <p:cxnSp>
+              <p:nvCxnSpPr>
+                <p:cNvPr id="120" name="Connettore 1 113"/>
+                <p:cNvCxnSpPr/>
+                <p:nvPr/>
+              </p:nvCxnSpPr>
+              <p:spPr>
+                <a:xfrm>
+                  <a:off x="3722494" y="3186033"/>
+                  <a:ext cx="361969" cy="0"/>
+                </a:xfrm>
+                <a:prstGeom prst="line">
+                  <a:avLst/>
+                </a:prstGeom>
+                <a:ln w="28575">
+                  <a:solidFill>
+                    <a:srgbClr val="7030A0"/>
+                  </a:solidFill>
+                </a:ln>
+              </p:spPr>
+              <p:style>
+                <a:lnRef idx="1">
+                  <a:schemeClr val="accent1"/>
+                </a:lnRef>
+                <a:fillRef idx="0">
+                  <a:schemeClr val="accent1"/>
+                </a:fillRef>
+                <a:effectRef idx="0">
+                  <a:schemeClr val="accent1"/>
+                </a:effectRef>
+                <a:fontRef idx="minor">
+                  <a:schemeClr val="tx1"/>
+                </a:fontRef>
+              </p:style>
+            </p:cxnSp>
+          </p:grpSp>
+        </p:grpSp>
+      </p:grpSp>
+      <p:grpSp>
+        <p:nvGrpSpPr>
+          <p:cNvPr id="121" name="Gruppo 120"/>
+          <p:cNvGrpSpPr/>
+          <p:nvPr/>
+        </p:nvGrpSpPr>
+        <p:grpSpPr>
+          <a:xfrm>
+            <a:off x="8456517" y="3283575"/>
+            <a:ext cx="973182" cy="1130130"/>
+            <a:chOff x="8938272" y="2780584"/>
+            <a:chExt cx="1415373" cy="1643634"/>
+          </a:xfrm>
+        </p:grpSpPr>
+        <p:sp>
+          <p:nvSpPr>
+            <p:cNvPr id="122" name="Scheda 121"/>
+            <p:cNvSpPr/>
+            <p:nvPr/>
+          </p:nvSpPr>
+          <p:spPr>
+            <a:xfrm flipH="1">
+              <a:off x="9217572" y="3048000"/>
+              <a:ext cx="1136073" cy="1376218"/>
+            </a:xfrm>
+            <a:prstGeom prst="flowChartPunchedCard">
+              <a:avLst/>
+            </a:prstGeom>
+            <a:solidFill>
+              <a:schemeClr val="bg1"/>
+            </a:solidFill>
+            <a:ln w="38100">
+              <a:solidFill>
+                <a:srgbClr val="7030A0"/>
+              </a:solidFill>
+            </a:ln>
+          </p:spPr>
+          <p:style>
+            <a:lnRef idx="2">
+              <a:schemeClr val="accent1">
+                <a:shade val="50000"/>
+              </a:schemeClr>
+            </a:lnRef>
+            <a:fillRef idx="1">
+              <a:schemeClr val="accent1"/>
+            </a:fillRef>
+            <a:effectRef idx="0">
+              <a:schemeClr val="accent1"/>
+            </a:effectRef>
+            <a:fontRef idx="minor">
+              <a:schemeClr val="lt1"/>
+            </a:fontRef>
+          </p:style>
+          <p:txBody>
+            <a:bodyPr rtlCol="0" anchor="ctr"/>
+            <a:lstStyle/>
+            <a:p>
+              <a:pPr algn="ctr"/>
+              <a:endParaRPr lang="en-US"/>
+            </a:p>
+          </p:txBody>
+        </p:sp>
+        <p:sp>
+          <p:nvSpPr>
+            <p:cNvPr id="123" name="Ovale 122"/>
+            <p:cNvSpPr/>
+            <p:nvPr/>
+          </p:nvSpPr>
+          <p:spPr>
+            <a:xfrm>
+              <a:off x="8971127" y="2804266"/>
+              <a:ext cx="492890" cy="492890"/>
+            </a:xfrm>
+            <a:prstGeom prst="ellipse">
+              <a:avLst/>
+            </a:prstGeom>
+            <a:solidFill>
+              <a:schemeClr val="bg1"/>
+            </a:solidFill>
+            <a:ln w="19050">
+              <a:solidFill>
+                <a:srgbClr val="7030A0"/>
+              </a:solidFill>
+            </a:ln>
+          </p:spPr>
+          <p:style>
+            <a:lnRef idx="2">
+              <a:schemeClr val="accent1">
+                <a:shade val="50000"/>
+              </a:schemeClr>
+            </a:lnRef>
+            <a:fillRef idx="1">
+              <a:schemeClr val="accent1"/>
+            </a:fillRef>
+            <a:effectRef idx="0">
+              <a:schemeClr val="accent1"/>
+            </a:effectRef>
+            <a:fontRef idx="minor">
+              <a:schemeClr val="lt1"/>
+            </a:fontRef>
+          </p:style>
+          <p:txBody>
+            <a:bodyPr rtlCol="0" anchor="ctr"/>
+            <a:lstStyle/>
+            <a:p>
+              <a:pPr algn="ctr"/>
+              <a:endParaRPr lang="en-US">
+                <a:ln>
+                  <a:solidFill>
+                    <a:srgbClr val="7030A0"/>
+                  </a:solidFill>
+                </a:ln>
+                <a:solidFill>
+                  <a:srgbClr val="7030A0"/>
+                </a:solidFill>
+              </a:endParaRPr>
+            </a:p>
+          </p:txBody>
+        </p:sp>
+        <p:grpSp>
+          <p:nvGrpSpPr>
+            <p:cNvPr id="124" name="Gruppo 123"/>
+            <p:cNvGrpSpPr/>
+            <p:nvPr/>
+          </p:nvGrpSpPr>
+          <p:grpSpPr>
+            <a:xfrm>
+              <a:off x="8938272" y="2780584"/>
+              <a:ext cx="558600" cy="558600"/>
+              <a:chOff x="6249180" y="5105874"/>
+              <a:chExt cx="394507" cy="394507"/>
+            </a:xfrm>
+          </p:grpSpPr>
+          <p:sp>
+            <p:nvSpPr>
+              <p:cNvPr id="125" name="Ovale 124"/>
+              <p:cNvSpPr/>
+              <p:nvPr/>
+            </p:nvSpPr>
+            <p:spPr>
+              <a:xfrm>
+                <a:off x="6249180" y="5105874"/>
+                <a:ext cx="394507" cy="394507"/>
+              </a:xfrm>
+              <a:prstGeom prst="ellipse">
+                <a:avLst/>
+              </a:prstGeom>
+              <a:solidFill>
+                <a:schemeClr val="bg1"/>
+              </a:solidFill>
+              <a:ln w="19050">
+                <a:solidFill>
+                  <a:srgbClr val="7030A0"/>
+                </a:solidFill>
+              </a:ln>
+            </p:spPr>
+            <p:style>
+              <a:lnRef idx="2">
+                <a:schemeClr val="accent1">
+                  <a:shade val="50000"/>
+                </a:schemeClr>
+              </a:lnRef>
+              <a:fillRef idx="1">
+                <a:schemeClr val="accent1"/>
+              </a:fillRef>
+              <a:effectRef idx="0">
+                <a:schemeClr val="accent1"/>
+              </a:effectRef>
+              <a:fontRef idx="minor">
+                <a:schemeClr val="lt1"/>
+              </a:fontRef>
+            </p:style>
+            <p:txBody>
+              <a:bodyPr rtlCol="0" anchor="ctr"/>
+              <a:lstStyle/>
+              <a:p>
+                <a:pPr algn="ctr"/>
+                <a:endParaRPr lang="en-US">
+                  <a:ln>
+                    <a:solidFill>
+                      <a:srgbClr val="7030A0"/>
+                    </a:solidFill>
+                  </a:ln>
+                  <a:solidFill>
+                    <a:schemeClr val="bg1"/>
+                  </a:solidFill>
+                </a:endParaRPr>
+              </a:p>
+            </p:txBody>
+          </p:sp>
+          <p:grpSp>
+            <p:nvGrpSpPr>
+              <p:cNvPr id="126" name="Gruppo 125"/>
+              <p:cNvGrpSpPr/>
+              <p:nvPr/>
+            </p:nvGrpSpPr>
+            <p:grpSpPr>
+              <a:xfrm>
+                <a:off x="6283538" y="5140232"/>
+                <a:ext cx="325790" cy="325790"/>
+                <a:chOff x="3647530" y="2818173"/>
+                <a:chExt cx="511901" cy="511901"/>
+              </a:xfrm>
+            </p:grpSpPr>
+            <p:sp>
+              <p:nvSpPr>
+                <p:cNvPr id="127" name="Ovale 126"/>
+                <p:cNvSpPr/>
+                <p:nvPr/>
+              </p:nvSpPr>
+              <p:spPr>
+                <a:xfrm>
+                  <a:off x="3647530" y="2818173"/>
+                  <a:ext cx="511901" cy="511901"/>
+                </a:xfrm>
+                <a:prstGeom prst="ellipse">
+                  <a:avLst/>
+                </a:prstGeom>
+                <a:solidFill>
+                  <a:schemeClr val="bg1"/>
+                </a:solidFill>
+                <a:ln w="19050">
+                  <a:solidFill>
+                    <a:srgbClr val="7030A0"/>
+                  </a:solidFill>
+                </a:ln>
+              </p:spPr>
+              <p:style>
+                <a:lnRef idx="2">
+                  <a:schemeClr val="accent1">
+                    <a:shade val="50000"/>
+                  </a:schemeClr>
+                </a:lnRef>
+                <a:fillRef idx="1">
+                  <a:schemeClr val="accent1"/>
+                </a:fillRef>
+                <a:effectRef idx="0">
+                  <a:schemeClr val="accent1"/>
+                </a:effectRef>
+                <a:fontRef idx="minor">
+                  <a:schemeClr val="lt1"/>
+                </a:fontRef>
+              </p:style>
+              <p:txBody>
+                <a:bodyPr rtlCol="0" anchor="ctr"/>
+                <a:lstStyle/>
+                <a:p>
+                  <a:pPr algn="ctr"/>
+                  <a:endParaRPr lang="en-US">
+                    <a:ln>
+                      <a:solidFill>
+                        <a:srgbClr val="7030A0"/>
+                      </a:solidFill>
+                    </a:ln>
+                    <a:solidFill>
+                      <a:schemeClr val="bg1"/>
+                    </a:solidFill>
+                  </a:endParaRPr>
+                </a:p>
+              </p:txBody>
+            </p:sp>
+            <p:cxnSp>
+              <p:nvCxnSpPr>
+                <p:cNvPr id="128" name="Connettore 1 111"/>
+                <p:cNvCxnSpPr/>
+                <p:nvPr/>
+              </p:nvCxnSpPr>
+              <p:spPr>
+                <a:xfrm>
+                  <a:off x="3722495" y="2971721"/>
+                  <a:ext cx="361969" cy="0"/>
+                </a:xfrm>
+                <a:prstGeom prst="line">
+                  <a:avLst/>
+                </a:prstGeom>
+                <a:ln w="28575">
+                  <a:solidFill>
+                    <a:srgbClr val="7030A0"/>
+                  </a:solidFill>
+                </a:ln>
+              </p:spPr>
+              <p:style>
+                <a:lnRef idx="1">
+                  <a:schemeClr val="accent1"/>
+                </a:lnRef>
+                <a:fillRef idx="0">
+                  <a:schemeClr val="accent1"/>
+                </a:fillRef>
+                <a:effectRef idx="0">
+                  <a:schemeClr val="accent1"/>
+                </a:effectRef>
+                <a:fontRef idx="minor">
+                  <a:schemeClr val="tx1"/>
+                </a:fontRef>
+              </p:style>
+            </p:cxnSp>
+            <p:cxnSp>
+              <p:nvCxnSpPr>
+                <p:cNvPr id="129" name="Connettore 1 112"/>
+                <p:cNvCxnSpPr/>
+                <p:nvPr/>
+              </p:nvCxnSpPr>
+              <p:spPr>
+                <a:xfrm>
+                  <a:off x="3722494" y="3076425"/>
+                  <a:ext cx="361969" cy="0"/>
+                </a:xfrm>
+                <a:prstGeom prst="line">
+                  <a:avLst/>
+                </a:prstGeom>
+                <a:ln w="28575">
+                  <a:solidFill>
+                    <a:srgbClr val="7030A0"/>
+                  </a:solidFill>
+                </a:ln>
+              </p:spPr>
+              <p:style>
+                <a:lnRef idx="1">
+                  <a:schemeClr val="accent1"/>
+                </a:lnRef>
+                <a:fillRef idx="0">
+                  <a:schemeClr val="accent1"/>
+                </a:fillRef>
+                <a:effectRef idx="0">
+                  <a:schemeClr val="accent1"/>
+                </a:effectRef>
+                <a:fontRef idx="minor">
+                  <a:schemeClr val="tx1"/>
+                </a:fontRef>
+              </p:style>
+            </p:cxnSp>
+            <p:cxnSp>
+              <p:nvCxnSpPr>
+                <p:cNvPr id="130" name="Connettore 1 113"/>
+                <p:cNvCxnSpPr/>
+                <p:nvPr/>
+              </p:nvCxnSpPr>
+              <p:spPr>
+                <a:xfrm>
+                  <a:off x="3722494" y="3186033"/>
+                  <a:ext cx="361969" cy="0"/>
+                </a:xfrm>
+                <a:prstGeom prst="line">
+                  <a:avLst/>
+                </a:prstGeom>
+                <a:ln w="28575">
+                  <a:solidFill>
+                    <a:srgbClr val="7030A0"/>
+                  </a:solidFill>
+                </a:ln>
+              </p:spPr>
+              <p:style>
+                <a:lnRef idx="1">
+                  <a:schemeClr val="accent1"/>
+                </a:lnRef>
+                <a:fillRef idx="0">
+                  <a:schemeClr val="accent1"/>
+                </a:fillRef>
+                <a:effectRef idx="0">
+                  <a:schemeClr val="accent1"/>
+                </a:effectRef>
+                <a:fontRef idx="minor">
+                  <a:schemeClr val="tx1"/>
+                </a:fontRef>
+              </p:style>
+            </p:cxnSp>
+          </p:grpSp>
+        </p:grpSp>
+      </p:grpSp>
+      <p:cxnSp>
+        <p:nvCxnSpPr>
+          <p:cNvPr id="131" name="Connettore 2 130"/>
+          <p:cNvCxnSpPr>
+            <a:stCxn id="112" idx="1"/>
+          </p:cNvCxnSpPr>
+          <p:nvPr/>
+        </p:nvCxnSpPr>
+        <p:spPr>
+          <a:xfrm flipV="1">
+            <a:off x="9429699" y="5223164"/>
+            <a:ext cx="538666" cy="10453"/>
+          </a:xfrm>
+          <a:prstGeom prst="straightConnector1">
+            <a:avLst/>
+          </a:prstGeom>
+          <a:ln w="63500" cmpd="dbl">
+            <a:solidFill>
+              <a:srgbClr val="7030A0"/>
+            </a:solidFill>
+            <a:tailEnd type="triangle"/>
+          </a:ln>
+        </p:spPr>
+        <p:style>
+          <a:lnRef idx="1">
+            <a:schemeClr val="accent1"/>
+          </a:lnRef>
+          <a:fillRef idx="0">
+            <a:schemeClr val="accent1"/>
+          </a:fillRef>
+          <a:effectRef idx="0">
+            <a:schemeClr val="accent1"/>
+          </a:effectRef>
+          <a:fontRef idx="minor">
+            <a:schemeClr val="tx1"/>
+          </a:fontRef>
+        </p:style>
+      </p:cxnSp>
+      <p:sp>
+        <p:nvSpPr>
+          <p:cNvPr id="132" name="CasellaDiTesto 131"/>
+          <p:cNvSpPr txBox="1"/>
+          <p:nvPr/>
+        </p:nvSpPr>
+        <p:spPr>
+          <a:xfrm>
+            <a:off x="9447301" y="4867768"/>
+            <a:ext cx="588974" cy="292388"/>
+          </a:xfrm>
+          <a:prstGeom prst="rect">
+            <a:avLst/>
+          </a:prstGeom>
+          <a:noFill/>
+        </p:spPr>
+        <p:txBody>
+          <a:bodyPr wrap="square" rtlCol="0">
+            <a:spAutoFit/>
+          </a:bodyPr>
+          <a:lstStyle/>
+          <a:p>
+            <a:r>
+              <a:rPr lang="it-IT" sz="1300" dirty="0" smtClean="0"/>
+              <a:t>I+GT</a:t>
+            </a:r>
+            <a:endParaRPr lang="it-IT" sz="1300" dirty="0"/>
+          </a:p>
+        </p:txBody>
+      </p:sp>
+      <p:cxnSp>
+        <p:nvCxnSpPr>
+          <p:cNvPr id="133" name="Connettore 2 132"/>
+          <p:cNvCxnSpPr>
+            <a:stCxn id="122" idx="3"/>
+          </p:cNvCxnSpPr>
+          <p:nvPr/>
+        </p:nvCxnSpPr>
+        <p:spPr>
+          <a:xfrm flipH="1">
+            <a:off x="7922431" y="3940575"/>
+            <a:ext cx="726127" cy="4602"/>
+          </a:xfrm>
+          <a:prstGeom prst="straightConnector1">
+            <a:avLst/>
+          </a:prstGeom>
+          <a:ln w="63500" cmpd="dbl">
+            <a:solidFill>
+              <a:srgbClr val="7030A0"/>
+            </a:solidFill>
+            <a:tailEnd type="triangle"/>
+          </a:ln>
+        </p:spPr>
+        <p:style>
+          <a:lnRef idx="1">
+            <a:schemeClr val="accent1"/>
+          </a:lnRef>
+          <a:fillRef idx="0">
+            <a:schemeClr val="accent1"/>
+          </a:fillRef>
+          <a:effectRef idx="0">
+            <a:schemeClr val="accent1"/>
+          </a:effectRef>
+          <a:fontRef idx="minor">
+            <a:schemeClr val="tx1"/>
+          </a:fontRef>
+        </p:style>
+      </p:cxnSp>
+      <p:sp>
+        <p:nvSpPr>
+          <p:cNvPr id="139" name="CasellaDiTesto 138"/>
+          <p:cNvSpPr txBox="1"/>
+          <p:nvPr/>
+        </p:nvSpPr>
+        <p:spPr>
+          <a:xfrm>
+            <a:off x="8088790" y="3640031"/>
+            <a:ext cx="588974" cy="292388"/>
+          </a:xfrm>
+          <a:prstGeom prst="rect">
+            <a:avLst/>
+          </a:prstGeom>
+          <a:noFill/>
+        </p:spPr>
+        <p:txBody>
+          <a:bodyPr wrap="square" rtlCol="0">
+            <a:spAutoFit/>
+          </a:bodyPr>
+          <a:lstStyle/>
+          <a:p>
+            <a:r>
+              <a:rPr lang="it-IT" sz="1300" dirty="0" smtClean="0"/>
+              <a:t>I+GT</a:t>
+            </a:r>
+            <a:endParaRPr lang="it-IT" sz="1300" dirty="0"/>
+          </a:p>
+        </p:txBody>
+      </p:sp>
+      <p:cxnSp>
+        <p:nvCxnSpPr>
+          <p:cNvPr id="140" name="Connettore 2 139"/>
+          <p:cNvCxnSpPr>
+            <a:stCxn id="36" idx="2"/>
+            <a:endCxn id="112" idx="3"/>
+          </p:cNvCxnSpPr>
+          <p:nvPr/>
+        </p:nvCxnSpPr>
+        <p:spPr>
+          <a:xfrm flipV="1">
+            <a:off x="8096933" y="5233617"/>
+            <a:ext cx="551625" cy="4003"/>
+          </a:xfrm>
+          <a:prstGeom prst="straightConnector1">
+            <a:avLst/>
+          </a:prstGeom>
+          <a:ln w="28575">
+            <a:solidFill>
+              <a:srgbClr val="7030A0"/>
+            </a:solidFill>
+            <a:headEnd type="triangle" w="med" len="med"/>
+            <a:tailEnd type="triangle" w="med" len="med"/>
+          </a:ln>
+        </p:spPr>
+        <p:style>
+          <a:lnRef idx="1">
+            <a:schemeClr val="accent1"/>
+          </a:lnRef>
+          <a:fillRef idx="0">
+            <a:schemeClr val="accent1"/>
+          </a:fillRef>
+          <a:effectRef idx="0">
+            <a:schemeClr val="accent1"/>
+          </a:effectRef>
+          <a:fontRef idx="minor">
+            <a:schemeClr val="tx1"/>
+          </a:fontRef>
+        </p:style>
+      </p:cxnSp>
+      <p:cxnSp>
+        <p:nvCxnSpPr>
+          <p:cNvPr id="143" name="Connettore 2 142"/>
+          <p:cNvCxnSpPr>
+            <a:endCxn id="122" idx="1"/>
+          </p:cNvCxnSpPr>
+          <p:nvPr/>
+        </p:nvCxnSpPr>
+        <p:spPr>
+          <a:xfrm flipH="1" flipV="1">
+            <a:off x="9429699" y="3940575"/>
+            <a:ext cx="538666" cy="6082"/>
+          </a:xfrm>
+          <a:prstGeom prst="straightConnector1">
+            <a:avLst/>
+          </a:prstGeom>
+          <a:ln w="28575">
+            <a:solidFill>
+              <a:srgbClr val="7030A0"/>
+            </a:solidFill>
+            <a:headEnd type="triangle" w="med" len="med"/>
+            <a:tailEnd type="triangle" w="med" len="med"/>
+          </a:ln>
+        </p:spPr>
+        <p:style>
+          <a:lnRef idx="1">
+            <a:schemeClr val="accent1"/>
+          </a:lnRef>
+          <a:fillRef idx="0">
+            <a:schemeClr val="accent1"/>
+          </a:fillRef>
+          <a:effectRef idx="0">
+            <a:schemeClr val="accent1"/>
+          </a:effectRef>
+          <a:fontRef idx="minor">
+            <a:schemeClr val="tx1"/>
+          </a:fontRef>
+        </p:style>
+      </p:cxnSp>
+      <p:sp>
+        <p:nvSpPr>
+          <p:cNvPr id="148" name="CasellaDiTesto 147"/>
+          <p:cNvSpPr txBox="1"/>
+          <p:nvPr/>
+        </p:nvSpPr>
+        <p:spPr>
+          <a:xfrm>
+            <a:off x="8193873" y="2986634"/>
+            <a:ext cx="1659505" cy="292388"/>
+          </a:xfrm>
+          <a:prstGeom prst="rect">
+            <a:avLst/>
+          </a:prstGeom>
+          <a:noFill/>
+        </p:spPr>
+        <p:txBody>
+          <a:bodyPr wrap="square" rtlCol="0">
+            <a:spAutoFit/>
+          </a:bodyPr>
+          <a:lstStyle/>
+          <a:p>
+            <a:r>
+              <a:rPr lang="it-IT" sz="1300" dirty="0" smtClean="0"/>
+              <a:t>For </a:t>
+            </a:r>
+            <a:r>
+              <a:rPr lang="it-IT" sz="1300" dirty="0" err="1" smtClean="0"/>
+              <a:t>device</a:t>
+            </a:r>
+            <a:r>
+              <a:rPr lang="it-IT" sz="1300" dirty="0" smtClean="0"/>
+              <a:t>(s)_2 [1,10]</a:t>
+            </a:r>
+            <a:endParaRPr lang="it-IT" sz="1300" dirty="0"/>
+          </a:p>
+        </p:txBody>
+      </p:sp>
+      <p:sp>
+        <p:nvSpPr>
+          <p:cNvPr id="149" name="CasellaDiTesto 148"/>
+          <p:cNvSpPr txBox="1"/>
+          <p:nvPr/>
+        </p:nvSpPr>
+        <p:spPr>
+          <a:xfrm>
+            <a:off x="8285494" y="5744423"/>
+            <a:ext cx="1659505" cy="292388"/>
+          </a:xfrm>
+          <a:prstGeom prst="rect">
+            <a:avLst/>
+          </a:prstGeom>
+          <a:noFill/>
+        </p:spPr>
+        <p:txBody>
+          <a:bodyPr wrap="square" rtlCol="0">
+            <a:spAutoFit/>
+          </a:bodyPr>
+          <a:lstStyle/>
+          <a:p>
+            <a:r>
+              <a:rPr lang="it-IT" sz="1300" dirty="0" smtClean="0"/>
+              <a:t>Assistance for [1,10]</a:t>
+            </a:r>
+            <a:endParaRPr lang="it-IT" sz="1300" dirty="0"/>
+          </a:p>
+        </p:txBody>
+      </p:sp>
+      <p:cxnSp>
+        <p:nvCxnSpPr>
+          <p:cNvPr id="150" name="Connettore 2 149"/>
+          <p:cNvCxnSpPr/>
+          <p:nvPr/>
+        </p:nvCxnSpPr>
+        <p:spPr>
+          <a:xfrm>
+            <a:off x="10162190" y="-17248"/>
+            <a:ext cx="29647" cy="3317025"/>
+          </a:xfrm>
+          <a:prstGeom prst="straightConnector1">
+            <a:avLst/>
+          </a:prstGeom>
+          <a:ln w="63500" cmpd="dbl">
+            <a:solidFill>
+              <a:srgbClr val="7030A0"/>
+            </a:solidFill>
+            <a:tailEnd type="triangle"/>
+          </a:ln>
+        </p:spPr>
+        <p:style>
+          <a:lnRef idx="1">
+            <a:schemeClr val="accent1"/>
+          </a:lnRef>
+          <a:fillRef idx="0">
+            <a:schemeClr val="accent1"/>
+          </a:fillRef>
+          <a:effectRef idx="0">
+            <a:schemeClr val="accent1"/>
+          </a:effectRef>
+          <a:fontRef idx="minor">
+            <a:schemeClr val="tx1"/>
+          </a:fontRef>
+        </p:style>
+      </p:cxnSp>
+      <p:cxnSp>
+        <p:nvCxnSpPr>
+          <p:cNvPr id="152" name="Connettore 2 151"/>
+          <p:cNvCxnSpPr/>
+          <p:nvPr/>
+        </p:nvCxnSpPr>
+        <p:spPr>
+          <a:xfrm>
+            <a:off x="11266961" y="-17000"/>
+            <a:ext cx="29647" cy="3317025"/>
+          </a:xfrm>
+          <a:prstGeom prst="straightConnector1">
+            <a:avLst/>
+          </a:prstGeom>
+          <a:ln w="63500" cmpd="dbl">
+            <a:solidFill>
+              <a:srgbClr val="7030A0"/>
+            </a:solidFill>
+            <a:tailEnd type="triangle"/>
+          </a:ln>
+        </p:spPr>
+        <p:style>
+          <a:lnRef idx="1">
+            <a:schemeClr val="accent1"/>
+          </a:lnRef>
+          <a:fillRef idx="0">
+            <a:schemeClr val="accent1"/>
+          </a:fillRef>
+          <a:effectRef idx="0">
+            <a:schemeClr val="accent1"/>
+          </a:effectRef>
+          <a:fontRef idx="minor">
+            <a:schemeClr val="tx1"/>
+          </a:fontRef>
+        </p:style>
+      </p:cxnSp>
+      <p:sp>
+        <p:nvSpPr>
+          <p:cNvPr id="153" name="CasellaDiTesto 152"/>
+          <p:cNvSpPr txBox="1"/>
+          <p:nvPr/>
+        </p:nvSpPr>
+        <p:spPr>
+          <a:xfrm>
+            <a:off x="3265101" y="1133780"/>
+            <a:ext cx="588974" cy="292388"/>
+          </a:xfrm>
+          <a:prstGeom prst="rect">
+            <a:avLst/>
+          </a:prstGeom>
+          <a:noFill/>
+        </p:spPr>
+        <p:txBody>
+          <a:bodyPr wrap="square" rtlCol="0">
+            <a:spAutoFit/>
+          </a:bodyPr>
+          <a:lstStyle/>
+          <a:p>
+            <a:r>
+              <a:rPr lang="it-IT" sz="1300" dirty="0" smtClean="0"/>
+              <a:t>I+GT</a:t>
+            </a:r>
+            <a:endParaRPr lang="it-IT" sz="1300" dirty="0"/>
+          </a:p>
+        </p:txBody>
+      </p:sp>
+      <p:sp>
+        <p:nvSpPr>
+          <p:cNvPr id="154" name="CasellaDiTesto 153"/>
+          <p:cNvSpPr txBox="1"/>
+          <p:nvPr/>
+        </p:nvSpPr>
+        <p:spPr>
+          <a:xfrm>
+            <a:off x="5982198" y="1132774"/>
+            <a:ext cx="588974" cy="292388"/>
+          </a:xfrm>
+          <a:prstGeom prst="rect">
+            <a:avLst/>
+          </a:prstGeom>
+          <a:noFill/>
+        </p:spPr>
+        <p:txBody>
+          <a:bodyPr wrap="square" rtlCol="0">
+            <a:spAutoFit/>
+          </a:bodyPr>
+          <a:lstStyle/>
+          <a:p>
+            <a:r>
+              <a:rPr lang="it-IT" sz="1300" dirty="0" smtClean="0"/>
+              <a:t>I+GT</a:t>
+            </a:r>
+            <a:endParaRPr lang="it-IT" sz="1300" dirty="0"/>
+          </a:p>
+        </p:txBody>
+      </p:sp>
+      <p:sp>
+        <p:nvSpPr>
+          <p:cNvPr id="155" name="CasellaDiTesto 154"/>
+          <p:cNvSpPr txBox="1"/>
+          <p:nvPr/>
+        </p:nvSpPr>
+        <p:spPr>
+          <a:xfrm>
+            <a:off x="7562580" y="1133780"/>
+            <a:ext cx="588974" cy="292388"/>
+          </a:xfrm>
+          <a:prstGeom prst="rect">
+            <a:avLst/>
+          </a:prstGeom>
+          <a:noFill/>
+        </p:spPr>
+        <p:txBody>
+          <a:bodyPr wrap="square" rtlCol="0">
+            <a:spAutoFit/>
+          </a:bodyPr>
+          <a:lstStyle/>
+          <a:p>
+            <a:r>
+              <a:rPr lang="it-IT" sz="1300" dirty="0" smtClean="0"/>
+              <a:t>I+GT</a:t>
+            </a:r>
+            <a:endParaRPr lang="it-IT" sz="1300" dirty="0"/>
+          </a:p>
+        </p:txBody>
+      </p:sp>
+      <p:sp>
+        <p:nvSpPr>
+          <p:cNvPr id="156" name="CasellaDiTesto 155"/>
+          <p:cNvSpPr txBox="1"/>
+          <p:nvPr/>
+        </p:nvSpPr>
+        <p:spPr>
+          <a:xfrm>
+            <a:off x="11271437" y="973423"/>
+            <a:ext cx="588974" cy="292388"/>
+          </a:xfrm>
+          <a:prstGeom prst="rect">
+            <a:avLst/>
+          </a:prstGeom>
+          <a:noFill/>
+        </p:spPr>
+        <p:txBody>
+          <a:bodyPr wrap="square" rtlCol="0">
+            <a:spAutoFit/>
+          </a:bodyPr>
+          <a:lstStyle/>
+          <a:p>
+            <a:r>
+              <a:rPr lang="it-IT" sz="1300" dirty="0" smtClean="0"/>
+              <a:t>I+GT</a:t>
+            </a:r>
+            <a:endParaRPr lang="it-IT" sz="1300" dirty="0"/>
+          </a:p>
+        </p:txBody>
+      </p:sp>
+      <p:sp>
+        <p:nvSpPr>
+          <p:cNvPr id="157" name="CasellaDiTesto 156"/>
+          <p:cNvSpPr txBox="1"/>
+          <p:nvPr/>
+        </p:nvSpPr>
+        <p:spPr>
+          <a:xfrm>
+            <a:off x="9730220" y="986580"/>
+            <a:ext cx="588974" cy="292388"/>
+          </a:xfrm>
+          <a:prstGeom prst="rect">
+            <a:avLst/>
+          </a:prstGeom>
+          <a:noFill/>
+        </p:spPr>
+        <p:txBody>
+          <a:bodyPr wrap="square" rtlCol="0">
+            <a:spAutoFit/>
+          </a:bodyPr>
+          <a:lstStyle/>
+          <a:p>
+            <a:r>
+              <a:rPr lang="it-IT" sz="1300" dirty="0" smtClean="0"/>
+              <a:t>I+GT</a:t>
+            </a:r>
+            <a:endParaRPr lang="it-IT" sz="1300" dirty="0"/>
+          </a:p>
+        </p:txBody>
+      </p:sp>
+      <p:sp>
+        <p:nvSpPr>
+          <p:cNvPr id="158" name="CasellaDiTesto 157"/>
+          <p:cNvSpPr txBox="1"/>
+          <p:nvPr/>
+        </p:nvSpPr>
+        <p:spPr>
+          <a:xfrm>
+            <a:off x="2505775" y="1135360"/>
+            <a:ext cx="588974" cy="292388"/>
+          </a:xfrm>
+          <a:prstGeom prst="rect">
+            <a:avLst/>
+          </a:prstGeom>
+          <a:noFill/>
+        </p:spPr>
+        <p:txBody>
+          <a:bodyPr wrap="square" rtlCol="0">
+            <a:spAutoFit/>
+          </a:bodyPr>
+          <a:lstStyle/>
+          <a:p>
+            <a:r>
+              <a:rPr lang="it-IT" sz="1300" dirty="0" smtClean="0"/>
+              <a:t>I+GT</a:t>
+            </a:r>
+            <a:endParaRPr lang="it-IT" sz="1300" dirty="0"/>
+          </a:p>
+        </p:txBody>
+      </p:sp>
+      <p:sp>
+        <p:nvSpPr>
+          <p:cNvPr id="161" name="CasellaDiTesto 160"/>
+          <p:cNvSpPr txBox="1"/>
+          <p:nvPr/>
+        </p:nvSpPr>
+        <p:spPr>
+          <a:xfrm>
+            <a:off x="936855" y="2340539"/>
+            <a:ext cx="588974" cy="292388"/>
+          </a:xfrm>
+          <a:prstGeom prst="rect">
+            <a:avLst/>
+          </a:prstGeom>
+          <a:noFill/>
+        </p:spPr>
+        <p:txBody>
+          <a:bodyPr wrap="square" rtlCol="0">
+            <a:spAutoFit/>
+          </a:bodyPr>
+          <a:lstStyle/>
+          <a:p>
+            <a:r>
+              <a:rPr lang="it-IT" sz="1300" dirty="0" smtClean="0"/>
+              <a:t>Index</a:t>
+            </a:r>
+            <a:endParaRPr lang="it-IT" sz="1300" dirty="0"/>
+          </a:p>
+        </p:txBody>
+      </p:sp>
+      <p:cxnSp>
+        <p:nvCxnSpPr>
+          <p:cNvPr id="162" name="Connettore 2 161"/>
+          <p:cNvCxnSpPr/>
+          <p:nvPr/>
+        </p:nvCxnSpPr>
+        <p:spPr>
+          <a:xfrm>
+            <a:off x="3364381" y="5461279"/>
+            <a:ext cx="2329396" cy="0"/>
+          </a:xfrm>
+          <a:prstGeom prst="straightConnector1">
+            <a:avLst/>
+          </a:prstGeom>
+          <a:ln w="63500" cmpd="dbl">
+            <a:solidFill>
+              <a:srgbClr val="7030A0"/>
+            </a:solidFill>
+            <a:tailEnd type="triangle"/>
+          </a:ln>
+        </p:spPr>
+        <p:style>
+          <a:lnRef idx="1">
+            <a:schemeClr val="accent1"/>
+          </a:lnRef>
+          <a:fillRef idx="0">
+            <a:schemeClr val="accent1"/>
+          </a:fillRef>
+          <a:effectRef idx="0">
+            <a:schemeClr val="accent1"/>
+          </a:effectRef>
+          <a:fontRef idx="minor">
+            <a:schemeClr val="tx1"/>
+          </a:fontRef>
+        </p:style>
+      </p:cxnSp>
+      <p:sp>
+        <p:nvSpPr>
+          <p:cNvPr id="166" name="CasellaDiTesto 165"/>
+          <p:cNvSpPr txBox="1"/>
+          <p:nvPr/>
+        </p:nvSpPr>
+        <p:spPr>
+          <a:xfrm>
+            <a:off x="3647898" y="5128999"/>
+            <a:ext cx="1863925" cy="292388"/>
+          </a:xfrm>
+          <a:prstGeom prst="rect">
+            <a:avLst/>
+          </a:prstGeom>
+          <a:noFill/>
+        </p:spPr>
+        <p:txBody>
+          <a:bodyPr wrap="square" rtlCol="0">
+            <a:spAutoFit/>
+          </a:bodyPr>
+          <a:lstStyle/>
+          <a:p>
+            <a:r>
+              <a:rPr lang="it-IT" sz="1300" dirty="0" err="1" smtClean="0"/>
+              <a:t>Available</a:t>
+            </a:r>
+            <a:r>
+              <a:rPr lang="it-IT" sz="1300" dirty="0" smtClean="0"/>
+              <a:t> SL service [1,5]</a:t>
+            </a:r>
+            <a:endParaRPr lang="it-IT" sz="1300" dirty="0"/>
+          </a:p>
+        </p:txBody>
+      </p:sp>
+      <p:sp>
+        <p:nvSpPr>
+          <p:cNvPr id="167" name="Triangolo isoscele 12"/>
+          <p:cNvSpPr/>
+          <p:nvPr/>
+        </p:nvSpPr>
+        <p:spPr>
+          <a:xfrm>
+            <a:off x="2902937" y="5275193"/>
+            <a:ext cx="462212" cy="422608"/>
+          </a:xfrm>
+          <a:custGeom>
+            <a:avLst/>
+            <a:gdLst>
+              <a:gd name="connsiteX0" fmla="*/ 0 w 1060704"/>
+              <a:gd name="connsiteY0" fmla="*/ 914400 h 914400"/>
+              <a:gd name="connsiteX1" fmla="*/ 530352 w 1060704"/>
+              <a:gd name="connsiteY1" fmla="*/ 0 h 914400"/>
+              <a:gd name="connsiteX2" fmla="*/ 1060704 w 1060704"/>
+              <a:gd name="connsiteY2" fmla="*/ 914400 h 914400"/>
+              <a:gd name="connsiteX3" fmla="*/ 0 w 1060704"/>
+              <a:gd name="connsiteY3" fmla="*/ 914400 h 914400"/>
+              <a:gd name="connsiteX0" fmla="*/ 0 w 1084534"/>
+              <a:gd name="connsiteY0" fmla="*/ 969818 h 969818"/>
+              <a:gd name="connsiteX1" fmla="*/ 1084534 w 1084534"/>
+              <a:gd name="connsiteY1" fmla="*/ 0 h 969818"/>
+              <a:gd name="connsiteX2" fmla="*/ 1060704 w 1084534"/>
+              <a:gd name="connsiteY2" fmla="*/ 969818 h 969818"/>
+              <a:gd name="connsiteX3" fmla="*/ 0 w 1084534"/>
+              <a:gd name="connsiteY3" fmla="*/ 969818 h 969818"/>
+              <a:gd name="connsiteX0" fmla="*/ 0 w 1060704"/>
+              <a:gd name="connsiteY0" fmla="*/ 969818 h 969818"/>
+              <a:gd name="connsiteX1" fmla="*/ 1042970 w 1060704"/>
+              <a:gd name="connsiteY1" fmla="*/ 0 h 969818"/>
+              <a:gd name="connsiteX2" fmla="*/ 1060704 w 1060704"/>
+              <a:gd name="connsiteY2" fmla="*/ 969818 h 969818"/>
+              <a:gd name="connsiteX3" fmla="*/ 0 w 1060704"/>
+              <a:gd name="connsiteY3" fmla="*/ 969818 h 969818"/>
+            </a:gdLst>
+            <a:ahLst/>
+            <a:cxnLst>
+              <a:cxn ang="0">
+                <a:pos x="connsiteX0" y="connsiteY0"/>
+              </a:cxn>
+              <a:cxn ang="0">
+                <a:pos x="connsiteX1" y="connsiteY1"/>
+              </a:cxn>
+              <a:cxn ang="0">
+                <a:pos x="connsiteX2" y="connsiteY2"/>
+              </a:cxn>
+              <a:cxn ang="0">
+                <a:pos x="connsiteX3" y="connsiteY3"/>
+              </a:cxn>
+            </a:cxnLst>
+            <a:rect l="l" t="t" r="r" b="b"/>
+            <a:pathLst>
+              <a:path w="1060704" h="969818">
+                <a:moveTo>
+                  <a:pt x="0" y="969818"/>
+                </a:moveTo>
+                <a:lnTo>
+                  <a:pt x="1042970" y="0"/>
+                </a:lnTo>
+                <a:lnTo>
+                  <a:pt x="1060704" y="969818"/>
+                </a:lnTo>
+                <a:lnTo>
+                  <a:pt x="0" y="969818"/>
+                </a:lnTo>
+                <a:close/>
+              </a:path>
+            </a:pathLst>
+          </a:custGeom>
+          <a:solidFill>
+            <a:srgbClr val="7030A0"/>
+          </a:solidFill>
+          <a:ln>
+            <a:solidFill>
+              <a:srgbClr val="870CA8"/>
+            </a:solidFill>
+          </a:ln>
+        </p:spPr>
+        <p:style>
+          <a:lnRef idx="2">
+            <a:schemeClr val="accent1">
+              <a:shade val="50000"/>
+            </a:schemeClr>
+          </a:lnRef>
+          <a:fillRef idx="1">
+            <a:schemeClr val="accent1"/>
+          </a:fillRef>
+          <a:effectRef idx="0">
+            <a:schemeClr val="accent1"/>
+          </a:effectRef>
+          <a:fontRef idx="minor">
+            <a:schemeClr val="lt1"/>
+          </a:fontRef>
+        </p:style>
+        <p:txBody>
+          <a:bodyPr rtlCol="0" anchor="ctr"/>
+          <a:lstStyle/>
+          <a:p>
+            <a:pPr algn="ctr"/>
+            <a:endParaRPr lang="it-IT"/>
+          </a:p>
+        </p:txBody>
+      </p:sp>
+      <p:sp>
+        <p:nvSpPr>
+          <p:cNvPr id="169" name="CasellaDiTesto 168"/>
+          <p:cNvSpPr txBox="1"/>
+          <p:nvPr/>
+        </p:nvSpPr>
+        <p:spPr>
+          <a:xfrm>
+            <a:off x="3957728" y="2132742"/>
+            <a:ext cx="588974" cy="292388"/>
+          </a:xfrm>
+          <a:prstGeom prst="rect">
+            <a:avLst/>
+          </a:prstGeom>
+          <a:noFill/>
+        </p:spPr>
+        <p:txBody>
+          <a:bodyPr wrap="square" rtlCol="0">
+            <a:spAutoFit/>
+          </a:bodyPr>
+          <a:lstStyle/>
+          <a:p>
+            <a:r>
+              <a:rPr lang="it-IT" sz="1300" dirty="0" smtClean="0"/>
+              <a:t>Index</a:t>
+            </a:r>
+            <a:endParaRPr lang="it-IT" sz="1300" dirty="0"/>
+          </a:p>
+        </p:txBody>
+      </p:sp>
+      <p:sp>
+        <p:nvSpPr>
+          <p:cNvPr id="170" name="CasellaDiTesto 169"/>
+          <p:cNvSpPr txBox="1"/>
+          <p:nvPr/>
+        </p:nvSpPr>
+        <p:spPr>
+          <a:xfrm>
+            <a:off x="10266382" y="2763495"/>
+            <a:ext cx="1061582" cy="492443"/>
+          </a:xfrm>
+          <a:prstGeom prst="rect">
+            <a:avLst/>
+          </a:prstGeom>
+          <a:noFill/>
+        </p:spPr>
+        <p:txBody>
+          <a:bodyPr wrap="square" rtlCol="0">
+            <a:spAutoFit/>
+          </a:bodyPr>
+          <a:lstStyle/>
+          <a:p>
+            <a:r>
+              <a:rPr lang="it-IT" sz="1300" dirty="0" smtClean="0"/>
+              <a:t>Assistance </a:t>
+            </a:r>
+          </a:p>
+          <a:p>
+            <a:r>
+              <a:rPr lang="it-IT" sz="1300" dirty="0" smtClean="0"/>
+              <a:t>Service [50]</a:t>
+            </a:r>
+            <a:endParaRPr lang="it-IT" sz="1300" dirty="0"/>
+          </a:p>
+        </p:txBody>
+      </p:sp>
     </p:spTree>
     <p:extLst>
       <p:ext uri="{BB962C8B-B14F-4D97-AF65-F5344CB8AC3E}">

--- a/Drafts & Material/IDM Models.pptx
+++ b/Drafts & Material/IDM Models.pptx
@@ -249,7 +249,7 @@
           <a:p>
             <a:fld id="{DB81182E-7B69-4EFE-B25E-B8DB71FFD0A7}" type="datetimeFigureOut">
               <a:rPr lang="en-US" smtClean="0"/>
-              <a:t>4/12/2016</a:t>
+              <a:t>4/18/2016</a:t>
             </a:fld>
             <a:endParaRPr lang="en-US"/>
           </a:p>
@@ -419,7 +419,7 @@
           <a:p>
             <a:fld id="{DB81182E-7B69-4EFE-B25E-B8DB71FFD0A7}" type="datetimeFigureOut">
               <a:rPr lang="en-US" smtClean="0"/>
-              <a:t>4/12/2016</a:t>
+              <a:t>4/18/2016</a:t>
             </a:fld>
             <a:endParaRPr lang="en-US"/>
           </a:p>
@@ -599,7 +599,7 @@
           <a:p>
             <a:fld id="{DB81182E-7B69-4EFE-B25E-B8DB71FFD0A7}" type="datetimeFigureOut">
               <a:rPr lang="en-US" smtClean="0"/>
-              <a:t>4/12/2016</a:t>
+              <a:t>4/18/2016</a:t>
             </a:fld>
             <a:endParaRPr lang="en-US"/>
           </a:p>
@@ -769,7 +769,7 @@
           <a:p>
             <a:fld id="{DB81182E-7B69-4EFE-B25E-B8DB71FFD0A7}" type="datetimeFigureOut">
               <a:rPr lang="en-US" smtClean="0"/>
-              <a:t>4/12/2016</a:t>
+              <a:t>4/18/2016</a:t>
             </a:fld>
             <a:endParaRPr lang="en-US"/>
           </a:p>
@@ -1015,7 +1015,7 @@
           <a:p>
             <a:fld id="{DB81182E-7B69-4EFE-B25E-B8DB71FFD0A7}" type="datetimeFigureOut">
               <a:rPr lang="en-US" smtClean="0"/>
-              <a:t>4/12/2016</a:t>
+              <a:t>4/18/2016</a:t>
             </a:fld>
             <a:endParaRPr lang="en-US"/>
           </a:p>
@@ -1247,7 +1247,7 @@
           <a:p>
             <a:fld id="{DB81182E-7B69-4EFE-B25E-B8DB71FFD0A7}" type="datetimeFigureOut">
               <a:rPr lang="en-US" smtClean="0"/>
-              <a:t>4/12/2016</a:t>
+              <a:t>4/18/2016</a:t>
             </a:fld>
             <a:endParaRPr lang="en-US"/>
           </a:p>
@@ -1614,7 +1614,7 @@
           <a:p>
             <a:fld id="{DB81182E-7B69-4EFE-B25E-B8DB71FFD0A7}" type="datetimeFigureOut">
               <a:rPr lang="en-US" smtClean="0"/>
-              <a:t>4/12/2016</a:t>
+              <a:t>4/18/2016</a:t>
             </a:fld>
             <a:endParaRPr lang="en-US"/>
           </a:p>
@@ -1732,7 +1732,7 @@
           <a:p>
             <a:fld id="{DB81182E-7B69-4EFE-B25E-B8DB71FFD0A7}" type="datetimeFigureOut">
               <a:rPr lang="en-US" smtClean="0"/>
-              <a:t>4/12/2016</a:t>
+              <a:t>4/18/2016</a:t>
             </a:fld>
             <a:endParaRPr lang="en-US"/>
           </a:p>
@@ -1827,7 +1827,7 @@
           <a:p>
             <a:fld id="{DB81182E-7B69-4EFE-B25E-B8DB71FFD0A7}" type="datetimeFigureOut">
               <a:rPr lang="en-US" smtClean="0"/>
-              <a:t>4/12/2016</a:t>
+              <a:t>4/18/2016</a:t>
             </a:fld>
             <a:endParaRPr lang="en-US"/>
           </a:p>
@@ -2104,7 +2104,7 @@
           <a:p>
             <a:fld id="{DB81182E-7B69-4EFE-B25E-B8DB71FFD0A7}" type="datetimeFigureOut">
               <a:rPr lang="en-US" smtClean="0"/>
-              <a:t>4/12/2016</a:t>
+              <a:t>4/18/2016</a:t>
             </a:fld>
             <a:endParaRPr lang="en-US"/>
           </a:p>
@@ -2357,7 +2357,7 @@
           <a:p>
             <a:fld id="{DB81182E-7B69-4EFE-B25E-B8DB71FFD0A7}" type="datetimeFigureOut">
               <a:rPr lang="en-US" smtClean="0"/>
-              <a:t>4/12/2016</a:t>
+              <a:t>4/18/2016</a:t>
             </a:fld>
             <a:endParaRPr lang="en-US"/>
           </a:p>
@@ -2570,7 +2570,7 @@
           <a:p>
             <a:fld id="{DB81182E-7B69-4EFE-B25E-B8DB71FFD0A7}" type="datetimeFigureOut">
               <a:rPr lang="en-US" smtClean="0"/>
-              <a:t>4/12/2016</a:t>
+              <a:t>4/18/2016</a:t>
             </a:fld>
             <a:endParaRPr lang="en-US"/>
           </a:p>
@@ -21582,11 +21582,7 @@
             </a:r>
             <a:r>
               <a:rPr lang="it-IT" sz="1300" dirty="0" smtClean="0"/>
-              <a:t> </a:t>
-            </a:r>
-            <a:r>
-              <a:rPr lang="it-IT" sz="1300" dirty="0" smtClean="0"/>
-              <a:t>X</a:t>
+              <a:t> X</a:t>
             </a:r>
             <a:endParaRPr lang="it-IT" sz="1300" dirty="0"/>
           </a:p>
@@ -21744,7 +21740,6 @@
               <a:rPr lang="it-IT" sz="1300" dirty="0" smtClean="0"/>
               <a:t>Assistance </a:t>
             </a:r>
-            <a:endParaRPr lang="it-IT" sz="1300" dirty="0" smtClean="0"/>
           </a:p>
           <a:p>
             <a:pPr algn="ctr"/>
@@ -21752,7 +21747,6 @@
               <a:rPr lang="it-IT" sz="1300" dirty="0" smtClean="0"/>
               <a:t>of</a:t>
             </a:r>
-            <a:endParaRPr lang="it-IT" sz="1300" dirty="0" smtClean="0"/>
           </a:p>
           <a:p>
             <a:r>
@@ -23890,6 +23884,43 @@
           </a:p>
         </p:txBody>
       </p:sp>
+      <p:cxnSp>
+        <p:nvCxnSpPr>
+          <p:cNvPr id="172" name="Connettore 2 171"/>
+          <p:cNvCxnSpPr/>
+          <p:nvPr/>
+        </p:nvCxnSpPr>
+        <p:spPr>
+          <a:xfrm flipV="1">
+            <a:off x="9473109" y="4655674"/>
+            <a:ext cx="0" cy="257475"/>
+          </a:xfrm>
+          <a:prstGeom prst="straightConnector1">
+            <a:avLst/>
+          </a:prstGeom>
+          <a:ln w="28575">
+            <a:solidFill>
+              <a:srgbClr val="7030A0"/>
+            </a:solidFill>
+            <a:headEnd type="triangle" w="med" len="med"/>
+            <a:tailEnd type="triangle" w="med" len="med"/>
+          </a:ln>
+        </p:spPr>
+        <p:style>
+          <a:lnRef idx="1">
+            <a:schemeClr val="accent1"/>
+          </a:lnRef>
+          <a:fillRef idx="0">
+            <a:schemeClr val="accent1"/>
+          </a:fillRef>
+          <a:effectRef idx="0">
+            <a:schemeClr val="accent1"/>
+          </a:effectRef>
+          <a:fontRef idx="minor">
+            <a:schemeClr val="tx1"/>
+          </a:fontRef>
+        </p:style>
+      </p:cxnSp>
     </p:spTree>
     <p:extLst>
       <p:ext uri="{BB962C8B-B14F-4D97-AF65-F5344CB8AC3E}">
@@ -24639,7 +24670,7 @@
         <p:grpSpPr>
           <a:xfrm>
             <a:off x="1302145" y="3047601"/>
-            <a:ext cx="2143042" cy="2785163"/>
+            <a:ext cx="2143042" cy="3047939"/>
             <a:chOff x="4463143" y="1001485"/>
             <a:chExt cx="2107474" cy="1323703"/>
           </a:xfrm>
@@ -24751,8 +24782,8 @@
         </p:nvGrpSpPr>
         <p:grpSpPr>
           <a:xfrm>
-            <a:off x="9975273" y="3299740"/>
-            <a:ext cx="1617828" cy="2533024"/>
+            <a:off x="9959553" y="3009717"/>
+            <a:ext cx="1617828" cy="1975453"/>
             <a:chOff x="4463143" y="1001485"/>
             <a:chExt cx="2107474" cy="1323703"/>
           </a:xfrm>
@@ -25096,8 +25127,8 @@
           <p:nvPr/>
         </p:nvSpPr>
         <p:spPr>
-          <a:xfrm rot="16200000">
-            <a:off x="7784768" y="5149114"/>
+          <a:xfrm>
+            <a:off x="2058458" y="6067027"/>
             <a:ext cx="447317" cy="177013"/>
           </a:xfrm>
           <a:prstGeom prst="rect">
@@ -26417,14 +26448,13 @@
           <p:cNvPr id="95" name="Connettore 2 94"/>
           <p:cNvCxnSpPr>
             <a:stCxn id="82" idx="3"/>
-            <a:endCxn id="26" idx="3"/>
           </p:cNvCxnSpPr>
           <p:nvPr/>
         </p:nvCxnSpPr>
         <p:spPr>
-          <a:xfrm flipH="1">
-            <a:off x="3445187" y="4431850"/>
-            <a:ext cx="680452" cy="8333"/>
+          <a:xfrm flipH="1" flipV="1">
+            <a:off x="3464298" y="4431849"/>
+            <a:ext cx="661341" cy="1"/>
           </a:xfrm>
           <a:prstGeom prst="straightConnector1">
             <a:avLst/>
@@ -26519,7 +26549,7 @@
         </p:nvSpPr>
         <p:spPr>
           <a:xfrm flipH="1">
-            <a:off x="10344107" y="4001897"/>
+            <a:off x="10345037" y="3554709"/>
             <a:ext cx="812249" cy="946392"/>
           </a:xfrm>
           <a:prstGeom prst="flowChartPunchedCard">
@@ -26579,7 +26609,7 @@
         </p:nvGrpSpPr>
         <p:grpSpPr>
           <a:xfrm>
-            <a:off x="8456517" y="4576617"/>
+            <a:off x="10461170" y="5547060"/>
             <a:ext cx="973182" cy="1130130"/>
             <a:chOff x="8938272" y="2780584"/>
             <a:chExt cx="1415373" cy="1643634"/>
@@ -26948,7 +26978,7 @@
         </p:nvGrpSpPr>
         <p:grpSpPr>
           <a:xfrm>
-            <a:off x="8456517" y="3283575"/>
+            <a:off x="8452111" y="3581901"/>
             <a:ext cx="973182" cy="1130130"/>
             <a:chOff x="8938272" y="2780584"/>
             <a:chExt cx="1415373" cy="1643634"/>
@@ -27312,15 +27342,13 @@
       <p:cxnSp>
         <p:nvCxnSpPr>
           <p:cNvPr id="131" name="Connettore 2 130"/>
-          <p:cNvCxnSpPr>
-            <a:stCxn id="112" idx="1"/>
-          </p:cNvCxnSpPr>
+          <p:cNvCxnSpPr/>
           <p:nvPr/>
         </p:nvCxnSpPr>
         <p:spPr>
-          <a:xfrm flipV="1">
-            <a:off x="9429699" y="5223164"/>
-            <a:ext cx="538666" cy="10453"/>
+          <a:xfrm flipH="1" flipV="1">
+            <a:off x="11017600" y="5008253"/>
+            <a:ext cx="12907" cy="730847"/>
           </a:xfrm>
           <a:prstGeom prst="straightConnector1">
             <a:avLst/>
@@ -27355,7 +27383,7 @@
         </p:nvSpPr>
         <p:spPr>
           <a:xfrm>
-            <a:off x="9447301" y="4867768"/>
+            <a:off x="11055141" y="5302657"/>
             <a:ext cx="588974" cy="292388"/>
           </a:xfrm>
           <a:prstGeom prst="rect">
@@ -27381,16 +27409,16 @@
         <p:nvCxnSpPr>
           <p:cNvPr id="133" name="Connettore 2 132"/>
           <p:cNvCxnSpPr>
-            <a:stCxn id="122" idx="3"/>
+            <a:stCxn id="122" idx="2"/>
           </p:cNvCxnSpPr>
           <p:nvPr/>
         </p:nvCxnSpPr>
         <p:spPr>
-          <a:xfrm flipH="1">
-            <a:off x="7922431" y="3940575"/>
-            <a:ext cx="726127" cy="4602"/>
-          </a:xfrm>
-          <a:prstGeom prst="straightConnector1">
+          <a:xfrm rot="5400000">
+            <a:off x="5596040" y="2561181"/>
+            <a:ext cx="1287833" cy="5589533"/>
+          </a:xfrm>
+          <a:prstGeom prst="bentConnector2">
             <a:avLst/>
           </a:prstGeom>
           <a:ln w="63500" cmpd="dbl">
@@ -27423,7 +27451,7 @@
         </p:nvSpPr>
         <p:spPr>
           <a:xfrm>
-            <a:off x="8088790" y="3640031"/>
+            <a:off x="9130806" y="4859285"/>
             <a:ext cx="588974" cy="292388"/>
           </a:xfrm>
           <a:prstGeom prst="rect">
@@ -27450,14 +27478,52 @@
           <p:cNvPr id="140" name="Connettore 2 139"/>
           <p:cNvCxnSpPr>
             <a:stCxn id="36" idx="2"/>
-            <a:endCxn id="112" idx="3"/>
           </p:cNvCxnSpPr>
           <p:nvPr/>
         </p:nvCxnSpPr>
         <p:spPr>
-          <a:xfrm flipV="1">
-            <a:off x="8096933" y="5233617"/>
-            <a:ext cx="551625" cy="4003"/>
+          <a:xfrm rot="16200000" flipH="1">
+            <a:off x="6335490" y="2190666"/>
+            <a:ext cx="265377" cy="8372123"/>
+          </a:xfrm>
+          <a:prstGeom prst="bentConnector2">
+            <a:avLst/>
+          </a:prstGeom>
+          <a:ln w="28575">
+            <a:solidFill>
+              <a:srgbClr val="7030A0"/>
+            </a:solidFill>
+            <a:headEnd type="triangle" w="med" len="med"/>
+            <a:tailEnd type="triangle" w="med" len="med"/>
+          </a:ln>
+        </p:spPr>
+        <p:style>
+          <a:lnRef idx="1">
+            <a:schemeClr val="accent1"/>
+          </a:lnRef>
+          <a:fillRef idx="0">
+            <a:schemeClr val="accent1"/>
+          </a:fillRef>
+          <a:effectRef idx="0">
+            <a:schemeClr val="accent1"/>
+          </a:effectRef>
+          <a:fontRef idx="minor">
+            <a:schemeClr val="tx1"/>
+          </a:fontRef>
+        </p:style>
+      </p:cxnSp>
+      <p:cxnSp>
+        <p:nvCxnSpPr>
+          <p:cNvPr id="143" name="Connettore 2 142"/>
+          <p:cNvCxnSpPr>
+            <a:endCxn id="122" idx="1"/>
+          </p:cNvCxnSpPr>
+          <p:nvPr/>
+        </p:nvCxnSpPr>
+        <p:spPr>
+          <a:xfrm flipH="1" flipV="1">
+            <a:off x="9425293" y="4238901"/>
+            <a:ext cx="538666" cy="6082"/>
           </a:xfrm>
           <a:prstGeom prst="straightConnector1">
             <a:avLst/>
@@ -27485,45 +27551,6 @@
           </a:fontRef>
         </p:style>
       </p:cxnSp>
-      <p:cxnSp>
-        <p:nvCxnSpPr>
-          <p:cNvPr id="143" name="Connettore 2 142"/>
-          <p:cNvCxnSpPr>
-            <a:endCxn id="122" idx="1"/>
-          </p:cNvCxnSpPr>
-          <p:nvPr/>
-        </p:nvCxnSpPr>
-        <p:spPr>
-          <a:xfrm flipH="1" flipV="1">
-            <a:off x="9429699" y="3940575"/>
-            <a:ext cx="538666" cy="6082"/>
-          </a:xfrm>
-          <a:prstGeom prst="straightConnector1">
-            <a:avLst/>
-          </a:prstGeom>
-          <a:ln w="28575">
-            <a:solidFill>
-              <a:srgbClr val="7030A0"/>
-            </a:solidFill>
-            <a:headEnd type="triangle" w="med" len="med"/>
-            <a:tailEnd type="triangle" w="med" len="med"/>
-          </a:ln>
-        </p:spPr>
-        <p:style>
-          <a:lnRef idx="1">
-            <a:schemeClr val="accent1"/>
-          </a:lnRef>
-          <a:fillRef idx="0">
-            <a:schemeClr val="accent1"/>
-          </a:fillRef>
-          <a:effectRef idx="0">
-            <a:schemeClr val="accent1"/>
-          </a:effectRef>
-          <a:fontRef idx="minor">
-            <a:schemeClr val="tx1"/>
-          </a:fontRef>
-        </p:style>
-      </p:cxnSp>
       <p:sp>
         <p:nvSpPr>
           <p:cNvPr id="148" name="CasellaDiTesto 147"/>
@@ -27532,7 +27559,7 @@
         </p:nvSpPr>
         <p:spPr>
           <a:xfrm>
-            <a:off x="8193873" y="2986634"/>
+            <a:off x="8189467" y="3284960"/>
             <a:ext cx="1659505" cy="292388"/>
           </a:xfrm>
           <a:prstGeom prst="rect">
@@ -27570,8 +27597,8 @@
         </p:nvSpPr>
         <p:spPr>
           <a:xfrm>
-            <a:off x="8285494" y="5744423"/>
-            <a:ext cx="1659505" cy="292388"/>
+            <a:off x="9778870" y="5273199"/>
+            <a:ext cx="1659505" cy="492443"/>
           </a:xfrm>
           <a:prstGeom prst="rect">
             <a:avLst/>
@@ -27586,7 +27613,21 @@
           <a:p>
             <a:r>
               <a:rPr lang="it-IT" sz="1300" dirty="0" smtClean="0"/>
-              <a:t>Assistance for [1,10]</a:t>
+              <a:t>Assistance </a:t>
+            </a:r>
+            <a:r>
+              <a:rPr lang="it-IT" sz="1300" dirty="0" smtClean="0"/>
+              <a:t>for</a:t>
+            </a:r>
+          </a:p>
+          <a:p>
+            <a:r>
+              <a:rPr lang="it-IT" sz="1300" dirty="0" smtClean="0"/>
+              <a:t>[</a:t>
+            </a:r>
+            <a:r>
+              <a:rPr lang="it-IT" sz="1300" dirty="0" smtClean="0"/>
+              <a:t>1,10]</a:t>
             </a:r>
             <a:endParaRPr lang="it-IT" sz="1300" dirty="0"/>
           </a:p>
@@ -27599,9 +27640,9 @@
           <p:nvPr/>
         </p:nvCxnSpPr>
         <p:spPr>
-          <a:xfrm>
-            <a:off x="10162190" y="-17248"/>
-            <a:ext cx="29647" cy="3317025"/>
+          <a:xfrm flipH="1">
+            <a:off x="10133104" y="-17248"/>
+            <a:ext cx="29086" cy="3003882"/>
           </a:xfrm>
           <a:prstGeom prst="straightConnector1">
             <a:avLst/>
@@ -27636,8 +27677,8 @@
         </p:nvCxnSpPr>
         <p:spPr>
           <a:xfrm>
-            <a:off x="11266961" y="-17000"/>
-            <a:ext cx="29647" cy="3317025"/>
+            <a:off x="11343340" y="0"/>
+            <a:ext cx="0" cy="2983272"/>
           </a:xfrm>
           <a:prstGeom prst="straightConnector1">
             <a:avLst/>
@@ -27762,7 +27803,7 @@
         </p:nvSpPr>
         <p:spPr>
           <a:xfrm>
-            <a:off x="11271437" y="973423"/>
+            <a:off x="11359364" y="986580"/>
             <a:ext cx="588974" cy="292388"/>
           </a:xfrm>
           <a:prstGeom prst="rect">
@@ -28089,7 +28130,7 @@
         </p:nvSpPr>
         <p:spPr>
           <a:xfrm>
-            <a:off x="10266382" y="2763495"/>
+            <a:off x="10281758" y="2490829"/>
             <a:ext cx="1061582" cy="492443"/>
           </a:xfrm>
           <a:prstGeom prst="rect">

--- a/Drafts & Material/IDM Models.pptx
+++ b/Drafts & Material/IDM Models.pptx
@@ -249,7 +249,7 @@
           <a:p>
             <a:fld id="{DB81182E-7B69-4EFE-B25E-B8DB71FFD0A7}" type="datetimeFigureOut">
               <a:rPr lang="en-US" smtClean="0"/>
-              <a:t>4/18/2016</a:t>
+              <a:t>4/19/2016</a:t>
             </a:fld>
             <a:endParaRPr lang="en-US"/>
           </a:p>
@@ -419,7 +419,7 @@
           <a:p>
             <a:fld id="{DB81182E-7B69-4EFE-B25E-B8DB71FFD0A7}" type="datetimeFigureOut">
               <a:rPr lang="en-US" smtClean="0"/>
-              <a:t>4/18/2016</a:t>
+              <a:t>4/19/2016</a:t>
             </a:fld>
             <a:endParaRPr lang="en-US"/>
           </a:p>
@@ -599,7 +599,7 @@
           <a:p>
             <a:fld id="{DB81182E-7B69-4EFE-B25E-B8DB71FFD0A7}" type="datetimeFigureOut">
               <a:rPr lang="en-US" smtClean="0"/>
-              <a:t>4/18/2016</a:t>
+              <a:t>4/19/2016</a:t>
             </a:fld>
             <a:endParaRPr lang="en-US"/>
           </a:p>
@@ -769,7 +769,7 @@
           <a:p>
             <a:fld id="{DB81182E-7B69-4EFE-B25E-B8DB71FFD0A7}" type="datetimeFigureOut">
               <a:rPr lang="en-US" smtClean="0"/>
-              <a:t>4/18/2016</a:t>
+              <a:t>4/19/2016</a:t>
             </a:fld>
             <a:endParaRPr lang="en-US"/>
           </a:p>
@@ -1015,7 +1015,7 @@
           <a:p>
             <a:fld id="{DB81182E-7B69-4EFE-B25E-B8DB71FFD0A7}" type="datetimeFigureOut">
               <a:rPr lang="en-US" smtClean="0"/>
-              <a:t>4/18/2016</a:t>
+              <a:t>4/19/2016</a:t>
             </a:fld>
             <a:endParaRPr lang="en-US"/>
           </a:p>
@@ -1247,7 +1247,7 @@
           <a:p>
             <a:fld id="{DB81182E-7B69-4EFE-B25E-B8DB71FFD0A7}" type="datetimeFigureOut">
               <a:rPr lang="en-US" smtClean="0"/>
-              <a:t>4/18/2016</a:t>
+              <a:t>4/19/2016</a:t>
             </a:fld>
             <a:endParaRPr lang="en-US"/>
           </a:p>
@@ -1614,7 +1614,7 @@
           <a:p>
             <a:fld id="{DB81182E-7B69-4EFE-B25E-B8DB71FFD0A7}" type="datetimeFigureOut">
               <a:rPr lang="en-US" smtClean="0"/>
-              <a:t>4/18/2016</a:t>
+              <a:t>4/19/2016</a:t>
             </a:fld>
             <a:endParaRPr lang="en-US"/>
           </a:p>
@@ -1732,7 +1732,7 @@
           <a:p>
             <a:fld id="{DB81182E-7B69-4EFE-B25E-B8DB71FFD0A7}" type="datetimeFigureOut">
               <a:rPr lang="en-US" smtClean="0"/>
-              <a:t>4/18/2016</a:t>
+              <a:t>4/19/2016</a:t>
             </a:fld>
             <a:endParaRPr lang="en-US"/>
           </a:p>
@@ -1827,7 +1827,7 @@
           <a:p>
             <a:fld id="{DB81182E-7B69-4EFE-B25E-B8DB71FFD0A7}" type="datetimeFigureOut">
               <a:rPr lang="en-US" smtClean="0"/>
-              <a:t>4/18/2016</a:t>
+              <a:t>4/19/2016</a:t>
             </a:fld>
             <a:endParaRPr lang="en-US"/>
           </a:p>
@@ -2104,7 +2104,7 @@
           <a:p>
             <a:fld id="{DB81182E-7B69-4EFE-B25E-B8DB71FFD0A7}" type="datetimeFigureOut">
               <a:rPr lang="en-US" smtClean="0"/>
-              <a:t>4/18/2016</a:t>
+              <a:t>4/19/2016</a:t>
             </a:fld>
             <a:endParaRPr lang="en-US"/>
           </a:p>
@@ -2357,7 +2357,7 @@
           <a:p>
             <a:fld id="{DB81182E-7B69-4EFE-B25E-B8DB71FFD0A7}" type="datetimeFigureOut">
               <a:rPr lang="en-US" smtClean="0"/>
-              <a:t>4/18/2016</a:t>
+              <a:t>4/19/2016</a:t>
             </a:fld>
             <a:endParaRPr lang="en-US"/>
           </a:p>
@@ -2570,7 +2570,7 @@
           <a:p>
             <a:fld id="{DB81182E-7B69-4EFE-B25E-B8DB71FFD0A7}" type="datetimeFigureOut">
               <a:rPr lang="en-US" smtClean="0"/>
-              <a:t>4/18/2016</a:t>
+              <a:t>4/19/2016</a:t>
             </a:fld>
             <a:endParaRPr lang="en-US"/>
           </a:p>
@@ -24669,8 +24669,8 @@
         </p:nvGrpSpPr>
         <p:grpSpPr>
           <a:xfrm>
-            <a:off x="1302145" y="3047601"/>
-            <a:ext cx="2143042" cy="3047939"/>
+            <a:off x="930620" y="3047601"/>
+            <a:ext cx="2514567" cy="3047939"/>
             <a:chOff x="4463143" y="1001485"/>
             <a:chExt cx="2107474" cy="1323703"/>
           </a:xfrm>
@@ -24896,7 +24896,7 @@
         <p:grpSpPr>
           <a:xfrm>
             <a:off x="5693777" y="3123243"/>
-            <a:ext cx="2217167" cy="2709521"/>
+            <a:ext cx="2662251" cy="2709521"/>
             <a:chOff x="4463143" y="1001485"/>
             <a:chExt cx="2107474" cy="1323703"/>
           </a:xfrm>
@@ -25068,8 +25068,8 @@
         </p:nvSpPr>
         <p:spPr>
           <a:xfrm flipH="1">
-            <a:off x="1958658" y="4503666"/>
-            <a:ext cx="812249" cy="883362"/>
+            <a:off x="2302406" y="4609277"/>
+            <a:ext cx="812249" cy="936960"/>
           </a:xfrm>
           <a:prstGeom prst="flowChartPunchedCard">
             <a:avLst/>
@@ -25260,7 +25260,7 @@
         </p:nvSpPr>
         <p:spPr>
           <a:xfrm rot="16200000">
-            <a:off x="989798" y="3381865"/>
+            <a:off x="611638" y="3391801"/>
             <a:ext cx="447317" cy="177013"/>
           </a:xfrm>
           <a:prstGeom prst="rect">
@@ -25321,13 +25321,15 @@
       <p:cxnSp>
         <p:nvCxnSpPr>
           <p:cNvPr id="40" name="Connettore 2 39"/>
-          <p:cNvCxnSpPr/>
+          <p:cNvCxnSpPr>
+            <a:stCxn id="39" idx="2"/>
+          </p:cNvCxnSpPr>
           <p:nvPr/>
         </p:nvCxnSpPr>
         <p:spPr>
           <a:xfrm>
-            <a:off x="1301963" y="3418713"/>
-            <a:ext cx="656694" cy="432851"/>
+            <a:off x="923803" y="3480307"/>
+            <a:ext cx="1062036" cy="369867"/>
           </a:xfrm>
           <a:prstGeom prst="straightConnector1">
             <a:avLst/>
@@ -25362,7 +25364,7 @@
         </p:nvSpPr>
         <p:spPr>
           <a:xfrm>
-            <a:off x="1420774" y="5394421"/>
+            <a:off x="1179747" y="5624142"/>
             <a:ext cx="588974" cy="292388"/>
           </a:xfrm>
           <a:prstGeom prst="rect">
@@ -25554,8 +25556,8 @@
         </p:nvSpPr>
         <p:spPr>
           <a:xfrm flipH="1">
-            <a:off x="6902684" y="4502984"/>
-            <a:ext cx="739021" cy="847268"/>
+            <a:off x="7586705" y="4510153"/>
+            <a:ext cx="564848" cy="829182"/>
           </a:xfrm>
           <a:prstGeom prst="flowChartPunchedCard">
             <a:avLst/>
@@ -25734,7 +25736,7 @@
         </p:nvSpPr>
         <p:spPr>
           <a:xfrm>
-            <a:off x="7317374" y="5379088"/>
+            <a:off x="7789246" y="3364432"/>
             <a:ext cx="588974" cy="292388"/>
           </a:xfrm>
           <a:prstGeom prst="rect">
@@ -27559,8 +27561,8 @@
         </p:nvSpPr>
         <p:spPr>
           <a:xfrm>
-            <a:off x="8189467" y="3284960"/>
-            <a:ext cx="1659505" cy="292388"/>
+            <a:off x="8595540" y="3095925"/>
+            <a:ext cx="1659505" cy="492443"/>
           </a:xfrm>
           <a:prstGeom prst="rect">
             <a:avLst/>
@@ -27583,7 +27585,18 @@
             </a:r>
             <a:r>
               <a:rPr lang="it-IT" sz="1300" dirty="0" smtClean="0"/>
-              <a:t>(s)_2 [1,10]</a:t>
+              <a:t>(s)_2 </a:t>
+            </a:r>
+            <a:endParaRPr lang="it-IT" sz="1300" dirty="0" smtClean="0"/>
+          </a:p>
+          <a:p>
+            <a:r>
+              <a:rPr lang="it-IT" sz="1300" dirty="0" smtClean="0"/>
+              <a:t>[</a:t>
+            </a:r>
+            <a:r>
+              <a:rPr lang="it-IT" sz="1300" dirty="0" smtClean="0"/>
+              <a:t>1,10]</a:t>
             </a:r>
             <a:endParaRPr lang="it-IT" sz="1300" dirty="0"/>
           </a:p>
@@ -27613,21 +27626,13 @@
           <a:p>
             <a:r>
               <a:rPr lang="it-IT" sz="1300" dirty="0" smtClean="0"/>
-              <a:t>Assistance </a:t>
+              <a:t>Assistance for</a:t>
             </a:r>
+          </a:p>
+          <a:p>
             <a:r>
               <a:rPr lang="it-IT" sz="1300" dirty="0" smtClean="0"/>
-              <a:t>for</a:t>
-            </a:r>
-          </a:p>
-          <a:p>
-            <a:r>
-              <a:rPr lang="it-IT" sz="1300" dirty="0" smtClean="0"/>
-              <a:t>[</a:t>
-            </a:r>
-            <a:r>
-              <a:rPr lang="it-IT" sz="1300" dirty="0" smtClean="0"/>
-              <a:t>1,10]</a:t>
+              <a:t>[1,10]</a:t>
             </a:r>
             <a:endParaRPr lang="it-IT" sz="1300" dirty="0"/>
           </a:p>
@@ -27923,7 +27928,7 @@
         </p:nvCxnSpPr>
         <p:spPr>
           <a:xfrm>
-            <a:off x="3364381" y="5461279"/>
+            <a:off x="3382004" y="5611488"/>
             <a:ext cx="2329396" cy="0"/>
           </a:xfrm>
           <a:prstGeom prst="straightConnector1">
@@ -27959,7 +27964,7 @@
         </p:nvSpPr>
         <p:spPr>
           <a:xfrm>
-            <a:off x="3647898" y="5128999"/>
+            <a:off x="3635382" y="5281133"/>
             <a:ext cx="1863925" cy="292388"/>
           </a:xfrm>
           <a:prstGeom prst="rect">
@@ -27993,7 +27998,7 @@
         </p:nvSpPr>
         <p:spPr>
           <a:xfrm>
-            <a:off x="2902937" y="5275193"/>
+            <a:off x="2902171" y="5521939"/>
             <a:ext cx="462212" cy="422608"/>
           </a:xfrm>
           <a:custGeom>
@@ -28155,6 +28160,126 @@
               <a:t>Service [50]</a:t>
             </a:r>
             <a:endParaRPr lang="it-IT" sz="1300" dirty="0"/>
+          </a:p>
+        </p:txBody>
+      </p:sp>
+      <p:sp>
+        <p:nvSpPr>
+          <p:cNvPr id="108" name="Scheda 107"/>
+          <p:cNvSpPr/>
+          <p:nvPr/>
+        </p:nvSpPr>
+        <p:spPr>
+          <a:xfrm flipH="1">
+            <a:off x="1209555" y="4576147"/>
+            <a:ext cx="905328" cy="970913"/>
+          </a:xfrm>
+          <a:prstGeom prst="flowChartPunchedCard">
+            <a:avLst/>
+          </a:prstGeom>
+          <a:solidFill>
+            <a:schemeClr val="bg1"/>
+          </a:solidFill>
+          <a:ln w="38100">
+            <a:solidFill>
+              <a:srgbClr val="7030A0"/>
+            </a:solidFill>
+          </a:ln>
+        </p:spPr>
+        <p:style>
+          <a:lnRef idx="2">
+            <a:schemeClr val="accent1">
+              <a:shade val="50000"/>
+            </a:schemeClr>
+          </a:lnRef>
+          <a:fillRef idx="1">
+            <a:schemeClr val="accent1"/>
+          </a:fillRef>
+          <a:effectRef idx="0">
+            <a:schemeClr val="accent1"/>
+          </a:effectRef>
+          <a:fontRef idx="minor">
+            <a:schemeClr val="lt1"/>
+          </a:fontRef>
+        </p:style>
+        <p:txBody>
+          <a:bodyPr rtlCol="0" anchor="ctr"/>
+          <a:lstStyle/>
+          <a:p>
+            <a:pPr algn="ctr"/>
+            <a:r>
+              <a:rPr lang="en-US" sz="1300" dirty="0" smtClean="0">
+                <a:solidFill>
+                  <a:schemeClr val="tx1"/>
+                </a:solidFill>
+              </a:rPr>
+              <a:t>Promotion</a:t>
+            </a:r>
+            <a:endParaRPr lang="en-US" sz="1300" dirty="0">
+              <a:solidFill>
+                <a:schemeClr val="tx1"/>
+              </a:solidFill>
+            </a:endParaRPr>
+          </a:p>
+        </p:txBody>
+      </p:sp>
+      <p:sp>
+        <p:nvSpPr>
+          <p:cNvPr id="109" name="Scheda 108"/>
+          <p:cNvSpPr/>
+          <p:nvPr/>
+        </p:nvSpPr>
+        <p:spPr>
+          <a:xfrm flipH="1">
+            <a:off x="6773855" y="4512667"/>
+            <a:ext cx="716767" cy="839931"/>
+          </a:xfrm>
+          <a:prstGeom prst="flowChartPunchedCard">
+            <a:avLst/>
+          </a:prstGeom>
+          <a:solidFill>
+            <a:schemeClr val="bg1"/>
+          </a:solidFill>
+          <a:ln w="38100">
+            <a:solidFill>
+              <a:srgbClr val="7030A0"/>
+            </a:solidFill>
+          </a:ln>
+        </p:spPr>
+        <p:style>
+          <a:lnRef idx="2">
+            <a:schemeClr val="accent1">
+              <a:shade val="50000"/>
+            </a:schemeClr>
+          </a:lnRef>
+          <a:fillRef idx="1">
+            <a:schemeClr val="accent1"/>
+          </a:fillRef>
+          <a:effectRef idx="0">
+            <a:schemeClr val="accent1"/>
+          </a:effectRef>
+          <a:fontRef idx="minor">
+            <a:schemeClr val="lt1"/>
+          </a:fontRef>
+        </p:style>
+        <p:txBody>
+          <a:bodyPr rtlCol="0" anchor="ctr"/>
+          <a:lstStyle/>
+          <a:p>
+            <a:pPr algn="ctr"/>
+            <a:r>
+              <a:rPr lang="en-US" sz="1300" dirty="0" smtClean="0">
+                <a:solidFill>
+                  <a:schemeClr val="tx1"/>
+                </a:solidFill>
+              </a:rPr>
+              <a:t>Promotion</a:t>
+            </a:r>
+            <a:endParaRPr lang="en-US" sz="1300" dirty="0">
+              <a:solidFill>
+                <a:schemeClr val="tx1"/>
+              </a:solidFill>
+            </a:endParaRPr>
           </a:p>
         </p:txBody>
       </p:sp>

--- a/Drafts & Material/IDM Models.pptx
+++ b/Drafts & Material/IDM Models.pptx
@@ -249,7 +249,7 @@
           <a:p>
             <a:fld id="{DB81182E-7B69-4EFE-B25E-B8DB71FFD0A7}" type="datetimeFigureOut">
               <a:rPr lang="en-US" smtClean="0"/>
-              <a:t>4/19/2016</a:t>
+              <a:t>5/2/2016</a:t>
             </a:fld>
             <a:endParaRPr lang="en-US"/>
           </a:p>
@@ -419,7 +419,7 @@
           <a:p>
             <a:fld id="{DB81182E-7B69-4EFE-B25E-B8DB71FFD0A7}" type="datetimeFigureOut">
               <a:rPr lang="en-US" smtClean="0"/>
-              <a:t>4/19/2016</a:t>
+              <a:t>5/2/2016</a:t>
             </a:fld>
             <a:endParaRPr lang="en-US"/>
           </a:p>
@@ -599,7 +599,7 @@
           <a:p>
             <a:fld id="{DB81182E-7B69-4EFE-B25E-B8DB71FFD0A7}" type="datetimeFigureOut">
               <a:rPr lang="en-US" smtClean="0"/>
-              <a:t>4/19/2016</a:t>
+              <a:t>5/2/2016</a:t>
             </a:fld>
             <a:endParaRPr lang="en-US"/>
           </a:p>
@@ -769,7 +769,7 @@
           <a:p>
             <a:fld id="{DB81182E-7B69-4EFE-B25E-B8DB71FFD0A7}" type="datetimeFigureOut">
               <a:rPr lang="en-US" smtClean="0"/>
-              <a:t>4/19/2016</a:t>
+              <a:t>5/2/2016</a:t>
             </a:fld>
             <a:endParaRPr lang="en-US"/>
           </a:p>
@@ -1015,7 +1015,7 @@
           <a:p>
             <a:fld id="{DB81182E-7B69-4EFE-B25E-B8DB71FFD0A7}" type="datetimeFigureOut">
               <a:rPr lang="en-US" smtClean="0"/>
-              <a:t>4/19/2016</a:t>
+              <a:t>5/2/2016</a:t>
             </a:fld>
             <a:endParaRPr lang="en-US"/>
           </a:p>
@@ -1247,7 +1247,7 @@
           <a:p>
             <a:fld id="{DB81182E-7B69-4EFE-B25E-B8DB71FFD0A7}" type="datetimeFigureOut">
               <a:rPr lang="en-US" smtClean="0"/>
-              <a:t>4/19/2016</a:t>
+              <a:t>5/2/2016</a:t>
             </a:fld>
             <a:endParaRPr lang="en-US"/>
           </a:p>
@@ -1614,7 +1614,7 @@
           <a:p>
             <a:fld id="{DB81182E-7B69-4EFE-B25E-B8DB71FFD0A7}" type="datetimeFigureOut">
               <a:rPr lang="en-US" smtClean="0"/>
-              <a:t>4/19/2016</a:t>
+              <a:t>5/2/2016</a:t>
             </a:fld>
             <a:endParaRPr lang="en-US"/>
           </a:p>
@@ -1732,7 +1732,7 @@
           <a:p>
             <a:fld id="{DB81182E-7B69-4EFE-B25E-B8DB71FFD0A7}" type="datetimeFigureOut">
               <a:rPr lang="en-US" smtClean="0"/>
-              <a:t>4/19/2016</a:t>
+              <a:t>5/2/2016</a:t>
             </a:fld>
             <a:endParaRPr lang="en-US"/>
           </a:p>
@@ -1827,7 +1827,7 @@
           <a:p>
             <a:fld id="{DB81182E-7B69-4EFE-B25E-B8DB71FFD0A7}" type="datetimeFigureOut">
               <a:rPr lang="en-US" smtClean="0"/>
-              <a:t>4/19/2016</a:t>
+              <a:t>5/2/2016</a:t>
             </a:fld>
             <a:endParaRPr lang="en-US"/>
           </a:p>
@@ -2104,7 +2104,7 @@
           <a:p>
             <a:fld id="{DB81182E-7B69-4EFE-B25E-B8DB71FFD0A7}" type="datetimeFigureOut">
               <a:rPr lang="en-US" smtClean="0"/>
-              <a:t>4/19/2016</a:t>
+              <a:t>5/2/2016</a:t>
             </a:fld>
             <a:endParaRPr lang="en-US"/>
           </a:p>
@@ -2357,7 +2357,7 @@
           <a:p>
             <a:fld id="{DB81182E-7B69-4EFE-B25E-B8DB71FFD0A7}" type="datetimeFigureOut">
               <a:rPr lang="en-US" smtClean="0"/>
-              <a:t>4/19/2016</a:t>
+              <a:t>5/2/2016</a:t>
             </a:fld>
             <a:endParaRPr lang="en-US"/>
           </a:p>
@@ -2570,7 +2570,7 @@
           <a:p>
             <a:fld id="{DB81182E-7B69-4EFE-B25E-B8DB71FFD0A7}" type="datetimeFigureOut">
               <a:rPr lang="en-US" smtClean="0"/>
-              <a:t>4/19/2016</a:t>
+              <a:t>5/2/2016</a:t>
             </a:fld>
             <a:endParaRPr lang="en-US"/>
           </a:p>
@@ -22156,7 +22156,7 @@
         </p:nvSpPr>
         <p:spPr>
           <a:xfrm>
-            <a:off x="6002824" y="3541602"/>
+            <a:off x="5644484" y="6380604"/>
             <a:ext cx="1237968" cy="292388"/>
           </a:xfrm>
           <a:prstGeom prst="rect">
@@ -23921,6 +23921,74 @@
           </a:fontRef>
         </p:style>
       </p:cxnSp>
+      <p:cxnSp>
+        <p:nvCxnSpPr>
+          <p:cNvPr id="173" name="Connettore 2 172"/>
+          <p:cNvCxnSpPr/>
+          <p:nvPr/>
+        </p:nvCxnSpPr>
+        <p:spPr>
+          <a:xfrm rot="5400000">
+            <a:off x="4055029" y="4758551"/>
+            <a:ext cx="3839394" cy="359509"/>
+          </a:xfrm>
+          <a:prstGeom prst="bentConnector3">
+            <a:avLst>
+              <a:gd name="adj1" fmla="val 30514"/>
+            </a:avLst>
+          </a:prstGeom>
+          <a:ln w="63500" cmpd="dbl">
+            <a:solidFill>
+              <a:srgbClr val="7030A0"/>
+            </a:solidFill>
+            <a:tailEnd type="triangle"/>
+          </a:ln>
+        </p:spPr>
+        <p:style>
+          <a:lnRef idx="1">
+            <a:schemeClr val="accent1"/>
+          </a:lnRef>
+          <a:fillRef idx="0">
+            <a:schemeClr val="accent1"/>
+          </a:fillRef>
+          <a:effectRef idx="0">
+            <a:schemeClr val="accent1"/>
+          </a:effectRef>
+          <a:fontRef idx="minor">
+            <a:schemeClr val="tx1"/>
+          </a:fontRef>
+        </p:style>
+      </p:cxnSp>
+      <p:sp>
+        <p:nvSpPr>
+          <p:cNvPr id="174" name="CasellaDiTesto 173"/>
+          <p:cNvSpPr txBox="1"/>
+          <p:nvPr/>
+        </p:nvSpPr>
+        <p:spPr>
+          <a:xfrm>
+            <a:off x="6091263" y="3777974"/>
+            <a:ext cx="1237968" cy="292388"/>
+          </a:xfrm>
+          <a:prstGeom prst="rect">
+            <a:avLst/>
+          </a:prstGeom>
+          <a:noFill/>
+        </p:spPr>
+        <p:txBody>
+          <a:bodyPr wrap="square" rtlCol="0">
+            <a:spAutoFit/>
+          </a:bodyPr>
+          <a:lstStyle/>
+          <a:p>
+            <a:r>
+              <a:rPr lang="it-IT" sz="1300" dirty="0" smtClean="0"/>
+              <a:t>INDEX</a:t>
+            </a:r>
+            <a:endParaRPr lang="it-IT" sz="1300" dirty="0"/>
+          </a:p>
+        </p:txBody>
+      </p:sp>
     </p:spTree>
     <p:extLst>
       <p:ext uri="{BB962C8B-B14F-4D97-AF65-F5344CB8AC3E}">
@@ -24782,8 +24850,8 @@
         </p:nvGrpSpPr>
         <p:grpSpPr>
           <a:xfrm>
-            <a:off x="9959553" y="3009717"/>
-            <a:ext cx="1617828" cy="1975453"/>
+            <a:off x="9936409" y="2734676"/>
+            <a:ext cx="1617828" cy="2269024"/>
             <a:chOff x="4463143" y="1001485"/>
             <a:chExt cx="2107474" cy="1323703"/>
           </a:xfrm>
@@ -25556,8 +25624,8 @@
         </p:nvSpPr>
         <p:spPr>
           <a:xfrm flipH="1">
-            <a:off x="7586705" y="4510153"/>
-            <a:ext cx="564848" cy="829182"/>
+            <a:off x="10321303" y="4024711"/>
+            <a:ext cx="737196" cy="715043"/>
           </a:xfrm>
           <a:prstGeom prst="flowChartPunchedCard">
             <a:avLst/>
@@ -26551,7 +26619,7 @@
         </p:nvSpPr>
         <p:spPr>
           <a:xfrm flipH="1">
-            <a:off x="10345037" y="3554709"/>
+            <a:off x="10316047" y="2929913"/>
             <a:ext cx="812249" cy="946392"/>
           </a:xfrm>
           <a:prstGeom prst="flowChartPunchedCard">
@@ -27587,16 +27655,11 @@
               <a:rPr lang="it-IT" sz="1300" dirty="0" smtClean="0"/>
               <a:t>(s)_2 </a:t>
             </a:r>
-            <a:endParaRPr lang="it-IT" sz="1300" dirty="0" smtClean="0"/>
           </a:p>
           <a:p>
             <a:r>
               <a:rPr lang="it-IT" sz="1300" dirty="0" smtClean="0"/>
-              <a:t>[</a:t>
-            </a:r>
-            <a:r>
-              <a:rPr lang="it-IT" sz="1300" dirty="0" smtClean="0"/>
-              <a:t>1,10]</a:t>
+              <a:t>[1,10]</a:t>
             </a:r>
             <a:endParaRPr lang="it-IT" sz="1300" dirty="0"/>
           </a:p>
@@ -27646,8 +27709,8 @@
         </p:nvCxnSpPr>
         <p:spPr>
           <a:xfrm flipH="1">
-            <a:off x="10133104" y="-17248"/>
-            <a:ext cx="29086" cy="3003882"/>
+            <a:off x="10280166" y="-3691"/>
+            <a:ext cx="6809" cy="2734577"/>
           </a:xfrm>
           <a:prstGeom prst="straightConnector1">
             <a:avLst/>
@@ -27682,7 +27745,7 @@
         </p:nvCxnSpPr>
         <p:spPr>
           <a:xfrm>
-            <a:off x="11343340" y="0"/>
+            <a:off x="11316627" y="-220946"/>
             <a:ext cx="0" cy="2983272"/>
           </a:xfrm>
           <a:prstGeom prst="straightConnector1">
@@ -27838,7 +27901,7 @@
         </p:nvSpPr>
         <p:spPr>
           <a:xfrm>
-            <a:off x="9730220" y="986580"/>
+            <a:off x="10283264" y="806454"/>
             <a:ext cx="588974" cy="292388"/>
           </a:xfrm>
           <a:prstGeom prst="rect">
@@ -28135,7 +28198,7 @@
         </p:nvSpPr>
         <p:spPr>
           <a:xfrm>
-            <a:off x="10281758" y="2490829"/>
+            <a:off x="10329711" y="2241656"/>
             <a:ext cx="1061582" cy="492443"/>
           </a:xfrm>
           <a:prstGeom prst="rect">
@@ -28280,6 +28343,236 @@
                 <a:schemeClr val="tx1"/>
               </a:solidFill>
             </a:endParaRPr>
+          </a:p>
+        </p:txBody>
+      </p:sp>
+      <p:sp>
+        <p:nvSpPr>
+          <p:cNvPr id="134" name="CasellaDiTesto 133"/>
+          <p:cNvSpPr txBox="1"/>
+          <p:nvPr/>
+        </p:nvSpPr>
+        <p:spPr>
+          <a:xfrm>
+            <a:off x="11066736" y="4568036"/>
+            <a:ext cx="588974" cy="292388"/>
+          </a:xfrm>
+          <a:prstGeom prst="rect">
+            <a:avLst/>
+          </a:prstGeom>
+          <a:noFill/>
+        </p:spPr>
+        <p:txBody>
+          <a:bodyPr wrap="square" rtlCol="0">
+            <a:spAutoFit/>
+          </a:bodyPr>
+          <a:lstStyle/>
+          <a:p>
+            <a:r>
+              <a:rPr lang="it-IT" sz="1300" dirty="0" smtClean="0"/>
+              <a:t>A2A</a:t>
+            </a:r>
+            <a:endParaRPr lang="it-IT" sz="1300" dirty="0"/>
+          </a:p>
+        </p:txBody>
+      </p:sp>
+      <p:sp>
+        <p:nvSpPr>
+          <p:cNvPr id="135" name="Rettangolo 134"/>
+          <p:cNvSpPr/>
+          <p:nvPr/>
+        </p:nvSpPr>
+        <p:spPr>
+          <a:xfrm rot="16200000">
+            <a:off x="9619891" y="2833920"/>
+            <a:ext cx="447317" cy="177013"/>
+          </a:xfrm>
+          <a:prstGeom prst="rect">
+            <a:avLst/>
+          </a:prstGeom>
+          <a:gradFill flip="none" rotWithShape="1">
+            <a:gsLst>
+              <a:gs pos="13000">
+                <a:srgbClr val="7030A0"/>
+              </a:gs>
+              <a:gs pos="88000">
+                <a:srgbClr val="7030A0">
+                  <a:tint val="44500"/>
+                  <a:satMod val="160000"/>
+                </a:srgbClr>
+              </a:gs>
+              <a:gs pos="100000">
+                <a:srgbClr val="7030A0">
+                  <a:tint val="23500"/>
+                  <a:satMod val="160000"/>
+                </a:srgbClr>
+              </a:gs>
+            </a:gsLst>
+            <a:lin ang="5400000" scaled="1"/>
+            <a:tileRect/>
+          </a:gradFill>
+          <a:ln w="12700">
+            <a:solidFill>
+              <a:srgbClr val="7030A0"/>
+            </a:solidFill>
+          </a:ln>
+        </p:spPr>
+        <p:style>
+          <a:lnRef idx="2">
+            <a:schemeClr val="accent1">
+              <a:shade val="50000"/>
+            </a:schemeClr>
+          </a:lnRef>
+          <a:fillRef idx="1">
+            <a:schemeClr val="accent1"/>
+          </a:fillRef>
+          <a:effectRef idx="0">
+            <a:schemeClr val="accent1"/>
+          </a:effectRef>
+          <a:fontRef idx="minor">
+            <a:schemeClr val="lt1"/>
+          </a:fontRef>
+        </p:style>
+        <p:txBody>
+          <a:bodyPr rtlCol="0" anchor="ctr"/>
+          <a:lstStyle/>
+          <a:p>
+            <a:pPr algn="ctr"/>
+            <a:endParaRPr lang="en-US"/>
+          </a:p>
+        </p:txBody>
+      </p:sp>
+      <p:cxnSp>
+        <p:nvCxnSpPr>
+          <p:cNvPr id="136" name="Connettore 2 135"/>
+          <p:cNvCxnSpPr>
+            <a:endCxn id="100" idx="3"/>
+          </p:cNvCxnSpPr>
+          <p:nvPr/>
+        </p:nvCxnSpPr>
+        <p:spPr>
+          <a:xfrm>
+            <a:off x="9945496" y="2922425"/>
+            <a:ext cx="370551" cy="480684"/>
+          </a:xfrm>
+          <a:prstGeom prst="straightConnector1">
+            <a:avLst/>
+          </a:prstGeom>
+          <a:ln w="28575">
+            <a:solidFill>
+              <a:srgbClr val="7030A0"/>
+            </a:solidFill>
+            <a:tailEnd type="triangle"/>
+          </a:ln>
+        </p:spPr>
+        <p:style>
+          <a:lnRef idx="1">
+            <a:schemeClr val="accent1"/>
+          </a:lnRef>
+          <a:fillRef idx="0">
+            <a:schemeClr val="accent1"/>
+          </a:fillRef>
+          <a:effectRef idx="0">
+            <a:schemeClr val="accent1"/>
+          </a:effectRef>
+          <a:fontRef idx="minor">
+            <a:schemeClr val="tx1"/>
+          </a:fontRef>
+        </p:style>
+      </p:cxnSp>
+      <p:sp>
+        <p:nvSpPr>
+          <p:cNvPr id="137" name="CasellaDiTesto 136"/>
+          <p:cNvSpPr txBox="1"/>
+          <p:nvPr/>
+        </p:nvSpPr>
+        <p:spPr>
+          <a:xfrm>
+            <a:off x="4196459" y="5611488"/>
+            <a:ext cx="588974" cy="292388"/>
+          </a:xfrm>
+          <a:prstGeom prst="rect">
+            <a:avLst/>
+          </a:prstGeom>
+          <a:noFill/>
+        </p:spPr>
+        <p:txBody>
+          <a:bodyPr wrap="square" rtlCol="0">
+            <a:spAutoFit/>
+          </a:bodyPr>
+          <a:lstStyle/>
+          <a:p>
+            <a:r>
+              <a:rPr lang="it-IT" sz="1300" dirty="0" smtClean="0"/>
+              <a:t>Index</a:t>
+            </a:r>
+            <a:endParaRPr lang="it-IT" sz="1300" dirty="0"/>
+          </a:p>
+        </p:txBody>
+      </p:sp>
+      <p:cxnSp>
+        <p:nvCxnSpPr>
+          <p:cNvPr id="138" name="Connettore 2 137"/>
+          <p:cNvCxnSpPr/>
+          <p:nvPr/>
+        </p:nvCxnSpPr>
+        <p:spPr>
+          <a:xfrm flipH="1">
+            <a:off x="10031016" y="-10731"/>
+            <a:ext cx="6809" cy="2734577"/>
+          </a:xfrm>
+          <a:prstGeom prst="straightConnector1">
+            <a:avLst/>
+          </a:prstGeom>
+          <a:ln w="63500" cmpd="dbl">
+            <a:solidFill>
+              <a:srgbClr val="7030A0"/>
+            </a:solidFill>
+            <a:tailEnd type="triangle"/>
+          </a:ln>
+        </p:spPr>
+        <p:style>
+          <a:lnRef idx="1">
+            <a:schemeClr val="accent1"/>
+          </a:lnRef>
+          <a:fillRef idx="0">
+            <a:schemeClr val="accent1"/>
+          </a:fillRef>
+          <a:effectRef idx="0">
+            <a:schemeClr val="accent1"/>
+          </a:effectRef>
+          <a:fontRef idx="minor">
+            <a:schemeClr val="tx1"/>
+          </a:fontRef>
+        </p:style>
+      </p:cxnSp>
+      <p:sp>
+        <p:nvSpPr>
+          <p:cNvPr id="141" name="CasellaDiTesto 140"/>
+          <p:cNvSpPr txBox="1"/>
+          <p:nvPr/>
+        </p:nvSpPr>
+        <p:spPr>
+          <a:xfrm>
+            <a:off x="9497533" y="1619976"/>
+            <a:ext cx="588974" cy="292388"/>
+          </a:xfrm>
+          <a:prstGeom prst="rect">
+            <a:avLst/>
+          </a:prstGeom>
+          <a:noFill/>
+        </p:spPr>
+        <p:txBody>
+          <a:bodyPr wrap="square" rtlCol="0">
+            <a:spAutoFit/>
+          </a:bodyPr>
+          <a:lstStyle/>
+          <a:p>
+            <a:r>
+              <a:rPr lang="it-IT" sz="1300" dirty="0" smtClean="0"/>
+              <a:t>Index</a:t>
+            </a:r>
+            <a:endParaRPr lang="it-IT" sz="1300" dirty="0"/>
           </a:p>
         </p:txBody>
       </p:sp>
